--- a/Slide_Show/The Story of Sports.pptx
+++ b/Slide_Show/The Story of Sports.pptx
@@ -9,17 +9,20 @@
     <p:sldId id="258" r:id="rId6"/>
     <p:sldId id="259" r:id="rId7"/>
     <p:sldId id="261" r:id="rId8"/>
-    <p:sldId id="260" r:id="rId9"/>
-    <p:sldId id="264" r:id="rId10"/>
-    <p:sldId id="265" r:id="rId11"/>
-    <p:sldId id="266" r:id="rId12"/>
-    <p:sldId id="267" r:id="rId13"/>
-    <p:sldId id="268" r:id="rId14"/>
-    <p:sldId id="269" r:id="rId15"/>
-    <p:sldId id="270" r:id="rId16"/>
-    <p:sldId id="271" r:id="rId17"/>
-    <p:sldId id="272" r:id="rId18"/>
-    <p:sldId id="273" r:id="rId19"/>
+    <p:sldId id="275" r:id="rId9"/>
+    <p:sldId id="276" r:id="rId10"/>
+    <p:sldId id="277" r:id="rId11"/>
+    <p:sldId id="260" r:id="rId12"/>
+    <p:sldId id="264" r:id="rId13"/>
+    <p:sldId id="265" r:id="rId14"/>
+    <p:sldId id="266" r:id="rId15"/>
+    <p:sldId id="267" r:id="rId16"/>
+    <p:sldId id="268" r:id="rId17"/>
+    <p:sldId id="269" r:id="rId18"/>
+    <p:sldId id="270" r:id="rId19"/>
+    <p:sldId id="271" r:id="rId20"/>
+    <p:sldId id="272" r:id="rId21"/>
+    <p:sldId id="273" r:id="rId22"/>
   </p:sldIdLst>
   <p:sldSz cx="12192000" cy="6858000"/>
   <p:notesSz cx="6858000" cy="9144000"/>
@@ -595,7 +598,7 @@
           <a:p>
             <a:fld id="{EA0C0817-A112-4847-8014-A94B7D2A4EA3}" type="datetime1">
               <a:rPr lang="en-US" smtClean="0"/>
-              <a:t>10/5/2021</a:t>
+              <a:t>10/6/2021</a:t>
             </a:fld>
             <a:endParaRPr lang="en-US" dirty="0"/>
           </a:p>
@@ -797,7 +800,7 @@
           <a:p>
             <a:fld id="{7332B432-ACDA-4023-A761-2BAB76577B62}" type="datetime1">
               <a:rPr lang="en-US" smtClean="0"/>
-              <a:t>10/5/2021</a:t>
+              <a:t>10/6/2021</a:t>
             </a:fld>
             <a:endParaRPr lang="en-US" dirty="0"/>
           </a:p>
@@ -1396,7 +1399,7 @@
           <a:p>
             <a:fld id="{D9C646AA-F36E-4540-911D-FFFC0A0EF24A}" type="datetime1">
               <a:rPr lang="en-US" smtClean="0"/>
-              <a:t>10/5/2021</a:t>
+              <a:t>10/6/2021</a:t>
             </a:fld>
             <a:endParaRPr lang="en-US" dirty="0"/>
           </a:p>
@@ -1716,7 +1719,7 @@
           <a:p>
             <a:fld id="{69186D26-FA5F-4637-B602-B7C2DC34CFD4}" type="datetime1">
               <a:rPr lang="en-US" smtClean="0"/>
-              <a:t>10/5/2021</a:t>
+              <a:t>10/6/2021</a:t>
             </a:fld>
             <a:endParaRPr lang="en-US" dirty="0"/>
           </a:p>
@@ -2153,7 +2156,7 @@
           <a:p>
             <a:fld id="{8A7F15D8-96D1-4781-BC50-CA8A088B2FE4}" type="datetime1">
               <a:rPr lang="en-US" smtClean="0"/>
-              <a:t>10/5/2021</a:t>
+              <a:t>10/6/2021</a:t>
             </a:fld>
             <a:endParaRPr lang="en-US" dirty="0"/>
           </a:p>
@@ -2271,7 +2274,7 @@
           <a:p>
             <a:fld id="{F9A96C99-B8F8-4528-BD05-0E16E943DC09}" type="datetime1">
               <a:rPr lang="en-US" smtClean="0"/>
-              <a:t>10/5/2021</a:t>
+              <a:t>10/6/2021</a:t>
             </a:fld>
             <a:endParaRPr lang="en-US" dirty="0"/>
           </a:p>
@@ -2366,7 +2369,7 @@
           <a:p>
             <a:fld id="{03636942-C211-4B28-8DBD-C953E00AF71B}" type="datetime1">
               <a:rPr lang="en-US" smtClean="0"/>
-              <a:t>10/5/2021</a:t>
+              <a:t>10/6/2021</a:t>
             </a:fld>
             <a:endParaRPr lang="en-US" dirty="0"/>
           </a:p>
@@ -2783,7 +2786,7 @@
           <a:p>
             <a:fld id="{7E8D12A6-918A-48BD-8CB9-CA713993B0EA}" type="datetime1">
               <a:rPr lang="en-US" smtClean="0"/>
-              <a:t>10/5/2021</a:t>
+              <a:t>10/6/2021</a:t>
             </a:fld>
             <a:endParaRPr lang="en-US" dirty="0"/>
           </a:p>
@@ -3045,7 +3048,7 @@
             <a:fld id="{E778CE86-875F-4587-BCF6-FA054AFC0D53}" type="datetime1">
               <a:rPr lang="en-US" smtClean="0"/>
               <a:pPr/>
-              <a:t>10/5/2021</a:t>
+              <a:t>10/6/2021</a:t>
             </a:fld>
             <a:endParaRPr lang="en-US" dirty="0"/>
           </a:p>
@@ -3561,7 +3564,7 @@
           <a:p>
             <a:fld id="{F6FA2B21-3FCD-4721-B95C-427943F61125}" type="datetime1">
               <a:rPr lang="en-US" smtClean="0"/>
-              <a:t>10/5/2021</a:t>
+              <a:t>10/6/2021</a:t>
             </a:fld>
             <a:endParaRPr lang="en-US" dirty="0"/>
           </a:p>
@@ -4457,131 +4460,6 @@
             <a:endParaRPr lang="es-ES" dirty="0"/>
           </a:p>
           <a:p>
-            <a:r>
-              <a:rPr lang="es-ES" dirty="0" err="1"/>
-              <a:t>Plot</a:t>
-            </a:r>
-            <a:r>
-              <a:rPr lang="es-ES" dirty="0"/>
-              <a:t>, </a:t>
-            </a:r>
-            <a:r>
-              <a:rPr lang="es-ES" dirty="0" err="1"/>
-              <a:t>plot</a:t>
-            </a:r>
-            <a:r>
-              <a:rPr lang="es-ES" dirty="0"/>
-              <a:t> </a:t>
-            </a:r>
-            <a:r>
-              <a:rPr lang="es-ES" dirty="0" err="1"/>
-              <a:t>plot</a:t>
-            </a:r>
-            <a:endParaRPr lang="es-ES" dirty="0"/>
-          </a:p>
-          <a:p>
-            <a:r>
-              <a:rPr lang="es-ES" dirty="0" err="1"/>
-              <a:t>Predicting</a:t>
-            </a:r>
-            <a:r>
-              <a:rPr lang="es-ES" dirty="0"/>
-              <a:t> </a:t>
-            </a:r>
-            <a:r>
-              <a:rPr lang="es-ES" dirty="0" err="1"/>
-              <a:t>the</a:t>
-            </a:r>
-            <a:r>
-              <a:rPr lang="es-ES" dirty="0"/>
-              <a:t> </a:t>
-            </a:r>
-            <a:r>
-              <a:rPr lang="es-ES" dirty="0" err="1"/>
-              <a:t>next</a:t>
-            </a:r>
-            <a:r>
-              <a:rPr lang="es-ES" dirty="0"/>
-              <a:t> 10 </a:t>
-            </a:r>
-            <a:r>
-              <a:rPr lang="es-ES" dirty="0" err="1"/>
-              <a:t>years</a:t>
-            </a:r>
-            <a:r>
-              <a:rPr lang="es-ES" dirty="0"/>
-              <a:t> </a:t>
-            </a:r>
-            <a:r>
-              <a:rPr lang="es-ES" dirty="0" err="1"/>
-              <a:t>by</a:t>
-            </a:r>
-            <a:r>
-              <a:rPr lang="es-ES" dirty="0"/>
-              <a:t> a </a:t>
-            </a:r>
-            <a:r>
-              <a:rPr lang="es-ES" dirty="0" err="1"/>
-              <a:t>polynomic</a:t>
-            </a:r>
-            <a:r>
-              <a:rPr lang="es-ES" dirty="0"/>
-              <a:t> </a:t>
-            </a:r>
-            <a:r>
-              <a:rPr lang="es-ES" dirty="0" err="1"/>
-              <a:t>regression</a:t>
-            </a:r>
-            <a:endParaRPr lang="es-ES" dirty="0"/>
-          </a:p>
-          <a:p>
-            <a:r>
-              <a:rPr lang="es-ES" dirty="0" err="1"/>
-              <a:t>Clusterizing</a:t>
-            </a:r>
-            <a:r>
-              <a:rPr lang="es-ES" dirty="0"/>
-              <a:t> </a:t>
-            </a:r>
-            <a:r>
-              <a:rPr lang="es-ES" dirty="0" err="1"/>
-              <a:t>all</a:t>
-            </a:r>
-            <a:r>
-              <a:rPr lang="es-ES" dirty="0"/>
-              <a:t> </a:t>
-            </a:r>
-            <a:r>
-              <a:rPr lang="es-ES" dirty="0" err="1"/>
-              <a:t>my</a:t>
-            </a:r>
-            <a:r>
-              <a:rPr lang="es-ES" dirty="0"/>
-              <a:t> </a:t>
-            </a:r>
-            <a:r>
-              <a:rPr lang="es-ES" dirty="0" err="1"/>
-              <a:t>sports</a:t>
-            </a:r>
-            <a:r>
-              <a:rPr lang="es-ES" dirty="0"/>
-              <a:t> </a:t>
-            </a:r>
-            <a:r>
-              <a:rPr lang="es-ES" dirty="0" err="1"/>
-              <a:t>with</a:t>
-            </a:r>
-            <a:r>
-              <a:rPr lang="es-ES" dirty="0"/>
-              <a:t> K-</a:t>
-            </a:r>
-            <a:r>
-              <a:rPr lang="es-ES" dirty="0" err="1"/>
-              <a:t>Means</a:t>
-            </a:r>
-            <a:endParaRPr lang="es-ES" dirty="0"/>
-          </a:p>
-          <a:p>
             <a:endParaRPr lang="es-ES" dirty="0"/>
           </a:p>
           <a:p>
@@ -4595,7 +4473,7 @@
     </p:spTree>
     <p:extLst>
       <p:ext uri="{BB962C8B-B14F-4D97-AF65-F5344CB8AC3E}">
-        <p14:creationId xmlns:p14="http://schemas.microsoft.com/office/powerpoint/2010/main" val="3659448085"/>
+        <p14:creationId xmlns:p14="http://schemas.microsoft.com/office/powerpoint/2010/main" val="668208124"/>
       </p:ext>
     </p:extLst>
   </p:cSld>
@@ -4798,158 +4676,6 @@
             <a:endParaRPr lang="es-ES" dirty="0"/>
           </a:p>
           <a:p>
-            <a:r>
-              <a:rPr lang="es-ES" dirty="0" err="1"/>
-              <a:t>Predicting</a:t>
-            </a:r>
-            <a:r>
-              <a:rPr lang="es-ES" dirty="0"/>
-              <a:t> </a:t>
-            </a:r>
-            <a:r>
-              <a:rPr lang="es-ES" dirty="0" err="1"/>
-              <a:t>the</a:t>
-            </a:r>
-            <a:r>
-              <a:rPr lang="es-ES" dirty="0"/>
-              <a:t> </a:t>
-            </a:r>
-            <a:r>
-              <a:rPr lang="es-ES" dirty="0" err="1"/>
-              <a:t>next</a:t>
-            </a:r>
-            <a:r>
-              <a:rPr lang="es-ES" dirty="0"/>
-              <a:t> 10 </a:t>
-            </a:r>
-            <a:r>
-              <a:rPr lang="es-ES" dirty="0" err="1"/>
-              <a:t>years</a:t>
-            </a:r>
-            <a:r>
-              <a:rPr lang="es-ES" dirty="0"/>
-              <a:t> </a:t>
-            </a:r>
-            <a:r>
-              <a:rPr lang="es-ES" dirty="0" err="1"/>
-              <a:t>by</a:t>
-            </a:r>
-            <a:r>
-              <a:rPr lang="es-ES" dirty="0"/>
-              <a:t> a </a:t>
-            </a:r>
-            <a:r>
-              <a:rPr lang="es-ES" dirty="0" err="1"/>
-              <a:t>polynomic</a:t>
-            </a:r>
-            <a:r>
-              <a:rPr lang="es-ES" dirty="0"/>
-              <a:t> </a:t>
-            </a:r>
-            <a:r>
-              <a:rPr lang="es-ES" dirty="0" err="1"/>
-              <a:t>regression</a:t>
-            </a:r>
-            <a:endParaRPr lang="es-ES" dirty="0"/>
-          </a:p>
-          <a:p>
-            <a:r>
-              <a:rPr lang="es-ES" dirty="0" err="1"/>
-              <a:t>Clusterizing</a:t>
-            </a:r>
-            <a:r>
-              <a:rPr lang="es-ES" dirty="0"/>
-              <a:t> </a:t>
-            </a:r>
-            <a:r>
-              <a:rPr lang="es-ES" dirty="0" err="1"/>
-              <a:t>all</a:t>
-            </a:r>
-            <a:r>
-              <a:rPr lang="es-ES" dirty="0"/>
-              <a:t> </a:t>
-            </a:r>
-            <a:r>
-              <a:rPr lang="es-ES" dirty="0" err="1"/>
-              <a:t>my</a:t>
-            </a:r>
-            <a:r>
-              <a:rPr lang="es-ES" dirty="0"/>
-              <a:t> </a:t>
-            </a:r>
-            <a:r>
-              <a:rPr lang="es-ES" dirty="0" err="1"/>
-              <a:t>sports</a:t>
-            </a:r>
-            <a:r>
-              <a:rPr lang="es-ES" dirty="0"/>
-              <a:t> </a:t>
-            </a:r>
-            <a:r>
-              <a:rPr lang="es-ES" dirty="0" err="1"/>
-              <a:t>with</a:t>
-            </a:r>
-            <a:r>
-              <a:rPr lang="es-ES" dirty="0"/>
-              <a:t> K-</a:t>
-            </a:r>
-            <a:r>
-              <a:rPr lang="es-ES" dirty="0" err="1"/>
-              <a:t>Means</a:t>
-            </a:r>
-            <a:endParaRPr lang="es-ES" dirty="0"/>
-          </a:p>
-          <a:p>
-            <a:r>
-              <a:rPr lang="es-ES" dirty="0" err="1"/>
-              <a:t>Predicting</a:t>
-            </a:r>
-            <a:r>
-              <a:rPr lang="es-ES" dirty="0"/>
-              <a:t> </a:t>
-            </a:r>
-            <a:r>
-              <a:rPr lang="es-ES" dirty="0" err="1"/>
-              <a:t>your</a:t>
-            </a:r>
-            <a:r>
-              <a:rPr lang="es-ES" dirty="0"/>
-              <a:t> </a:t>
-            </a:r>
-            <a:r>
-              <a:rPr lang="es-ES" dirty="0" err="1"/>
-              <a:t>best</a:t>
-            </a:r>
-            <a:r>
-              <a:rPr lang="es-ES" dirty="0"/>
-              <a:t> sport </a:t>
-            </a:r>
-            <a:r>
-              <a:rPr lang="es-ES" dirty="0" err="1"/>
-              <a:t>with</a:t>
-            </a:r>
-            <a:r>
-              <a:rPr lang="es-ES" dirty="0"/>
-              <a:t> a </a:t>
-            </a:r>
-            <a:r>
-              <a:rPr lang="es-ES" dirty="0" err="1"/>
-              <a:t>proximity</a:t>
-            </a:r>
-            <a:r>
-              <a:rPr lang="es-ES" dirty="0"/>
-              <a:t> </a:t>
-            </a:r>
-            <a:r>
-              <a:rPr lang="es-ES" dirty="0" err="1"/>
-              <a:t>approach</a:t>
-            </a:r>
-            <a:r>
-              <a:rPr lang="es-ES" dirty="0"/>
-              <a:t> </a:t>
-            </a:r>
-          </a:p>
-          <a:p>
             <a:endParaRPr lang="es-ES" dirty="0"/>
           </a:p>
           <a:p>
@@ -4963,7 +4689,7 @@
     </p:spTree>
     <p:extLst>
       <p:ext uri="{BB962C8B-B14F-4D97-AF65-F5344CB8AC3E}">
-        <p14:creationId xmlns:p14="http://schemas.microsoft.com/office/powerpoint/2010/main" val="2930682344"/>
+        <p14:creationId xmlns:p14="http://schemas.microsoft.com/office/powerpoint/2010/main" val="3342787115"/>
       </p:ext>
     </p:extLst>
   </p:cSld>
@@ -4995,6 +4721,963 @@
           <p:cNvPr id="2" name="Title 1">
             <a:extLst>
               <a:ext uri="{FF2B5EF4-FFF2-40B4-BE49-F238E27FC236}">
+                <a16:creationId xmlns:a16="http://schemas.microsoft.com/office/drawing/2014/main" id="{CB3E64FA-2A0F-4EBF-9968-4A33C84C0285}"/>
+              </a:ext>
+            </a:extLst>
+          </p:cNvPr>
+          <p:cNvSpPr>
+            <a:spLocks noGrp="1"/>
+          </p:cNvSpPr>
+          <p:nvPr>
+            <p:ph type="title"/>
+          </p:nvPr>
+        </p:nvSpPr>
+        <p:spPr/>
+        <p:txBody>
+          <a:bodyPr/>
+          <a:lstStyle/>
+          <a:p>
+            <a:r>
+              <a:rPr lang="es-ES" dirty="0" err="1"/>
+              <a:t>Steps</a:t>
+            </a:r>
+            <a:r>
+              <a:rPr lang="es-ES" dirty="0"/>
+              <a:t> </a:t>
+            </a:r>
+            <a:r>
+              <a:rPr lang="es-ES" dirty="0" err="1"/>
+              <a:t>for</a:t>
+            </a:r>
+            <a:r>
+              <a:rPr lang="es-ES" dirty="0"/>
+              <a:t> </a:t>
+            </a:r>
+            <a:r>
+              <a:rPr lang="es-ES" dirty="0" err="1"/>
+              <a:t>achieving</a:t>
+            </a:r>
+            <a:r>
+              <a:rPr lang="es-ES" dirty="0"/>
+              <a:t> </a:t>
+            </a:r>
+            <a:r>
+              <a:rPr lang="es-ES" dirty="0" err="1"/>
+              <a:t>my</a:t>
+            </a:r>
+            <a:r>
+              <a:rPr lang="es-ES" dirty="0"/>
+              <a:t> </a:t>
+            </a:r>
+            <a:r>
+              <a:rPr lang="es-ES" dirty="0" err="1"/>
+              <a:t>goal</a:t>
+            </a:r>
+            <a:endParaRPr lang="es-ES" dirty="0"/>
+          </a:p>
+        </p:txBody>
+      </p:sp>
+      <p:sp>
+        <p:nvSpPr>
+          <p:cNvPr id="3" name="Content Placeholder 2">
+            <a:extLst>
+              <a:ext uri="{FF2B5EF4-FFF2-40B4-BE49-F238E27FC236}">
+                <a16:creationId xmlns:a16="http://schemas.microsoft.com/office/drawing/2014/main" id="{149B0E33-EA47-45BA-A930-324CBAA5C7D3}"/>
+              </a:ext>
+            </a:extLst>
+          </p:cNvPr>
+          <p:cNvSpPr>
+            <a:spLocks noGrp="1"/>
+          </p:cNvSpPr>
+          <p:nvPr>
+            <p:ph idx="1"/>
+          </p:nvPr>
+        </p:nvSpPr>
+        <p:spPr/>
+        <p:txBody>
+          <a:bodyPr/>
+          <a:lstStyle/>
+          <a:p>
+            <a:r>
+              <a:rPr lang="es-ES" dirty="0" err="1"/>
+              <a:t>Download</a:t>
+            </a:r>
+            <a:r>
+              <a:rPr lang="es-ES" dirty="0"/>
+              <a:t> </a:t>
+            </a:r>
+            <a:r>
+              <a:rPr lang="es-ES" dirty="0" err="1"/>
+              <a:t>the</a:t>
+            </a:r>
+            <a:r>
+              <a:rPr lang="es-ES" dirty="0"/>
+              <a:t> data</a:t>
+            </a:r>
+          </a:p>
+          <a:p>
+            <a:r>
+              <a:rPr lang="es-ES" dirty="0"/>
+              <a:t>Explore, dive and </a:t>
+            </a:r>
+            <a:r>
+              <a:rPr lang="es-ES" dirty="0" err="1"/>
+              <a:t>end</a:t>
+            </a:r>
+            <a:r>
+              <a:rPr lang="es-ES" dirty="0"/>
+              <a:t> up </a:t>
+            </a:r>
+            <a:r>
+              <a:rPr lang="es-ES" dirty="0" err="1"/>
+              <a:t>soaked</a:t>
+            </a:r>
+            <a:r>
+              <a:rPr lang="es-ES" dirty="0"/>
+              <a:t>  in </a:t>
+            </a:r>
+            <a:r>
+              <a:rPr lang="es-ES" dirty="0" err="1"/>
+              <a:t>my</a:t>
+            </a:r>
+            <a:r>
+              <a:rPr lang="es-ES" dirty="0"/>
+              <a:t> data</a:t>
+            </a:r>
+          </a:p>
+          <a:p>
+            <a:r>
+              <a:rPr lang="es-ES" dirty="0" err="1"/>
+              <a:t>Clean</a:t>
+            </a:r>
+            <a:r>
+              <a:rPr lang="es-ES" dirty="0"/>
+              <a:t>, </a:t>
+            </a:r>
+            <a:r>
+              <a:rPr lang="es-ES" dirty="0" err="1"/>
+              <a:t>clean</a:t>
+            </a:r>
+            <a:r>
+              <a:rPr lang="es-ES" dirty="0"/>
+              <a:t>, </a:t>
+            </a:r>
+            <a:r>
+              <a:rPr lang="es-ES" dirty="0" err="1"/>
+              <a:t>clean</a:t>
+            </a:r>
+            <a:endParaRPr lang="es-ES" dirty="0"/>
+          </a:p>
+          <a:p>
+            <a:r>
+              <a:rPr lang="es-ES" dirty="0" err="1"/>
+              <a:t>Plot</a:t>
+            </a:r>
+            <a:r>
+              <a:rPr lang="es-ES" dirty="0"/>
+              <a:t>, </a:t>
+            </a:r>
+            <a:r>
+              <a:rPr lang="es-ES" dirty="0" err="1"/>
+              <a:t>plot</a:t>
+            </a:r>
+            <a:r>
+              <a:rPr lang="es-ES" dirty="0"/>
+              <a:t> </a:t>
+            </a:r>
+            <a:r>
+              <a:rPr lang="es-ES" dirty="0" err="1"/>
+              <a:t>plot</a:t>
+            </a:r>
+            <a:endParaRPr lang="es-ES" dirty="0"/>
+          </a:p>
+          <a:p>
+            <a:r>
+              <a:rPr lang="es-ES" dirty="0" err="1"/>
+              <a:t>Predicting</a:t>
+            </a:r>
+            <a:r>
+              <a:rPr lang="es-ES" dirty="0"/>
+              <a:t> </a:t>
+            </a:r>
+            <a:r>
+              <a:rPr lang="es-ES" dirty="0" err="1"/>
+              <a:t>the</a:t>
+            </a:r>
+            <a:r>
+              <a:rPr lang="es-ES" dirty="0"/>
+              <a:t> </a:t>
+            </a:r>
+            <a:r>
+              <a:rPr lang="es-ES" dirty="0" err="1"/>
+              <a:t>next</a:t>
+            </a:r>
+            <a:r>
+              <a:rPr lang="es-ES" dirty="0"/>
+              <a:t> 10 </a:t>
+            </a:r>
+            <a:r>
+              <a:rPr lang="es-ES" dirty="0" err="1"/>
+              <a:t>years</a:t>
+            </a:r>
+            <a:r>
+              <a:rPr lang="es-ES" dirty="0"/>
+              <a:t> </a:t>
+            </a:r>
+            <a:r>
+              <a:rPr lang="es-ES" dirty="0" err="1"/>
+              <a:t>by</a:t>
+            </a:r>
+            <a:r>
+              <a:rPr lang="es-ES" dirty="0"/>
+              <a:t> a </a:t>
+            </a:r>
+            <a:r>
+              <a:rPr lang="es-ES" dirty="0" err="1"/>
+              <a:t>polynomic</a:t>
+            </a:r>
+            <a:r>
+              <a:rPr lang="es-ES" dirty="0"/>
+              <a:t> </a:t>
+            </a:r>
+            <a:r>
+              <a:rPr lang="es-ES" dirty="0" err="1"/>
+              <a:t>regression</a:t>
+            </a:r>
+            <a:endParaRPr lang="es-ES" dirty="0"/>
+          </a:p>
+          <a:p>
+            <a:endParaRPr lang="es-ES" dirty="0"/>
+          </a:p>
+          <a:p>
+            <a:endParaRPr lang="es-ES" dirty="0"/>
+          </a:p>
+          <a:p>
+            <a:endParaRPr lang="es-ES" dirty="0"/>
+          </a:p>
+        </p:txBody>
+      </p:sp>
+    </p:spTree>
+    <p:extLst>
+      <p:ext uri="{BB962C8B-B14F-4D97-AF65-F5344CB8AC3E}">
+        <p14:creationId xmlns:p14="http://schemas.microsoft.com/office/powerpoint/2010/main" val="3636859598"/>
+      </p:ext>
+    </p:extLst>
+  </p:cSld>
+  <p:clrMapOvr>
+    <a:masterClrMapping/>
+  </p:clrMapOvr>
+</p:sld>
+</file>
+
+<file path=ppt/slides/slide13.xml><?xml version="1.0" encoding="utf-8"?>
+<p:sld xmlns:a="http://schemas.openxmlformats.org/drawingml/2006/main" xmlns:r="http://schemas.openxmlformats.org/officeDocument/2006/relationships" xmlns:p="http://schemas.openxmlformats.org/presentationml/2006/main">
+  <p:cSld>
+    <p:spTree>
+      <p:nvGrpSpPr>
+        <p:cNvPr id="1" name=""/>
+        <p:cNvGrpSpPr/>
+        <p:nvPr/>
+      </p:nvGrpSpPr>
+      <p:grpSpPr>
+        <a:xfrm>
+          <a:off x="0" y="0"/>
+          <a:ext cx="0" cy="0"/>
+          <a:chOff x="0" y="0"/>
+          <a:chExt cx="0" cy="0"/>
+        </a:xfrm>
+      </p:grpSpPr>
+      <p:sp>
+        <p:nvSpPr>
+          <p:cNvPr id="2" name="Title 1">
+            <a:extLst>
+              <a:ext uri="{FF2B5EF4-FFF2-40B4-BE49-F238E27FC236}">
+                <a16:creationId xmlns:a16="http://schemas.microsoft.com/office/drawing/2014/main" id="{CB3E64FA-2A0F-4EBF-9968-4A33C84C0285}"/>
+              </a:ext>
+            </a:extLst>
+          </p:cNvPr>
+          <p:cNvSpPr>
+            <a:spLocks noGrp="1"/>
+          </p:cNvSpPr>
+          <p:nvPr>
+            <p:ph type="title"/>
+          </p:nvPr>
+        </p:nvSpPr>
+        <p:spPr/>
+        <p:txBody>
+          <a:bodyPr/>
+          <a:lstStyle/>
+          <a:p>
+            <a:r>
+              <a:rPr lang="es-ES" dirty="0" err="1"/>
+              <a:t>Steps</a:t>
+            </a:r>
+            <a:r>
+              <a:rPr lang="es-ES" dirty="0"/>
+              <a:t> </a:t>
+            </a:r>
+            <a:r>
+              <a:rPr lang="es-ES" dirty="0" err="1"/>
+              <a:t>for</a:t>
+            </a:r>
+            <a:r>
+              <a:rPr lang="es-ES" dirty="0"/>
+              <a:t> </a:t>
+            </a:r>
+            <a:r>
+              <a:rPr lang="es-ES" dirty="0" err="1"/>
+              <a:t>achieving</a:t>
+            </a:r>
+            <a:r>
+              <a:rPr lang="es-ES" dirty="0"/>
+              <a:t> </a:t>
+            </a:r>
+            <a:r>
+              <a:rPr lang="es-ES" dirty="0" err="1"/>
+              <a:t>my</a:t>
+            </a:r>
+            <a:r>
+              <a:rPr lang="es-ES" dirty="0"/>
+              <a:t> </a:t>
+            </a:r>
+            <a:r>
+              <a:rPr lang="es-ES" dirty="0" err="1"/>
+              <a:t>goal</a:t>
+            </a:r>
+            <a:endParaRPr lang="es-ES" dirty="0"/>
+          </a:p>
+        </p:txBody>
+      </p:sp>
+      <p:sp>
+        <p:nvSpPr>
+          <p:cNvPr id="3" name="Content Placeholder 2">
+            <a:extLst>
+              <a:ext uri="{FF2B5EF4-FFF2-40B4-BE49-F238E27FC236}">
+                <a16:creationId xmlns:a16="http://schemas.microsoft.com/office/drawing/2014/main" id="{149B0E33-EA47-45BA-A930-324CBAA5C7D3}"/>
+              </a:ext>
+            </a:extLst>
+          </p:cNvPr>
+          <p:cNvSpPr>
+            <a:spLocks noGrp="1"/>
+          </p:cNvSpPr>
+          <p:nvPr>
+            <p:ph idx="1"/>
+          </p:nvPr>
+        </p:nvSpPr>
+        <p:spPr/>
+        <p:txBody>
+          <a:bodyPr/>
+          <a:lstStyle/>
+          <a:p>
+            <a:r>
+              <a:rPr lang="es-ES" dirty="0" err="1"/>
+              <a:t>Download</a:t>
+            </a:r>
+            <a:r>
+              <a:rPr lang="es-ES" dirty="0"/>
+              <a:t> </a:t>
+            </a:r>
+            <a:r>
+              <a:rPr lang="es-ES" dirty="0" err="1"/>
+              <a:t>the</a:t>
+            </a:r>
+            <a:r>
+              <a:rPr lang="es-ES" dirty="0"/>
+              <a:t> data</a:t>
+            </a:r>
+          </a:p>
+          <a:p>
+            <a:r>
+              <a:rPr lang="es-ES" dirty="0"/>
+              <a:t>Explore, dive and </a:t>
+            </a:r>
+            <a:r>
+              <a:rPr lang="es-ES" dirty="0" err="1"/>
+              <a:t>end</a:t>
+            </a:r>
+            <a:r>
+              <a:rPr lang="es-ES" dirty="0"/>
+              <a:t> up </a:t>
+            </a:r>
+            <a:r>
+              <a:rPr lang="es-ES" dirty="0" err="1"/>
+              <a:t>soaked</a:t>
+            </a:r>
+            <a:r>
+              <a:rPr lang="es-ES" dirty="0"/>
+              <a:t>  in </a:t>
+            </a:r>
+            <a:r>
+              <a:rPr lang="es-ES" dirty="0" err="1"/>
+              <a:t>my</a:t>
+            </a:r>
+            <a:r>
+              <a:rPr lang="es-ES" dirty="0"/>
+              <a:t> data</a:t>
+            </a:r>
+          </a:p>
+          <a:p>
+            <a:r>
+              <a:rPr lang="es-ES" dirty="0" err="1"/>
+              <a:t>Clean</a:t>
+            </a:r>
+            <a:r>
+              <a:rPr lang="es-ES" dirty="0"/>
+              <a:t>, </a:t>
+            </a:r>
+            <a:r>
+              <a:rPr lang="es-ES" dirty="0" err="1"/>
+              <a:t>clean</a:t>
+            </a:r>
+            <a:r>
+              <a:rPr lang="es-ES" dirty="0"/>
+              <a:t>, </a:t>
+            </a:r>
+            <a:r>
+              <a:rPr lang="es-ES" dirty="0" err="1"/>
+              <a:t>clean</a:t>
+            </a:r>
+            <a:endParaRPr lang="es-ES" dirty="0"/>
+          </a:p>
+          <a:p>
+            <a:r>
+              <a:rPr lang="es-ES" dirty="0" err="1"/>
+              <a:t>Plot</a:t>
+            </a:r>
+            <a:r>
+              <a:rPr lang="es-ES" dirty="0"/>
+              <a:t>, </a:t>
+            </a:r>
+            <a:r>
+              <a:rPr lang="es-ES" dirty="0" err="1"/>
+              <a:t>plot</a:t>
+            </a:r>
+            <a:r>
+              <a:rPr lang="es-ES" dirty="0"/>
+              <a:t> </a:t>
+            </a:r>
+            <a:r>
+              <a:rPr lang="es-ES" dirty="0" err="1"/>
+              <a:t>plot</a:t>
+            </a:r>
+            <a:endParaRPr lang="es-ES" dirty="0"/>
+          </a:p>
+          <a:p>
+            <a:r>
+              <a:rPr lang="es-ES" dirty="0" err="1"/>
+              <a:t>Predicting</a:t>
+            </a:r>
+            <a:r>
+              <a:rPr lang="es-ES" dirty="0"/>
+              <a:t> </a:t>
+            </a:r>
+            <a:r>
+              <a:rPr lang="es-ES" dirty="0" err="1"/>
+              <a:t>the</a:t>
+            </a:r>
+            <a:r>
+              <a:rPr lang="es-ES" dirty="0"/>
+              <a:t> </a:t>
+            </a:r>
+            <a:r>
+              <a:rPr lang="es-ES" dirty="0" err="1"/>
+              <a:t>next</a:t>
+            </a:r>
+            <a:r>
+              <a:rPr lang="es-ES" dirty="0"/>
+              <a:t> 10 </a:t>
+            </a:r>
+            <a:r>
+              <a:rPr lang="es-ES" dirty="0" err="1"/>
+              <a:t>years</a:t>
+            </a:r>
+            <a:r>
+              <a:rPr lang="es-ES" dirty="0"/>
+              <a:t> </a:t>
+            </a:r>
+            <a:r>
+              <a:rPr lang="es-ES" dirty="0" err="1"/>
+              <a:t>by</a:t>
+            </a:r>
+            <a:r>
+              <a:rPr lang="es-ES" dirty="0"/>
+              <a:t> a </a:t>
+            </a:r>
+            <a:r>
+              <a:rPr lang="es-ES" dirty="0" err="1"/>
+              <a:t>polynomic</a:t>
+            </a:r>
+            <a:r>
+              <a:rPr lang="es-ES" dirty="0"/>
+              <a:t> </a:t>
+            </a:r>
+            <a:r>
+              <a:rPr lang="es-ES" dirty="0" err="1"/>
+              <a:t>regression</a:t>
+            </a:r>
+            <a:endParaRPr lang="es-ES" dirty="0"/>
+          </a:p>
+          <a:p>
+            <a:r>
+              <a:rPr lang="es-ES" dirty="0" err="1"/>
+              <a:t>Clusterizing</a:t>
+            </a:r>
+            <a:r>
+              <a:rPr lang="es-ES" dirty="0"/>
+              <a:t> </a:t>
+            </a:r>
+            <a:r>
+              <a:rPr lang="es-ES" dirty="0" err="1"/>
+              <a:t>all</a:t>
+            </a:r>
+            <a:r>
+              <a:rPr lang="es-ES" dirty="0"/>
+              <a:t> </a:t>
+            </a:r>
+            <a:r>
+              <a:rPr lang="es-ES" dirty="0" err="1"/>
+              <a:t>my</a:t>
+            </a:r>
+            <a:r>
+              <a:rPr lang="es-ES" dirty="0"/>
+              <a:t> </a:t>
+            </a:r>
+            <a:r>
+              <a:rPr lang="es-ES" dirty="0" err="1"/>
+              <a:t>sports</a:t>
+            </a:r>
+            <a:r>
+              <a:rPr lang="es-ES" dirty="0"/>
+              <a:t> </a:t>
+            </a:r>
+            <a:r>
+              <a:rPr lang="es-ES" dirty="0" err="1"/>
+              <a:t>with</a:t>
+            </a:r>
+            <a:r>
+              <a:rPr lang="es-ES" dirty="0"/>
+              <a:t> K-</a:t>
+            </a:r>
+            <a:r>
+              <a:rPr lang="es-ES" dirty="0" err="1"/>
+              <a:t>Means</a:t>
+            </a:r>
+            <a:endParaRPr lang="es-ES" dirty="0"/>
+          </a:p>
+          <a:p>
+            <a:endParaRPr lang="es-ES" dirty="0"/>
+          </a:p>
+          <a:p>
+            <a:endParaRPr lang="es-ES" dirty="0"/>
+          </a:p>
+          <a:p>
+            <a:endParaRPr lang="es-ES" dirty="0"/>
+          </a:p>
+        </p:txBody>
+      </p:sp>
+    </p:spTree>
+    <p:extLst>
+      <p:ext uri="{BB962C8B-B14F-4D97-AF65-F5344CB8AC3E}">
+        <p14:creationId xmlns:p14="http://schemas.microsoft.com/office/powerpoint/2010/main" val="3659448085"/>
+      </p:ext>
+    </p:extLst>
+  </p:cSld>
+  <p:clrMapOvr>
+    <a:masterClrMapping/>
+  </p:clrMapOvr>
+</p:sld>
+</file>
+
+<file path=ppt/slides/slide14.xml><?xml version="1.0" encoding="utf-8"?>
+<p:sld xmlns:a="http://schemas.openxmlformats.org/drawingml/2006/main" xmlns:r="http://schemas.openxmlformats.org/officeDocument/2006/relationships" xmlns:p="http://schemas.openxmlformats.org/presentationml/2006/main">
+  <p:cSld>
+    <p:spTree>
+      <p:nvGrpSpPr>
+        <p:cNvPr id="1" name=""/>
+        <p:cNvGrpSpPr/>
+        <p:nvPr/>
+      </p:nvGrpSpPr>
+      <p:grpSpPr>
+        <a:xfrm>
+          <a:off x="0" y="0"/>
+          <a:ext cx="0" cy="0"/>
+          <a:chOff x="0" y="0"/>
+          <a:chExt cx="0" cy="0"/>
+        </a:xfrm>
+      </p:grpSpPr>
+      <p:sp>
+        <p:nvSpPr>
+          <p:cNvPr id="2" name="Title 1">
+            <a:extLst>
+              <a:ext uri="{FF2B5EF4-FFF2-40B4-BE49-F238E27FC236}">
+                <a16:creationId xmlns:a16="http://schemas.microsoft.com/office/drawing/2014/main" id="{CB3E64FA-2A0F-4EBF-9968-4A33C84C0285}"/>
+              </a:ext>
+            </a:extLst>
+          </p:cNvPr>
+          <p:cNvSpPr>
+            <a:spLocks noGrp="1"/>
+          </p:cNvSpPr>
+          <p:nvPr>
+            <p:ph type="title"/>
+          </p:nvPr>
+        </p:nvSpPr>
+        <p:spPr/>
+        <p:txBody>
+          <a:bodyPr/>
+          <a:lstStyle/>
+          <a:p>
+            <a:r>
+              <a:rPr lang="es-ES" dirty="0" err="1"/>
+              <a:t>Steps</a:t>
+            </a:r>
+            <a:r>
+              <a:rPr lang="es-ES" dirty="0"/>
+              <a:t> </a:t>
+            </a:r>
+            <a:r>
+              <a:rPr lang="es-ES" dirty="0" err="1"/>
+              <a:t>for</a:t>
+            </a:r>
+            <a:r>
+              <a:rPr lang="es-ES" dirty="0"/>
+              <a:t> </a:t>
+            </a:r>
+            <a:r>
+              <a:rPr lang="es-ES" dirty="0" err="1"/>
+              <a:t>achieving</a:t>
+            </a:r>
+            <a:r>
+              <a:rPr lang="es-ES" dirty="0"/>
+              <a:t> </a:t>
+            </a:r>
+            <a:r>
+              <a:rPr lang="es-ES" dirty="0" err="1"/>
+              <a:t>my</a:t>
+            </a:r>
+            <a:r>
+              <a:rPr lang="es-ES" dirty="0"/>
+              <a:t> </a:t>
+            </a:r>
+            <a:r>
+              <a:rPr lang="es-ES" dirty="0" err="1"/>
+              <a:t>goal</a:t>
+            </a:r>
+            <a:endParaRPr lang="es-ES" dirty="0"/>
+          </a:p>
+        </p:txBody>
+      </p:sp>
+      <p:sp>
+        <p:nvSpPr>
+          <p:cNvPr id="3" name="Content Placeholder 2">
+            <a:extLst>
+              <a:ext uri="{FF2B5EF4-FFF2-40B4-BE49-F238E27FC236}">
+                <a16:creationId xmlns:a16="http://schemas.microsoft.com/office/drawing/2014/main" id="{149B0E33-EA47-45BA-A930-324CBAA5C7D3}"/>
+              </a:ext>
+            </a:extLst>
+          </p:cNvPr>
+          <p:cNvSpPr>
+            <a:spLocks noGrp="1"/>
+          </p:cNvSpPr>
+          <p:nvPr>
+            <p:ph idx="1"/>
+          </p:nvPr>
+        </p:nvSpPr>
+        <p:spPr/>
+        <p:txBody>
+          <a:bodyPr/>
+          <a:lstStyle/>
+          <a:p>
+            <a:r>
+              <a:rPr lang="es-ES" dirty="0" err="1"/>
+              <a:t>Download</a:t>
+            </a:r>
+            <a:r>
+              <a:rPr lang="es-ES" dirty="0"/>
+              <a:t> </a:t>
+            </a:r>
+            <a:r>
+              <a:rPr lang="es-ES" dirty="0" err="1"/>
+              <a:t>the</a:t>
+            </a:r>
+            <a:r>
+              <a:rPr lang="es-ES" dirty="0"/>
+              <a:t> data</a:t>
+            </a:r>
+          </a:p>
+          <a:p>
+            <a:r>
+              <a:rPr lang="es-ES" dirty="0"/>
+              <a:t>Explore, dive and </a:t>
+            </a:r>
+            <a:r>
+              <a:rPr lang="es-ES" dirty="0" err="1"/>
+              <a:t>end</a:t>
+            </a:r>
+            <a:r>
+              <a:rPr lang="es-ES" dirty="0"/>
+              <a:t> up </a:t>
+            </a:r>
+            <a:r>
+              <a:rPr lang="es-ES" dirty="0" err="1"/>
+              <a:t>soaked</a:t>
+            </a:r>
+            <a:r>
+              <a:rPr lang="es-ES" dirty="0"/>
+              <a:t>  in </a:t>
+            </a:r>
+            <a:r>
+              <a:rPr lang="es-ES" dirty="0" err="1"/>
+              <a:t>my</a:t>
+            </a:r>
+            <a:r>
+              <a:rPr lang="es-ES" dirty="0"/>
+              <a:t> data</a:t>
+            </a:r>
+          </a:p>
+          <a:p>
+            <a:r>
+              <a:rPr lang="es-ES" dirty="0" err="1"/>
+              <a:t>Clean</a:t>
+            </a:r>
+            <a:r>
+              <a:rPr lang="es-ES" dirty="0"/>
+              <a:t>, </a:t>
+            </a:r>
+            <a:r>
+              <a:rPr lang="es-ES" dirty="0" err="1"/>
+              <a:t>clean</a:t>
+            </a:r>
+            <a:r>
+              <a:rPr lang="es-ES" dirty="0"/>
+              <a:t>, </a:t>
+            </a:r>
+            <a:r>
+              <a:rPr lang="es-ES" dirty="0" err="1"/>
+              <a:t>clean</a:t>
+            </a:r>
+            <a:endParaRPr lang="es-ES" dirty="0"/>
+          </a:p>
+          <a:p>
+            <a:r>
+              <a:rPr lang="es-ES" dirty="0" err="1"/>
+              <a:t>Plot</a:t>
+            </a:r>
+            <a:r>
+              <a:rPr lang="es-ES" dirty="0"/>
+              <a:t>, </a:t>
+            </a:r>
+            <a:r>
+              <a:rPr lang="es-ES" dirty="0" err="1"/>
+              <a:t>plot</a:t>
+            </a:r>
+            <a:r>
+              <a:rPr lang="es-ES" dirty="0"/>
+              <a:t> </a:t>
+            </a:r>
+            <a:r>
+              <a:rPr lang="es-ES" dirty="0" err="1"/>
+              <a:t>plot</a:t>
+            </a:r>
+            <a:endParaRPr lang="es-ES" dirty="0"/>
+          </a:p>
+          <a:p>
+            <a:r>
+              <a:rPr lang="es-ES" dirty="0" err="1"/>
+              <a:t>Predicting</a:t>
+            </a:r>
+            <a:r>
+              <a:rPr lang="es-ES" dirty="0"/>
+              <a:t> </a:t>
+            </a:r>
+            <a:r>
+              <a:rPr lang="es-ES" dirty="0" err="1"/>
+              <a:t>the</a:t>
+            </a:r>
+            <a:r>
+              <a:rPr lang="es-ES" dirty="0"/>
+              <a:t> </a:t>
+            </a:r>
+            <a:r>
+              <a:rPr lang="es-ES" dirty="0" err="1"/>
+              <a:t>next</a:t>
+            </a:r>
+            <a:r>
+              <a:rPr lang="es-ES" dirty="0"/>
+              <a:t> 10 </a:t>
+            </a:r>
+            <a:r>
+              <a:rPr lang="es-ES" dirty="0" err="1"/>
+              <a:t>years</a:t>
+            </a:r>
+            <a:r>
+              <a:rPr lang="es-ES" dirty="0"/>
+              <a:t> </a:t>
+            </a:r>
+            <a:r>
+              <a:rPr lang="es-ES" dirty="0" err="1"/>
+              <a:t>by</a:t>
+            </a:r>
+            <a:r>
+              <a:rPr lang="es-ES" dirty="0"/>
+              <a:t> a </a:t>
+            </a:r>
+            <a:r>
+              <a:rPr lang="es-ES" dirty="0" err="1"/>
+              <a:t>polynomic</a:t>
+            </a:r>
+            <a:r>
+              <a:rPr lang="es-ES" dirty="0"/>
+              <a:t> </a:t>
+            </a:r>
+            <a:r>
+              <a:rPr lang="es-ES" dirty="0" err="1"/>
+              <a:t>regression</a:t>
+            </a:r>
+            <a:endParaRPr lang="es-ES" dirty="0"/>
+          </a:p>
+          <a:p>
+            <a:r>
+              <a:rPr lang="es-ES" dirty="0" err="1"/>
+              <a:t>Clusterizing</a:t>
+            </a:r>
+            <a:r>
+              <a:rPr lang="es-ES" dirty="0"/>
+              <a:t> </a:t>
+            </a:r>
+            <a:r>
+              <a:rPr lang="es-ES" dirty="0" err="1"/>
+              <a:t>all</a:t>
+            </a:r>
+            <a:r>
+              <a:rPr lang="es-ES" dirty="0"/>
+              <a:t> </a:t>
+            </a:r>
+            <a:r>
+              <a:rPr lang="es-ES" dirty="0" err="1"/>
+              <a:t>my</a:t>
+            </a:r>
+            <a:r>
+              <a:rPr lang="es-ES" dirty="0"/>
+              <a:t> </a:t>
+            </a:r>
+            <a:r>
+              <a:rPr lang="es-ES" dirty="0" err="1"/>
+              <a:t>sports</a:t>
+            </a:r>
+            <a:r>
+              <a:rPr lang="es-ES" dirty="0"/>
+              <a:t> </a:t>
+            </a:r>
+            <a:r>
+              <a:rPr lang="es-ES" dirty="0" err="1"/>
+              <a:t>with</a:t>
+            </a:r>
+            <a:r>
+              <a:rPr lang="es-ES" dirty="0"/>
+              <a:t> K-</a:t>
+            </a:r>
+            <a:r>
+              <a:rPr lang="es-ES" dirty="0" err="1"/>
+              <a:t>Means</a:t>
+            </a:r>
+            <a:endParaRPr lang="es-ES" dirty="0"/>
+          </a:p>
+          <a:p>
+            <a:r>
+              <a:rPr lang="es-ES" dirty="0" err="1"/>
+              <a:t>Predicting</a:t>
+            </a:r>
+            <a:r>
+              <a:rPr lang="es-ES" dirty="0"/>
+              <a:t> </a:t>
+            </a:r>
+            <a:r>
+              <a:rPr lang="es-ES" dirty="0" err="1"/>
+              <a:t>your</a:t>
+            </a:r>
+            <a:r>
+              <a:rPr lang="es-ES" dirty="0"/>
+              <a:t> </a:t>
+            </a:r>
+            <a:r>
+              <a:rPr lang="es-ES" dirty="0" err="1"/>
+              <a:t>best</a:t>
+            </a:r>
+            <a:r>
+              <a:rPr lang="es-ES" dirty="0"/>
+              <a:t> sport </a:t>
+            </a:r>
+            <a:r>
+              <a:rPr lang="es-ES" dirty="0" err="1"/>
+              <a:t>with</a:t>
+            </a:r>
+            <a:r>
+              <a:rPr lang="es-ES" dirty="0"/>
+              <a:t> a </a:t>
+            </a:r>
+            <a:r>
+              <a:rPr lang="es-ES" dirty="0" err="1"/>
+              <a:t>proximity</a:t>
+            </a:r>
+            <a:r>
+              <a:rPr lang="es-ES" dirty="0"/>
+              <a:t> </a:t>
+            </a:r>
+            <a:r>
+              <a:rPr lang="es-ES" dirty="0" err="1"/>
+              <a:t>approach</a:t>
+            </a:r>
+            <a:r>
+              <a:rPr lang="es-ES" dirty="0"/>
+              <a:t> </a:t>
+            </a:r>
+          </a:p>
+          <a:p>
+            <a:endParaRPr lang="es-ES" dirty="0"/>
+          </a:p>
+          <a:p>
+            <a:endParaRPr lang="es-ES" dirty="0"/>
+          </a:p>
+          <a:p>
+            <a:endParaRPr lang="es-ES" dirty="0"/>
+          </a:p>
+        </p:txBody>
+      </p:sp>
+    </p:spTree>
+    <p:extLst>
+      <p:ext uri="{BB962C8B-B14F-4D97-AF65-F5344CB8AC3E}">
+        <p14:creationId xmlns:p14="http://schemas.microsoft.com/office/powerpoint/2010/main" val="2930682344"/>
+      </p:ext>
+    </p:extLst>
+  </p:cSld>
+  <p:clrMapOvr>
+    <a:masterClrMapping/>
+  </p:clrMapOvr>
+</p:sld>
+</file>
+
+<file path=ppt/slides/slide15.xml><?xml version="1.0" encoding="utf-8"?>
+<p:sld xmlns:a="http://schemas.openxmlformats.org/drawingml/2006/main" xmlns:r="http://schemas.openxmlformats.org/officeDocument/2006/relationships" xmlns:p="http://schemas.openxmlformats.org/presentationml/2006/main">
+  <p:cSld>
+    <p:spTree>
+      <p:nvGrpSpPr>
+        <p:cNvPr id="1" name=""/>
+        <p:cNvGrpSpPr/>
+        <p:nvPr/>
+      </p:nvGrpSpPr>
+      <p:grpSpPr>
+        <a:xfrm>
+          <a:off x="0" y="0"/>
+          <a:ext cx="0" cy="0"/>
+          <a:chOff x="0" y="0"/>
+          <a:chExt cx="0" cy="0"/>
+        </a:xfrm>
+      </p:grpSpPr>
+      <p:sp>
+        <p:nvSpPr>
+          <p:cNvPr id="2" name="Title 1">
+            <a:extLst>
+              <a:ext uri="{FF2B5EF4-FFF2-40B4-BE49-F238E27FC236}">
                 <a16:creationId xmlns:a16="http://schemas.microsoft.com/office/drawing/2014/main" id="{4EB88AA6-0082-445F-8EC7-B7099B503DAD}"/>
               </a:ext>
             </a:extLst>
@@ -5094,9 +5777,39 @@
         </p:blipFill>
         <p:spPr>
           <a:xfrm>
-            <a:off x="1597981" y="2103438"/>
-            <a:ext cx="9081856" cy="3849687"/>
+            <a:off x="954833" y="1767535"/>
+            <a:ext cx="6748127" cy="3877483"/>
           </a:xfrm>
+        </p:spPr>
+      </p:pic>
+      <p:pic>
+        <p:nvPicPr>
+          <p:cNvPr id="4" name="Picture 3">
+            <a:extLst>
+              <a:ext uri="{FF2B5EF4-FFF2-40B4-BE49-F238E27FC236}">
+                <a16:creationId xmlns:a16="http://schemas.microsoft.com/office/drawing/2014/main" id="{DA5267CC-4351-425D-9B6F-42E079B81B70}"/>
+              </a:ext>
+            </a:extLst>
+          </p:cNvPr>
+          <p:cNvPicPr>
+            <a:picLocks noChangeAspect="1"/>
+          </p:cNvPicPr>
+          <p:nvPr/>
+        </p:nvPicPr>
+        <p:blipFill>
+          <a:blip r:embed="rId3"/>
+          <a:stretch>
+            <a:fillRect/>
+          </a:stretch>
+        </p:blipFill>
+        <p:spPr>
+          <a:xfrm>
+            <a:off x="5103846" y="3891896"/>
+            <a:ext cx="5750767" cy="2323510"/>
+          </a:xfrm>
+          <a:prstGeom prst="rect">
+            <a:avLst/>
+          </a:prstGeom>
         </p:spPr>
       </p:pic>
     </p:spTree>
@@ -5112,7 +5825,7 @@
 </p:sld>
 </file>
 
-<file path=ppt/slides/slide13.xml><?xml version="1.0" encoding="utf-8"?>
+<file path=ppt/slides/slide16.xml><?xml version="1.0" encoding="utf-8"?>
 <p:sld xmlns:a="http://schemas.openxmlformats.org/drawingml/2006/main" xmlns:r="http://schemas.openxmlformats.org/officeDocument/2006/relationships" xmlns:p="http://schemas.openxmlformats.org/presentationml/2006/main">
   <p:cSld>
     <p:spTree>
@@ -5227,7 +5940,7 @@
 </p:sld>
 </file>
 
-<file path=ppt/slides/slide14.xml><?xml version="1.0" encoding="utf-8"?>
+<file path=ppt/slides/slide17.xml><?xml version="1.0" encoding="utf-8"?>
 <p:sld xmlns:a="http://schemas.openxmlformats.org/drawingml/2006/main" xmlns:r="http://schemas.openxmlformats.org/officeDocument/2006/relationships" xmlns:p="http://schemas.openxmlformats.org/presentationml/2006/main">
   <p:cSld>
     <p:spTree>
@@ -5338,7 +6051,7 @@
 </p:sld>
 </file>
 
-<file path=ppt/slides/slide15.xml><?xml version="1.0" encoding="utf-8"?>
+<file path=ppt/slides/slide18.xml><?xml version="1.0" encoding="utf-8"?>
 <p:sld xmlns:a="http://schemas.openxmlformats.org/drawingml/2006/main" xmlns:r="http://schemas.openxmlformats.org/officeDocument/2006/relationships" xmlns:p="http://schemas.openxmlformats.org/presentationml/2006/main">
   <p:cSld>
     <p:spTree>
@@ -6481,273 +7194,6 @@
             <a:endParaRPr lang="es-ES" dirty="0"/>
           </a:p>
           <a:p>
-            <a:r>
-              <a:rPr lang="es-ES" dirty="0" err="1"/>
-              <a:t>For</a:t>
-            </a:r>
-            <a:r>
-              <a:rPr lang="es-ES" dirty="0"/>
-              <a:t> </a:t>
-            </a:r>
-            <a:r>
-              <a:rPr lang="es-ES" dirty="0" err="1"/>
-              <a:t>all</a:t>
-            </a:r>
-            <a:r>
-              <a:rPr lang="es-ES" dirty="0"/>
-              <a:t> </a:t>
-            </a:r>
-            <a:r>
-              <a:rPr lang="es-ES" dirty="0" err="1"/>
-              <a:t>my</a:t>
-            </a:r>
-            <a:r>
-              <a:rPr lang="es-ES" dirty="0"/>
-              <a:t> </a:t>
-            </a:r>
-            <a:r>
-              <a:rPr lang="es-ES" dirty="0" err="1"/>
-              <a:t>graphs</a:t>
-            </a:r>
-            <a:r>
-              <a:rPr lang="es-ES" dirty="0"/>
-              <a:t> I </a:t>
-            </a:r>
-            <a:r>
-              <a:rPr lang="es-ES" dirty="0" err="1"/>
-              <a:t>used</a:t>
-            </a:r>
-            <a:r>
-              <a:rPr lang="es-ES" dirty="0"/>
-              <a:t> </a:t>
-            </a:r>
-            <a:r>
-              <a:rPr lang="es-ES" dirty="0" err="1"/>
-              <a:t>visualization</a:t>
-            </a:r>
-            <a:r>
-              <a:rPr lang="es-ES" dirty="0"/>
-              <a:t> </a:t>
-            </a:r>
-            <a:r>
-              <a:rPr lang="es-ES" dirty="0" err="1"/>
-              <a:t>tools</a:t>
-            </a:r>
-            <a:r>
-              <a:rPr lang="es-ES" dirty="0"/>
-              <a:t> </a:t>
-            </a:r>
-            <a:r>
-              <a:rPr lang="es-ES" dirty="0" err="1"/>
-              <a:t>available</a:t>
-            </a:r>
-            <a:r>
-              <a:rPr lang="es-ES" dirty="0"/>
-              <a:t> in Python</a:t>
-            </a:r>
-          </a:p>
-          <a:p>
-            <a:r>
-              <a:rPr lang="es-ES" dirty="0" err="1"/>
-              <a:t>For</a:t>
-            </a:r>
-            <a:r>
-              <a:rPr lang="es-ES" dirty="0"/>
-              <a:t> </a:t>
-            </a:r>
-            <a:r>
-              <a:rPr lang="es-ES" dirty="0" err="1"/>
-              <a:t>the</a:t>
-            </a:r>
-            <a:r>
-              <a:rPr lang="es-ES" dirty="0"/>
-              <a:t> </a:t>
-            </a:r>
-            <a:r>
-              <a:rPr lang="es-ES" dirty="0" err="1"/>
-              <a:t>clusters</a:t>
-            </a:r>
-            <a:r>
-              <a:rPr lang="es-ES" dirty="0"/>
-              <a:t> in </a:t>
-            </a:r>
-            <a:r>
-              <a:rPr lang="es-ES" dirty="0" err="1"/>
-              <a:t>sports</a:t>
-            </a:r>
-            <a:r>
-              <a:rPr lang="es-ES" dirty="0"/>
-              <a:t> I </a:t>
-            </a:r>
-            <a:r>
-              <a:rPr lang="es-ES" dirty="0" err="1"/>
-              <a:t>used</a:t>
-            </a:r>
-            <a:r>
-              <a:rPr lang="es-ES" dirty="0"/>
-              <a:t> a K-</a:t>
-            </a:r>
-            <a:r>
-              <a:rPr lang="es-ES" dirty="0" err="1"/>
-              <a:t>Means</a:t>
-            </a:r>
-            <a:r>
-              <a:rPr lang="es-ES" dirty="0"/>
-              <a:t> </a:t>
-            </a:r>
-            <a:r>
-              <a:rPr lang="es-ES" dirty="0" err="1"/>
-              <a:t>model</a:t>
-            </a:r>
-            <a:r>
-              <a:rPr lang="es-ES" dirty="0"/>
-              <a:t> </a:t>
-            </a:r>
-            <a:r>
-              <a:rPr lang="es-ES" dirty="0" err="1"/>
-              <a:t>from</a:t>
-            </a:r>
-            <a:r>
-              <a:rPr lang="es-ES" dirty="0"/>
-              <a:t> </a:t>
-            </a:r>
-            <a:r>
-              <a:rPr lang="es-ES" dirty="0" err="1"/>
-              <a:t>sckit-learn</a:t>
-            </a:r>
-            <a:endParaRPr lang="es-ES" dirty="0"/>
-          </a:p>
-          <a:p>
-            <a:r>
-              <a:rPr lang="es-ES" dirty="0" err="1"/>
-              <a:t>For</a:t>
-            </a:r>
-            <a:r>
-              <a:rPr lang="es-ES" dirty="0"/>
-              <a:t> </a:t>
-            </a:r>
-            <a:r>
-              <a:rPr lang="es-ES" dirty="0" err="1"/>
-              <a:t>giving</a:t>
-            </a:r>
-            <a:r>
-              <a:rPr lang="es-ES" dirty="0"/>
-              <a:t> back </a:t>
-            </a:r>
-            <a:r>
-              <a:rPr lang="es-ES" dirty="0" err="1"/>
-              <a:t>the</a:t>
-            </a:r>
-            <a:r>
-              <a:rPr lang="es-ES" dirty="0"/>
-              <a:t> </a:t>
-            </a:r>
-            <a:r>
-              <a:rPr lang="es-ES" dirty="0" err="1"/>
-              <a:t>best</a:t>
-            </a:r>
-            <a:r>
-              <a:rPr lang="es-ES" dirty="0"/>
-              <a:t> </a:t>
-            </a:r>
-            <a:r>
-              <a:rPr lang="es-ES" dirty="0" err="1"/>
-              <a:t>suitable</a:t>
-            </a:r>
-            <a:r>
-              <a:rPr lang="es-ES" dirty="0"/>
-              <a:t> sport </a:t>
-            </a:r>
-            <a:r>
-              <a:rPr lang="es-ES" dirty="0" err="1"/>
-              <a:t>of</a:t>
-            </a:r>
-            <a:r>
-              <a:rPr lang="es-ES" dirty="0"/>
-              <a:t> a </a:t>
-            </a:r>
-            <a:r>
-              <a:rPr lang="es-ES" dirty="0" err="1"/>
-              <a:t>user</a:t>
-            </a:r>
-            <a:r>
-              <a:rPr lang="es-ES" dirty="0"/>
-              <a:t> I </a:t>
-            </a:r>
-            <a:r>
-              <a:rPr lang="es-ES" dirty="0" err="1"/>
-              <a:t>used</a:t>
-            </a:r>
-            <a:r>
-              <a:rPr lang="es-ES" dirty="0"/>
-              <a:t> a </a:t>
-            </a:r>
-            <a:r>
-              <a:rPr lang="es-ES" dirty="0" err="1"/>
-              <a:t>proximity</a:t>
-            </a:r>
-            <a:r>
-              <a:rPr lang="es-ES" dirty="0"/>
-              <a:t> </a:t>
-            </a:r>
-            <a:r>
-              <a:rPr lang="es-ES" dirty="0" err="1"/>
-              <a:t>approach</a:t>
-            </a:r>
-            <a:r>
-              <a:rPr lang="es-ES" dirty="0"/>
-              <a:t> (</a:t>
-            </a:r>
-            <a:r>
-              <a:rPr lang="es-ES" dirty="0" err="1"/>
-              <a:t>we</a:t>
-            </a:r>
-            <a:r>
-              <a:rPr lang="es-ES" dirty="0"/>
-              <a:t> </a:t>
-            </a:r>
-            <a:r>
-              <a:rPr lang="es-ES" dirty="0" err="1"/>
-              <a:t>will</a:t>
-            </a:r>
-            <a:r>
-              <a:rPr lang="es-ES" dirty="0"/>
-              <a:t> dive </a:t>
-            </a:r>
-            <a:r>
-              <a:rPr lang="es-ES" dirty="0" err="1"/>
-              <a:t>into</a:t>
-            </a:r>
-            <a:r>
-              <a:rPr lang="es-ES" dirty="0"/>
-              <a:t> </a:t>
-            </a:r>
-            <a:r>
-              <a:rPr lang="es-ES" dirty="0" err="1"/>
-              <a:t>that</a:t>
-            </a:r>
-            <a:r>
-              <a:rPr lang="es-ES" dirty="0"/>
-              <a:t> </a:t>
-            </a:r>
-            <a:r>
-              <a:rPr lang="es-ES" dirty="0" err="1"/>
-              <a:t>later</a:t>
-            </a:r>
-            <a:r>
-              <a:rPr lang="es-ES" dirty="0"/>
-              <a:t> </a:t>
-            </a:r>
-            <a:r>
-              <a:rPr lang="es-ES" dirty="0" err="1"/>
-              <a:t>on</a:t>
-            </a:r>
-            <a:r>
-              <a:rPr lang="es-ES" dirty="0"/>
-              <a:t>)</a:t>
-            </a:r>
-          </a:p>
-          <a:p>
             <a:endParaRPr lang="es-ES" dirty="0"/>
           </a:p>
           <a:p>
@@ -6793,7 +7239,7 @@
           <p:cNvPr id="2" name="Title 1">
             <a:extLst>
               <a:ext uri="{FF2B5EF4-FFF2-40B4-BE49-F238E27FC236}">
-                <a16:creationId xmlns:a16="http://schemas.microsoft.com/office/drawing/2014/main" id="{CB3E64FA-2A0F-4EBF-9968-4A33C84C0285}"/>
+                <a16:creationId xmlns:a16="http://schemas.microsoft.com/office/drawing/2014/main" id="{253AC341-0AA0-43A2-9BB8-2C7B97DD068D}"/>
               </a:ext>
             </a:extLst>
           </p:cNvPr>
@@ -6811,41 +7257,28 @@
           <a:p>
             <a:r>
               <a:rPr lang="es-ES" dirty="0" err="1"/>
-              <a:t>Steps</a:t>
-            </a:r>
-            <a:r>
-              <a:rPr lang="es-ES" dirty="0"/>
-              <a:t> </a:t>
-            </a:r>
-            <a:r>
-              <a:rPr lang="es-ES" dirty="0" err="1"/>
-              <a:t>for</a:t>
-            </a:r>
-            <a:r>
-              <a:rPr lang="es-ES" dirty="0"/>
-              <a:t> </a:t>
-            </a:r>
-            <a:r>
-              <a:rPr lang="es-ES" dirty="0" err="1"/>
-              <a:t>achieving</a:t>
-            </a:r>
-            <a:r>
-              <a:rPr lang="es-ES" dirty="0"/>
-              <a:t> </a:t>
-            </a:r>
-            <a:r>
-              <a:rPr lang="es-ES" dirty="0" err="1"/>
-              <a:t>my</a:t>
-            </a:r>
-            <a:r>
-              <a:rPr lang="es-ES" dirty="0"/>
-              <a:t> </a:t>
-            </a:r>
-            <a:r>
-              <a:rPr lang="es-ES" dirty="0" err="1"/>
-              <a:t>goal</a:t>
-            </a:r>
-            <a:endParaRPr lang="es-ES" dirty="0"/>
+              <a:t>What</a:t>
+            </a:r>
+            <a:r>
+              <a:rPr lang="es-ES" dirty="0"/>
+              <a:t> </a:t>
+            </a:r>
+            <a:r>
+              <a:rPr lang="es-ES" dirty="0" err="1"/>
+              <a:t>have</a:t>
+            </a:r>
+            <a:r>
+              <a:rPr lang="es-ES" dirty="0"/>
+              <a:t> I </a:t>
+            </a:r>
+            <a:r>
+              <a:rPr lang="es-ES" dirty="0" err="1"/>
+              <a:t>used</a:t>
+            </a:r>
+            <a:r>
+              <a:rPr lang="es-ES" dirty="0"/>
+              <a:t>?</a:t>
+            </a:r>
           </a:p>
         </p:txBody>
       </p:sp>
@@ -6854,7 +7287,7 @@
           <p:cNvPr id="3" name="Content Placeholder 2">
             <a:extLst>
               <a:ext uri="{FF2B5EF4-FFF2-40B4-BE49-F238E27FC236}">
-                <a16:creationId xmlns:a16="http://schemas.microsoft.com/office/drawing/2014/main" id="{149B0E33-EA47-45BA-A930-324CBAA5C7D3}"/>
+                <a16:creationId xmlns:a16="http://schemas.microsoft.com/office/drawing/2014/main" id="{A51F60C0-F4BE-4246-A4C7-84E41162A02C}"/>
               </a:ext>
             </a:extLst>
           </p:cNvPr>
@@ -6872,7 +7305,15 @@
           <a:p>
             <a:r>
               <a:rPr lang="es-ES" dirty="0" err="1"/>
-              <a:t>Download</a:t>
+              <a:t>For</a:t>
+            </a:r>
+            <a:r>
+              <a:rPr lang="es-ES" dirty="0"/>
+              <a:t> </a:t>
+            </a:r>
+            <a:r>
+              <a:rPr lang="es-ES" dirty="0" err="1"/>
+              <a:t>obtaining</a:t>
             </a:r>
             <a:r>
               <a:rPr lang="es-ES" dirty="0"/>
@@ -6884,15 +7325,151 @@
             </a:r>
             <a:r>
               <a:rPr lang="es-ES" dirty="0"/>
-              <a:t> data</a:t>
-            </a:r>
+              <a:t> data I </a:t>
+            </a:r>
+            <a:r>
+              <a:rPr lang="es-ES" dirty="0" err="1"/>
+              <a:t>picked</a:t>
+            </a:r>
+            <a:r>
+              <a:rPr lang="es-ES" dirty="0"/>
+              <a:t> </a:t>
+            </a:r>
+            <a:r>
+              <a:rPr lang="es-ES" dirty="0" err="1"/>
+              <a:t>two</a:t>
+            </a:r>
+            <a:r>
+              <a:rPr lang="es-ES" dirty="0"/>
+              <a:t> </a:t>
+            </a:r>
+            <a:r>
+              <a:rPr lang="es-ES" dirty="0" err="1"/>
+              <a:t>different</a:t>
+            </a:r>
+            <a:r>
+              <a:rPr lang="es-ES" dirty="0"/>
+              <a:t> </a:t>
+            </a:r>
+            <a:r>
+              <a:rPr lang="es-ES" dirty="0" err="1"/>
+              <a:t>datasets</a:t>
+            </a:r>
+            <a:r>
+              <a:rPr lang="es-ES" dirty="0"/>
+              <a:t> in </a:t>
+            </a:r>
+            <a:r>
+              <a:rPr lang="es-ES" dirty="0" err="1"/>
+              <a:t>Kaggle</a:t>
+            </a:r>
+            <a:endParaRPr lang="es-ES" dirty="0"/>
+          </a:p>
+          <a:p>
+            <a:r>
+              <a:rPr lang="es-ES" dirty="0" err="1"/>
+              <a:t>For</a:t>
+            </a:r>
+            <a:r>
+              <a:rPr lang="es-ES" dirty="0"/>
+              <a:t> </a:t>
+            </a:r>
+            <a:r>
+              <a:rPr lang="es-ES" dirty="0" err="1"/>
+              <a:t>all</a:t>
+            </a:r>
+            <a:r>
+              <a:rPr lang="es-ES" dirty="0"/>
+              <a:t> </a:t>
+            </a:r>
+            <a:r>
+              <a:rPr lang="es-ES" dirty="0" err="1"/>
+              <a:t>my</a:t>
+            </a:r>
+            <a:r>
+              <a:rPr lang="es-ES" dirty="0"/>
+              <a:t> </a:t>
+            </a:r>
+            <a:r>
+              <a:rPr lang="es-ES" dirty="0" err="1"/>
+              <a:t>graphs</a:t>
+            </a:r>
+            <a:r>
+              <a:rPr lang="es-ES" dirty="0"/>
+              <a:t> I </a:t>
+            </a:r>
+            <a:r>
+              <a:rPr lang="es-ES" dirty="0" err="1"/>
+              <a:t>used</a:t>
+            </a:r>
+            <a:r>
+              <a:rPr lang="es-ES" dirty="0"/>
+              <a:t> </a:t>
+            </a:r>
+            <a:r>
+              <a:rPr lang="es-ES" dirty="0" err="1"/>
+              <a:t>visualization</a:t>
+            </a:r>
+            <a:r>
+              <a:rPr lang="es-ES" dirty="0"/>
+              <a:t> </a:t>
+            </a:r>
+            <a:r>
+              <a:rPr lang="es-ES" dirty="0" err="1"/>
+              <a:t>tools</a:t>
+            </a:r>
+            <a:r>
+              <a:rPr lang="es-ES" dirty="0"/>
+              <a:t> </a:t>
+            </a:r>
+            <a:r>
+              <a:rPr lang="es-ES" dirty="0" err="1"/>
+              <a:t>available</a:t>
+            </a:r>
+            <a:r>
+              <a:rPr lang="es-ES" dirty="0"/>
+              <a:t> in Python </a:t>
+            </a:r>
+            <a:r>
+              <a:rPr lang="es-ES" dirty="0" err="1"/>
+              <a:t>such</a:t>
+            </a:r>
+            <a:r>
+              <a:rPr lang="es-ES" dirty="0"/>
+              <a:t> as </a:t>
+            </a:r>
+            <a:r>
+              <a:rPr lang="es-ES" dirty="0" err="1"/>
+              <a:t>Seaborn</a:t>
+            </a:r>
+            <a:r>
+              <a:rPr lang="es-ES" dirty="0"/>
+              <a:t> and </a:t>
+            </a:r>
+            <a:r>
+              <a:rPr lang="es-ES" dirty="0" err="1"/>
+              <a:t>Plotly</a:t>
+            </a:r>
+            <a:r>
+              <a:rPr lang="es-ES" dirty="0"/>
+              <a:t> </a:t>
+            </a:r>
+          </a:p>
+          <a:p>
+            <a:endParaRPr lang="es-ES" dirty="0"/>
+          </a:p>
+          <a:p>
+            <a:pPr marL="0" indent="0">
+              <a:buNone/>
+            </a:pPr>
+            <a:endParaRPr lang="es-ES" dirty="0"/>
           </a:p>
         </p:txBody>
       </p:sp>
     </p:spTree>
     <p:extLst>
       <p:ext uri="{BB962C8B-B14F-4D97-AF65-F5344CB8AC3E}">
-        <p14:creationId xmlns:p14="http://schemas.microsoft.com/office/powerpoint/2010/main" val="1632148943"/>
+        <p14:creationId xmlns:p14="http://schemas.microsoft.com/office/powerpoint/2010/main" val="1943414630"/>
       </p:ext>
     </p:extLst>
   </p:cSld>
@@ -6924,7 +7501,7 @@
           <p:cNvPr id="2" name="Title 1">
             <a:extLst>
               <a:ext uri="{FF2B5EF4-FFF2-40B4-BE49-F238E27FC236}">
-                <a16:creationId xmlns:a16="http://schemas.microsoft.com/office/drawing/2014/main" id="{CB3E64FA-2A0F-4EBF-9968-4A33C84C0285}"/>
+                <a16:creationId xmlns:a16="http://schemas.microsoft.com/office/drawing/2014/main" id="{253AC341-0AA0-43A2-9BB8-2C7B97DD068D}"/>
               </a:ext>
             </a:extLst>
           </p:cNvPr>
@@ -6942,41 +7519,28 @@
           <a:p>
             <a:r>
               <a:rPr lang="es-ES" dirty="0" err="1"/>
-              <a:t>Steps</a:t>
-            </a:r>
-            <a:r>
-              <a:rPr lang="es-ES" dirty="0"/>
-              <a:t> </a:t>
-            </a:r>
-            <a:r>
-              <a:rPr lang="es-ES" dirty="0" err="1"/>
-              <a:t>for</a:t>
-            </a:r>
-            <a:r>
-              <a:rPr lang="es-ES" dirty="0"/>
-              <a:t> </a:t>
-            </a:r>
-            <a:r>
-              <a:rPr lang="es-ES" dirty="0" err="1"/>
-              <a:t>achieving</a:t>
-            </a:r>
-            <a:r>
-              <a:rPr lang="es-ES" dirty="0"/>
-              <a:t> </a:t>
-            </a:r>
-            <a:r>
-              <a:rPr lang="es-ES" dirty="0" err="1"/>
-              <a:t>my</a:t>
-            </a:r>
-            <a:r>
-              <a:rPr lang="es-ES" dirty="0"/>
-              <a:t> </a:t>
-            </a:r>
-            <a:r>
-              <a:rPr lang="es-ES" dirty="0" err="1"/>
-              <a:t>goal</a:t>
-            </a:r>
-            <a:endParaRPr lang="es-ES" dirty="0"/>
+              <a:t>What</a:t>
+            </a:r>
+            <a:r>
+              <a:rPr lang="es-ES" dirty="0"/>
+              <a:t> </a:t>
+            </a:r>
+            <a:r>
+              <a:rPr lang="es-ES" dirty="0" err="1"/>
+              <a:t>have</a:t>
+            </a:r>
+            <a:r>
+              <a:rPr lang="es-ES" dirty="0"/>
+              <a:t> I </a:t>
+            </a:r>
+            <a:r>
+              <a:rPr lang="es-ES" dirty="0" err="1"/>
+              <a:t>used</a:t>
+            </a:r>
+            <a:r>
+              <a:rPr lang="es-ES" dirty="0"/>
+              <a:t>?</a:t>
+            </a:r>
           </a:p>
         </p:txBody>
       </p:sp>
@@ -6985,7 +7549,7 @@
           <p:cNvPr id="3" name="Content Placeholder 2">
             <a:extLst>
               <a:ext uri="{FF2B5EF4-FFF2-40B4-BE49-F238E27FC236}">
-                <a16:creationId xmlns:a16="http://schemas.microsoft.com/office/drawing/2014/main" id="{149B0E33-EA47-45BA-A930-324CBAA5C7D3}"/>
+                <a16:creationId xmlns:a16="http://schemas.microsoft.com/office/drawing/2014/main" id="{A51F60C0-F4BE-4246-A4C7-84E41162A02C}"/>
               </a:ext>
             </a:extLst>
           </p:cNvPr>
@@ -7003,7 +7567,15 @@
           <a:p>
             <a:r>
               <a:rPr lang="es-ES" dirty="0" err="1"/>
-              <a:t>Download</a:t>
+              <a:t>For</a:t>
+            </a:r>
+            <a:r>
+              <a:rPr lang="es-ES" dirty="0"/>
+              <a:t> </a:t>
+            </a:r>
+            <a:r>
+              <a:rPr lang="es-ES" dirty="0" err="1"/>
+              <a:t>obtaining</a:t>
             </a:r>
             <a:r>
               <a:rPr lang="es-ES" dirty="0"/>
@@ -7015,29 +7587,62 @@
             </a:r>
             <a:r>
               <a:rPr lang="es-ES" dirty="0"/>
-              <a:t> data</a:t>
-            </a:r>
-          </a:p>
-          <a:p>
-            <a:r>
-              <a:rPr lang="es-ES" dirty="0"/>
-              <a:t>Explore, dive and </a:t>
-            </a:r>
-            <a:r>
-              <a:rPr lang="es-ES" dirty="0" err="1"/>
-              <a:t>end</a:t>
-            </a:r>
-            <a:r>
-              <a:rPr lang="es-ES" dirty="0"/>
-              <a:t> up </a:t>
-            </a:r>
-            <a:r>
-              <a:rPr lang="es-ES" dirty="0" err="1"/>
-              <a:t>soaked</a:t>
-            </a:r>
-            <a:r>
-              <a:rPr lang="es-ES" dirty="0"/>
-              <a:t>  in </a:t>
+              <a:t> data I </a:t>
+            </a:r>
+            <a:r>
+              <a:rPr lang="es-ES" dirty="0" err="1"/>
+              <a:t>picked</a:t>
+            </a:r>
+            <a:r>
+              <a:rPr lang="es-ES" dirty="0"/>
+              <a:t> </a:t>
+            </a:r>
+            <a:r>
+              <a:rPr lang="es-ES" dirty="0" err="1"/>
+              <a:t>two</a:t>
+            </a:r>
+            <a:r>
+              <a:rPr lang="es-ES" dirty="0"/>
+              <a:t> </a:t>
+            </a:r>
+            <a:r>
+              <a:rPr lang="es-ES" dirty="0" err="1"/>
+              <a:t>different</a:t>
+            </a:r>
+            <a:r>
+              <a:rPr lang="es-ES" dirty="0"/>
+              <a:t> </a:t>
+            </a:r>
+            <a:r>
+              <a:rPr lang="es-ES" dirty="0" err="1"/>
+              <a:t>datasets</a:t>
+            </a:r>
+            <a:r>
+              <a:rPr lang="es-ES" dirty="0"/>
+              <a:t> in </a:t>
+            </a:r>
+            <a:r>
+              <a:rPr lang="es-ES" dirty="0" err="1"/>
+              <a:t>Kaggle</a:t>
+            </a:r>
+            <a:endParaRPr lang="es-ES" dirty="0"/>
+          </a:p>
+          <a:p>
+            <a:r>
+              <a:rPr lang="es-ES" dirty="0" err="1"/>
+              <a:t>For</a:t>
+            </a:r>
+            <a:r>
+              <a:rPr lang="es-ES" dirty="0"/>
+              <a:t> </a:t>
+            </a:r>
+            <a:r>
+              <a:rPr lang="es-ES" dirty="0" err="1"/>
+              <a:t>all</a:t>
+            </a:r>
+            <a:r>
+              <a:rPr lang="es-ES" dirty="0"/>
+              <a:t> </a:t>
             </a:r>
             <a:r>
               <a:rPr lang="es-ES" dirty="0" err="1"/>
@@ -7045,10 +7650,151 @@
             </a:r>
             <a:r>
               <a:rPr lang="es-ES" dirty="0"/>
-              <a:t> data</a:t>
-            </a:r>
-          </a:p>
-          <a:p>
+              <a:t> </a:t>
+            </a:r>
+            <a:r>
+              <a:rPr lang="es-ES" dirty="0" err="1"/>
+              <a:t>graphs</a:t>
+            </a:r>
+            <a:r>
+              <a:rPr lang="es-ES" dirty="0"/>
+              <a:t> I </a:t>
+            </a:r>
+            <a:r>
+              <a:rPr lang="es-ES" dirty="0" err="1"/>
+              <a:t>used</a:t>
+            </a:r>
+            <a:r>
+              <a:rPr lang="es-ES" dirty="0"/>
+              <a:t> </a:t>
+            </a:r>
+            <a:r>
+              <a:rPr lang="es-ES" dirty="0" err="1"/>
+              <a:t>visualization</a:t>
+            </a:r>
+            <a:r>
+              <a:rPr lang="es-ES" dirty="0"/>
+              <a:t> </a:t>
+            </a:r>
+            <a:r>
+              <a:rPr lang="es-ES" dirty="0" err="1"/>
+              <a:t>tools</a:t>
+            </a:r>
+            <a:r>
+              <a:rPr lang="es-ES" dirty="0"/>
+              <a:t> </a:t>
+            </a:r>
+            <a:r>
+              <a:rPr lang="es-ES" dirty="0" err="1"/>
+              <a:t>available</a:t>
+            </a:r>
+            <a:r>
+              <a:rPr lang="es-ES" dirty="0"/>
+              <a:t> in Python </a:t>
+            </a:r>
+            <a:r>
+              <a:rPr lang="es-ES" dirty="0" err="1"/>
+              <a:t>such</a:t>
+            </a:r>
+            <a:r>
+              <a:rPr lang="es-ES" dirty="0"/>
+              <a:t> as </a:t>
+            </a:r>
+            <a:r>
+              <a:rPr lang="es-ES" dirty="0" err="1"/>
+              <a:t>Seaborn</a:t>
+            </a:r>
+            <a:r>
+              <a:rPr lang="es-ES" dirty="0"/>
+              <a:t> and </a:t>
+            </a:r>
+            <a:r>
+              <a:rPr lang="es-ES" dirty="0" err="1"/>
+              <a:t>Plotly</a:t>
+            </a:r>
+            <a:r>
+              <a:rPr lang="es-ES" dirty="0"/>
+              <a:t> </a:t>
+            </a:r>
+          </a:p>
+          <a:p>
+            <a:r>
+              <a:rPr lang="es-ES" dirty="0" err="1"/>
+              <a:t>For</a:t>
+            </a:r>
+            <a:r>
+              <a:rPr lang="es-ES" dirty="0"/>
+              <a:t> </a:t>
+            </a:r>
+            <a:r>
+              <a:rPr lang="es-ES" dirty="0" err="1"/>
+              <a:t>the</a:t>
+            </a:r>
+            <a:r>
+              <a:rPr lang="es-ES" dirty="0"/>
+              <a:t> </a:t>
+            </a:r>
+            <a:r>
+              <a:rPr lang="es-ES" dirty="0" err="1"/>
+              <a:t>clusters</a:t>
+            </a:r>
+            <a:r>
+              <a:rPr lang="es-ES" dirty="0"/>
+              <a:t> in </a:t>
+            </a:r>
+            <a:r>
+              <a:rPr lang="es-ES" dirty="0" err="1"/>
+              <a:t>sports</a:t>
+            </a:r>
+            <a:r>
+              <a:rPr lang="es-ES" dirty="0"/>
+              <a:t> I </a:t>
+            </a:r>
+            <a:r>
+              <a:rPr lang="es-ES" dirty="0" err="1"/>
+              <a:t>used</a:t>
+            </a:r>
+            <a:r>
+              <a:rPr lang="es-ES" dirty="0"/>
+              <a:t> a K-</a:t>
+            </a:r>
+            <a:r>
+              <a:rPr lang="es-ES" dirty="0" err="1"/>
+              <a:t>Means</a:t>
+            </a:r>
+            <a:r>
+              <a:rPr lang="es-ES" dirty="0"/>
+              <a:t> </a:t>
+            </a:r>
+            <a:r>
+              <a:rPr lang="es-ES" dirty="0" err="1"/>
+              <a:t>model</a:t>
+            </a:r>
+            <a:r>
+              <a:rPr lang="es-ES" dirty="0"/>
+              <a:t> </a:t>
+            </a:r>
+            <a:r>
+              <a:rPr lang="es-ES" dirty="0" err="1"/>
+              <a:t>from</a:t>
+            </a:r>
+            <a:r>
+              <a:rPr lang="es-ES" dirty="0"/>
+              <a:t> </a:t>
+            </a:r>
+            <a:r>
+              <a:rPr lang="es-ES" dirty="0" err="1"/>
+              <a:t>sckit-learn</a:t>
+            </a:r>
+            <a:endParaRPr lang="es-ES" dirty="0"/>
+          </a:p>
+          <a:p>
+            <a:endParaRPr lang="es-ES" dirty="0"/>
+          </a:p>
+          <a:p>
+            <a:pPr marL="0" indent="0">
+              <a:buNone/>
+            </a:pPr>
             <a:endParaRPr lang="es-ES" dirty="0"/>
           </a:p>
         </p:txBody>
@@ -7056,7 +7802,7 @@
     </p:spTree>
     <p:extLst>
       <p:ext uri="{BB962C8B-B14F-4D97-AF65-F5344CB8AC3E}">
-        <p14:creationId xmlns:p14="http://schemas.microsoft.com/office/powerpoint/2010/main" val="1184615736"/>
+        <p14:creationId xmlns:p14="http://schemas.microsoft.com/office/powerpoint/2010/main" val="3623800943"/>
       </p:ext>
     </p:extLst>
   </p:cSld>
@@ -7088,7 +7834,7 @@
           <p:cNvPr id="2" name="Title 1">
             <a:extLst>
               <a:ext uri="{FF2B5EF4-FFF2-40B4-BE49-F238E27FC236}">
-                <a16:creationId xmlns:a16="http://schemas.microsoft.com/office/drawing/2014/main" id="{CB3E64FA-2A0F-4EBF-9968-4A33C84C0285}"/>
+                <a16:creationId xmlns:a16="http://schemas.microsoft.com/office/drawing/2014/main" id="{253AC341-0AA0-43A2-9BB8-2C7B97DD068D}"/>
               </a:ext>
             </a:extLst>
           </p:cNvPr>
@@ -7106,41 +7852,28 @@
           <a:p>
             <a:r>
               <a:rPr lang="es-ES" dirty="0" err="1"/>
-              <a:t>Steps</a:t>
-            </a:r>
-            <a:r>
-              <a:rPr lang="es-ES" dirty="0"/>
-              <a:t> </a:t>
-            </a:r>
-            <a:r>
-              <a:rPr lang="es-ES" dirty="0" err="1"/>
-              <a:t>for</a:t>
-            </a:r>
-            <a:r>
-              <a:rPr lang="es-ES" dirty="0"/>
-              <a:t> </a:t>
-            </a:r>
-            <a:r>
-              <a:rPr lang="es-ES" dirty="0" err="1"/>
-              <a:t>achieving</a:t>
-            </a:r>
-            <a:r>
-              <a:rPr lang="es-ES" dirty="0"/>
-              <a:t> </a:t>
-            </a:r>
-            <a:r>
-              <a:rPr lang="es-ES" dirty="0" err="1"/>
-              <a:t>my</a:t>
-            </a:r>
-            <a:r>
-              <a:rPr lang="es-ES" dirty="0"/>
-              <a:t> </a:t>
-            </a:r>
-            <a:r>
-              <a:rPr lang="es-ES" dirty="0" err="1"/>
-              <a:t>goal</a:t>
-            </a:r>
-            <a:endParaRPr lang="es-ES" dirty="0"/>
+              <a:t>What</a:t>
+            </a:r>
+            <a:r>
+              <a:rPr lang="es-ES" dirty="0"/>
+              <a:t> </a:t>
+            </a:r>
+            <a:r>
+              <a:rPr lang="es-ES" dirty="0" err="1"/>
+              <a:t>have</a:t>
+            </a:r>
+            <a:r>
+              <a:rPr lang="es-ES" dirty="0"/>
+              <a:t> I </a:t>
+            </a:r>
+            <a:r>
+              <a:rPr lang="es-ES" dirty="0" err="1"/>
+              <a:t>used</a:t>
+            </a:r>
+            <a:r>
+              <a:rPr lang="es-ES" dirty="0"/>
+              <a:t>?</a:t>
+            </a:r>
           </a:p>
         </p:txBody>
       </p:sp>
@@ -7149,7 +7882,7 @@
           <p:cNvPr id="3" name="Content Placeholder 2">
             <a:extLst>
               <a:ext uri="{FF2B5EF4-FFF2-40B4-BE49-F238E27FC236}">
-                <a16:creationId xmlns:a16="http://schemas.microsoft.com/office/drawing/2014/main" id="{149B0E33-EA47-45BA-A930-324CBAA5C7D3}"/>
+                <a16:creationId xmlns:a16="http://schemas.microsoft.com/office/drawing/2014/main" id="{A51F60C0-F4BE-4246-A4C7-84E41162A02C}"/>
               </a:ext>
             </a:extLst>
           </p:cNvPr>
@@ -7167,7 +7900,15 @@
           <a:p>
             <a:r>
               <a:rPr lang="es-ES" dirty="0" err="1"/>
-              <a:t>Download</a:t>
+              <a:t>For</a:t>
+            </a:r>
+            <a:r>
+              <a:rPr lang="es-ES" dirty="0"/>
+              <a:t> </a:t>
+            </a:r>
+            <a:r>
+              <a:rPr lang="es-ES" dirty="0" err="1"/>
+              <a:t>obtaining</a:t>
             </a:r>
             <a:r>
               <a:rPr lang="es-ES" dirty="0"/>
@@ -7179,29 +7920,62 @@
             </a:r>
             <a:r>
               <a:rPr lang="es-ES" dirty="0"/>
-              <a:t> data</a:t>
-            </a:r>
-          </a:p>
-          <a:p>
-            <a:r>
-              <a:rPr lang="es-ES" dirty="0"/>
-              <a:t>Explore, dive and </a:t>
-            </a:r>
-            <a:r>
-              <a:rPr lang="es-ES" dirty="0" err="1"/>
-              <a:t>end</a:t>
-            </a:r>
-            <a:r>
-              <a:rPr lang="es-ES" dirty="0"/>
-              <a:t> up </a:t>
-            </a:r>
-            <a:r>
-              <a:rPr lang="es-ES" dirty="0" err="1"/>
-              <a:t>soaked</a:t>
-            </a:r>
-            <a:r>
-              <a:rPr lang="es-ES" dirty="0"/>
-              <a:t>  in </a:t>
+              <a:t> data I </a:t>
+            </a:r>
+            <a:r>
+              <a:rPr lang="es-ES" dirty="0" err="1"/>
+              <a:t>picked</a:t>
+            </a:r>
+            <a:r>
+              <a:rPr lang="es-ES" dirty="0"/>
+              <a:t> </a:t>
+            </a:r>
+            <a:r>
+              <a:rPr lang="es-ES" dirty="0" err="1"/>
+              <a:t>two</a:t>
+            </a:r>
+            <a:r>
+              <a:rPr lang="es-ES" dirty="0"/>
+              <a:t> </a:t>
+            </a:r>
+            <a:r>
+              <a:rPr lang="es-ES" dirty="0" err="1"/>
+              <a:t>different</a:t>
+            </a:r>
+            <a:r>
+              <a:rPr lang="es-ES" dirty="0"/>
+              <a:t> </a:t>
+            </a:r>
+            <a:r>
+              <a:rPr lang="es-ES" dirty="0" err="1"/>
+              <a:t>datasets</a:t>
+            </a:r>
+            <a:r>
+              <a:rPr lang="es-ES" dirty="0"/>
+              <a:t> in </a:t>
+            </a:r>
+            <a:r>
+              <a:rPr lang="es-ES" dirty="0" err="1"/>
+              <a:t>Kaggle</a:t>
+            </a:r>
+            <a:endParaRPr lang="es-ES" dirty="0"/>
+          </a:p>
+          <a:p>
+            <a:r>
+              <a:rPr lang="es-ES" dirty="0" err="1"/>
+              <a:t>For</a:t>
+            </a:r>
+            <a:r>
+              <a:rPr lang="es-ES" dirty="0"/>
+              <a:t> </a:t>
+            </a:r>
+            <a:r>
+              <a:rPr lang="es-ES" dirty="0" err="1"/>
+              <a:t>all</a:t>
+            </a:r>
+            <a:r>
+              <a:rPr lang="es-ES" dirty="0"/>
+              <a:t> </a:t>
             </a:r>
             <a:r>
               <a:rPr lang="es-ES" dirty="0" err="1"/>
@@ -7209,39 +7983,281 @@
             </a:r>
             <a:r>
               <a:rPr lang="es-ES" dirty="0"/>
-              <a:t> data</a:t>
-            </a:r>
-          </a:p>
-          <a:p>
-            <a:r>
-              <a:rPr lang="es-ES" dirty="0" err="1"/>
-              <a:t>Clean</a:t>
-            </a:r>
-            <a:r>
-              <a:rPr lang="es-ES" dirty="0"/>
-              <a:t>, </a:t>
-            </a:r>
-            <a:r>
-              <a:rPr lang="es-ES" dirty="0" err="1"/>
-              <a:t>clean</a:t>
-            </a:r>
-            <a:r>
-              <a:rPr lang="es-ES" dirty="0"/>
-              <a:t>, </a:t>
-            </a:r>
-            <a:r>
-              <a:rPr lang="es-ES" dirty="0" err="1"/>
-              <a:t>clean</a:t>
+              <a:t> </a:t>
+            </a:r>
+            <a:r>
+              <a:rPr lang="es-ES" dirty="0" err="1"/>
+              <a:t>graphs</a:t>
+            </a:r>
+            <a:r>
+              <a:rPr lang="es-ES" dirty="0"/>
+              <a:t> I </a:t>
+            </a:r>
+            <a:r>
+              <a:rPr lang="es-ES" dirty="0" err="1"/>
+              <a:t>used</a:t>
+            </a:r>
+            <a:r>
+              <a:rPr lang="es-ES" dirty="0"/>
+              <a:t> </a:t>
+            </a:r>
+            <a:r>
+              <a:rPr lang="es-ES" dirty="0" err="1"/>
+              <a:t>visualization</a:t>
+            </a:r>
+            <a:r>
+              <a:rPr lang="es-ES" dirty="0"/>
+              <a:t> </a:t>
+            </a:r>
+            <a:r>
+              <a:rPr lang="es-ES" dirty="0" err="1"/>
+              <a:t>tools</a:t>
+            </a:r>
+            <a:r>
+              <a:rPr lang="es-ES" dirty="0"/>
+              <a:t> </a:t>
+            </a:r>
+            <a:r>
+              <a:rPr lang="es-ES" dirty="0" err="1"/>
+              <a:t>available</a:t>
+            </a:r>
+            <a:r>
+              <a:rPr lang="es-ES" dirty="0"/>
+              <a:t> in Python </a:t>
+            </a:r>
+            <a:r>
+              <a:rPr lang="es-ES" dirty="0" err="1"/>
+              <a:t>such</a:t>
+            </a:r>
+            <a:r>
+              <a:rPr lang="es-ES" dirty="0"/>
+              <a:t> as </a:t>
+            </a:r>
+            <a:r>
+              <a:rPr lang="es-ES" dirty="0" err="1"/>
+              <a:t>Seaborn</a:t>
+            </a:r>
+            <a:r>
+              <a:rPr lang="es-ES" dirty="0"/>
+              <a:t> and </a:t>
+            </a:r>
+            <a:r>
+              <a:rPr lang="es-ES" dirty="0" err="1"/>
+              <a:t>Plotly</a:t>
+            </a:r>
+            <a:r>
+              <a:rPr lang="es-ES" dirty="0"/>
+              <a:t> </a:t>
+            </a:r>
+          </a:p>
+          <a:p>
+            <a:r>
+              <a:rPr lang="es-ES" dirty="0" err="1"/>
+              <a:t>For</a:t>
+            </a:r>
+            <a:r>
+              <a:rPr lang="es-ES" dirty="0"/>
+              <a:t> </a:t>
+            </a:r>
+            <a:r>
+              <a:rPr lang="es-ES" dirty="0" err="1"/>
+              <a:t>the</a:t>
+            </a:r>
+            <a:r>
+              <a:rPr lang="es-ES" dirty="0"/>
+              <a:t> </a:t>
+            </a:r>
+            <a:r>
+              <a:rPr lang="es-ES" dirty="0" err="1"/>
+              <a:t>clusters</a:t>
+            </a:r>
+            <a:r>
+              <a:rPr lang="es-ES" dirty="0"/>
+              <a:t> in </a:t>
+            </a:r>
+            <a:r>
+              <a:rPr lang="es-ES" dirty="0" err="1"/>
+              <a:t>sports</a:t>
+            </a:r>
+            <a:r>
+              <a:rPr lang="es-ES" dirty="0"/>
+              <a:t> I </a:t>
+            </a:r>
+            <a:r>
+              <a:rPr lang="es-ES" dirty="0" err="1"/>
+              <a:t>used</a:t>
+            </a:r>
+            <a:r>
+              <a:rPr lang="es-ES" dirty="0"/>
+              <a:t> a K-</a:t>
+            </a:r>
+            <a:r>
+              <a:rPr lang="es-ES" dirty="0" err="1"/>
+              <a:t>Means</a:t>
+            </a:r>
+            <a:r>
+              <a:rPr lang="es-ES" dirty="0"/>
+              <a:t> </a:t>
+            </a:r>
+            <a:r>
+              <a:rPr lang="es-ES" dirty="0" err="1"/>
+              <a:t>model</a:t>
+            </a:r>
+            <a:r>
+              <a:rPr lang="es-ES" dirty="0"/>
+              <a:t> </a:t>
+            </a:r>
+            <a:r>
+              <a:rPr lang="es-ES" dirty="0" err="1"/>
+              <a:t>from</a:t>
+            </a:r>
+            <a:r>
+              <a:rPr lang="es-ES" dirty="0"/>
+              <a:t> </a:t>
+            </a:r>
+            <a:r>
+              <a:rPr lang="es-ES" dirty="0" err="1"/>
+              <a:t>sckit-learn</a:t>
             </a:r>
             <a:endParaRPr lang="es-ES" dirty="0"/>
           </a:p>
           <a:p>
+            <a:r>
+              <a:rPr lang="es-ES" dirty="0" err="1"/>
+              <a:t>For</a:t>
+            </a:r>
+            <a:r>
+              <a:rPr lang="es-ES" dirty="0"/>
+              <a:t> </a:t>
+            </a:r>
+            <a:r>
+              <a:rPr lang="es-ES" dirty="0" err="1"/>
+              <a:t>giving</a:t>
+            </a:r>
+            <a:r>
+              <a:rPr lang="es-ES" dirty="0"/>
+              <a:t> back </a:t>
+            </a:r>
+            <a:r>
+              <a:rPr lang="es-ES" dirty="0" err="1"/>
+              <a:t>the</a:t>
+            </a:r>
+            <a:r>
+              <a:rPr lang="es-ES" dirty="0"/>
+              <a:t> </a:t>
+            </a:r>
+            <a:r>
+              <a:rPr lang="es-ES" dirty="0" err="1"/>
+              <a:t>best</a:t>
+            </a:r>
+            <a:r>
+              <a:rPr lang="es-ES" dirty="0"/>
+              <a:t> </a:t>
+            </a:r>
+            <a:r>
+              <a:rPr lang="es-ES" dirty="0" err="1"/>
+              <a:t>suitable</a:t>
+            </a:r>
+            <a:r>
+              <a:rPr lang="es-ES" dirty="0"/>
+              <a:t> sport </a:t>
+            </a:r>
+            <a:r>
+              <a:rPr lang="es-ES" dirty="0" err="1"/>
+              <a:t>of</a:t>
+            </a:r>
+            <a:r>
+              <a:rPr lang="es-ES" dirty="0"/>
+              <a:t> a </a:t>
+            </a:r>
+            <a:r>
+              <a:rPr lang="es-ES" dirty="0" err="1"/>
+              <a:t>user</a:t>
+            </a:r>
+            <a:r>
+              <a:rPr lang="es-ES" dirty="0"/>
+              <a:t> I </a:t>
+            </a:r>
+            <a:r>
+              <a:rPr lang="es-ES" dirty="0" err="1"/>
+              <a:t>used</a:t>
+            </a:r>
+            <a:r>
+              <a:rPr lang="es-ES" dirty="0"/>
+              <a:t> a </a:t>
+            </a:r>
+            <a:r>
+              <a:rPr lang="es-ES" dirty="0" err="1"/>
+              <a:t>proximity</a:t>
+            </a:r>
+            <a:r>
+              <a:rPr lang="es-ES" dirty="0"/>
+              <a:t> </a:t>
+            </a:r>
+            <a:r>
+              <a:rPr lang="es-ES" dirty="0" err="1"/>
+              <a:t>approach</a:t>
+            </a:r>
+            <a:r>
+              <a:rPr lang="es-ES" dirty="0"/>
+              <a:t> (</a:t>
+            </a:r>
+            <a:r>
+              <a:rPr lang="es-ES" dirty="0" err="1"/>
+              <a:t>we</a:t>
+            </a:r>
+            <a:r>
+              <a:rPr lang="es-ES" dirty="0"/>
+              <a:t> </a:t>
+            </a:r>
+            <a:r>
+              <a:rPr lang="es-ES" dirty="0" err="1"/>
+              <a:t>will</a:t>
+            </a:r>
+            <a:r>
+              <a:rPr lang="es-ES" dirty="0"/>
+              <a:t> dive </a:t>
+            </a:r>
+            <a:r>
+              <a:rPr lang="es-ES" dirty="0" err="1"/>
+              <a:t>into</a:t>
+            </a:r>
+            <a:r>
+              <a:rPr lang="es-ES" dirty="0"/>
+              <a:t> </a:t>
+            </a:r>
+            <a:r>
+              <a:rPr lang="es-ES" dirty="0" err="1"/>
+              <a:t>that</a:t>
+            </a:r>
+            <a:r>
+              <a:rPr lang="es-ES" dirty="0"/>
+              <a:t> </a:t>
+            </a:r>
+            <a:r>
+              <a:rPr lang="es-ES" dirty="0" err="1"/>
+              <a:t>later</a:t>
+            </a:r>
+            <a:r>
+              <a:rPr lang="es-ES" dirty="0"/>
+              <a:t> </a:t>
+            </a:r>
+            <a:r>
+              <a:rPr lang="es-ES" dirty="0" err="1"/>
+              <a:t>on</a:t>
+            </a:r>
+            <a:r>
+              <a:rPr lang="es-ES" dirty="0"/>
+              <a:t>)</a:t>
+            </a:r>
+          </a:p>
+          <a:p>
             <a:endParaRPr lang="es-ES" dirty="0"/>
           </a:p>
           <a:p>
-            <a:endParaRPr lang="es-ES" dirty="0"/>
-          </a:p>
-          <a:p>
+            <a:pPr marL="0" indent="0">
+              <a:buNone/>
+            </a:pPr>
             <a:endParaRPr lang="es-ES" dirty="0"/>
           </a:p>
         </p:txBody>
@@ -7249,7 +8265,7 @@
     </p:spTree>
     <p:extLst>
       <p:ext uri="{BB962C8B-B14F-4D97-AF65-F5344CB8AC3E}">
-        <p14:creationId xmlns:p14="http://schemas.microsoft.com/office/powerpoint/2010/main" val="668208124"/>
+        <p14:creationId xmlns:p14="http://schemas.microsoft.com/office/powerpoint/2010/main" val="528894480"/>
       </p:ext>
     </p:extLst>
   </p:cSld>
@@ -7375,97 +8391,12 @@
               <a:t> data</a:t>
             </a:r>
           </a:p>
-          <a:p>
-            <a:r>
-              <a:rPr lang="es-ES" dirty="0"/>
-              <a:t>Explore, dive and </a:t>
-            </a:r>
-            <a:r>
-              <a:rPr lang="es-ES" dirty="0" err="1"/>
-              <a:t>end</a:t>
-            </a:r>
-            <a:r>
-              <a:rPr lang="es-ES" dirty="0"/>
-              <a:t> up </a:t>
-            </a:r>
-            <a:r>
-              <a:rPr lang="es-ES" dirty="0" err="1"/>
-              <a:t>soaked</a:t>
-            </a:r>
-            <a:r>
-              <a:rPr lang="es-ES" dirty="0"/>
-              <a:t>  in </a:t>
-            </a:r>
-            <a:r>
-              <a:rPr lang="es-ES" dirty="0" err="1"/>
-              <a:t>my</a:t>
-            </a:r>
-            <a:r>
-              <a:rPr lang="es-ES" dirty="0"/>
-              <a:t> data</a:t>
-            </a:r>
-          </a:p>
-          <a:p>
-            <a:r>
-              <a:rPr lang="es-ES" dirty="0" err="1"/>
-              <a:t>Clean</a:t>
-            </a:r>
-            <a:r>
-              <a:rPr lang="es-ES" dirty="0"/>
-              <a:t>, </a:t>
-            </a:r>
-            <a:r>
-              <a:rPr lang="es-ES" dirty="0" err="1"/>
-              <a:t>clean</a:t>
-            </a:r>
-            <a:r>
-              <a:rPr lang="es-ES" dirty="0"/>
-              <a:t>, </a:t>
-            </a:r>
-            <a:r>
-              <a:rPr lang="es-ES" dirty="0" err="1"/>
-              <a:t>clean</a:t>
-            </a:r>
-            <a:endParaRPr lang="es-ES" dirty="0"/>
-          </a:p>
-          <a:p>
-            <a:r>
-              <a:rPr lang="es-ES" dirty="0" err="1"/>
-              <a:t>Plot</a:t>
-            </a:r>
-            <a:r>
-              <a:rPr lang="es-ES" dirty="0"/>
-              <a:t>, </a:t>
-            </a:r>
-            <a:r>
-              <a:rPr lang="es-ES" dirty="0" err="1"/>
-              <a:t>plot</a:t>
-            </a:r>
-            <a:r>
-              <a:rPr lang="es-ES" dirty="0"/>
-              <a:t> </a:t>
-            </a:r>
-            <a:r>
-              <a:rPr lang="es-ES" dirty="0" err="1"/>
-              <a:t>plot</a:t>
-            </a:r>
-            <a:endParaRPr lang="es-ES" dirty="0"/>
-          </a:p>
-          <a:p>
-            <a:endParaRPr lang="es-ES" dirty="0"/>
-          </a:p>
-          <a:p>
-            <a:endParaRPr lang="es-ES" dirty="0"/>
-          </a:p>
-          <a:p>
-            <a:endParaRPr lang="es-ES" dirty="0"/>
-          </a:p>
         </p:txBody>
       </p:sp>
     </p:spTree>
     <p:extLst>
       <p:ext uri="{BB962C8B-B14F-4D97-AF65-F5344CB8AC3E}">
-        <p14:creationId xmlns:p14="http://schemas.microsoft.com/office/powerpoint/2010/main" val="3342787115"/>
+        <p14:creationId xmlns:p14="http://schemas.microsoft.com/office/powerpoint/2010/main" val="1632148943"/>
       </p:ext>
     </p:extLst>
   </p:cSld>
@@ -7622,113 +8553,6 @@
             </a:r>
           </a:p>
           <a:p>
-            <a:r>
-              <a:rPr lang="es-ES" dirty="0" err="1"/>
-              <a:t>Clean</a:t>
-            </a:r>
-            <a:r>
-              <a:rPr lang="es-ES" dirty="0"/>
-              <a:t>, </a:t>
-            </a:r>
-            <a:r>
-              <a:rPr lang="es-ES" dirty="0" err="1"/>
-              <a:t>clean</a:t>
-            </a:r>
-            <a:r>
-              <a:rPr lang="es-ES" dirty="0"/>
-              <a:t>, </a:t>
-            </a:r>
-            <a:r>
-              <a:rPr lang="es-ES" dirty="0" err="1"/>
-              <a:t>clean</a:t>
-            </a:r>
-            <a:endParaRPr lang="es-ES" dirty="0"/>
-          </a:p>
-          <a:p>
-            <a:r>
-              <a:rPr lang="es-ES" dirty="0" err="1"/>
-              <a:t>Plot</a:t>
-            </a:r>
-            <a:r>
-              <a:rPr lang="es-ES" dirty="0"/>
-              <a:t>, </a:t>
-            </a:r>
-            <a:r>
-              <a:rPr lang="es-ES" dirty="0" err="1"/>
-              <a:t>plot</a:t>
-            </a:r>
-            <a:r>
-              <a:rPr lang="es-ES" dirty="0"/>
-              <a:t> </a:t>
-            </a:r>
-            <a:r>
-              <a:rPr lang="es-ES" dirty="0" err="1"/>
-              <a:t>plot</a:t>
-            </a:r>
-            <a:endParaRPr lang="es-ES" dirty="0"/>
-          </a:p>
-          <a:p>
-            <a:r>
-              <a:rPr lang="es-ES" dirty="0" err="1"/>
-              <a:t>Predicting</a:t>
-            </a:r>
-            <a:r>
-              <a:rPr lang="es-ES" dirty="0"/>
-              <a:t> </a:t>
-            </a:r>
-            <a:r>
-              <a:rPr lang="es-ES" dirty="0" err="1"/>
-              <a:t>the</a:t>
-            </a:r>
-            <a:r>
-              <a:rPr lang="es-ES" dirty="0"/>
-              <a:t> </a:t>
-            </a:r>
-            <a:r>
-              <a:rPr lang="es-ES" dirty="0" err="1"/>
-              <a:t>next</a:t>
-            </a:r>
-            <a:r>
-              <a:rPr lang="es-ES" dirty="0"/>
-              <a:t> 10 </a:t>
-            </a:r>
-            <a:r>
-              <a:rPr lang="es-ES" dirty="0" err="1"/>
-              <a:t>years</a:t>
-            </a:r>
-            <a:r>
-              <a:rPr lang="es-ES" dirty="0"/>
-              <a:t> </a:t>
-            </a:r>
-            <a:r>
-              <a:rPr lang="es-ES" dirty="0" err="1"/>
-              <a:t>by</a:t>
-            </a:r>
-            <a:r>
-              <a:rPr lang="es-ES" dirty="0"/>
-              <a:t> a </a:t>
-            </a:r>
-            <a:r>
-              <a:rPr lang="es-ES" dirty="0" err="1"/>
-              <a:t>polynomic</a:t>
-            </a:r>
-            <a:r>
-              <a:rPr lang="es-ES" dirty="0"/>
-              <a:t> </a:t>
-            </a:r>
-            <a:r>
-              <a:rPr lang="es-ES" dirty="0" err="1"/>
-              <a:t>regression</a:t>
-            </a:r>
-            <a:endParaRPr lang="es-ES" dirty="0"/>
-          </a:p>
-          <a:p>
-            <a:endParaRPr lang="es-ES" dirty="0"/>
-          </a:p>
-          <a:p>
-            <a:endParaRPr lang="es-ES" dirty="0"/>
-          </a:p>
-          <a:p>
             <a:endParaRPr lang="es-ES" dirty="0"/>
           </a:p>
         </p:txBody>
@@ -7736,7 +8560,7 @@
     </p:spTree>
     <p:extLst>
       <p:ext uri="{BB962C8B-B14F-4D97-AF65-F5344CB8AC3E}">
-        <p14:creationId xmlns:p14="http://schemas.microsoft.com/office/powerpoint/2010/main" val="3636859598"/>
+        <p14:creationId xmlns:p14="http://schemas.microsoft.com/office/powerpoint/2010/main" val="1184615736"/>
       </p:ext>
     </p:extLst>
   </p:cSld>
@@ -8032,15 +8856,6 @@
 </file>
 
 <file path=customXml/item2.xml><?xml version="1.0" encoding="utf-8"?>
-<?mso-contentType ?>
-<FormTemplates xmlns="http://schemas.microsoft.com/sharepoint/v3/contenttype/forms">
-  <Display>DocumentLibraryForm</Display>
-  <Edit>DocumentLibraryForm</Edit>
-  <New>DocumentLibraryForm</New>
-</FormTemplates>
-</file>
-
-<file path=customXml/item3.xml><?xml version="1.0" encoding="utf-8"?>
 <ct:contentTypeSchema xmlns:ct="http://schemas.microsoft.com/office/2006/metadata/contentType" xmlns:ma="http://schemas.microsoft.com/office/2006/metadata/properties/metaAttributes" ct:_="" ma:_="" ma:contentTypeName="Document" ma:contentTypeID="0x01010079F111ED35F8CC479449609E8A0923A6" ma:contentTypeVersion="12" ma:contentTypeDescription="Create a new document." ma:contentTypeScope="" ma:versionID="a410dd7f93c95333ffa1b60ed6adedd1">
   <xsd:schema xmlns:xsd="http://www.w3.org/2001/XMLSchema" xmlns:xs="http://www.w3.org/2001/XMLSchema" xmlns:p="http://schemas.microsoft.com/office/2006/metadata/properties" xmlns:ns2="71af3243-3dd4-4a8d-8c0d-dd76da1f02a5" xmlns:ns3="16c05727-aa75-4e4a-9b5f-8a80a1165891" targetNamespace="http://schemas.microsoft.com/office/2006/metadata/properties" ma:root="true" ma:fieldsID="a936d9baba76aa3866493feff160faab" ns2:_="" ns3:_="">
     <xsd:import namespace="71af3243-3dd4-4a8d-8c0d-dd76da1f02a5"/>
@@ -8261,6 +9076,15 @@
 </ct:contentTypeSchema>
 </file>
 
+<file path=customXml/item3.xml><?xml version="1.0" encoding="utf-8"?>
+<?mso-contentType ?>
+<FormTemplates xmlns="http://schemas.microsoft.com/sharepoint/v3/contenttype/forms">
+  <Display>DocumentLibraryForm</Display>
+  <Edit>DocumentLibraryForm</Edit>
+  <New>DocumentLibraryForm</New>
+</FormTemplates>
+</file>
+
 <file path=customXml/itemProps1.xml><?xml version="1.0" encoding="utf-8"?>
 <ds:datastoreItem xmlns:ds="http://schemas.openxmlformats.org/officeDocument/2006/customXml" ds:itemID="{137651BA-F45C-4845-9AB3-E0A65B39F5E1}">
   <ds:schemaRefs>
@@ -8272,14 +9096,6 @@
 </file>
 
 <file path=customXml/itemProps2.xml><?xml version="1.0" encoding="utf-8"?>
-<ds:datastoreItem xmlns:ds="http://schemas.openxmlformats.org/officeDocument/2006/customXml" ds:itemID="{CDB58277-F8DF-46FF-84EC-EF41B835E69F}">
-  <ds:schemaRefs>
-    <ds:schemaRef ds:uri="http://schemas.microsoft.com/sharepoint/v3/contenttype/forms"/>
-  </ds:schemaRefs>
-</ds:datastoreItem>
-</file>
-
-<file path=customXml/itemProps3.xml><?xml version="1.0" encoding="utf-8"?>
 <ds:datastoreItem xmlns:ds="http://schemas.openxmlformats.org/officeDocument/2006/customXml" ds:itemID="{2D276E62-80A3-44DD-9BCC-97ED2B99B57F}">
   <ds:schemaRefs>
     <ds:schemaRef ds:uri="http://schemas.microsoft.com/office/2006/metadata/contentType"/>
@@ -8296,4 +9112,12 @@
     <ds:schemaRef ds:uri="http://schemas.microsoft.com/internal/obd"/>
   </ds:schemaRefs>
 </ds:datastoreItem>
+</file>
+
+<file path=customXml/itemProps3.xml><?xml version="1.0" encoding="utf-8"?>
+<ds:datastoreItem xmlns:ds="http://schemas.openxmlformats.org/officeDocument/2006/customXml" ds:itemID="{CDB58277-F8DF-46FF-84EC-EF41B835E69F}">
+  <ds:schemaRefs>
+    <ds:schemaRef ds:uri="http://schemas.microsoft.com/sharepoint/v3/contenttype/forms"/>
+  </ds:schemaRefs>
+</ds:datastoreItem>
 </file>
--- a/Slide_Show/The Story of Sports.pptx
+++ b/Slide_Show/The Story of Sports.pptx
@@ -4197,7 +4197,7 @@
                   <a:schemeClr val="tx1"/>
                 </a:solidFill>
               </a:rPr>
-              <a:t>The Story of </a:t>
+              <a:t>The history of </a:t>
             </a:r>
             <a:r>
               <a:rPr lang="en-US" sz="3200" dirty="0" err="1">
@@ -8847,15 +8847,6 @@
 </file>
 
 <file path=customXml/item1.xml><?xml version="1.0" encoding="utf-8"?>
-<p:properties xmlns:p="http://schemas.microsoft.com/office/2006/metadata/properties" xmlns:xsi="http://www.w3.org/2001/XMLSchema-instance" xmlns:pc="http://schemas.microsoft.com/office/infopath/2007/PartnerControls">
-  <documentManagement>
-    <Status xmlns="71af3243-3dd4-4a8d-8c0d-dd76da1f02a5">Not started</Status>
-    <MediaServiceKeyPoints xmlns="71af3243-3dd4-4a8d-8c0d-dd76da1f02a5" xsi:nil="true"/>
-  </documentManagement>
-</p:properties>
-</file>
-
-<file path=customXml/item2.xml><?xml version="1.0" encoding="utf-8"?>
 <ct:contentTypeSchema xmlns:ct="http://schemas.microsoft.com/office/2006/metadata/contentType" xmlns:ma="http://schemas.microsoft.com/office/2006/metadata/properties/metaAttributes" ct:_="" ma:_="" ma:contentTypeName="Document" ma:contentTypeID="0x01010079F111ED35F8CC479449609E8A0923A6" ma:contentTypeVersion="12" ma:contentTypeDescription="Create a new document." ma:contentTypeScope="" ma:versionID="a410dd7f93c95333ffa1b60ed6adedd1">
   <xsd:schema xmlns:xsd="http://www.w3.org/2001/XMLSchema" xmlns:xs="http://www.w3.org/2001/XMLSchema" xmlns:p="http://schemas.microsoft.com/office/2006/metadata/properties" xmlns:ns2="71af3243-3dd4-4a8d-8c0d-dd76da1f02a5" xmlns:ns3="16c05727-aa75-4e4a-9b5f-8a80a1165891" targetNamespace="http://schemas.microsoft.com/office/2006/metadata/properties" ma:root="true" ma:fieldsID="a936d9baba76aa3866493feff160faab" ns2:_="" ns3:_="">
     <xsd:import namespace="71af3243-3dd4-4a8d-8c0d-dd76da1f02a5"/>
@@ -9076,6 +9067,15 @@
 </ct:contentTypeSchema>
 </file>
 
+<file path=customXml/item2.xml><?xml version="1.0" encoding="utf-8"?>
+<p:properties xmlns:p="http://schemas.microsoft.com/office/2006/metadata/properties" xmlns:xsi="http://www.w3.org/2001/XMLSchema-instance" xmlns:pc="http://schemas.microsoft.com/office/infopath/2007/PartnerControls">
+  <documentManagement>
+    <Status xmlns="71af3243-3dd4-4a8d-8c0d-dd76da1f02a5">Not started</Status>
+    <MediaServiceKeyPoints xmlns="71af3243-3dd4-4a8d-8c0d-dd76da1f02a5" xsi:nil="true"/>
+  </documentManagement>
+</p:properties>
+</file>
+
 <file path=customXml/item3.xml><?xml version="1.0" encoding="utf-8"?>
 <?mso-contentType ?>
 <FormTemplates xmlns="http://schemas.microsoft.com/sharepoint/v3/contenttype/forms">
@@ -9086,16 +9086,6 @@
 </file>
 
 <file path=customXml/itemProps1.xml><?xml version="1.0" encoding="utf-8"?>
-<ds:datastoreItem xmlns:ds="http://schemas.openxmlformats.org/officeDocument/2006/customXml" ds:itemID="{137651BA-F45C-4845-9AB3-E0A65B39F5E1}">
-  <ds:schemaRefs>
-    <ds:schemaRef ds:uri="http://schemas.microsoft.com/office/2006/metadata/properties"/>
-    <ds:schemaRef ds:uri="http://schemas.microsoft.com/office/infopath/2007/PartnerControls"/>
-    <ds:schemaRef ds:uri="71af3243-3dd4-4a8d-8c0d-dd76da1f02a5"/>
-  </ds:schemaRefs>
-</ds:datastoreItem>
-</file>
-
-<file path=customXml/itemProps2.xml><?xml version="1.0" encoding="utf-8"?>
 <ds:datastoreItem xmlns:ds="http://schemas.openxmlformats.org/officeDocument/2006/customXml" ds:itemID="{2D276E62-80A3-44DD-9BCC-97ED2B99B57F}">
   <ds:schemaRefs>
     <ds:schemaRef ds:uri="http://schemas.microsoft.com/office/2006/metadata/contentType"/>
@@ -9114,6 +9104,16 @@
 </ds:datastoreItem>
 </file>
 
+<file path=customXml/itemProps2.xml><?xml version="1.0" encoding="utf-8"?>
+<ds:datastoreItem xmlns:ds="http://schemas.openxmlformats.org/officeDocument/2006/customXml" ds:itemID="{137651BA-F45C-4845-9AB3-E0A65B39F5E1}">
+  <ds:schemaRefs>
+    <ds:schemaRef ds:uri="http://schemas.microsoft.com/office/2006/metadata/properties"/>
+    <ds:schemaRef ds:uri="http://schemas.microsoft.com/office/infopath/2007/PartnerControls"/>
+    <ds:schemaRef ds:uri="71af3243-3dd4-4a8d-8c0d-dd76da1f02a5"/>
+  </ds:schemaRefs>
+</ds:datastoreItem>
+</file>
+
 <file path=customXml/itemProps3.xml><?xml version="1.0" encoding="utf-8"?>
 <ds:datastoreItem xmlns:ds="http://schemas.openxmlformats.org/officeDocument/2006/customXml" ds:itemID="{CDB58277-F8DF-46FF-84EC-EF41B835E69F}">
   <ds:schemaRefs>

--- a/Slide_Show/The Story of Sports.pptx
+++ b/Slide_Show/The Story of Sports.pptx
@@ -20,9 +20,13 @@
     <p:sldId id="268" r:id="rId17"/>
     <p:sldId id="269" r:id="rId18"/>
     <p:sldId id="270" r:id="rId19"/>
-    <p:sldId id="271" r:id="rId20"/>
-    <p:sldId id="272" r:id="rId21"/>
-    <p:sldId id="273" r:id="rId22"/>
+    <p:sldId id="280" r:id="rId20"/>
+    <p:sldId id="281" r:id="rId21"/>
+    <p:sldId id="271" r:id="rId22"/>
+    <p:sldId id="278" r:id="rId23"/>
+    <p:sldId id="279" r:id="rId24"/>
+    <p:sldId id="272" r:id="rId25"/>
+    <p:sldId id="273" r:id="rId26"/>
   </p:sldIdLst>
   <p:sldSz cx="12192000" cy="6858000"/>
   <p:notesSz cx="6858000" cy="9144000"/>
@@ -598,7 +602,7 @@
           <a:p>
             <a:fld id="{EA0C0817-A112-4847-8014-A94B7D2A4EA3}" type="datetime1">
               <a:rPr lang="en-US" smtClean="0"/>
-              <a:t>10/6/2021</a:t>
+              <a:t>10/7/2021</a:t>
             </a:fld>
             <a:endParaRPr lang="en-US" dirty="0"/>
           </a:p>
@@ -800,7 +804,7 @@
           <a:p>
             <a:fld id="{7332B432-ACDA-4023-A761-2BAB76577B62}" type="datetime1">
               <a:rPr lang="en-US" smtClean="0"/>
-              <a:t>10/6/2021</a:t>
+              <a:t>10/7/2021</a:t>
             </a:fld>
             <a:endParaRPr lang="en-US" dirty="0"/>
           </a:p>
@@ -1399,7 +1403,7 @@
           <a:p>
             <a:fld id="{D9C646AA-F36E-4540-911D-FFFC0A0EF24A}" type="datetime1">
               <a:rPr lang="en-US" smtClean="0"/>
-              <a:t>10/6/2021</a:t>
+              <a:t>10/7/2021</a:t>
             </a:fld>
             <a:endParaRPr lang="en-US" dirty="0"/>
           </a:p>
@@ -1719,7 +1723,7 @@
           <a:p>
             <a:fld id="{69186D26-FA5F-4637-B602-B7C2DC34CFD4}" type="datetime1">
               <a:rPr lang="en-US" smtClean="0"/>
-              <a:t>10/6/2021</a:t>
+              <a:t>10/7/2021</a:t>
             </a:fld>
             <a:endParaRPr lang="en-US" dirty="0"/>
           </a:p>
@@ -2156,7 +2160,7 @@
           <a:p>
             <a:fld id="{8A7F15D8-96D1-4781-BC50-CA8A088B2FE4}" type="datetime1">
               <a:rPr lang="en-US" smtClean="0"/>
-              <a:t>10/6/2021</a:t>
+              <a:t>10/7/2021</a:t>
             </a:fld>
             <a:endParaRPr lang="en-US" dirty="0"/>
           </a:p>
@@ -2274,7 +2278,7 @@
           <a:p>
             <a:fld id="{F9A96C99-B8F8-4528-BD05-0E16E943DC09}" type="datetime1">
               <a:rPr lang="en-US" smtClean="0"/>
-              <a:t>10/6/2021</a:t>
+              <a:t>10/7/2021</a:t>
             </a:fld>
             <a:endParaRPr lang="en-US" dirty="0"/>
           </a:p>
@@ -2369,7 +2373,7 @@
           <a:p>
             <a:fld id="{03636942-C211-4B28-8DBD-C953E00AF71B}" type="datetime1">
               <a:rPr lang="en-US" smtClean="0"/>
-              <a:t>10/6/2021</a:t>
+              <a:t>10/7/2021</a:t>
             </a:fld>
             <a:endParaRPr lang="en-US" dirty="0"/>
           </a:p>
@@ -2786,7 +2790,7 @@
           <a:p>
             <a:fld id="{7E8D12A6-918A-48BD-8CB9-CA713993B0EA}" type="datetime1">
               <a:rPr lang="en-US" smtClean="0"/>
-              <a:t>10/6/2021</a:t>
+              <a:t>10/7/2021</a:t>
             </a:fld>
             <a:endParaRPr lang="en-US" dirty="0"/>
           </a:p>
@@ -3048,7 +3052,7 @@
             <a:fld id="{E778CE86-875F-4587-BCF6-FA054AFC0D53}" type="datetime1">
               <a:rPr lang="en-US" smtClean="0"/>
               <a:pPr/>
-              <a:t>10/6/2021</a:t>
+              <a:t>10/7/2021</a:t>
             </a:fld>
             <a:endParaRPr lang="en-US" dirty="0"/>
           </a:p>
@@ -3564,7 +3568,7 @@
           <a:p>
             <a:fld id="{F6FA2B21-3FCD-4721-B95C-427943F61125}" type="datetime1">
               <a:rPr lang="en-US" smtClean="0"/>
-              <a:t>10/6/2021</a:t>
+              <a:t>10/7/2021</a:t>
             </a:fld>
             <a:endParaRPr lang="en-US" dirty="0"/>
           </a:p>
@@ -5616,12 +5620,8 @@
               <a:t> a </a:t>
             </a:r>
             <a:r>
-              <a:rPr lang="es-ES" dirty="0" err="1"/>
-              <a:t>proximity</a:t>
-            </a:r>
-            <a:r>
-              <a:rPr lang="es-ES" dirty="0"/>
-              <a:t> </a:t>
+              <a:rPr lang="es-ES"/>
+              <a:t>approximation </a:t>
             </a:r>
             <a:r>
               <a:rPr lang="es-ES" dirty="0" err="1"/>
@@ -5657,6 +5657,145 @@
 </file>
 
 <file path=ppt/slides/slide15.xml><?xml version="1.0" encoding="utf-8"?>
+<p:sld xmlns:a="http://schemas.openxmlformats.org/drawingml/2006/main" xmlns:r="http://schemas.openxmlformats.org/officeDocument/2006/relationships" xmlns:p="http://schemas.openxmlformats.org/presentationml/2006/main">
+  <p:cSld>
+    <p:spTree>
+      <p:nvGrpSpPr>
+        <p:cNvPr id="1" name=""/>
+        <p:cNvGrpSpPr/>
+        <p:nvPr/>
+      </p:nvGrpSpPr>
+      <p:grpSpPr>
+        <a:xfrm>
+          <a:off x="0" y="0"/>
+          <a:ext cx="0" cy="0"/>
+          <a:chOff x="0" y="0"/>
+          <a:chExt cx="0" cy="0"/>
+        </a:xfrm>
+      </p:grpSpPr>
+      <p:sp>
+        <p:nvSpPr>
+          <p:cNvPr id="2" name="Title 1">
+            <a:extLst>
+              <a:ext uri="{FF2B5EF4-FFF2-40B4-BE49-F238E27FC236}">
+                <a16:creationId xmlns:a16="http://schemas.microsoft.com/office/drawing/2014/main" id="{4EB88AA6-0082-445F-8EC7-B7099B503DAD}"/>
+              </a:ext>
+            </a:extLst>
+          </p:cNvPr>
+          <p:cNvSpPr>
+            <a:spLocks noGrp="1"/>
+          </p:cNvSpPr>
+          <p:nvPr>
+            <p:ph type="title"/>
+          </p:nvPr>
+        </p:nvSpPr>
+        <p:spPr/>
+        <p:txBody>
+          <a:bodyPr/>
+          <a:lstStyle/>
+          <a:p>
+            <a:r>
+              <a:rPr lang="es-ES" dirty="0" err="1"/>
+              <a:t>Shall</a:t>
+            </a:r>
+            <a:r>
+              <a:rPr lang="es-ES" dirty="0"/>
+              <a:t> </a:t>
+            </a:r>
+            <a:r>
+              <a:rPr lang="es-ES" dirty="0" err="1"/>
+              <a:t>we</a:t>
+            </a:r>
+            <a:r>
+              <a:rPr lang="es-ES" dirty="0"/>
+              <a:t> </a:t>
+            </a:r>
+            <a:r>
+              <a:rPr lang="es-ES" dirty="0" err="1"/>
+              <a:t>see</a:t>
+            </a:r>
+            <a:r>
+              <a:rPr lang="es-ES" dirty="0"/>
+              <a:t> </a:t>
+            </a:r>
+            <a:r>
+              <a:rPr lang="es-ES" dirty="0" err="1"/>
+              <a:t>some</a:t>
+            </a:r>
+            <a:r>
+              <a:rPr lang="es-ES" dirty="0"/>
+              <a:t> </a:t>
+            </a:r>
+            <a:r>
+              <a:rPr lang="es-ES" dirty="0" err="1"/>
+              <a:t>good</a:t>
+            </a:r>
+            <a:r>
+              <a:rPr lang="es-ES" dirty="0"/>
+              <a:t> </a:t>
+            </a:r>
+            <a:r>
+              <a:rPr lang="es-ES" dirty="0" err="1"/>
+              <a:t>ol</a:t>
+            </a:r>
+            <a:r>
+              <a:rPr lang="es-ES" dirty="0"/>
+              <a:t>’ </a:t>
+            </a:r>
+            <a:r>
+              <a:rPr lang="es-ES" dirty="0" err="1"/>
+              <a:t>graphs</a:t>
+            </a:r>
+            <a:r>
+              <a:rPr lang="es-ES" dirty="0"/>
+              <a:t>?</a:t>
+            </a:r>
+          </a:p>
+        </p:txBody>
+      </p:sp>
+      <p:pic>
+        <p:nvPicPr>
+          <p:cNvPr id="5" name="Content Placeholder 4">
+            <a:extLst>
+              <a:ext uri="{FF2B5EF4-FFF2-40B4-BE49-F238E27FC236}">
+                <a16:creationId xmlns:a16="http://schemas.microsoft.com/office/drawing/2014/main" id="{187A1693-39B0-40E4-AD1A-A216C2C656B2}"/>
+              </a:ext>
+            </a:extLst>
+          </p:cNvPr>
+          <p:cNvPicPr>
+            <a:picLocks noGrp="1" noChangeAspect="1"/>
+          </p:cNvPicPr>
+          <p:nvPr>
+            <p:ph idx="1"/>
+          </p:nvPr>
+        </p:nvPicPr>
+        <p:blipFill>
+          <a:blip r:embed="rId2"/>
+          <a:stretch>
+            <a:fillRect/>
+          </a:stretch>
+        </p:blipFill>
+        <p:spPr>
+          <a:xfrm>
+            <a:off x="954833" y="1767535"/>
+            <a:ext cx="6748127" cy="3877483"/>
+          </a:xfrm>
+        </p:spPr>
+      </p:pic>
+    </p:spTree>
+    <p:extLst>
+      <p:ext uri="{BB962C8B-B14F-4D97-AF65-F5344CB8AC3E}">
+        <p14:creationId xmlns:p14="http://schemas.microsoft.com/office/powerpoint/2010/main" val="2518654862"/>
+      </p:ext>
+    </p:extLst>
+  </p:cSld>
+  <p:clrMapOvr>
+    <a:masterClrMapping/>
+  </p:clrMapOvr>
+</p:sld>
+</file>
+
+<file path=ppt/slides/slide16.xml><?xml version="1.0" encoding="utf-8"?>
 <p:sld xmlns:a="http://schemas.openxmlformats.org/drawingml/2006/main" xmlns:r="http://schemas.openxmlformats.org/officeDocument/2006/relationships" xmlns:p="http://schemas.openxmlformats.org/presentationml/2006/main">
   <p:cSld>
     <p:spTree>
@@ -5787,7 +5926,7 @@
           <p:cNvPr id="4" name="Picture 3">
             <a:extLst>
               <a:ext uri="{FF2B5EF4-FFF2-40B4-BE49-F238E27FC236}">
-                <a16:creationId xmlns:a16="http://schemas.microsoft.com/office/drawing/2014/main" id="{DA5267CC-4351-425D-9B6F-42E079B81B70}"/>
+                <a16:creationId xmlns:a16="http://schemas.microsoft.com/office/drawing/2014/main" id="{EE046D9E-D903-427B-B3B1-1B21B9AA9FF0}"/>
               </a:ext>
             </a:extLst>
           </p:cNvPr>
@@ -5804,8 +5943,8 @@
         </p:blipFill>
         <p:spPr>
           <a:xfrm>
-            <a:off x="5103846" y="3891896"/>
-            <a:ext cx="5750767" cy="2323510"/>
+            <a:off x="3135086" y="2799184"/>
+            <a:ext cx="7377695" cy="3237723"/>
           </a:xfrm>
           <a:prstGeom prst="rect">
             <a:avLst/>
@@ -5815,7 +5954,7 @@
     </p:spTree>
     <p:extLst>
       <p:ext uri="{BB962C8B-B14F-4D97-AF65-F5344CB8AC3E}">
-        <p14:creationId xmlns:p14="http://schemas.microsoft.com/office/powerpoint/2010/main" val="2518654862"/>
+        <p14:creationId xmlns:p14="http://schemas.microsoft.com/office/powerpoint/2010/main" val="72658902"/>
       </p:ext>
     </p:extLst>
   </p:cSld>
@@ -5825,7 +5964,206 @@
 </p:sld>
 </file>
 
-<file path=ppt/slides/slide16.xml><?xml version="1.0" encoding="utf-8"?>
+<file path=ppt/slides/slide17.xml><?xml version="1.0" encoding="utf-8"?>
+<p:sld xmlns:a="http://schemas.openxmlformats.org/drawingml/2006/main" xmlns:r="http://schemas.openxmlformats.org/officeDocument/2006/relationships" xmlns:p="http://schemas.openxmlformats.org/presentationml/2006/main">
+  <p:cSld>
+    <p:spTree>
+      <p:nvGrpSpPr>
+        <p:cNvPr id="1" name=""/>
+        <p:cNvGrpSpPr/>
+        <p:nvPr/>
+      </p:nvGrpSpPr>
+      <p:grpSpPr>
+        <a:xfrm>
+          <a:off x="0" y="0"/>
+          <a:ext cx="0" cy="0"/>
+          <a:chOff x="0" y="0"/>
+          <a:chExt cx="0" cy="0"/>
+        </a:xfrm>
+      </p:grpSpPr>
+      <p:sp>
+        <p:nvSpPr>
+          <p:cNvPr id="2" name="Title 1">
+            <a:extLst>
+              <a:ext uri="{FF2B5EF4-FFF2-40B4-BE49-F238E27FC236}">
+                <a16:creationId xmlns:a16="http://schemas.microsoft.com/office/drawing/2014/main" id="{4EB88AA6-0082-445F-8EC7-B7099B503DAD}"/>
+              </a:ext>
+            </a:extLst>
+          </p:cNvPr>
+          <p:cNvSpPr>
+            <a:spLocks noGrp="1"/>
+          </p:cNvSpPr>
+          <p:nvPr>
+            <p:ph type="title"/>
+          </p:nvPr>
+        </p:nvSpPr>
+        <p:spPr/>
+        <p:txBody>
+          <a:bodyPr/>
+          <a:lstStyle/>
+          <a:p>
+            <a:r>
+              <a:rPr lang="es-ES" dirty="0" err="1"/>
+              <a:t>Shall</a:t>
+            </a:r>
+            <a:r>
+              <a:rPr lang="es-ES" dirty="0"/>
+              <a:t> </a:t>
+            </a:r>
+            <a:r>
+              <a:rPr lang="es-ES" dirty="0" err="1"/>
+              <a:t>we</a:t>
+            </a:r>
+            <a:r>
+              <a:rPr lang="es-ES" dirty="0"/>
+              <a:t> </a:t>
+            </a:r>
+            <a:r>
+              <a:rPr lang="es-ES" dirty="0" err="1"/>
+              <a:t>see</a:t>
+            </a:r>
+            <a:r>
+              <a:rPr lang="es-ES" dirty="0"/>
+              <a:t> </a:t>
+            </a:r>
+            <a:r>
+              <a:rPr lang="es-ES" dirty="0" err="1"/>
+              <a:t>some</a:t>
+            </a:r>
+            <a:r>
+              <a:rPr lang="es-ES" dirty="0"/>
+              <a:t> </a:t>
+            </a:r>
+            <a:r>
+              <a:rPr lang="es-ES" dirty="0" err="1"/>
+              <a:t>good</a:t>
+            </a:r>
+            <a:r>
+              <a:rPr lang="es-ES" dirty="0"/>
+              <a:t> </a:t>
+            </a:r>
+            <a:r>
+              <a:rPr lang="es-ES" dirty="0" err="1"/>
+              <a:t>ol</a:t>
+            </a:r>
+            <a:r>
+              <a:rPr lang="es-ES" dirty="0"/>
+              <a:t>’ </a:t>
+            </a:r>
+            <a:r>
+              <a:rPr lang="es-ES" dirty="0" err="1"/>
+              <a:t>graphs</a:t>
+            </a:r>
+            <a:r>
+              <a:rPr lang="es-ES" dirty="0"/>
+              <a:t>?</a:t>
+            </a:r>
+          </a:p>
+        </p:txBody>
+      </p:sp>
+      <p:pic>
+        <p:nvPicPr>
+          <p:cNvPr id="5" name="Content Placeholder 4">
+            <a:extLst>
+              <a:ext uri="{FF2B5EF4-FFF2-40B4-BE49-F238E27FC236}">
+                <a16:creationId xmlns:a16="http://schemas.microsoft.com/office/drawing/2014/main" id="{187A1693-39B0-40E4-AD1A-A216C2C656B2}"/>
+              </a:ext>
+            </a:extLst>
+          </p:cNvPr>
+          <p:cNvPicPr>
+            <a:picLocks noGrp="1" noChangeAspect="1"/>
+          </p:cNvPicPr>
+          <p:nvPr>
+            <p:ph idx="1"/>
+          </p:nvPr>
+        </p:nvPicPr>
+        <p:blipFill>
+          <a:blip r:embed="rId2"/>
+          <a:stretch>
+            <a:fillRect/>
+          </a:stretch>
+        </p:blipFill>
+        <p:spPr>
+          <a:xfrm>
+            <a:off x="954833" y="1767535"/>
+            <a:ext cx="6748127" cy="3877483"/>
+          </a:xfrm>
+        </p:spPr>
+      </p:pic>
+      <p:pic>
+        <p:nvPicPr>
+          <p:cNvPr id="4" name="Picture 3">
+            <a:extLst>
+              <a:ext uri="{FF2B5EF4-FFF2-40B4-BE49-F238E27FC236}">
+                <a16:creationId xmlns:a16="http://schemas.microsoft.com/office/drawing/2014/main" id="{EE046D9E-D903-427B-B3B1-1B21B9AA9FF0}"/>
+              </a:ext>
+            </a:extLst>
+          </p:cNvPr>
+          <p:cNvPicPr>
+            <a:picLocks noChangeAspect="1"/>
+          </p:cNvPicPr>
+          <p:nvPr/>
+        </p:nvPicPr>
+        <p:blipFill>
+          <a:blip r:embed="rId3"/>
+          <a:stretch>
+            <a:fillRect/>
+          </a:stretch>
+        </p:blipFill>
+        <p:spPr>
+          <a:xfrm>
+            <a:off x="3135086" y="2799184"/>
+            <a:ext cx="7377695" cy="3237723"/>
+          </a:xfrm>
+          <a:prstGeom prst="rect">
+            <a:avLst/>
+          </a:prstGeom>
+        </p:spPr>
+      </p:pic>
+      <p:pic>
+        <p:nvPicPr>
+          <p:cNvPr id="6" name="Picture 5">
+            <a:extLst>
+              <a:ext uri="{FF2B5EF4-FFF2-40B4-BE49-F238E27FC236}">
+                <a16:creationId xmlns:a16="http://schemas.microsoft.com/office/drawing/2014/main" id="{5CBC9958-6CA6-48D7-9A3F-197906C09927}"/>
+              </a:ext>
+            </a:extLst>
+          </p:cNvPr>
+          <p:cNvPicPr>
+            <a:picLocks noChangeAspect="1"/>
+          </p:cNvPicPr>
+          <p:nvPr/>
+        </p:nvPicPr>
+        <p:blipFill>
+          <a:blip r:embed="rId4"/>
+          <a:stretch>
+            <a:fillRect/>
+          </a:stretch>
+        </p:blipFill>
+        <p:spPr>
+          <a:xfrm>
+            <a:off x="2253321" y="1767535"/>
+            <a:ext cx="6854550" cy="4111519"/>
+          </a:xfrm>
+          <a:prstGeom prst="rect">
+            <a:avLst/>
+          </a:prstGeom>
+        </p:spPr>
+      </p:pic>
+    </p:spTree>
+    <p:extLst>
+      <p:ext uri="{BB962C8B-B14F-4D97-AF65-F5344CB8AC3E}">
+        <p14:creationId xmlns:p14="http://schemas.microsoft.com/office/powerpoint/2010/main" val="1392769880"/>
+      </p:ext>
+    </p:extLst>
+  </p:cSld>
+  <p:clrMapOvr>
+    <a:masterClrMapping/>
+  </p:clrMapOvr>
+</p:sld>
+</file>
+
+<file path=ppt/slides/slide18.xml><?xml version="1.0" encoding="utf-8"?>
 <p:sld xmlns:a="http://schemas.openxmlformats.org/drawingml/2006/main" xmlns:r="http://schemas.openxmlformats.org/officeDocument/2006/relationships" xmlns:p="http://schemas.openxmlformats.org/presentationml/2006/main">
   <p:cSld>
     <p:spTree>
@@ -5940,7 +6278,1040 @@
 </p:sld>
 </file>
 
-<file path=ppt/slides/slide17.xml><?xml version="1.0" encoding="utf-8"?>
+<file path=ppt/slides/slide19.xml><?xml version="1.0" encoding="utf-8"?>
+<p:sld xmlns:a="http://schemas.openxmlformats.org/drawingml/2006/main" xmlns:r="http://schemas.openxmlformats.org/officeDocument/2006/relationships" xmlns:p="http://schemas.openxmlformats.org/presentationml/2006/main">
+  <p:cSld>
+    <p:spTree>
+      <p:nvGrpSpPr>
+        <p:cNvPr id="1" name=""/>
+        <p:cNvGrpSpPr/>
+        <p:nvPr/>
+      </p:nvGrpSpPr>
+      <p:grpSpPr>
+        <a:xfrm>
+          <a:off x="0" y="0"/>
+          <a:ext cx="0" cy="0"/>
+          <a:chOff x="0" y="0"/>
+          <a:chExt cx="0" cy="0"/>
+        </a:xfrm>
+      </p:grpSpPr>
+      <p:sp>
+        <p:nvSpPr>
+          <p:cNvPr id="2" name="Title 1">
+            <a:extLst>
+              <a:ext uri="{FF2B5EF4-FFF2-40B4-BE49-F238E27FC236}">
+                <a16:creationId xmlns:a16="http://schemas.microsoft.com/office/drawing/2014/main" id="{9FDA0DD8-D889-43C8-9F23-1052D786B236}"/>
+              </a:ext>
+            </a:extLst>
+          </p:cNvPr>
+          <p:cNvSpPr>
+            <a:spLocks noGrp="1"/>
+          </p:cNvSpPr>
+          <p:nvPr>
+            <p:ph type="title"/>
+          </p:nvPr>
+        </p:nvSpPr>
+        <p:spPr/>
+        <p:txBody>
+          <a:bodyPr/>
+          <a:lstStyle/>
+          <a:p>
+            <a:r>
+              <a:rPr lang="es-ES" dirty="0" err="1"/>
+              <a:t>Further</a:t>
+            </a:r>
+            <a:r>
+              <a:rPr lang="es-ES" dirty="0"/>
+              <a:t> </a:t>
+            </a:r>
+            <a:r>
+              <a:rPr lang="es-ES" dirty="0" err="1"/>
+              <a:t>implementations</a:t>
+            </a:r>
+            <a:endParaRPr lang="es-ES" dirty="0"/>
+          </a:p>
+        </p:txBody>
+      </p:sp>
+      <p:sp>
+        <p:nvSpPr>
+          <p:cNvPr id="3" name="Content Placeholder 2">
+            <a:extLst>
+              <a:ext uri="{FF2B5EF4-FFF2-40B4-BE49-F238E27FC236}">
+                <a16:creationId xmlns:a16="http://schemas.microsoft.com/office/drawing/2014/main" id="{5F2FAD80-E687-4A9B-B46F-07DEEF157DFE}"/>
+              </a:ext>
+            </a:extLst>
+          </p:cNvPr>
+          <p:cNvSpPr>
+            <a:spLocks noGrp="1"/>
+          </p:cNvSpPr>
+          <p:nvPr>
+            <p:ph idx="1"/>
+          </p:nvPr>
+        </p:nvSpPr>
+        <p:spPr/>
+        <p:txBody>
+          <a:bodyPr/>
+          <a:lstStyle/>
+          <a:p>
+            <a:r>
+              <a:rPr lang="es-ES" dirty="0" err="1"/>
+              <a:t>Add</a:t>
+            </a:r>
+            <a:r>
+              <a:rPr lang="es-ES" dirty="0"/>
+              <a:t> </a:t>
+            </a:r>
+            <a:r>
+              <a:rPr lang="es-ES" dirty="0" err="1"/>
+              <a:t>women</a:t>
+            </a:r>
+            <a:r>
+              <a:rPr lang="es-ES" dirty="0"/>
+              <a:t> data </a:t>
+            </a:r>
+            <a:r>
+              <a:rPr lang="es-ES" dirty="0" err="1"/>
+              <a:t>to</a:t>
+            </a:r>
+            <a:r>
+              <a:rPr lang="es-ES" dirty="0"/>
+              <a:t> be </a:t>
+            </a:r>
+            <a:r>
+              <a:rPr lang="es-ES" dirty="0" err="1"/>
+              <a:t>able</a:t>
+            </a:r>
+            <a:r>
+              <a:rPr lang="es-ES" dirty="0"/>
+              <a:t> </a:t>
+            </a:r>
+            <a:r>
+              <a:rPr lang="es-ES" dirty="0" err="1"/>
+              <a:t>to</a:t>
+            </a:r>
+            <a:r>
+              <a:rPr lang="es-ES" dirty="0"/>
+              <a:t> compare </a:t>
+            </a:r>
+            <a:r>
+              <a:rPr lang="es-ES" dirty="0" err="1"/>
+              <a:t>men</a:t>
+            </a:r>
+            <a:r>
+              <a:rPr lang="es-ES" dirty="0"/>
+              <a:t> and </a:t>
+            </a:r>
+            <a:r>
+              <a:rPr lang="es-ES" dirty="0" err="1"/>
+              <a:t>women</a:t>
+            </a:r>
+            <a:r>
+              <a:rPr lang="es-ES" dirty="0"/>
+              <a:t> </a:t>
+            </a:r>
+            <a:r>
+              <a:rPr lang="es-ES" dirty="0" err="1"/>
+              <a:t>earnings</a:t>
+            </a:r>
+            <a:r>
+              <a:rPr lang="es-ES" dirty="0"/>
+              <a:t> and </a:t>
+            </a:r>
+            <a:r>
+              <a:rPr lang="es-ES" dirty="0" err="1"/>
+              <a:t>abilities</a:t>
+            </a:r>
+            <a:r>
+              <a:rPr lang="es-ES" dirty="0"/>
+              <a:t> </a:t>
+            </a:r>
+            <a:r>
+              <a:rPr lang="es-ES" dirty="0" err="1"/>
+              <a:t>on</a:t>
+            </a:r>
+            <a:r>
+              <a:rPr lang="es-ES" dirty="0"/>
+              <a:t> </a:t>
+            </a:r>
+            <a:r>
+              <a:rPr lang="es-ES" dirty="0" err="1"/>
+              <a:t>each</a:t>
+            </a:r>
+            <a:r>
+              <a:rPr lang="es-ES" dirty="0"/>
+              <a:t> sport</a:t>
+            </a:r>
+          </a:p>
+        </p:txBody>
+      </p:sp>
+    </p:spTree>
+    <p:extLst>
+      <p:ext uri="{BB962C8B-B14F-4D97-AF65-F5344CB8AC3E}">
+        <p14:creationId xmlns:p14="http://schemas.microsoft.com/office/powerpoint/2010/main" val="2310280514"/>
+      </p:ext>
+    </p:extLst>
+  </p:cSld>
+  <p:clrMapOvr>
+    <a:masterClrMapping/>
+  </p:clrMapOvr>
+</p:sld>
+</file>
+
+<file path=ppt/slides/slide2.xml><?xml version="1.0" encoding="utf-8"?>
+<p:sld xmlns:a="http://schemas.openxmlformats.org/drawingml/2006/main" xmlns:r="http://schemas.openxmlformats.org/officeDocument/2006/relationships" xmlns:p="http://schemas.openxmlformats.org/presentationml/2006/main">
+  <p:cSld>
+    <p:spTree>
+      <p:nvGrpSpPr>
+        <p:cNvPr id="1" name=""/>
+        <p:cNvGrpSpPr/>
+        <p:nvPr/>
+      </p:nvGrpSpPr>
+      <p:grpSpPr>
+        <a:xfrm>
+          <a:off x="0" y="0"/>
+          <a:ext cx="0" cy="0"/>
+          <a:chOff x="0" y="0"/>
+          <a:chExt cx="0" cy="0"/>
+        </a:xfrm>
+      </p:grpSpPr>
+      <p:sp>
+        <p:nvSpPr>
+          <p:cNvPr id="2" name="Title 1">
+            <a:extLst>
+              <a:ext uri="{FF2B5EF4-FFF2-40B4-BE49-F238E27FC236}">
+                <a16:creationId xmlns:a16="http://schemas.microsoft.com/office/drawing/2014/main" id="{3C9DA63C-EA46-465A-948E-FE114B4F4B29}"/>
+              </a:ext>
+            </a:extLst>
+          </p:cNvPr>
+          <p:cNvSpPr>
+            <a:spLocks noGrp="1"/>
+          </p:cNvSpPr>
+          <p:nvPr>
+            <p:ph type="title"/>
+          </p:nvPr>
+        </p:nvSpPr>
+        <p:spPr/>
+        <p:txBody>
+          <a:bodyPr/>
+          <a:lstStyle/>
+          <a:p>
+            <a:r>
+              <a:rPr lang="es-ES" dirty="0" err="1"/>
+              <a:t>What</a:t>
+            </a:r>
+            <a:r>
+              <a:rPr lang="es-ES" dirty="0"/>
+              <a:t> </a:t>
+            </a:r>
+            <a:r>
+              <a:rPr lang="es-ES" dirty="0" err="1"/>
+              <a:t>have</a:t>
+            </a:r>
+            <a:r>
+              <a:rPr lang="es-ES" dirty="0"/>
+              <a:t> I done…?</a:t>
+            </a:r>
+          </a:p>
+        </p:txBody>
+      </p:sp>
+      <p:sp>
+        <p:nvSpPr>
+          <p:cNvPr id="11" name="Content Placeholder 10">
+            <a:extLst>
+              <a:ext uri="{FF2B5EF4-FFF2-40B4-BE49-F238E27FC236}">
+                <a16:creationId xmlns:a16="http://schemas.microsoft.com/office/drawing/2014/main" id="{D432F3BB-6C30-4DC8-B076-45D49DF5E3D0}"/>
+              </a:ext>
+            </a:extLst>
+          </p:cNvPr>
+          <p:cNvSpPr>
+            <a:spLocks noGrp="1"/>
+          </p:cNvSpPr>
+          <p:nvPr>
+            <p:ph idx="1"/>
+          </p:nvPr>
+        </p:nvSpPr>
+        <p:spPr/>
+        <p:txBody>
+          <a:bodyPr/>
+          <a:lstStyle/>
+          <a:p>
+            <a:r>
+              <a:rPr lang="es-ES" dirty="0" err="1"/>
+              <a:t>Historical</a:t>
+            </a:r>
+            <a:r>
+              <a:rPr lang="es-ES" dirty="0"/>
+              <a:t> </a:t>
+            </a:r>
+            <a:r>
+              <a:rPr lang="es-ES" dirty="0" err="1"/>
+              <a:t>study</a:t>
+            </a:r>
+            <a:r>
+              <a:rPr lang="es-ES" dirty="0"/>
+              <a:t> </a:t>
+            </a:r>
+            <a:r>
+              <a:rPr lang="es-ES" dirty="0" err="1"/>
+              <a:t>of</a:t>
+            </a:r>
+            <a:r>
+              <a:rPr lang="es-ES" dirty="0"/>
+              <a:t> </a:t>
+            </a:r>
+            <a:r>
+              <a:rPr lang="es-ES" dirty="0" err="1"/>
+              <a:t>the</a:t>
+            </a:r>
+            <a:r>
+              <a:rPr lang="es-ES" dirty="0"/>
+              <a:t> las 30 </a:t>
+            </a:r>
+            <a:r>
+              <a:rPr lang="es-ES" dirty="0" err="1"/>
+              <a:t>years</a:t>
+            </a:r>
+            <a:r>
+              <a:rPr lang="es-ES" dirty="0"/>
+              <a:t> </a:t>
+            </a:r>
+            <a:r>
+              <a:rPr lang="es-ES" dirty="0" err="1"/>
+              <a:t>of</a:t>
+            </a:r>
+            <a:r>
+              <a:rPr lang="es-ES" dirty="0"/>
+              <a:t> </a:t>
+            </a:r>
+            <a:r>
+              <a:rPr lang="es-ES" dirty="0" err="1"/>
+              <a:t>the</a:t>
+            </a:r>
+            <a:r>
+              <a:rPr lang="es-ES" dirty="0"/>
+              <a:t> </a:t>
+            </a:r>
+            <a:r>
+              <a:rPr lang="es-ES" dirty="0" err="1"/>
+              <a:t>earnings</a:t>
+            </a:r>
+            <a:r>
+              <a:rPr lang="es-ES" dirty="0"/>
+              <a:t> </a:t>
+            </a:r>
+            <a:r>
+              <a:rPr lang="es-ES" dirty="0" err="1"/>
+              <a:t>of</a:t>
+            </a:r>
+            <a:r>
+              <a:rPr lang="es-ES" dirty="0"/>
+              <a:t> </a:t>
+            </a:r>
+            <a:r>
+              <a:rPr lang="es-ES" dirty="0" err="1"/>
+              <a:t>the</a:t>
+            </a:r>
+            <a:r>
+              <a:rPr lang="es-ES" dirty="0"/>
+              <a:t> top </a:t>
+            </a:r>
+            <a:r>
+              <a:rPr lang="es-ES" dirty="0" err="1"/>
+              <a:t>sports</a:t>
+            </a:r>
+            <a:endParaRPr lang="es-ES" dirty="0"/>
+          </a:p>
+          <a:p>
+            <a:r>
+              <a:rPr lang="es-ES" dirty="0" err="1"/>
+              <a:t>Prediction</a:t>
+            </a:r>
+            <a:r>
+              <a:rPr lang="es-ES" dirty="0"/>
+              <a:t> </a:t>
+            </a:r>
+            <a:r>
+              <a:rPr lang="es-ES" dirty="0" err="1"/>
+              <a:t>of</a:t>
+            </a:r>
+            <a:r>
+              <a:rPr lang="es-ES" dirty="0"/>
+              <a:t> </a:t>
+            </a:r>
+            <a:r>
+              <a:rPr lang="es-ES" dirty="0" err="1"/>
+              <a:t>the</a:t>
+            </a:r>
+            <a:r>
+              <a:rPr lang="es-ES" dirty="0"/>
+              <a:t> </a:t>
+            </a:r>
+            <a:r>
+              <a:rPr lang="es-ES" dirty="0" err="1"/>
+              <a:t>earnings</a:t>
+            </a:r>
+            <a:r>
+              <a:rPr lang="es-ES" dirty="0"/>
+              <a:t> in </a:t>
+            </a:r>
+            <a:r>
+              <a:rPr lang="es-ES" dirty="0" err="1"/>
+              <a:t>the</a:t>
+            </a:r>
+            <a:r>
+              <a:rPr lang="es-ES" dirty="0"/>
+              <a:t> </a:t>
+            </a:r>
+            <a:r>
+              <a:rPr lang="es-ES" dirty="0" err="1"/>
+              <a:t>next</a:t>
+            </a:r>
+            <a:r>
+              <a:rPr lang="es-ES" dirty="0"/>
+              <a:t> 10 </a:t>
+            </a:r>
+            <a:r>
+              <a:rPr lang="es-ES" dirty="0" err="1"/>
+              <a:t>years</a:t>
+            </a:r>
+            <a:r>
+              <a:rPr lang="es-ES" dirty="0"/>
+              <a:t> </a:t>
+            </a:r>
+            <a:r>
+              <a:rPr lang="es-ES" dirty="0" err="1"/>
+              <a:t>of</a:t>
+            </a:r>
+            <a:r>
+              <a:rPr lang="es-ES" dirty="0"/>
+              <a:t> </a:t>
+            </a:r>
+            <a:r>
+              <a:rPr lang="es-ES" dirty="0" err="1"/>
+              <a:t>the</a:t>
+            </a:r>
+            <a:r>
+              <a:rPr lang="es-ES" dirty="0"/>
+              <a:t> top </a:t>
+            </a:r>
+            <a:r>
+              <a:rPr lang="es-ES" dirty="0" err="1"/>
+              <a:t>sports</a:t>
+            </a:r>
+            <a:endParaRPr lang="es-ES" dirty="0"/>
+          </a:p>
+          <a:p>
+            <a:r>
+              <a:rPr lang="es-ES" dirty="0" err="1"/>
+              <a:t>Research</a:t>
+            </a:r>
+            <a:r>
+              <a:rPr lang="es-ES" dirty="0"/>
+              <a:t> </a:t>
+            </a:r>
+            <a:r>
+              <a:rPr lang="es-ES" dirty="0" err="1"/>
+              <a:t>on</a:t>
+            </a:r>
+            <a:r>
+              <a:rPr lang="es-ES" dirty="0"/>
+              <a:t> </a:t>
+            </a:r>
+            <a:r>
+              <a:rPr lang="es-ES" dirty="0" err="1"/>
+              <a:t>the</a:t>
+            </a:r>
+            <a:r>
+              <a:rPr lang="es-ES" dirty="0"/>
+              <a:t> </a:t>
+            </a:r>
+            <a:r>
+              <a:rPr lang="es-ES" dirty="0" err="1"/>
+              <a:t>abilities</a:t>
+            </a:r>
+            <a:r>
+              <a:rPr lang="es-ES" dirty="0"/>
+              <a:t> </a:t>
+            </a:r>
+            <a:r>
+              <a:rPr lang="es-ES" dirty="0" err="1"/>
+              <a:t>of</a:t>
+            </a:r>
+            <a:r>
+              <a:rPr lang="es-ES" dirty="0"/>
+              <a:t> </a:t>
+            </a:r>
+            <a:r>
+              <a:rPr lang="es-ES" dirty="0" err="1"/>
+              <a:t>those</a:t>
+            </a:r>
+            <a:r>
+              <a:rPr lang="es-ES" dirty="0"/>
+              <a:t> top </a:t>
+            </a:r>
+            <a:r>
+              <a:rPr lang="es-ES" dirty="0" err="1"/>
+              <a:t>sports</a:t>
+            </a:r>
+            <a:endParaRPr lang="es-ES" dirty="0"/>
+          </a:p>
+          <a:p>
+            <a:r>
+              <a:rPr lang="es-ES" dirty="0" err="1"/>
+              <a:t>Clustering</a:t>
+            </a:r>
+            <a:r>
+              <a:rPr lang="es-ES" dirty="0"/>
+              <a:t> </a:t>
+            </a:r>
+            <a:r>
+              <a:rPr lang="es-ES" dirty="0" err="1"/>
+              <a:t>the</a:t>
+            </a:r>
+            <a:r>
+              <a:rPr lang="es-ES" dirty="0"/>
+              <a:t> </a:t>
+            </a:r>
+            <a:r>
+              <a:rPr lang="es-ES" dirty="0" err="1"/>
+              <a:t>sports</a:t>
+            </a:r>
+            <a:r>
+              <a:rPr lang="es-ES" dirty="0"/>
+              <a:t> </a:t>
+            </a:r>
+            <a:r>
+              <a:rPr lang="es-ES" dirty="0" err="1"/>
+              <a:t>based</a:t>
+            </a:r>
+            <a:r>
+              <a:rPr lang="es-ES" dirty="0"/>
+              <a:t> </a:t>
+            </a:r>
+            <a:r>
+              <a:rPr lang="es-ES" dirty="0" err="1"/>
+              <a:t>on</a:t>
+            </a:r>
+            <a:r>
+              <a:rPr lang="es-ES" dirty="0"/>
+              <a:t> </a:t>
+            </a:r>
+            <a:r>
+              <a:rPr lang="es-ES" dirty="0" err="1"/>
+              <a:t>the</a:t>
+            </a:r>
+            <a:r>
+              <a:rPr lang="es-ES" dirty="0"/>
+              <a:t> </a:t>
+            </a:r>
+            <a:r>
+              <a:rPr lang="es-ES" dirty="0" err="1"/>
+              <a:t>requirements</a:t>
+            </a:r>
+            <a:r>
+              <a:rPr lang="es-ES" dirty="0"/>
+              <a:t> </a:t>
+            </a:r>
+            <a:r>
+              <a:rPr lang="es-ES" dirty="0" err="1"/>
+              <a:t>for</a:t>
+            </a:r>
+            <a:r>
+              <a:rPr lang="es-ES" dirty="0"/>
+              <a:t> </a:t>
+            </a:r>
+            <a:r>
+              <a:rPr lang="es-ES" dirty="0" err="1"/>
+              <a:t>each</a:t>
+            </a:r>
+            <a:r>
+              <a:rPr lang="es-ES" dirty="0"/>
+              <a:t> </a:t>
+            </a:r>
+            <a:r>
+              <a:rPr lang="es-ES" dirty="0" err="1"/>
+              <a:t>ability</a:t>
+            </a:r>
+            <a:endParaRPr lang="es-ES" dirty="0"/>
+          </a:p>
+          <a:p>
+            <a:r>
+              <a:rPr lang="es-ES" dirty="0" err="1"/>
+              <a:t>Give</a:t>
+            </a:r>
+            <a:r>
+              <a:rPr lang="es-ES" dirty="0"/>
+              <a:t> back a </a:t>
+            </a:r>
+            <a:r>
+              <a:rPr lang="es-ES" dirty="0" err="1"/>
+              <a:t>main</a:t>
+            </a:r>
+            <a:r>
+              <a:rPr lang="es-ES" dirty="0"/>
+              <a:t> sport and </a:t>
+            </a:r>
+            <a:r>
+              <a:rPr lang="es-ES" dirty="0" err="1"/>
+              <a:t>some</a:t>
+            </a:r>
+            <a:r>
+              <a:rPr lang="es-ES" dirty="0"/>
+              <a:t> </a:t>
+            </a:r>
+            <a:r>
+              <a:rPr lang="es-ES" dirty="0" err="1"/>
+              <a:t>other</a:t>
+            </a:r>
+            <a:r>
+              <a:rPr lang="es-ES" dirty="0"/>
+              <a:t> </a:t>
+            </a:r>
+            <a:r>
+              <a:rPr lang="es-ES" dirty="0" err="1"/>
+              <a:t>to</a:t>
+            </a:r>
+            <a:r>
+              <a:rPr lang="es-ES" dirty="0"/>
+              <a:t> try </a:t>
+            </a:r>
+            <a:r>
+              <a:rPr lang="es-ES" dirty="0" err="1"/>
+              <a:t>to</a:t>
+            </a:r>
+            <a:r>
+              <a:rPr lang="es-ES" dirty="0"/>
+              <a:t> </a:t>
+            </a:r>
+            <a:r>
+              <a:rPr lang="es-ES" dirty="0" err="1"/>
+              <a:t>the</a:t>
+            </a:r>
+            <a:r>
+              <a:rPr lang="es-ES" dirty="0"/>
+              <a:t> </a:t>
+            </a:r>
+            <a:r>
+              <a:rPr lang="es-ES" dirty="0" err="1"/>
+              <a:t>user</a:t>
+            </a:r>
+            <a:r>
+              <a:rPr lang="es-ES" dirty="0"/>
+              <a:t>, </a:t>
+            </a:r>
+            <a:r>
+              <a:rPr lang="es-ES" dirty="0" err="1"/>
+              <a:t>based</a:t>
+            </a:r>
+            <a:r>
+              <a:rPr lang="es-ES" dirty="0"/>
+              <a:t> </a:t>
+            </a:r>
+            <a:r>
+              <a:rPr lang="es-ES" dirty="0" err="1"/>
+              <a:t>on</a:t>
+            </a:r>
+            <a:r>
+              <a:rPr lang="es-ES" dirty="0"/>
+              <a:t> </a:t>
+            </a:r>
+            <a:r>
+              <a:rPr lang="es-ES" dirty="0" err="1"/>
+              <a:t>the</a:t>
+            </a:r>
+            <a:r>
+              <a:rPr lang="es-ES" dirty="0"/>
+              <a:t> input </a:t>
+            </a:r>
+            <a:r>
+              <a:rPr lang="es-ES" dirty="0" err="1"/>
+              <a:t>of</a:t>
+            </a:r>
+            <a:r>
+              <a:rPr lang="es-ES" dirty="0"/>
+              <a:t> </a:t>
+            </a:r>
+            <a:r>
+              <a:rPr lang="es-ES" dirty="0" err="1"/>
+              <a:t>his</a:t>
+            </a:r>
+            <a:r>
+              <a:rPr lang="es-ES" dirty="0"/>
+              <a:t>/</a:t>
+            </a:r>
+            <a:r>
+              <a:rPr lang="es-ES" dirty="0" err="1"/>
+              <a:t>hers</a:t>
+            </a:r>
+            <a:r>
+              <a:rPr lang="es-ES" dirty="0"/>
+              <a:t> </a:t>
+            </a:r>
+            <a:r>
+              <a:rPr lang="es-ES" dirty="0" err="1"/>
+              <a:t>abilities</a:t>
+            </a:r>
+            <a:endParaRPr lang="es-ES" dirty="0"/>
+          </a:p>
+          <a:p>
+            <a:r>
+              <a:rPr lang="es-ES" dirty="0" err="1"/>
+              <a:t>Tons</a:t>
+            </a:r>
+            <a:r>
+              <a:rPr lang="es-ES" dirty="0"/>
+              <a:t> and </a:t>
+            </a:r>
+            <a:r>
+              <a:rPr lang="es-ES" dirty="0" err="1"/>
+              <a:t>tons</a:t>
+            </a:r>
+            <a:r>
+              <a:rPr lang="es-ES" dirty="0"/>
+              <a:t> </a:t>
+            </a:r>
+            <a:r>
+              <a:rPr lang="es-ES" dirty="0" err="1"/>
+              <a:t>of</a:t>
+            </a:r>
+            <a:r>
+              <a:rPr lang="es-ES" dirty="0"/>
+              <a:t> </a:t>
+            </a:r>
+            <a:r>
+              <a:rPr lang="es-ES" dirty="0" err="1"/>
+              <a:t>graph</a:t>
+            </a:r>
+            <a:endParaRPr lang="es-ES" dirty="0"/>
+          </a:p>
+        </p:txBody>
+      </p:sp>
+    </p:spTree>
+    <p:extLst>
+      <p:ext uri="{BB962C8B-B14F-4D97-AF65-F5344CB8AC3E}">
+        <p14:creationId xmlns:p14="http://schemas.microsoft.com/office/powerpoint/2010/main" val="1658024814"/>
+      </p:ext>
+    </p:extLst>
+  </p:cSld>
+  <p:clrMapOvr>
+    <a:masterClrMapping/>
+  </p:clrMapOvr>
+</p:sld>
+</file>
+
+<file path=ppt/slides/slide20.xml><?xml version="1.0" encoding="utf-8"?>
+<p:sld xmlns:a="http://schemas.openxmlformats.org/drawingml/2006/main" xmlns:r="http://schemas.openxmlformats.org/officeDocument/2006/relationships" xmlns:p="http://schemas.openxmlformats.org/presentationml/2006/main">
+  <p:cSld>
+    <p:spTree>
+      <p:nvGrpSpPr>
+        <p:cNvPr id="1" name=""/>
+        <p:cNvGrpSpPr/>
+        <p:nvPr/>
+      </p:nvGrpSpPr>
+      <p:grpSpPr>
+        <a:xfrm>
+          <a:off x="0" y="0"/>
+          <a:ext cx="0" cy="0"/>
+          <a:chOff x="0" y="0"/>
+          <a:chExt cx="0" cy="0"/>
+        </a:xfrm>
+      </p:grpSpPr>
+      <p:sp>
+        <p:nvSpPr>
+          <p:cNvPr id="2" name="Title 1">
+            <a:extLst>
+              <a:ext uri="{FF2B5EF4-FFF2-40B4-BE49-F238E27FC236}">
+                <a16:creationId xmlns:a16="http://schemas.microsoft.com/office/drawing/2014/main" id="{9FDA0DD8-D889-43C8-9F23-1052D786B236}"/>
+              </a:ext>
+            </a:extLst>
+          </p:cNvPr>
+          <p:cNvSpPr>
+            <a:spLocks noGrp="1"/>
+          </p:cNvSpPr>
+          <p:nvPr>
+            <p:ph type="title"/>
+          </p:nvPr>
+        </p:nvSpPr>
+        <p:spPr/>
+        <p:txBody>
+          <a:bodyPr/>
+          <a:lstStyle/>
+          <a:p>
+            <a:r>
+              <a:rPr lang="es-ES" dirty="0" err="1"/>
+              <a:t>Further</a:t>
+            </a:r>
+            <a:r>
+              <a:rPr lang="es-ES" dirty="0"/>
+              <a:t> </a:t>
+            </a:r>
+            <a:r>
+              <a:rPr lang="es-ES" dirty="0" err="1"/>
+              <a:t>implementations</a:t>
+            </a:r>
+            <a:endParaRPr lang="es-ES" dirty="0"/>
+          </a:p>
+        </p:txBody>
+      </p:sp>
+      <p:sp>
+        <p:nvSpPr>
+          <p:cNvPr id="3" name="Content Placeholder 2">
+            <a:extLst>
+              <a:ext uri="{FF2B5EF4-FFF2-40B4-BE49-F238E27FC236}">
+                <a16:creationId xmlns:a16="http://schemas.microsoft.com/office/drawing/2014/main" id="{5F2FAD80-E687-4A9B-B46F-07DEEF157DFE}"/>
+              </a:ext>
+            </a:extLst>
+          </p:cNvPr>
+          <p:cNvSpPr>
+            <a:spLocks noGrp="1"/>
+          </p:cNvSpPr>
+          <p:nvPr>
+            <p:ph idx="1"/>
+          </p:nvPr>
+        </p:nvSpPr>
+        <p:spPr/>
+        <p:txBody>
+          <a:bodyPr/>
+          <a:lstStyle/>
+          <a:p>
+            <a:r>
+              <a:rPr lang="es-ES" dirty="0" err="1"/>
+              <a:t>Add</a:t>
+            </a:r>
+            <a:r>
+              <a:rPr lang="es-ES" dirty="0"/>
+              <a:t> </a:t>
+            </a:r>
+            <a:r>
+              <a:rPr lang="es-ES" dirty="0" err="1"/>
+              <a:t>women</a:t>
+            </a:r>
+            <a:r>
+              <a:rPr lang="es-ES" dirty="0"/>
+              <a:t> data </a:t>
+            </a:r>
+            <a:r>
+              <a:rPr lang="es-ES" dirty="0" err="1"/>
+              <a:t>to</a:t>
+            </a:r>
+            <a:r>
+              <a:rPr lang="es-ES" dirty="0"/>
+              <a:t> be </a:t>
+            </a:r>
+            <a:r>
+              <a:rPr lang="es-ES" dirty="0" err="1"/>
+              <a:t>able</a:t>
+            </a:r>
+            <a:r>
+              <a:rPr lang="es-ES" dirty="0"/>
+              <a:t> </a:t>
+            </a:r>
+            <a:r>
+              <a:rPr lang="es-ES" dirty="0" err="1"/>
+              <a:t>to</a:t>
+            </a:r>
+            <a:r>
+              <a:rPr lang="es-ES" dirty="0"/>
+              <a:t> compare </a:t>
+            </a:r>
+            <a:r>
+              <a:rPr lang="es-ES" dirty="0" err="1"/>
+              <a:t>men</a:t>
+            </a:r>
+            <a:r>
+              <a:rPr lang="es-ES" dirty="0"/>
+              <a:t> and </a:t>
+            </a:r>
+            <a:r>
+              <a:rPr lang="es-ES" dirty="0" err="1"/>
+              <a:t>women</a:t>
+            </a:r>
+            <a:r>
+              <a:rPr lang="es-ES" dirty="0"/>
+              <a:t> </a:t>
+            </a:r>
+            <a:r>
+              <a:rPr lang="es-ES" dirty="0" err="1"/>
+              <a:t>earnings</a:t>
+            </a:r>
+            <a:r>
+              <a:rPr lang="es-ES" dirty="0"/>
+              <a:t> and </a:t>
+            </a:r>
+            <a:r>
+              <a:rPr lang="es-ES" dirty="0" err="1"/>
+              <a:t>abilities</a:t>
+            </a:r>
+            <a:r>
+              <a:rPr lang="es-ES" dirty="0"/>
+              <a:t> </a:t>
+            </a:r>
+            <a:r>
+              <a:rPr lang="es-ES" dirty="0" err="1"/>
+              <a:t>on</a:t>
+            </a:r>
+            <a:r>
+              <a:rPr lang="es-ES" dirty="0"/>
+              <a:t> </a:t>
+            </a:r>
+            <a:r>
+              <a:rPr lang="es-ES" dirty="0" err="1"/>
+              <a:t>each</a:t>
+            </a:r>
+            <a:r>
+              <a:rPr lang="es-ES" dirty="0"/>
+              <a:t> sport</a:t>
+            </a:r>
+          </a:p>
+          <a:p>
+            <a:r>
+              <a:rPr lang="es-ES" dirty="0" err="1"/>
+              <a:t>Add</a:t>
+            </a:r>
+            <a:r>
+              <a:rPr lang="es-ES" dirty="0"/>
+              <a:t> new </a:t>
+            </a:r>
+            <a:r>
+              <a:rPr lang="es-ES" dirty="0" err="1"/>
+              <a:t>sports</a:t>
+            </a:r>
+            <a:r>
+              <a:rPr lang="es-ES" dirty="0"/>
+              <a:t> </a:t>
+            </a:r>
+            <a:r>
+              <a:rPr lang="es-ES" dirty="0" err="1"/>
+              <a:t>to</a:t>
+            </a:r>
+            <a:r>
+              <a:rPr lang="es-ES" dirty="0"/>
+              <a:t> </a:t>
+            </a:r>
+            <a:r>
+              <a:rPr lang="es-ES" dirty="0" err="1"/>
+              <a:t>our</a:t>
+            </a:r>
+            <a:r>
+              <a:rPr lang="es-ES" dirty="0"/>
+              <a:t> </a:t>
+            </a:r>
+            <a:r>
+              <a:rPr lang="es-ES" dirty="0" err="1"/>
+              <a:t>database</a:t>
+            </a:r>
+            <a:r>
+              <a:rPr lang="es-ES" dirty="0"/>
+              <a:t>, </a:t>
+            </a:r>
+            <a:r>
+              <a:rPr lang="es-ES" dirty="0" err="1"/>
+              <a:t>because</a:t>
+            </a:r>
+            <a:r>
+              <a:rPr lang="es-ES" dirty="0"/>
+              <a:t> 60 </a:t>
+            </a:r>
+            <a:r>
+              <a:rPr lang="es-ES" dirty="0" err="1"/>
+              <a:t>sports</a:t>
+            </a:r>
+            <a:r>
+              <a:rPr lang="es-ES" dirty="0"/>
+              <a:t> are </a:t>
+            </a:r>
+            <a:r>
+              <a:rPr lang="es-ES" dirty="0" err="1"/>
+              <a:t>not</a:t>
+            </a:r>
+            <a:r>
+              <a:rPr lang="es-ES" dirty="0"/>
+              <a:t> </a:t>
+            </a:r>
+            <a:r>
+              <a:rPr lang="es-ES" dirty="0" err="1"/>
+              <a:t>all</a:t>
+            </a:r>
+            <a:r>
+              <a:rPr lang="es-ES" dirty="0"/>
+              <a:t> </a:t>
+            </a:r>
+            <a:r>
+              <a:rPr lang="es-ES" dirty="0" err="1"/>
+              <a:t>the</a:t>
+            </a:r>
+            <a:r>
+              <a:rPr lang="es-ES" dirty="0"/>
+              <a:t> </a:t>
+            </a:r>
+            <a:r>
+              <a:rPr lang="es-ES" dirty="0" err="1"/>
+              <a:t>sports</a:t>
+            </a:r>
+            <a:r>
+              <a:rPr lang="es-ES" dirty="0"/>
+              <a:t> </a:t>
+            </a:r>
+            <a:r>
+              <a:rPr lang="es-ES" dirty="0" err="1"/>
+              <a:t>that</a:t>
+            </a:r>
+            <a:r>
+              <a:rPr lang="es-ES" dirty="0"/>
+              <a:t> </a:t>
+            </a:r>
+            <a:r>
+              <a:rPr lang="es-ES" dirty="0" err="1"/>
+              <a:t>exists</a:t>
+            </a:r>
+            <a:r>
+              <a:rPr lang="es-ES" dirty="0"/>
+              <a:t>, I mean </a:t>
+            </a:r>
+            <a:r>
+              <a:rPr lang="es-ES" dirty="0" err="1"/>
+              <a:t>there</a:t>
+            </a:r>
+            <a:r>
+              <a:rPr lang="es-ES" dirty="0"/>
+              <a:t> </a:t>
+            </a:r>
+            <a:r>
+              <a:rPr lang="es-ES" dirty="0" err="1"/>
+              <a:t>is</a:t>
+            </a:r>
+            <a:r>
+              <a:rPr lang="es-ES" dirty="0"/>
+              <a:t> no CrossFit… come </a:t>
+            </a:r>
+            <a:r>
+              <a:rPr lang="es-ES" dirty="0" err="1"/>
+              <a:t>on</a:t>
+            </a:r>
+            <a:r>
+              <a:rPr lang="es-ES" dirty="0"/>
+              <a:t>!</a:t>
+            </a:r>
+          </a:p>
+          <a:p>
+            <a:endParaRPr lang="es-ES" dirty="0"/>
+          </a:p>
+        </p:txBody>
+      </p:sp>
+    </p:spTree>
+    <p:extLst>
+      <p:ext uri="{BB962C8B-B14F-4D97-AF65-F5344CB8AC3E}">
+        <p14:creationId xmlns:p14="http://schemas.microsoft.com/office/powerpoint/2010/main" val="2936489616"/>
+      </p:ext>
+    </p:extLst>
+  </p:cSld>
+  <p:clrMapOvr>
+    <a:masterClrMapping/>
+  </p:clrMapOvr>
+</p:sld>
+</file>
+
+<file path=ppt/slides/slide21.xml><?xml version="1.0" encoding="utf-8"?>
 <p:sld xmlns:a="http://schemas.openxmlformats.org/drawingml/2006/main" xmlns:r="http://schemas.openxmlformats.org/officeDocument/2006/relationships" xmlns:p="http://schemas.openxmlformats.org/presentationml/2006/main">
   <p:cSld>
     <p:spTree>
@@ -6051,7 +7422,7 @@
 </p:sld>
 </file>
 
-<file path=ppt/slides/slide18.xml><?xml version="1.0" encoding="utf-8"?>
+<file path=ppt/slides/slide22.xml><?xml version="1.0" encoding="utf-8"?>
 <p:sld xmlns:a="http://schemas.openxmlformats.org/drawingml/2006/main" xmlns:r="http://schemas.openxmlformats.org/officeDocument/2006/relationships" xmlns:p="http://schemas.openxmlformats.org/presentationml/2006/main">
   <p:cSld>
     <p:spTree>
@@ -6091,19 +7462,27 @@
           <a:p>
             <a:r>
               <a:rPr lang="es-ES" dirty="0" err="1"/>
-              <a:t>Before</a:t>
-            </a:r>
-            <a:r>
-              <a:rPr lang="es-ES" dirty="0"/>
-              <a:t> </a:t>
-            </a:r>
-            <a:r>
-              <a:rPr lang="es-ES" dirty="0" err="1"/>
-              <a:t>finishing</a:t>
-            </a:r>
-            <a:r>
-              <a:rPr lang="es-ES" dirty="0"/>
-              <a:t>….</a:t>
+              <a:t>Thank</a:t>
+            </a:r>
+            <a:r>
+              <a:rPr lang="es-ES" dirty="0"/>
+              <a:t> </a:t>
+            </a:r>
+            <a:r>
+              <a:rPr lang="es-ES" dirty="0" err="1"/>
+              <a:t>you</a:t>
+            </a:r>
+            <a:r>
+              <a:rPr lang="es-ES" dirty="0"/>
+              <a:t> </a:t>
+            </a:r>
+            <a:r>
+              <a:rPr lang="es-ES" dirty="0" err="1"/>
+              <a:t>all</a:t>
+            </a:r>
+            <a:r>
+              <a:rPr lang="es-ES" dirty="0"/>
+              <a:t>!</a:t>
             </a:r>
           </a:p>
         </p:txBody>
@@ -6212,12 +7591,16 @@
           </a:p>
           <a:p>
             <a:r>
-              <a:rPr lang="es-ES" dirty="0"/>
-              <a:t>And </a:t>
-            </a:r>
-            <a:r>
-              <a:rPr lang="es-ES" dirty="0" err="1"/>
-              <a:t>thanks</a:t>
+              <a:rPr lang="es-ES" dirty="0" err="1"/>
+              <a:t>Thank</a:t>
+            </a:r>
+            <a:r>
+              <a:rPr lang="es-ES" dirty="0"/>
+              <a:t> </a:t>
+            </a:r>
+            <a:r>
+              <a:rPr lang="es-ES" dirty="0" err="1"/>
+              <a:t>you</a:t>
             </a:r>
             <a:r>
               <a:rPr lang="es-ES" dirty="0"/>
@@ -6233,9 +7616,28 @@
             </a:r>
             <a:r>
               <a:rPr lang="es-ES" dirty="0" err="1"/>
-              <a:t>listening</a:t>
-            </a:r>
-            <a:endParaRPr lang="es-ES" dirty="0"/>
+              <a:t>keeping</a:t>
+            </a:r>
+            <a:r>
+              <a:rPr lang="es-ES" dirty="0"/>
+              <a:t> up </a:t>
+            </a:r>
+            <a:r>
+              <a:rPr lang="es-ES" dirty="0" err="1"/>
+              <a:t>with</a:t>
+            </a:r>
+            <a:r>
+              <a:rPr lang="es-ES" dirty="0"/>
+              <a:t> </a:t>
+            </a:r>
+            <a:r>
+              <a:rPr lang="es-ES" dirty="0" err="1"/>
+              <a:t>my</a:t>
+            </a:r>
+            <a:r>
+              <a:rPr lang="es-ES" dirty="0"/>
+              <a:t> DATA DRAMA</a:t>
+            </a:r>
           </a:p>
         </p:txBody>
       </p:sp>
@@ -6273,548 +7675,6 @@
     <p:extLst>
       <p:ext uri="{BB962C8B-B14F-4D97-AF65-F5344CB8AC3E}">
         <p14:creationId xmlns:p14="http://schemas.microsoft.com/office/powerpoint/2010/main" val="3682269107"/>
-      </p:ext>
-    </p:extLst>
-  </p:cSld>
-  <p:clrMapOvr>
-    <a:masterClrMapping/>
-  </p:clrMapOvr>
-</p:sld>
-</file>
-
-<file path=ppt/slides/slide2.xml><?xml version="1.0" encoding="utf-8"?>
-<p:sld xmlns:a="http://schemas.openxmlformats.org/drawingml/2006/main" xmlns:r="http://schemas.openxmlformats.org/officeDocument/2006/relationships" xmlns:p="http://schemas.openxmlformats.org/presentationml/2006/main">
-  <p:cSld>
-    <p:spTree>
-      <p:nvGrpSpPr>
-        <p:cNvPr id="1" name=""/>
-        <p:cNvGrpSpPr/>
-        <p:nvPr/>
-      </p:nvGrpSpPr>
-      <p:grpSpPr>
-        <a:xfrm>
-          <a:off x="0" y="0"/>
-          <a:ext cx="0" cy="0"/>
-          <a:chOff x="0" y="0"/>
-          <a:chExt cx="0" cy="0"/>
-        </a:xfrm>
-      </p:grpSpPr>
-      <p:sp>
-        <p:nvSpPr>
-          <p:cNvPr id="2" name="Title 1">
-            <a:extLst>
-              <a:ext uri="{FF2B5EF4-FFF2-40B4-BE49-F238E27FC236}">
-                <a16:creationId xmlns:a16="http://schemas.microsoft.com/office/drawing/2014/main" id="{3C9DA63C-EA46-465A-948E-FE114B4F4B29}"/>
-              </a:ext>
-            </a:extLst>
-          </p:cNvPr>
-          <p:cNvSpPr>
-            <a:spLocks noGrp="1"/>
-          </p:cNvSpPr>
-          <p:nvPr>
-            <p:ph type="title"/>
-          </p:nvPr>
-        </p:nvSpPr>
-        <p:spPr/>
-        <p:txBody>
-          <a:bodyPr/>
-          <a:lstStyle/>
-          <a:p>
-            <a:r>
-              <a:rPr lang="es-ES" dirty="0" err="1"/>
-              <a:t>What</a:t>
-            </a:r>
-            <a:r>
-              <a:rPr lang="es-ES" dirty="0"/>
-              <a:t> </a:t>
-            </a:r>
-            <a:r>
-              <a:rPr lang="es-ES" dirty="0" err="1"/>
-              <a:t>have</a:t>
-            </a:r>
-            <a:r>
-              <a:rPr lang="es-ES" dirty="0"/>
-              <a:t> I done…?</a:t>
-            </a:r>
-          </a:p>
-        </p:txBody>
-      </p:sp>
-      <p:sp>
-        <p:nvSpPr>
-          <p:cNvPr id="11" name="Content Placeholder 10">
-            <a:extLst>
-              <a:ext uri="{FF2B5EF4-FFF2-40B4-BE49-F238E27FC236}">
-                <a16:creationId xmlns:a16="http://schemas.microsoft.com/office/drawing/2014/main" id="{D432F3BB-6C30-4DC8-B076-45D49DF5E3D0}"/>
-              </a:ext>
-            </a:extLst>
-          </p:cNvPr>
-          <p:cNvSpPr>
-            <a:spLocks noGrp="1"/>
-          </p:cNvSpPr>
-          <p:nvPr>
-            <p:ph idx="1"/>
-          </p:nvPr>
-        </p:nvSpPr>
-        <p:spPr/>
-        <p:txBody>
-          <a:bodyPr/>
-          <a:lstStyle/>
-          <a:p>
-            <a:r>
-              <a:rPr lang="es-ES" dirty="0" err="1"/>
-              <a:t>Historical</a:t>
-            </a:r>
-            <a:r>
-              <a:rPr lang="es-ES" dirty="0"/>
-              <a:t> </a:t>
-            </a:r>
-            <a:r>
-              <a:rPr lang="es-ES" dirty="0" err="1"/>
-              <a:t>study</a:t>
-            </a:r>
-            <a:r>
-              <a:rPr lang="es-ES" dirty="0"/>
-              <a:t> </a:t>
-            </a:r>
-            <a:r>
-              <a:rPr lang="es-ES" dirty="0" err="1"/>
-              <a:t>of</a:t>
-            </a:r>
-            <a:r>
-              <a:rPr lang="es-ES" dirty="0"/>
-              <a:t> </a:t>
-            </a:r>
-            <a:r>
-              <a:rPr lang="es-ES" dirty="0" err="1"/>
-              <a:t>the</a:t>
-            </a:r>
-            <a:r>
-              <a:rPr lang="es-ES" dirty="0"/>
-              <a:t> las 30 </a:t>
-            </a:r>
-            <a:r>
-              <a:rPr lang="es-ES" dirty="0" err="1"/>
-              <a:t>years</a:t>
-            </a:r>
-            <a:r>
-              <a:rPr lang="es-ES" dirty="0"/>
-              <a:t> </a:t>
-            </a:r>
-            <a:r>
-              <a:rPr lang="es-ES" dirty="0" err="1"/>
-              <a:t>of</a:t>
-            </a:r>
-            <a:r>
-              <a:rPr lang="es-ES" dirty="0"/>
-              <a:t> </a:t>
-            </a:r>
-            <a:r>
-              <a:rPr lang="es-ES" dirty="0" err="1"/>
-              <a:t>the</a:t>
-            </a:r>
-            <a:r>
-              <a:rPr lang="es-ES" dirty="0"/>
-              <a:t> </a:t>
-            </a:r>
-            <a:r>
-              <a:rPr lang="es-ES" dirty="0" err="1"/>
-              <a:t>earnings</a:t>
-            </a:r>
-            <a:r>
-              <a:rPr lang="es-ES" dirty="0"/>
-              <a:t> </a:t>
-            </a:r>
-            <a:r>
-              <a:rPr lang="es-ES" dirty="0" err="1"/>
-              <a:t>of</a:t>
-            </a:r>
-            <a:r>
-              <a:rPr lang="es-ES" dirty="0"/>
-              <a:t> </a:t>
-            </a:r>
-            <a:r>
-              <a:rPr lang="es-ES" dirty="0" err="1"/>
-              <a:t>the</a:t>
-            </a:r>
-            <a:r>
-              <a:rPr lang="es-ES" dirty="0"/>
-              <a:t> top </a:t>
-            </a:r>
-            <a:r>
-              <a:rPr lang="es-ES" dirty="0" err="1"/>
-              <a:t>sports</a:t>
-            </a:r>
-            <a:endParaRPr lang="es-ES" dirty="0"/>
-          </a:p>
-          <a:p>
-            <a:r>
-              <a:rPr lang="es-ES" dirty="0" err="1"/>
-              <a:t>Prediction</a:t>
-            </a:r>
-            <a:r>
-              <a:rPr lang="es-ES" dirty="0"/>
-              <a:t> </a:t>
-            </a:r>
-            <a:r>
-              <a:rPr lang="es-ES" dirty="0" err="1"/>
-              <a:t>of</a:t>
-            </a:r>
-            <a:r>
-              <a:rPr lang="es-ES" dirty="0"/>
-              <a:t> </a:t>
-            </a:r>
-            <a:r>
-              <a:rPr lang="es-ES" dirty="0" err="1"/>
-              <a:t>the</a:t>
-            </a:r>
-            <a:r>
-              <a:rPr lang="es-ES" dirty="0"/>
-              <a:t> </a:t>
-            </a:r>
-            <a:r>
-              <a:rPr lang="es-ES" dirty="0" err="1"/>
-              <a:t>earnings</a:t>
-            </a:r>
-            <a:r>
-              <a:rPr lang="es-ES" dirty="0"/>
-              <a:t> in </a:t>
-            </a:r>
-            <a:r>
-              <a:rPr lang="es-ES" dirty="0" err="1"/>
-              <a:t>the</a:t>
-            </a:r>
-            <a:r>
-              <a:rPr lang="es-ES" dirty="0"/>
-              <a:t> </a:t>
-            </a:r>
-            <a:r>
-              <a:rPr lang="es-ES" dirty="0" err="1"/>
-              <a:t>next</a:t>
-            </a:r>
-            <a:r>
-              <a:rPr lang="es-ES" dirty="0"/>
-              <a:t> 10 </a:t>
-            </a:r>
-            <a:r>
-              <a:rPr lang="es-ES" dirty="0" err="1"/>
-              <a:t>years</a:t>
-            </a:r>
-            <a:r>
-              <a:rPr lang="es-ES" dirty="0"/>
-              <a:t> </a:t>
-            </a:r>
-            <a:r>
-              <a:rPr lang="es-ES" dirty="0" err="1"/>
-              <a:t>of</a:t>
-            </a:r>
-            <a:r>
-              <a:rPr lang="es-ES" dirty="0"/>
-              <a:t> </a:t>
-            </a:r>
-            <a:r>
-              <a:rPr lang="es-ES" dirty="0" err="1"/>
-              <a:t>the</a:t>
-            </a:r>
-            <a:r>
-              <a:rPr lang="es-ES" dirty="0"/>
-              <a:t> top </a:t>
-            </a:r>
-            <a:r>
-              <a:rPr lang="es-ES" dirty="0" err="1"/>
-              <a:t>sports</a:t>
-            </a:r>
-            <a:endParaRPr lang="es-ES" dirty="0"/>
-          </a:p>
-          <a:p>
-            <a:r>
-              <a:rPr lang="es-ES" dirty="0" err="1"/>
-              <a:t>Research</a:t>
-            </a:r>
-            <a:r>
-              <a:rPr lang="es-ES" dirty="0"/>
-              <a:t> </a:t>
-            </a:r>
-            <a:r>
-              <a:rPr lang="es-ES" dirty="0" err="1"/>
-              <a:t>on</a:t>
-            </a:r>
-            <a:r>
-              <a:rPr lang="es-ES" dirty="0"/>
-              <a:t> </a:t>
-            </a:r>
-            <a:r>
-              <a:rPr lang="es-ES" dirty="0" err="1"/>
-              <a:t>the</a:t>
-            </a:r>
-            <a:r>
-              <a:rPr lang="es-ES" dirty="0"/>
-              <a:t> </a:t>
-            </a:r>
-            <a:r>
-              <a:rPr lang="es-ES" dirty="0" err="1"/>
-              <a:t>abilities</a:t>
-            </a:r>
-            <a:r>
-              <a:rPr lang="es-ES" dirty="0"/>
-              <a:t> </a:t>
-            </a:r>
-            <a:r>
-              <a:rPr lang="es-ES" dirty="0" err="1"/>
-              <a:t>of</a:t>
-            </a:r>
-            <a:r>
-              <a:rPr lang="es-ES" dirty="0"/>
-              <a:t> </a:t>
-            </a:r>
-            <a:r>
-              <a:rPr lang="es-ES" dirty="0" err="1"/>
-              <a:t>those</a:t>
-            </a:r>
-            <a:r>
-              <a:rPr lang="es-ES" dirty="0"/>
-              <a:t> top </a:t>
-            </a:r>
-            <a:r>
-              <a:rPr lang="es-ES" dirty="0" err="1"/>
-              <a:t>sports</a:t>
-            </a:r>
-            <a:endParaRPr lang="es-ES" dirty="0"/>
-          </a:p>
-          <a:p>
-            <a:r>
-              <a:rPr lang="es-ES" dirty="0" err="1"/>
-              <a:t>Clustering</a:t>
-            </a:r>
-            <a:r>
-              <a:rPr lang="es-ES" dirty="0"/>
-              <a:t> </a:t>
-            </a:r>
-            <a:r>
-              <a:rPr lang="es-ES" dirty="0" err="1"/>
-              <a:t>the</a:t>
-            </a:r>
-            <a:r>
-              <a:rPr lang="es-ES" dirty="0"/>
-              <a:t> </a:t>
-            </a:r>
-            <a:r>
-              <a:rPr lang="es-ES" dirty="0" err="1"/>
-              <a:t>sports</a:t>
-            </a:r>
-            <a:r>
-              <a:rPr lang="es-ES" dirty="0"/>
-              <a:t> </a:t>
-            </a:r>
-            <a:r>
-              <a:rPr lang="es-ES" dirty="0" err="1"/>
-              <a:t>based</a:t>
-            </a:r>
-            <a:r>
-              <a:rPr lang="es-ES" dirty="0"/>
-              <a:t> </a:t>
-            </a:r>
-            <a:r>
-              <a:rPr lang="es-ES" dirty="0" err="1"/>
-              <a:t>on</a:t>
-            </a:r>
-            <a:r>
-              <a:rPr lang="es-ES" dirty="0"/>
-              <a:t> </a:t>
-            </a:r>
-            <a:r>
-              <a:rPr lang="es-ES" dirty="0" err="1"/>
-              <a:t>the</a:t>
-            </a:r>
-            <a:r>
-              <a:rPr lang="es-ES" dirty="0"/>
-              <a:t> </a:t>
-            </a:r>
-            <a:r>
-              <a:rPr lang="es-ES" dirty="0" err="1"/>
-              <a:t>requirements</a:t>
-            </a:r>
-            <a:r>
-              <a:rPr lang="es-ES" dirty="0"/>
-              <a:t> </a:t>
-            </a:r>
-            <a:r>
-              <a:rPr lang="es-ES" dirty="0" err="1"/>
-              <a:t>for</a:t>
-            </a:r>
-            <a:r>
-              <a:rPr lang="es-ES" dirty="0"/>
-              <a:t> </a:t>
-            </a:r>
-            <a:r>
-              <a:rPr lang="es-ES" dirty="0" err="1"/>
-              <a:t>each</a:t>
-            </a:r>
-            <a:r>
-              <a:rPr lang="es-ES" dirty="0"/>
-              <a:t> </a:t>
-            </a:r>
-            <a:r>
-              <a:rPr lang="es-ES" dirty="0" err="1"/>
-              <a:t>ability</a:t>
-            </a:r>
-            <a:endParaRPr lang="es-ES" dirty="0"/>
-          </a:p>
-          <a:p>
-            <a:r>
-              <a:rPr lang="es-ES" dirty="0" err="1"/>
-              <a:t>Give</a:t>
-            </a:r>
-            <a:r>
-              <a:rPr lang="es-ES" dirty="0"/>
-              <a:t> back a </a:t>
-            </a:r>
-            <a:r>
-              <a:rPr lang="es-ES" dirty="0" err="1"/>
-              <a:t>main</a:t>
-            </a:r>
-            <a:r>
-              <a:rPr lang="es-ES" dirty="0"/>
-              <a:t> sport and </a:t>
-            </a:r>
-            <a:r>
-              <a:rPr lang="es-ES" dirty="0" err="1"/>
-              <a:t>some</a:t>
-            </a:r>
-            <a:r>
-              <a:rPr lang="es-ES" dirty="0"/>
-              <a:t> </a:t>
-            </a:r>
-            <a:r>
-              <a:rPr lang="es-ES" dirty="0" err="1"/>
-              <a:t>other</a:t>
-            </a:r>
-            <a:r>
-              <a:rPr lang="es-ES" dirty="0"/>
-              <a:t> </a:t>
-            </a:r>
-            <a:r>
-              <a:rPr lang="es-ES" dirty="0" err="1"/>
-              <a:t>to</a:t>
-            </a:r>
-            <a:r>
-              <a:rPr lang="es-ES" dirty="0"/>
-              <a:t> try </a:t>
-            </a:r>
-            <a:r>
-              <a:rPr lang="es-ES" dirty="0" err="1"/>
-              <a:t>to</a:t>
-            </a:r>
-            <a:r>
-              <a:rPr lang="es-ES" dirty="0"/>
-              <a:t> </a:t>
-            </a:r>
-            <a:r>
-              <a:rPr lang="es-ES" dirty="0" err="1"/>
-              <a:t>the</a:t>
-            </a:r>
-            <a:r>
-              <a:rPr lang="es-ES" dirty="0"/>
-              <a:t> </a:t>
-            </a:r>
-            <a:r>
-              <a:rPr lang="es-ES" dirty="0" err="1"/>
-              <a:t>user</a:t>
-            </a:r>
-            <a:r>
-              <a:rPr lang="es-ES" dirty="0"/>
-              <a:t>, </a:t>
-            </a:r>
-            <a:r>
-              <a:rPr lang="es-ES" dirty="0" err="1"/>
-              <a:t>based</a:t>
-            </a:r>
-            <a:r>
-              <a:rPr lang="es-ES" dirty="0"/>
-              <a:t> </a:t>
-            </a:r>
-            <a:r>
-              <a:rPr lang="es-ES" dirty="0" err="1"/>
-              <a:t>on</a:t>
-            </a:r>
-            <a:r>
-              <a:rPr lang="es-ES" dirty="0"/>
-              <a:t> </a:t>
-            </a:r>
-            <a:r>
-              <a:rPr lang="es-ES" dirty="0" err="1"/>
-              <a:t>the</a:t>
-            </a:r>
-            <a:r>
-              <a:rPr lang="es-ES" dirty="0"/>
-              <a:t> input </a:t>
-            </a:r>
-            <a:r>
-              <a:rPr lang="es-ES" dirty="0" err="1"/>
-              <a:t>of</a:t>
-            </a:r>
-            <a:r>
-              <a:rPr lang="es-ES" dirty="0"/>
-              <a:t> </a:t>
-            </a:r>
-            <a:r>
-              <a:rPr lang="es-ES" dirty="0" err="1"/>
-              <a:t>his</a:t>
-            </a:r>
-            <a:r>
-              <a:rPr lang="es-ES" dirty="0"/>
-              <a:t>/</a:t>
-            </a:r>
-            <a:r>
-              <a:rPr lang="es-ES" dirty="0" err="1"/>
-              <a:t>hers</a:t>
-            </a:r>
-            <a:r>
-              <a:rPr lang="es-ES" dirty="0"/>
-              <a:t> </a:t>
-            </a:r>
-            <a:r>
-              <a:rPr lang="es-ES" dirty="0" err="1"/>
-              <a:t>abilities</a:t>
-            </a:r>
-            <a:endParaRPr lang="es-ES" dirty="0"/>
-          </a:p>
-          <a:p>
-            <a:r>
-              <a:rPr lang="es-ES" dirty="0" err="1"/>
-              <a:t>Tons</a:t>
-            </a:r>
-            <a:r>
-              <a:rPr lang="es-ES" dirty="0"/>
-              <a:t> and </a:t>
-            </a:r>
-            <a:r>
-              <a:rPr lang="es-ES" dirty="0" err="1"/>
-              <a:t>tons</a:t>
-            </a:r>
-            <a:r>
-              <a:rPr lang="es-ES" dirty="0"/>
-              <a:t> </a:t>
-            </a:r>
-            <a:r>
-              <a:rPr lang="es-ES" dirty="0" err="1"/>
-              <a:t>of</a:t>
-            </a:r>
-            <a:r>
-              <a:rPr lang="es-ES" dirty="0"/>
-              <a:t> </a:t>
-            </a:r>
-            <a:r>
-              <a:rPr lang="es-ES" dirty="0" err="1"/>
-              <a:t>graph</a:t>
-            </a:r>
-            <a:endParaRPr lang="es-ES" dirty="0"/>
-          </a:p>
-        </p:txBody>
-      </p:sp>
-    </p:spTree>
-    <p:extLst>
-      <p:ext uri="{BB962C8B-B14F-4D97-AF65-F5344CB8AC3E}">
-        <p14:creationId xmlns:p14="http://schemas.microsoft.com/office/powerpoint/2010/main" val="1658024814"/>
       </p:ext>
     </p:extLst>
   </p:cSld>
@@ -8847,6 +9707,15 @@
 </file>
 
 <file path=customXml/item1.xml><?xml version="1.0" encoding="utf-8"?>
+<p:properties xmlns:p="http://schemas.microsoft.com/office/2006/metadata/properties" xmlns:xsi="http://www.w3.org/2001/XMLSchema-instance" xmlns:pc="http://schemas.microsoft.com/office/infopath/2007/PartnerControls">
+  <documentManagement>
+    <Status xmlns="71af3243-3dd4-4a8d-8c0d-dd76da1f02a5">Not started</Status>
+    <MediaServiceKeyPoints xmlns="71af3243-3dd4-4a8d-8c0d-dd76da1f02a5" xsi:nil="true"/>
+  </documentManagement>
+</p:properties>
+</file>
+
+<file path=customXml/item2.xml><?xml version="1.0" encoding="utf-8"?>
 <ct:contentTypeSchema xmlns:ct="http://schemas.microsoft.com/office/2006/metadata/contentType" xmlns:ma="http://schemas.microsoft.com/office/2006/metadata/properties/metaAttributes" ct:_="" ma:_="" ma:contentTypeName="Document" ma:contentTypeID="0x01010079F111ED35F8CC479449609E8A0923A6" ma:contentTypeVersion="12" ma:contentTypeDescription="Create a new document." ma:contentTypeScope="" ma:versionID="a410dd7f93c95333ffa1b60ed6adedd1">
   <xsd:schema xmlns:xsd="http://www.w3.org/2001/XMLSchema" xmlns:xs="http://www.w3.org/2001/XMLSchema" xmlns:p="http://schemas.microsoft.com/office/2006/metadata/properties" xmlns:ns2="71af3243-3dd4-4a8d-8c0d-dd76da1f02a5" xmlns:ns3="16c05727-aa75-4e4a-9b5f-8a80a1165891" targetNamespace="http://schemas.microsoft.com/office/2006/metadata/properties" ma:root="true" ma:fieldsID="a936d9baba76aa3866493feff160faab" ns2:_="" ns3:_="">
     <xsd:import namespace="71af3243-3dd4-4a8d-8c0d-dd76da1f02a5"/>
@@ -9067,15 +9936,6 @@
 </ct:contentTypeSchema>
 </file>
 
-<file path=customXml/item2.xml><?xml version="1.0" encoding="utf-8"?>
-<p:properties xmlns:p="http://schemas.microsoft.com/office/2006/metadata/properties" xmlns:xsi="http://www.w3.org/2001/XMLSchema-instance" xmlns:pc="http://schemas.microsoft.com/office/infopath/2007/PartnerControls">
-  <documentManagement>
-    <Status xmlns="71af3243-3dd4-4a8d-8c0d-dd76da1f02a5">Not started</Status>
-    <MediaServiceKeyPoints xmlns="71af3243-3dd4-4a8d-8c0d-dd76da1f02a5" xsi:nil="true"/>
-  </documentManagement>
-</p:properties>
-</file>
-
 <file path=customXml/item3.xml><?xml version="1.0" encoding="utf-8"?>
 <?mso-contentType ?>
 <FormTemplates xmlns="http://schemas.microsoft.com/sharepoint/v3/contenttype/forms">
@@ -9086,6 +9946,16 @@
 </file>
 
 <file path=customXml/itemProps1.xml><?xml version="1.0" encoding="utf-8"?>
+<ds:datastoreItem xmlns:ds="http://schemas.openxmlformats.org/officeDocument/2006/customXml" ds:itemID="{137651BA-F45C-4845-9AB3-E0A65B39F5E1}">
+  <ds:schemaRefs>
+    <ds:schemaRef ds:uri="http://schemas.microsoft.com/office/2006/metadata/properties"/>
+    <ds:schemaRef ds:uri="http://schemas.microsoft.com/office/infopath/2007/PartnerControls"/>
+    <ds:schemaRef ds:uri="71af3243-3dd4-4a8d-8c0d-dd76da1f02a5"/>
+  </ds:schemaRefs>
+</ds:datastoreItem>
+</file>
+
+<file path=customXml/itemProps2.xml><?xml version="1.0" encoding="utf-8"?>
 <ds:datastoreItem xmlns:ds="http://schemas.openxmlformats.org/officeDocument/2006/customXml" ds:itemID="{2D276E62-80A3-44DD-9BCC-97ED2B99B57F}">
   <ds:schemaRefs>
     <ds:schemaRef ds:uri="http://schemas.microsoft.com/office/2006/metadata/contentType"/>
@@ -9104,16 +9974,6 @@
 </ds:datastoreItem>
 </file>
 
-<file path=customXml/itemProps2.xml><?xml version="1.0" encoding="utf-8"?>
-<ds:datastoreItem xmlns:ds="http://schemas.openxmlformats.org/officeDocument/2006/customXml" ds:itemID="{137651BA-F45C-4845-9AB3-E0A65B39F5E1}">
-  <ds:schemaRefs>
-    <ds:schemaRef ds:uri="http://schemas.microsoft.com/office/2006/metadata/properties"/>
-    <ds:schemaRef ds:uri="http://schemas.microsoft.com/office/infopath/2007/PartnerControls"/>
-    <ds:schemaRef ds:uri="71af3243-3dd4-4a8d-8c0d-dd76da1f02a5"/>
-  </ds:schemaRefs>
-</ds:datastoreItem>
-</file>
-
 <file path=customXml/itemProps3.xml><?xml version="1.0" encoding="utf-8"?>
 <ds:datastoreItem xmlns:ds="http://schemas.openxmlformats.org/officeDocument/2006/customXml" ds:itemID="{CDB58277-F8DF-46FF-84EC-EF41B835E69F}">
   <ds:schemaRefs>

--- a/Slide_Show/The Story of Sports.pptx
+++ b/Slide_Show/The Story of Sports.pptx
@@ -5617,11 +5617,23 @@
             </a:r>
             <a:r>
               <a:rPr lang="es-ES" dirty="0"/>
-              <a:t> a </a:t>
-            </a:r>
-            <a:r>
-              <a:rPr lang="es-ES"/>
-              <a:t>approximation </a:t>
+              <a:t> </a:t>
+            </a:r>
+            <a:r>
+              <a:rPr lang="es-ES" dirty="0" err="1"/>
+              <a:t>an</a:t>
+            </a:r>
+            <a:r>
+              <a:rPr lang="es-ES" dirty="0"/>
+              <a:t> </a:t>
+            </a:r>
+            <a:r>
+              <a:rPr lang="es-ES" dirty="0" err="1"/>
+              <a:t>approximation</a:t>
+            </a:r>
+            <a:r>
+              <a:rPr lang="es-ES" dirty="0"/>
+              <a:t> </a:t>
             </a:r>
             <a:r>
               <a:rPr lang="es-ES" dirty="0" err="1"/>
@@ -7663,8 +7675,8 @@
         </p:blipFill>
         <p:spPr>
           <a:xfrm>
-            <a:off x="6693764" y="2181035"/>
-            <a:ext cx="3420326" cy="3693793"/>
+            <a:off x="6693763" y="1535837"/>
+            <a:ext cx="4017757" cy="4338991"/>
           </a:xfrm>
           <a:prstGeom prst="rect">
             <a:avLst/>
@@ -9044,11 +9056,19 @@
             </a:r>
             <a:r>
               <a:rPr lang="es-ES" dirty="0"/>
-              <a:t> a </a:t>
-            </a:r>
-            <a:r>
-              <a:rPr lang="es-ES" dirty="0" err="1"/>
-              <a:t>proximity</a:t>
+              <a:t> </a:t>
+            </a:r>
+            <a:r>
+              <a:rPr lang="es-ES" dirty="0" err="1"/>
+              <a:t>an</a:t>
+            </a:r>
+            <a:r>
+              <a:rPr lang="es-ES" dirty="0"/>
+              <a:t> </a:t>
+            </a:r>
+            <a:r>
+              <a:rPr lang="es-ES" dirty="0" err="1"/>
+              <a:t>approximation</a:t>
             </a:r>
             <a:r>
               <a:rPr lang="es-ES" dirty="0"/>
@@ -9060,15 +9080,7 @@
             </a:r>
             <a:r>
               <a:rPr lang="es-ES" dirty="0"/>
-              <a:t> (</a:t>
-            </a:r>
-            <a:r>
-              <a:rPr lang="es-ES" dirty="0" err="1"/>
-              <a:t>we</a:t>
-            </a:r>
-            <a:r>
-              <a:rPr lang="es-ES" dirty="0"/>
-              <a:t> </a:t>
+              <a:t> (I </a:t>
             </a:r>
             <a:r>
               <a:rPr lang="es-ES" dirty="0" err="1"/>

--- a/Slide_Show/The Story of Sports.pptx
+++ b/Slide_Show/The Story of Sports.pptx
@@ -7,26 +7,30 @@
   <p:sldIdLst>
     <p:sldId id="257" r:id="rId5"/>
     <p:sldId id="258" r:id="rId6"/>
-    <p:sldId id="259" r:id="rId7"/>
-    <p:sldId id="261" r:id="rId8"/>
-    <p:sldId id="275" r:id="rId9"/>
-    <p:sldId id="276" r:id="rId10"/>
-    <p:sldId id="277" r:id="rId11"/>
-    <p:sldId id="260" r:id="rId12"/>
-    <p:sldId id="264" r:id="rId13"/>
-    <p:sldId id="265" r:id="rId14"/>
-    <p:sldId id="266" r:id="rId15"/>
-    <p:sldId id="267" r:id="rId16"/>
-    <p:sldId id="268" r:id="rId17"/>
-    <p:sldId id="269" r:id="rId18"/>
-    <p:sldId id="270" r:id="rId19"/>
-    <p:sldId id="280" r:id="rId20"/>
-    <p:sldId id="281" r:id="rId21"/>
-    <p:sldId id="271" r:id="rId22"/>
-    <p:sldId id="278" r:id="rId23"/>
-    <p:sldId id="279" r:id="rId24"/>
-    <p:sldId id="272" r:id="rId25"/>
-    <p:sldId id="273" r:id="rId26"/>
+    <p:sldId id="289" r:id="rId7"/>
+    <p:sldId id="290" r:id="rId8"/>
+    <p:sldId id="291" r:id="rId9"/>
+    <p:sldId id="259" r:id="rId10"/>
+    <p:sldId id="261" r:id="rId11"/>
+    <p:sldId id="275" r:id="rId12"/>
+    <p:sldId id="276" r:id="rId13"/>
+    <p:sldId id="287" r:id="rId14"/>
+    <p:sldId id="288" r:id="rId15"/>
+    <p:sldId id="260" r:id="rId16"/>
+    <p:sldId id="264" r:id="rId17"/>
+    <p:sldId id="265" r:id="rId18"/>
+    <p:sldId id="266" r:id="rId19"/>
+    <p:sldId id="267" r:id="rId20"/>
+    <p:sldId id="268" r:id="rId21"/>
+    <p:sldId id="269" r:id="rId22"/>
+    <p:sldId id="270" r:id="rId23"/>
+    <p:sldId id="280" r:id="rId24"/>
+    <p:sldId id="281" r:id="rId25"/>
+    <p:sldId id="271" r:id="rId26"/>
+    <p:sldId id="278" r:id="rId27"/>
+    <p:sldId id="279" r:id="rId28"/>
+    <p:sldId id="272" r:id="rId29"/>
+    <p:sldId id="273" r:id="rId30"/>
   </p:sldIdLst>
   <p:sldSz cx="12192000" cy="6858000"/>
   <p:notesSz cx="6858000" cy="9144000"/>
@@ -4316,7 +4320,7 @@
           <p:cNvPr id="2" name="Title 1">
             <a:extLst>
               <a:ext uri="{FF2B5EF4-FFF2-40B4-BE49-F238E27FC236}">
-                <a16:creationId xmlns:a16="http://schemas.microsoft.com/office/drawing/2014/main" id="{CB3E64FA-2A0F-4EBF-9968-4A33C84C0285}"/>
+                <a16:creationId xmlns:a16="http://schemas.microsoft.com/office/drawing/2014/main" id="{253AC341-0AA0-43A2-9BB8-2C7B97DD068D}"/>
               </a:ext>
             </a:extLst>
           </p:cNvPr>
@@ -4334,41 +4338,28 @@
           <a:p>
             <a:r>
               <a:rPr lang="es-ES" dirty="0" err="1"/>
-              <a:t>Steps</a:t>
-            </a:r>
-            <a:r>
-              <a:rPr lang="es-ES" dirty="0"/>
-              <a:t> </a:t>
-            </a:r>
-            <a:r>
-              <a:rPr lang="es-ES" dirty="0" err="1"/>
-              <a:t>for</a:t>
-            </a:r>
-            <a:r>
-              <a:rPr lang="es-ES" dirty="0"/>
-              <a:t> </a:t>
-            </a:r>
-            <a:r>
-              <a:rPr lang="es-ES" dirty="0" err="1"/>
-              <a:t>achieving</a:t>
-            </a:r>
-            <a:r>
-              <a:rPr lang="es-ES" dirty="0"/>
-              <a:t> </a:t>
-            </a:r>
-            <a:r>
-              <a:rPr lang="es-ES" dirty="0" err="1"/>
-              <a:t>my</a:t>
-            </a:r>
-            <a:r>
-              <a:rPr lang="es-ES" dirty="0"/>
-              <a:t> </a:t>
-            </a:r>
-            <a:r>
-              <a:rPr lang="es-ES" dirty="0" err="1"/>
-              <a:t>goal</a:t>
-            </a:r>
-            <a:endParaRPr lang="es-ES" dirty="0"/>
+              <a:t>What</a:t>
+            </a:r>
+            <a:r>
+              <a:rPr lang="es-ES" dirty="0"/>
+              <a:t> </a:t>
+            </a:r>
+            <a:r>
+              <a:rPr lang="es-ES" dirty="0" err="1"/>
+              <a:t>have</a:t>
+            </a:r>
+            <a:r>
+              <a:rPr lang="es-ES" dirty="0"/>
+              <a:t> I </a:t>
+            </a:r>
+            <a:r>
+              <a:rPr lang="es-ES" dirty="0" err="1"/>
+              <a:t>used</a:t>
+            </a:r>
+            <a:r>
+              <a:rPr lang="es-ES" dirty="0"/>
+              <a:t>?</a:t>
+            </a:r>
           </a:p>
         </p:txBody>
       </p:sp>
@@ -4377,7 +4368,7 @@
           <p:cNvPr id="3" name="Content Placeholder 2">
             <a:extLst>
               <a:ext uri="{FF2B5EF4-FFF2-40B4-BE49-F238E27FC236}">
-                <a16:creationId xmlns:a16="http://schemas.microsoft.com/office/drawing/2014/main" id="{149B0E33-EA47-45BA-A930-324CBAA5C7D3}"/>
+                <a16:creationId xmlns:a16="http://schemas.microsoft.com/office/drawing/2014/main" id="{A51F60C0-F4BE-4246-A4C7-84E41162A02C}"/>
               </a:ext>
             </a:extLst>
           </p:cNvPr>
@@ -4395,7 +4386,15 @@
           <a:p>
             <a:r>
               <a:rPr lang="es-ES" dirty="0" err="1"/>
-              <a:t>Download</a:t>
+              <a:t>For</a:t>
+            </a:r>
+            <a:r>
+              <a:rPr lang="es-ES" dirty="0"/>
+              <a:t> </a:t>
+            </a:r>
+            <a:r>
+              <a:rPr lang="es-ES" dirty="0" err="1"/>
+              <a:t>obtaining</a:t>
             </a:r>
             <a:r>
               <a:rPr lang="es-ES" dirty="0"/>
@@ -4407,29 +4406,62 @@
             </a:r>
             <a:r>
               <a:rPr lang="es-ES" dirty="0"/>
-              <a:t> data</a:t>
-            </a:r>
-          </a:p>
-          <a:p>
-            <a:r>
-              <a:rPr lang="es-ES" dirty="0"/>
-              <a:t>Explore, dive and </a:t>
-            </a:r>
-            <a:r>
-              <a:rPr lang="es-ES" dirty="0" err="1"/>
-              <a:t>end</a:t>
-            </a:r>
-            <a:r>
-              <a:rPr lang="es-ES" dirty="0"/>
-              <a:t> up </a:t>
-            </a:r>
-            <a:r>
-              <a:rPr lang="es-ES" dirty="0" err="1"/>
-              <a:t>soaked</a:t>
-            </a:r>
-            <a:r>
-              <a:rPr lang="es-ES" dirty="0"/>
-              <a:t>  in </a:t>
+              <a:t> data I </a:t>
+            </a:r>
+            <a:r>
+              <a:rPr lang="es-ES" dirty="0" err="1"/>
+              <a:t>picked</a:t>
+            </a:r>
+            <a:r>
+              <a:rPr lang="es-ES" dirty="0"/>
+              <a:t> </a:t>
+            </a:r>
+            <a:r>
+              <a:rPr lang="es-ES" dirty="0" err="1"/>
+              <a:t>two</a:t>
+            </a:r>
+            <a:r>
+              <a:rPr lang="es-ES" dirty="0"/>
+              <a:t> </a:t>
+            </a:r>
+            <a:r>
+              <a:rPr lang="es-ES" dirty="0" err="1"/>
+              <a:t>different</a:t>
+            </a:r>
+            <a:r>
+              <a:rPr lang="es-ES" dirty="0"/>
+              <a:t> </a:t>
+            </a:r>
+            <a:r>
+              <a:rPr lang="es-ES" dirty="0" err="1"/>
+              <a:t>datasets</a:t>
+            </a:r>
+            <a:r>
+              <a:rPr lang="es-ES" dirty="0"/>
+              <a:t> in </a:t>
+            </a:r>
+            <a:r>
+              <a:rPr lang="es-ES" dirty="0" err="1"/>
+              <a:t>Kaggle</a:t>
+            </a:r>
+            <a:endParaRPr lang="es-ES" dirty="0"/>
+          </a:p>
+          <a:p>
+            <a:r>
+              <a:rPr lang="es-ES" dirty="0" err="1"/>
+              <a:t>For</a:t>
+            </a:r>
+            <a:r>
+              <a:rPr lang="es-ES" dirty="0"/>
+              <a:t> </a:t>
+            </a:r>
+            <a:r>
+              <a:rPr lang="es-ES" dirty="0" err="1"/>
+              <a:t>all</a:t>
+            </a:r>
+            <a:r>
+              <a:rPr lang="es-ES" dirty="0"/>
+              <a:t> </a:t>
             </a:r>
             <a:r>
               <a:rPr lang="es-ES" dirty="0" err="1"/>
@@ -4437,39 +4469,238 @@
             </a:r>
             <a:r>
               <a:rPr lang="es-ES" dirty="0"/>
-              <a:t> data</a:t>
-            </a:r>
-          </a:p>
-          <a:p>
-            <a:r>
-              <a:rPr lang="es-ES" dirty="0" err="1"/>
-              <a:t>Clean</a:t>
-            </a:r>
-            <a:r>
-              <a:rPr lang="es-ES" dirty="0"/>
-              <a:t>, </a:t>
-            </a:r>
-            <a:r>
-              <a:rPr lang="es-ES" dirty="0" err="1"/>
-              <a:t>clean</a:t>
-            </a:r>
-            <a:r>
-              <a:rPr lang="es-ES" dirty="0"/>
-              <a:t>, </a:t>
-            </a:r>
-            <a:r>
-              <a:rPr lang="es-ES" dirty="0" err="1"/>
-              <a:t>clean</a:t>
+              <a:t> </a:t>
+            </a:r>
+            <a:r>
+              <a:rPr lang="es-ES" dirty="0" err="1"/>
+              <a:t>graphs</a:t>
+            </a:r>
+            <a:r>
+              <a:rPr lang="es-ES" dirty="0"/>
+              <a:t> I </a:t>
+            </a:r>
+            <a:r>
+              <a:rPr lang="es-ES" dirty="0" err="1"/>
+              <a:t>used</a:t>
+            </a:r>
+            <a:r>
+              <a:rPr lang="es-ES" dirty="0"/>
+              <a:t> </a:t>
+            </a:r>
+            <a:r>
+              <a:rPr lang="es-ES" dirty="0" err="1"/>
+              <a:t>visualization</a:t>
+            </a:r>
+            <a:r>
+              <a:rPr lang="es-ES" dirty="0"/>
+              <a:t> </a:t>
+            </a:r>
+            <a:r>
+              <a:rPr lang="es-ES" dirty="0" err="1"/>
+              <a:t>tools</a:t>
+            </a:r>
+            <a:r>
+              <a:rPr lang="es-ES" dirty="0"/>
+              <a:t> </a:t>
+            </a:r>
+            <a:r>
+              <a:rPr lang="es-ES" dirty="0" err="1"/>
+              <a:t>available</a:t>
+            </a:r>
+            <a:r>
+              <a:rPr lang="es-ES" dirty="0"/>
+              <a:t> in Python </a:t>
+            </a:r>
+            <a:r>
+              <a:rPr lang="es-ES" dirty="0" err="1"/>
+              <a:t>such</a:t>
+            </a:r>
+            <a:r>
+              <a:rPr lang="es-ES" dirty="0"/>
+              <a:t> as </a:t>
+            </a:r>
+            <a:r>
+              <a:rPr lang="es-ES" dirty="0" err="1"/>
+              <a:t>Seaborn</a:t>
+            </a:r>
+            <a:r>
+              <a:rPr lang="es-ES" dirty="0"/>
+              <a:t> and </a:t>
+            </a:r>
+            <a:r>
+              <a:rPr lang="es-ES" dirty="0" err="1"/>
+              <a:t>Plotly</a:t>
+            </a:r>
+            <a:r>
+              <a:rPr lang="es-ES" dirty="0"/>
+              <a:t> </a:t>
+            </a:r>
+          </a:p>
+          <a:p>
+            <a:r>
+              <a:rPr lang="es-ES" dirty="0" err="1"/>
+              <a:t>For</a:t>
+            </a:r>
+            <a:r>
+              <a:rPr lang="es-ES" dirty="0"/>
+              <a:t> </a:t>
+            </a:r>
+            <a:r>
+              <a:rPr lang="es-ES" dirty="0" err="1"/>
+              <a:t>the</a:t>
+            </a:r>
+            <a:r>
+              <a:rPr lang="es-ES" dirty="0"/>
+              <a:t> </a:t>
+            </a:r>
+            <a:r>
+              <a:rPr lang="es-ES" dirty="0" err="1"/>
+              <a:t>clusters</a:t>
+            </a:r>
+            <a:r>
+              <a:rPr lang="es-ES" dirty="0"/>
+              <a:t> in </a:t>
+            </a:r>
+            <a:r>
+              <a:rPr lang="es-ES" dirty="0" err="1"/>
+              <a:t>sports</a:t>
+            </a:r>
+            <a:r>
+              <a:rPr lang="es-ES" dirty="0"/>
+              <a:t> I </a:t>
+            </a:r>
+            <a:r>
+              <a:rPr lang="es-ES" dirty="0" err="1"/>
+              <a:t>used</a:t>
+            </a:r>
+            <a:r>
+              <a:rPr lang="es-ES" dirty="0"/>
+              <a:t> a K-</a:t>
+            </a:r>
+            <a:r>
+              <a:rPr lang="es-ES" dirty="0" err="1"/>
+              <a:t>Means</a:t>
+            </a:r>
+            <a:r>
+              <a:rPr lang="es-ES" dirty="0"/>
+              <a:t> </a:t>
+            </a:r>
+            <a:r>
+              <a:rPr lang="es-ES" dirty="0" err="1"/>
+              <a:t>model</a:t>
+            </a:r>
+            <a:r>
+              <a:rPr lang="es-ES" dirty="0"/>
+              <a:t> </a:t>
+            </a:r>
+            <a:r>
+              <a:rPr lang="es-ES" dirty="0" err="1"/>
+              <a:t>from</a:t>
+            </a:r>
+            <a:r>
+              <a:rPr lang="es-ES" dirty="0"/>
+              <a:t> </a:t>
+            </a:r>
+            <a:r>
+              <a:rPr lang="es-ES" dirty="0" err="1"/>
+              <a:t>sckit-learn</a:t>
             </a:r>
             <a:endParaRPr lang="es-ES" dirty="0"/>
           </a:p>
           <a:p>
+            <a:r>
+              <a:rPr lang="es-ES" dirty="0" err="1"/>
+              <a:t>For</a:t>
+            </a:r>
+            <a:r>
+              <a:rPr lang="es-ES" dirty="0"/>
+              <a:t> </a:t>
+            </a:r>
+            <a:r>
+              <a:rPr lang="es-ES" dirty="0" err="1"/>
+              <a:t>the</a:t>
+            </a:r>
+            <a:r>
+              <a:rPr lang="es-ES" dirty="0"/>
+              <a:t> </a:t>
+            </a:r>
+            <a:r>
+              <a:rPr lang="es-ES" dirty="0" err="1"/>
+              <a:t>prediction</a:t>
+            </a:r>
+            <a:r>
+              <a:rPr lang="es-ES" dirty="0"/>
+              <a:t> </a:t>
+            </a:r>
+            <a:r>
+              <a:rPr lang="es-ES" dirty="0" err="1"/>
+              <a:t>of</a:t>
+            </a:r>
+            <a:r>
+              <a:rPr lang="es-ES" dirty="0"/>
+              <a:t> </a:t>
+            </a:r>
+            <a:r>
+              <a:rPr lang="es-ES" dirty="0" err="1"/>
+              <a:t>the</a:t>
+            </a:r>
+            <a:r>
+              <a:rPr lang="es-ES" dirty="0"/>
+              <a:t> </a:t>
+            </a:r>
+            <a:r>
+              <a:rPr lang="es-ES" dirty="0" err="1"/>
+              <a:t>next</a:t>
+            </a:r>
+            <a:r>
+              <a:rPr lang="es-ES" dirty="0"/>
+              <a:t> 10 </a:t>
+            </a:r>
+            <a:r>
+              <a:rPr lang="es-ES" dirty="0" err="1"/>
+              <a:t>years</a:t>
+            </a:r>
+            <a:r>
+              <a:rPr lang="es-ES" dirty="0"/>
+              <a:t> I </a:t>
+            </a:r>
+            <a:r>
+              <a:rPr lang="es-ES" dirty="0" err="1"/>
+              <a:t>used</a:t>
+            </a:r>
+            <a:r>
+              <a:rPr lang="es-ES" dirty="0"/>
+              <a:t> a </a:t>
+            </a:r>
+            <a:r>
+              <a:rPr lang="es-ES" dirty="0" err="1"/>
+              <a:t>polynomic</a:t>
+            </a:r>
+            <a:r>
+              <a:rPr lang="es-ES" dirty="0"/>
+              <a:t> </a:t>
+            </a:r>
+            <a:r>
+              <a:rPr lang="es-ES" dirty="0" err="1"/>
+              <a:t>regression</a:t>
+            </a:r>
+            <a:r>
+              <a:rPr lang="es-ES" dirty="0"/>
+              <a:t> </a:t>
+            </a:r>
+            <a:r>
+              <a:rPr lang="es-ES" dirty="0" err="1"/>
+              <a:t>model</a:t>
+            </a:r>
             <a:endParaRPr lang="es-ES" dirty="0"/>
           </a:p>
           <a:p>
             <a:endParaRPr lang="es-ES" dirty="0"/>
           </a:p>
           <a:p>
+            <a:pPr marL="0" indent="0">
+              <a:buNone/>
+            </a:pPr>
             <a:endParaRPr lang="es-ES" dirty="0"/>
           </a:p>
         </p:txBody>
@@ -4477,7 +4708,7 @@
     </p:spTree>
     <p:extLst>
       <p:ext uri="{BB962C8B-B14F-4D97-AF65-F5344CB8AC3E}">
-        <p14:creationId xmlns:p14="http://schemas.microsoft.com/office/powerpoint/2010/main" val="668208124"/>
+        <p14:creationId xmlns:p14="http://schemas.microsoft.com/office/powerpoint/2010/main" val="658360134"/>
       </p:ext>
     </p:extLst>
   </p:cSld>
@@ -4509,7 +4740,7 @@
           <p:cNvPr id="2" name="Title 1">
             <a:extLst>
               <a:ext uri="{FF2B5EF4-FFF2-40B4-BE49-F238E27FC236}">
-                <a16:creationId xmlns:a16="http://schemas.microsoft.com/office/drawing/2014/main" id="{CB3E64FA-2A0F-4EBF-9968-4A33C84C0285}"/>
+                <a16:creationId xmlns:a16="http://schemas.microsoft.com/office/drawing/2014/main" id="{253AC341-0AA0-43A2-9BB8-2C7B97DD068D}"/>
               </a:ext>
             </a:extLst>
           </p:cNvPr>
@@ -4527,41 +4758,28 @@
           <a:p>
             <a:r>
               <a:rPr lang="es-ES" dirty="0" err="1"/>
-              <a:t>Steps</a:t>
-            </a:r>
-            <a:r>
-              <a:rPr lang="es-ES" dirty="0"/>
-              <a:t> </a:t>
-            </a:r>
-            <a:r>
-              <a:rPr lang="es-ES" dirty="0" err="1"/>
-              <a:t>for</a:t>
-            </a:r>
-            <a:r>
-              <a:rPr lang="es-ES" dirty="0"/>
-              <a:t> </a:t>
-            </a:r>
-            <a:r>
-              <a:rPr lang="es-ES" dirty="0" err="1"/>
-              <a:t>achieving</a:t>
-            </a:r>
-            <a:r>
-              <a:rPr lang="es-ES" dirty="0"/>
-              <a:t> </a:t>
-            </a:r>
-            <a:r>
-              <a:rPr lang="es-ES" dirty="0" err="1"/>
-              <a:t>my</a:t>
-            </a:r>
-            <a:r>
-              <a:rPr lang="es-ES" dirty="0"/>
-              <a:t> </a:t>
-            </a:r>
-            <a:r>
-              <a:rPr lang="es-ES" dirty="0" err="1"/>
-              <a:t>goal</a:t>
-            </a:r>
-            <a:endParaRPr lang="es-ES" dirty="0"/>
+              <a:t>What</a:t>
+            </a:r>
+            <a:r>
+              <a:rPr lang="es-ES" dirty="0"/>
+              <a:t> </a:t>
+            </a:r>
+            <a:r>
+              <a:rPr lang="es-ES" dirty="0" err="1"/>
+              <a:t>have</a:t>
+            </a:r>
+            <a:r>
+              <a:rPr lang="es-ES" dirty="0"/>
+              <a:t> I </a:t>
+            </a:r>
+            <a:r>
+              <a:rPr lang="es-ES" dirty="0" err="1"/>
+              <a:t>used</a:t>
+            </a:r>
+            <a:r>
+              <a:rPr lang="es-ES" dirty="0"/>
+              <a:t>?</a:t>
+            </a:r>
           </a:p>
         </p:txBody>
       </p:sp>
@@ -4570,7 +4788,7 @@
           <p:cNvPr id="3" name="Content Placeholder 2">
             <a:extLst>
               <a:ext uri="{FF2B5EF4-FFF2-40B4-BE49-F238E27FC236}">
-                <a16:creationId xmlns:a16="http://schemas.microsoft.com/office/drawing/2014/main" id="{149B0E33-EA47-45BA-A930-324CBAA5C7D3}"/>
+                <a16:creationId xmlns:a16="http://schemas.microsoft.com/office/drawing/2014/main" id="{A51F60C0-F4BE-4246-A4C7-84E41162A02C}"/>
               </a:ext>
             </a:extLst>
           </p:cNvPr>
@@ -4588,7 +4806,15 @@
           <a:p>
             <a:r>
               <a:rPr lang="es-ES" dirty="0" err="1"/>
-              <a:t>Download</a:t>
+              <a:t>For</a:t>
+            </a:r>
+            <a:r>
+              <a:rPr lang="es-ES" dirty="0"/>
+              <a:t> </a:t>
+            </a:r>
+            <a:r>
+              <a:rPr lang="es-ES" dirty="0" err="1"/>
+              <a:t>obtaining</a:t>
             </a:r>
             <a:r>
               <a:rPr lang="es-ES" dirty="0"/>
@@ -4600,29 +4826,62 @@
             </a:r>
             <a:r>
               <a:rPr lang="es-ES" dirty="0"/>
-              <a:t> data</a:t>
-            </a:r>
-          </a:p>
-          <a:p>
-            <a:r>
-              <a:rPr lang="es-ES" dirty="0"/>
-              <a:t>Explore, dive and </a:t>
-            </a:r>
-            <a:r>
-              <a:rPr lang="es-ES" dirty="0" err="1"/>
-              <a:t>end</a:t>
-            </a:r>
-            <a:r>
-              <a:rPr lang="es-ES" dirty="0"/>
-              <a:t> up </a:t>
-            </a:r>
-            <a:r>
-              <a:rPr lang="es-ES" dirty="0" err="1"/>
-              <a:t>soaked</a:t>
-            </a:r>
-            <a:r>
-              <a:rPr lang="es-ES" dirty="0"/>
-              <a:t>  in </a:t>
+              <a:t> data I </a:t>
+            </a:r>
+            <a:r>
+              <a:rPr lang="es-ES" dirty="0" err="1"/>
+              <a:t>picked</a:t>
+            </a:r>
+            <a:r>
+              <a:rPr lang="es-ES" dirty="0"/>
+              <a:t> </a:t>
+            </a:r>
+            <a:r>
+              <a:rPr lang="es-ES" dirty="0" err="1"/>
+              <a:t>two</a:t>
+            </a:r>
+            <a:r>
+              <a:rPr lang="es-ES" dirty="0"/>
+              <a:t> </a:t>
+            </a:r>
+            <a:r>
+              <a:rPr lang="es-ES" dirty="0" err="1"/>
+              <a:t>different</a:t>
+            </a:r>
+            <a:r>
+              <a:rPr lang="es-ES" dirty="0"/>
+              <a:t> </a:t>
+            </a:r>
+            <a:r>
+              <a:rPr lang="es-ES" dirty="0" err="1"/>
+              <a:t>datasets</a:t>
+            </a:r>
+            <a:r>
+              <a:rPr lang="es-ES" dirty="0"/>
+              <a:t> in </a:t>
+            </a:r>
+            <a:r>
+              <a:rPr lang="es-ES" dirty="0" err="1"/>
+              <a:t>Kaggle</a:t>
+            </a:r>
+            <a:endParaRPr lang="es-ES" dirty="0"/>
+          </a:p>
+          <a:p>
+            <a:r>
+              <a:rPr lang="es-ES" dirty="0" err="1"/>
+              <a:t>For</a:t>
+            </a:r>
+            <a:r>
+              <a:rPr lang="es-ES" dirty="0"/>
+              <a:t> </a:t>
+            </a:r>
+            <a:r>
+              <a:rPr lang="es-ES" dirty="0" err="1"/>
+              <a:t>all</a:t>
+            </a:r>
+            <a:r>
+              <a:rPr lang="es-ES" dirty="0"/>
+              <a:t> </a:t>
             </a:r>
             <a:r>
               <a:rPr lang="es-ES" dirty="0" err="1"/>
@@ -4630,62 +4889,371 @@
             </a:r>
             <a:r>
               <a:rPr lang="es-ES" dirty="0"/>
-              <a:t> data</a:t>
-            </a:r>
-          </a:p>
-          <a:p>
-            <a:r>
-              <a:rPr lang="es-ES" dirty="0" err="1"/>
-              <a:t>Clean</a:t>
-            </a:r>
-            <a:r>
-              <a:rPr lang="es-ES" dirty="0"/>
-              <a:t>, </a:t>
-            </a:r>
-            <a:r>
-              <a:rPr lang="es-ES" dirty="0" err="1"/>
-              <a:t>clean</a:t>
-            </a:r>
-            <a:r>
-              <a:rPr lang="es-ES" dirty="0"/>
-              <a:t>, </a:t>
-            </a:r>
-            <a:r>
-              <a:rPr lang="es-ES" dirty="0" err="1"/>
-              <a:t>clean</a:t>
+              <a:t> </a:t>
+            </a:r>
+            <a:r>
+              <a:rPr lang="es-ES" dirty="0" err="1"/>
+              <a:t>graphs</a:t>
+            </a:r>
+            <a:r>
+              <a:rPr lang="es-ES" dirty="0"/>
+              <a:t> I </a:t>
+            </a:r>
+            <a:r>
+              <a:rPr lang="es-ES" dirty="0" err="1"/>
+              <a:t>used</a:t>
+            </a:r>
+            <a:r>
+              <a:rPr lang="es-ES" dirty="0"/>
+              <a:t> </a:t>
+            </a:r>
+            <a:r>
+              <a:rPr lang="es-ES" dirty="0" err="1"/>
+              <a:t>visualization</a:t>
+            </a:r>
+            <a:r>
+              <a:rPr lang="es-ES" dirty="0"/>
+              <a:t> </a:t>
+            </a:r>
+            <a:r>
+              <a:rPr lang="es-ES" dirty="0" err="1"/>
+              <a:t>tools</a:t>
+            </a:r>
+            <a:r>
+              <a:rPr lang="es-ES" dirty="0"/>
+              <a:t> </a:t>
+            </a:r>
+            <a:r>
+              <a:rPr lang="es-ES" dirty="0" err="1"/>
+              <a:t>available</a:t>
+            </a:r>
+            <a:r>
+              <a:rPr lang="es-ES" dirty="0"/>
+              <a:t> in Python </a:t>
+            </a:r>
+            <a:r>
+              <a:rPr lang="es-ES" dirty="0" err="1"/>
+              <a:t>such</a:t>
+            </a:r>
+            <a:r>
+              <a:rPr lang="es-ES" dirty="0"/>
+              <a:t> as </a:t>
+            </a:r>
+            <a:r>
+              <a:rPr lang="es-ES" dirty="0" err="1"/>
+              <a:t>Seaborn</a:t>
+            </a:r>
+            <a:r>
+              <a:rPr lang="es-ES" dirty="0"/>
+              <a:t> and </a:t>
+            </a:r>
+            <a:r>
+              <a:rPr lang="es-ES" dirty="0" err="1"/>
+              <a:t>Plotly</a:t>
+            </a:r>
+            <a:r>
+              <a:rPr lang="es-ES" dirty="0"/>
+              <a:t> </a:t>
+            </a:r>
+          </a:p>
+          <a:p>
+            <a:r>
+              <a:rPr lang="es-ES" dirty="0" err="1"/>
+              <a:t>For</a:t>
+            </a:r>
+            <a:r>
+              <a:rPr lang="es-ES" dirty="0"/>
+              <a:t> </a:t>
+            </a:r>
+            <a:r>
+              <a:rPr lang="es-ES" dirty="0" err="1"/>
+              <a:t>the</a:t>
+            </a:r>
+            <a:r>
+              <a:rPr lang="es-ES" dirty="0"/>
+              <a:t> </a:t>
+            </a:r>
+            <a:r>
+              <a:rPr lang="es-ES" dirty="0" err="1"/>
+              <a:t>clusters</a:t>
+            </a:r>
+            <a:r>
+              <a:rPr lang="es-ES" dirty="0"/>
+              <a:t> in </a:t>
+            </a:r>
+            <a:r>
+              <a:rPr lang="es-ES" dirty="0" err="1"/>
+              <a:t>sports</a:t>
+            </a:r>
+            <a:r>
+              <a:rPr lang="es-ES" dirty="0"/>
+              <a:t> I </a:t>
+            </a:r>
+            <a:r>
+              <a:rPr lang="es-ES" dirty="0" err="1"/>
+              <a:t>used</a:t>
+            </a:r>
+            <a:r>
+              <a:rPr lang="es-ES" dirty="0"/>
+              <a:t> a K-</a:t>
+            </a:r>
+            <a:r>
+              <a:rPr lang="es-ES" dirty="0" err="1"/>
+              <a:t>Means</a:t>
+            </a:r>
+            <a:r>
+              <a:rPr lang="es-ES" dirty="0"/>
+              <a:t> </a:t>
+            </a:r>
+            <a:r>
+              <a:rPr lang="es-ES" dirty="0" err="1"/>
+              <a:t>model</a:t>
+            </a:r>
+            <a:r>
+              <a:rPr lang="es-ES" dirty="0"/>
+              <a:t> </a:t>
+            </a:r>
+            <a:r>
+              <a:rPr lang="es-ES" dirty="0" err="1"/>
+              <a:t>from</a:t>
+            </a:r>
+            <a:r>
+              <a:rPr lang="es-ES" dirty="0"/>
+              <a:t> </a:t>
+            </a:r>
+            <a:r>
+              <a:rPr lang="es-ES" dirty="0" err="1"/>
+              <a:t>sckit-learn</a:t>
             </a:r>
             <a:endParaRPr lang="es-ES" dirty="0"/>
           </a:p>
           <a:p>
             <a:r>
               <a:rPr lang="es-ES" dirty="0" err="1"/>
-              <a:t>Plot</a:t>
-            </a:r>
-            <a:r>
-              <a:rPr lang="es-ES" dirty="0"/>
-              <a:t>, </a:t>
-            </a:r>
-            <a:r>
-              <a:rPr lang="es-ES" dirty="0" err="1"/>
-              <a:t>plot</a:t>
-            </a:r>
-            <a:r>
-              <a:rPr lang="es-ES" dirty="0"/>
-              <a:t> </a:t>
-            </a:r>
-            <a:r>
-              <a:rPr lang="es-ES" dirty="0" err="1"/>
-              <a:t>plot</a:t>
+              <a:t>For</a:t>
+            </a:r>
+            <a:r>
+              <a:rPr lang="es-ES" dirty="0"/>
+              <a:t> </a:t>
+            </a:r>
+            <a:r>
+              <a:rPr lang="es-ES" dirty="0" err="1"/>
+              <a:t>the</a:t>
+            </a:r>
+            <a:r>
+              <a:rPr lang="es-ES" dirty="0"/>
+              <a:t> </a:t>
+            </a:r>
+            <a:r>
+              <a:rPr lang="es-ES" dirty="0" err="1"/>
+              <a:t>prediction</a:t>
+            </a:r>
+            <a:r>
+              <a:rPr lang="es-ES" dirty="0"/>
+              <a:t> </a:t>
+            </a:r>
+            <a:r>
+              <a:rPr lang="es-ES" dirty="0" err="1"/>
+              <a:t>of</a:t>
+            </a:r>
+            <a:r>
+              <a:rPr lang="es-ES" dirty="0"/>
+              <a:t> </a:t>
+            </a:r>
+            <a:r>
+              <a:rPr lang="es-ES" dirty="0" err="1"/>
+              <a:t>the</a:t>
+            </a:r>
+            <a:r>
+              <a:rPr lang="es-ES" dirty="0"/>
+              <a:t> </a:t>
+            </a:r>
+            <a:r>
+              <a:rPr lang="es-ES" dirty="0" err="1"/>
+              <a:t>next</a:t>
+            </a:r>
+            <a:r>
+              <a:rPr lang="es-ES" dirty="0"/>
+              <a:t> 10 </a:t>
+            </a:r>
+            <a:r>
+              <a:rPr lang="es-ES" dirty="0" err="1"/>
+              <a:t>years</a:t>
+            </a:r>
+            <a:r>
+              <a:rPr lang="es-ES" dirty="0"/>
+              <a:t> I </a:t>
+            </a:r>
+            <a:r>
+              <a:rPr lang="es-ES" dirty="0" err="1"/>
+              <a:t>used</a:t>
+            </a:r>
+            <a:r>
+              <a:rPr lang="es-ES" dirty="0"/>
+              <a:t> a </a:t>
+            </a:r>
+            <a:r>
+              <a:rPr lang="es-ES" dirty="0" err="1"/>
+              <a:t>polynomic</a:t>
+            </a:r>
+            <a:r>
+              <a:rPr lang="es-ES" dirty="0"/>
+              <a:t> </a:t>
+            </a:r>
+            <a:r>
+              <a:rPr lang="es-ES" dirty="0" err="1"/>
+              <a:t>regression</a:t>
+            </a:r>
+            <a:r>
+              <a:rPr lang="es-ES" dirty="0"/>
+              <a:t> </a:t>
+            </a:r>
+            <a:r>
+              <a:rPr lang="es-ES" dirty="0" err="1"/>
+              <a:t>model</a:t>
             </a:r>
             <a:endParaRPr lang="es-ES" dirty="0"/>
           </a:p>
           <a:p>
+            <a:r>
+              <a:rPr lang="es-ES" dirty="0" err="1"/>
+              <a:t>For</a:t>
+            </a:r>
+            <a:r>
+              <a:rPr lang="es-ES" dirty="0"/>
+              <a:t> </a:t>
+            </a:r>
+            <a:r>
+              <a:rPr lang="es-ES" dirty="0" err="1"/>
+              <a:t>giving</a:t>
+            </a:r>
+            <a:r>
+              <a:rPr lang="es-ES" dirty="0"/>
+              <a:t> back </a:t>
+            </a:r>
+            <a:r>
+              <a:rPr lang="es-ES" dirty="0" err="1"/>
+              <a:t>the</a:t>
+            </a:r>
+            <a:r>
+              <a:rPr lang="es-ES" dirty="0"/>
+              <a:t> </a:t>
+            </a:r>
+            <a:r>
+              <a:rPr lang="es-ES" dirty="0" err="1"/>
+              <a:t>best</a:t>
+            </a:r>
+            <a:r>
+              <a:rPr lang="es-ES" dirty="0"/>
+              <a:t> </a:t>
+            </a:r>
+            <a:r>
+              <a:rPr lang="es-ES" dirty="0" err="1"/>
+              <a:t>suitable</a:t>
+            </a:r>
+            <a:r>
+              <a:rPr lang="es-ES" dirty="0"/>
+              <a:t> sport </a:t>
+            </a:r>
+            <a:r>
+              <a:rPr lang="es-ES" dirty="0" err="1"/>
+              <a:t>of</a:t>
+            </a:r>
+            <a:r>
+              <a:rPr lang="es-ES" dirty="0"/>
+              <a:t> a </a:t>
+            </a:r>
+            <a:r>
+              <a:rPr lang="es-ES" dirty="0" err="1"/>
+              <a:t>user</a:t>
+            </a:r>
+            <a:r>
+              <a:rPr lang="es-ES" dirty="0"/>
+              <a:t> I </a:t>
+            </a:r>
+            <a:r>
+              <a:rPr lang="es-ES" dirty="0" err="1"/>
+              <a:t>used</a:t>
+            </a:r>
+            <a:r>
+              <a:rPr lang="es-ES" dirty="0"/>
+              <a:t> </a:t>
+            </a:r>
+            <a:r>
+              <a:rPr lang="es-ES" dirty="0" err="1"/>
+              <a:t>an</a:t>
+            </a:r>
+            <a:r>
+              <a:rPr lang="es-ES" dirty="0"/>
+              <a:t> </a:t>
+            </a:r>
+            <a:r>
+              <a:rPr lang="es-ES" dirty="0" err="1"/>
+              <a:t>approximation</a:t>
+            </a:r>
+            <a:r>
+              <a:rPr lang="es-ES" dirty="0"/>
+              <a:t> </a:t>
+            </a:r>
+            <a:r>
+              <a:rPr lang="es-ES" dirty="0" err="1"/>
+              <a:t>approach</a:t>
+            </a:r>
+            <a:r>
+              <a:rPr lang="es-ES" dirty="0"/>
+              <a:t> (I </a:t>
+            </a:r>
+            <a:r>
+              <a:rPr lang="es-ES" dirty="0" err="1"/>
+              <a:t>will</a:t>
+            </a:r>
+            <a:r>
+              <a:rPr lang="es-ES" dirty="0"/>
+              <a:t> dive </a:t>
+            </a:r>
+            <a:r>
+              <a:rPr lang="es-ES" dirty="0" err="1"/>
+              <a:t>into</a:t>
+            </a:r>
+            <a:r>
+              <a:rPr lang="es-ES" dirty="0"/>
+              <a:t> </a:t>
+            </a:r>
+            <a:r>
+              <a:rPr lang="es-ES" dirty="0" err="1"/>
+              <a:t>that</a:t>
+            </a:r>
+            <a:r>
+              <a:rPr lang="es-ES" dirty="0"/>
+              <a:t> </a:t>
+            </a:r>
+            <a:r>
+              <a:rPr lang="es-ES" dirty="0" err="1"/>
+              <a:t>later</a:t>
+            </a:r>
+            <a:r>
+              <a:rPr lang="es-ES" dirty="0"/>
+              <a:t> </a:t>
+            </a:r>
+            <a:r>
+              <a:rPr lang="es-ES" dirty="0" err="1"/>
+              <a:t>on</a:t>
+            </a:r>
+            <a:r>
+              <a:rPr lang="es-ES" dirty="0"/>
+              <a:t>)</a:t>
+            </a:r>
+          </a:p>
+          <a:p>
             <a:endParaRPr lang="es-ES" dirty="0"/>
           </a:p>
           <a:p>
             <a:endParaRPr lang="es-ES" dirty="0"/>
           </a:p>
           <a:p>
+            <a:pPr marL="0" indent="0">
+              <a:buNone/>
+            </a:pPr>
             <a:endParaRPr lang="es-ES" dirty="0"/>
           </a:p>
         </p:txBody>
@@ -4693,7 +5261,7 @@
     </p:spTree>
     <p:extLst>
       <p:ext uri="{BB962C8B-B14F-4D97-AF65-F5344CB8AC3E}">
-        <p14:creationId xmlns:p14="http://schemas.microsoft.com/office/powerpoint/2010/main" val="3342787115"/>
+        <p14:creationId xmlns:p14="http://schemas.microsoft.com/office/powerpoint/2010/main" val="501133514"/>
       </p:ext>
     </p:extLst>
   </p:cSld>
@@ -4819,152 +5387,12 @@
               <a:t> data</a:t>
             </a:r>
           </a:p>
-          <a:p>
-            <a:r>
-              <a:rPr lang="es-ES" dirty="0"/>
-              <a:t>Explore, dive and </a:t>
-            </a:r>
-            <a:r>
-              <a:rPr lang="es-ES" dirty="0" err="1"/>
-              <a:t>end</a:t>
-            </a:r>
-            <a:r>
-              <a:rPr lang="es-ES" dirty="0"/>
-              <a:t> up </a:t>
-            </a:r>
-            <a:r>
-              <a:rPr lang="es-ES" dirty="0" err="1"/>
-              <a:t>soaked</a:t>
-            </a:r>
-            <a:r>
-              <a:rPr lang="es-ES" dirty="0"/>
-              <a:t>  in </a:t>
-            </a:r>
-            <a:r>
-              <a:rPr lang="es-ES" dirty="0" err="1"/>
-              <a:t>my</a:t>
-            </a:r>
-            <a:r>
-              <a:rPr lang="es-ES" dirty="0"/>
-              <a:t> data</a:t>
-            </a:r>
-          </a:p>
-          <a:p>
-            <a:r>
-              <a:rPr lang="es-ES" dirty="0" err="1"/>
-              <a:t>Clean</a:t>
-            </a:r>
-            <a:r>
-              <a:rPr lang="es-ES" dirty="0"/>
-              <a:t>, </a:t>
-            </a:r>
-            <a:r>
-              <a:rPr lang="es-ES" dirty="0" err="1"/>
-              <a:t>clean</a:t>
-            </a:r>
-            <a:r>
-              <a:rPr lang="es-ES" dirty="0"/>
-              <a:t>, </a:t>
-            </a:r>
-            <a:r>
-              <a:rPr lang="es-ES" dirty="0" err="1"/>
-              <a:t>clean</a:t>
-            </a:r>
-            <a:endParaRPr lang="es-ES" dirty="0"/>
-          </a:p>
-          <a:p>
-            <a:r>
-              <a:rPr lang="es-ES" dirty="0" err="1"/>
-              <a:t>Plot</a:t>
-            </a:r>
-            <a:r>
-              <a:rPr lang="es-ES" dirty="0"/>
-              <a:t>, </a:t>
-            </a:r>
-            <a:r>
-              <a:rPr lang="es-ES" dirty="0" err="1"/>
-              <a:t>plot</a:t>
-            </a:r>
-            <a:r>
-              <a:rPr lang="es-ES" dirty="0"/>
-              <a:t> </a:t>
-            </a:r>
-            <a:r>
-              <a:rPr lang="es-ES" dirty="0" err="1"/>
-              <a:t>plot</a:t>
-            </a:r>
-            <a:endParaRPr lang="es-ES" dirty="0"/>
-          </a:p>
-          <a:p>
-            <a:r>
-              <a:rPr lang="es-ES" dirty="0" err="1"/>
-              <a:t>Predicting</a:t>
-            </a:r>
-            <a:r>
-              <a:rPr lang="es-ES" dirty="0"/>
-              <a:t> </a:t>
-            </a:r>
-            <a:r>
-              <a:rPr lang="es-ES" dirty="0" err="1"/>
-              <a:t>the</a:t>
-            </a:r>
-            <a:r>
-              <a:rPr lang="es-ES" dirty="0"/>
-              <a:t> </a:t>
-            </a:r>
-            <a:r>
-              <a:rPr lang="es-ES" dirty="0" err="1"/>
-              <a:t>next</a:t>
-            </a:r>
-            <a:r>
-              <a:rPr lang="es-ES" dirty="0"/>
-              <a:t> 10 </a:t>
-            </a:r>
-            <a:r>
-              <a:rPr lang="es-ES" dirty="0" err="1"/>
-              <a:t>years</a:t>
-            </a:r>
-            <a:r>
-              <a:rPr lang="es-ES" dirty="0"/>
-              <a:t> </a:t>
-            </a:r>
-            <a:r>
-              <a:rPr lang="es-ES" dirty="0" err="1"/>
-              <a:t>by</a:t>
-            </a:r>
-            <a:r>
-              <a:rPr lang="es-ES" dirty="0"/>
-              <a:t> a </a:t>
-            </a:r>
-            <a:r>
-              <a:rPr lang="es-ES" dirty="0" err="1"/>
-              <a:t>polynomic</a:t>
-            </a:r>
-            <a:r>
-              <a:rPr lang="es-ES" dirty="0"/>
-              <a:t> </a:t>
-            </a:r>
-            <a:r>
-              <a:rPr lang="es-ES" dirty="0" err="1"/>
-              <a:t>regression</a:t>
-            </a:r>
-            <a:endParaRPr lang="es-ES" dirty="0"/>
-          </a:p>
-          <a:p>
-            <a:endParaRPr lang="es-ES" dirty="0"/>
-          </a:p>
-          <a:p>
-            <a:endParaRPr lang="es-ES" dirty="0"/>
-          </a:p>
-          <a:p>
-            <a:endParaRPr lang="es-ES" dirty="0"/>
-          </a:p>
         </p:txBody>
       </p:sp>
     </p:spTree>
     <p:extLst>
       <p:ext uri="{BB962C8B-B14F-4D97-AF65-F5344CB8AC3E}">
-        <p14:creationId xmlns:p14="http://schemas.microsoft.com/office/powerpoint/2010/main" val="3636859598"/>
+        <p14:creationId xmlns:p14="http://schemas.microsoft.com/office/powerpoint/2010/main" val="1632148943"/>
       </p:ext>
     </p:extLst>
   </p:cSld>
@@ -5121,160 +5549,6 @@
             </a:r>
           </a:p>
           <a:p>
-            <a:r>
-              <a:rPr lang="es-ES" dirty="0" err="1"/>
-              <a:t>Clean</a:t>
-            </a:r>
-            <a:r>
-              <a:rPr lang="es-ES" dirty="0"/>
-              <a:t>, </a:t>
-            </a:r>
-            <a:r>
-              <a:rPr lang="es-ES" dirty="0" err="1"/>
-              <a:t>clean</a:t>
-            </a:r>
-            <a:r>
-              <a:rPr lang="es-ES" dirty="0"/>
-              <a:t>, </a:t>
-            </a:r>
-            <a:r>
-              <a:rPr lang="es-ES" dirty="0" err="1"/>
-              <a:t>clean</a:t>
-            </a:r>
-            <a:endParaRPr lang="es-ES" dirty="0"/>
-          </a:p>
-          <a:p>
-            <a:r>
-              <a:rPr lang="es-ES" dirty="0" err="1"/>
-              <a:t>Plot</a:t>
-            </a:r>
-            <a:r>
-              <a:rPr lang="es-ES" dirty="0"/>
-              <a:t>, </a:t>
-            </a:r>
-            <a:r>
-              <a:rPr lang="es-ES" dirty="0" err="1"/>
-              <a:t>plot</a:t>
-            </a:r>
-            <a:r>
-              <a:rPr lang="es-ES" dirty="0"/>
-              <a:t> </a:t>
-            </a:r>
-            <a:r>
-              <a:rPr lang="es-ES" dirty="0" err="1"/>
-              <a:t>plot</a:t>
-            </a:r>
-            <a:endParaRPr lang="es-ES" dirty="0"/>
-          </a:p>
-          <a:p>
-            <a:r>
-              <a:rPr lang="es-ES" dirty="0" err="1"/>
-              <a:t>Predicting</a:t>
-            </a:r>
-            <a:r>
-              <a:rPr lang="es-ES" dirty="0"/>
-              <a:t> </a:t>
-            </a:r>
-            <a:r>
-              <a:rPr lang="es-ES" dirty="0" err="1"/>
-              <a:t>the</a:t>
-            </a:r>
-            <a:r>
-              <a:rPr lang="es-ES" dirty="0"/>
-              <a:t> </a:t>
-            </a:r>
-            <a:r>
-              <a:rPr lang="es-ES" dirty="0" err="1"/>
-              <a:t>next</a:t>
-            </a:r>
-            <a:r>
-              <a:rPr lang="es-ES" dirty="0"/>
-              <a:t> 10 </a:t>
-            </a:r>
-            <a:r>
-              <a:rPr lang="es-ES" dirty="0" err="1"/>
-              <a:t>years</a:t>
-            </a:r>
-            <a:r>
-              <a:rPr lang="es-ES" dirty="0"/>
-              <a:t> </a:t>
-            </a:r>
-            <a:r>
-              <a:rPr lang="es-ES" dirty="0" err="1"/>
-              <a:t>by</a:t>
-            </a:r>
-            <a:r>
-              <a:rPr lang="es-ES" dirty="0"/>
-              <a:t> a </a:t>
-            </a:r>
-            <a:r>
-              <a:rPr lang="es-ES" dirty="0" err="1"/>
-              <a:t>polynomic</a:t>
-            </a:r>
-            <a:r>
-              <a:rPr lang="es-ES" dirty="0"/>
-              <a:t> </a:t>
-            </a:r>
-            <a:r>
-              <a:rPr lang="es-ES" dirty="0" err="1"/>
-              <a:t>regression</a:t>
-            </a:r>
-            <a:endParaRPr lang="es-ES" dirty="0"/>
-          </a:p>
-          <a:p>
-            <a:r>
-              <a:rPr lang="es-ES" dirty="0" err="1"/>
-              <a:t>Clusterizing</a:t>
-            </a:r>
-            <a:r>
-              <a:rPr lang="es-ES" dirty="0"/>
-              <a:t> </a:t>
-            </a:r>
-            <a:r>
-              <a:rPr lang="es-ES" dirty="0" err="1"/>
-              <a:t>all</a:t>
-            </a:r>
-            <a:r>
-              <a:rPr lang="es-ES" dirty="0"/>
-              <a:t> </a:t>
-            </a:r>
-            <a:r>
-              <a:rPr lang="es-ES" dirty="0" err="1"/>
-              <a:t>my</a:t>
-            </a:r>
-            <a:r>
-              <a:rPr lang="es-ES" dirty="0"/>
-              <a:t> </a:t>
-            </a:r>
-            <a:r>
-              <a:rPr lang="es-ES" dirty="0" err="1"/>
-              <a:t>sports</a:t>
-            </a:r>
-            <a:r>
-              <a:rPr lang="es-ES" dirty="0"/>
-              <a:t> </a:t>
-            </a:r>
-            <a:r>
-              <a:rPr lang="es-ES" dirty="0" err="1"/>
-              <a:t>with</a:t>
-            </a:r>
-            <a:r>
-              <a:rPr lang="es-ES" dirty="0"/>
-              <a:t> K-</a:t>
-            </a:r>
-            <a:r>
-              <a:rPr lang="es-ES" dirty="0" err="1"/>
-              <a:t>Means</a:t>
-            </a:r>
-            <a:endParaRPr lang="es-ES" dirty="0"/>
-          </a:p>
-          <a:p>
-            <a:endParaRPr lang="es-ES" dirty="0"/>
-          </a:p>
-          <a:p>
-            <a:endParaRPr lang="es-ES" dirty="0"/>
-          </a:p>
-          <a:p>
             <a:endParaRPr lang="es-ES" dirty="0"/>
           </a:p>
         </p:txBody>
@@ -5282,7 +5556,7 @@
     </p:spTree>
     <p:extLst>
       <p:ext uri="{BB962C8B-B14F-4D97-AF65-F5344CB8AC3E}">
-        <p14:creationId xmlns:p14="http://schemas.microsoft.com/office/powerpoint/2010/main" val="3659448085"/>
+        <p14:creationId xmlns:p14="http://schemas.microsoft.com/office/powerpoint/2010/main" val="1184615736"/>
       </p:ext>
     </p:extLst>
   </p:cSld>
@@ -5462,6 +5736,1004 @@
             <a:endParaRPr lang="es-ES" dirty="0"/>
           </a:p>
           <a:p>
+            <a:endParaRPr lang="es-ES" dirty="0"/>
+          </a:p>
+          <a:p>
+            <a:endParaRPr lang="es-ES" dirty="0"/>
+          </a:p>
+          <a:p>
+            <a:endParaRPr lang="es-ES" dirty="0"/>
+          </a:p>
+        </p:txBody>
+      </p:sp>
+    </p:spTree>
+    <p:extLst>
+      <p:ext uri="{BB962C8B-B14F-4D97-AF65-F5344CB8AC3E}">
+        <p14:creationId xmlns:p14="http://schemas.microsoft.com/office/powerpoint/2010/main" val="668208124"/>
+      </p:ext>
+    </p:extLst>
+  </p:cSld>
+  <p:clrMapOvr>
+    <a:masterClrMapping/>
+  </p:clrMapOvr>
+</p:sld>
+</file>
+
+<file path=ppt/slides/slide15.xml><?xml version="1.0" encoding="utf-8"?>
+<p:sld xmlns:a="http://schemas.openxmlformats.org/drawingml/2006/main" xmlns:r="http://schemas.openxmlformats.org/officeDocument/2006/relationships" xmlns:p="http://schemas.openxmlformats.org/presentationml/2006/main">
+  <p:cSld>
+    <p:spTree>
+      <p:nvGrpSpPr>
+        <p:cNvPr id="1" name=""/>
+        <p:cNvGrpSpPr/>
+        <p:nvPr/>
+      </p:nvGrpSpPr>
+      <p:grpSpPr>
+        <a:xfrm>
+          <a:off x="0" y="0"/>
+          <a:ext cx="0" cy="0"/>
+          <a:chOff x="0" y="0"/>
+          <a:chExt cx="0" cy="0"/>
+        </a:xfrm>
+      </p:grpSpPr>
+      <p:sp>
+        <p:nvSpPr>
+          <p:cNvPr id="2" name="Title 1">
+            <a:extLst>
+              <a:ext uri="{FF2B5EF4-FFF2-40B4-BE49-F238E27FC236}">
+                <a16:creationId xmlns:a16="http://schemas.microsoft.com/office/drawing/2014/main" id="{CB3E64FA-2A0F-4EBF-9968-4A33C84C0285}"/>
+              </a:ext>
+            </a:extLst>
+          </p:cNvPr>
+          <p:cNvSpPr>
+            <a:spLocks noGrp="1"/>
+          </p:cNvSpPr>
+          <p:nvPr>
+            <p:ph type="title"/>
+          </p:nvPr>
+        </p:nvSpPr>
+        <p:spPr/>
+        <p:txBody>
+          <a:bodyPr/>
+          <a:lstStyle/>
+          <a:p>
+            <a:r>
+              <a:rPr lang="es-ES" dirty="0" err="1"/>
+              <a:t>Steps</a:t>
+            </a:r>
+            <a:r>
+              <a:rPr lang="es-ES" dirty="0"/>
+              <a:t> </a:t>
+            </a:r>
+            <a:r>
+              <a:rPr lang="es-ES" dirty="0" err="1"/>
+              <a:t>for</a:t>
+            </a:r>
+            <a:r>
+              <a:rPr lang="es-ES" dirty="0"/>
+              <a:t> </a:t>
+            </a:r>
+            <a:r>
+              <a:rPr lang="es-ES" dirty="0" err="1"/>
+              <a:t>achieving</a:t>
+            </a:r>
+            <a:r>
+              <a:rPr lang="es-ES" dirty="0"/>
+              <a:t> </a:t>
+            </a:r>
+            <a:r>
+              <a:rPr lang="es-ES" dirty="0" err="1"/>
+              <a:t>my</a:t>
+            </a:r>
+            <a:r>
+              <a:rPr lang="es-ES" dirty="0"/>
+              <a:t> </a:t>
+            </a:r>
+            <a:r>
+              <a:rPr lang="es-ES" dirty="0" err="1"/>
+              <a:t>goal</a:t>
+            </a:r>
+            <a:endParaRPr lang="es-ES" dirty="0"/>
+          </a:p>
+        </p:txBody>
+      </p:sp>
+      <p:sp>
+        <p:nvSpPr>
+          <p:cNvPr id="3" name="Content Placeholder 2">
+            <a:extLst>
+              <a:ext uri="{FF2B5EF4-FFF2-40B4-BE49-F238E27FC236}">
+                <a16:creationId xmlns:a16="http://schemas.microsoft.com/office/drawing/2014/main" id="{149B0E33-EA47-45BA-A930-324CBAA5C7D3}"/>
+              </a:ext>
+            </a:extLst>
+          </p:cNvPr>
+          <p:cNvSpPr>
+            <a:spLocks noGrp="1"/>
+          </p:cNvSpPr>
+          <p:nvPr>
+            <p:ph idx="1"/>
+          </p:nvPr>
+        </p:nvSpPr>
+        <p:spPr/>
+        <p:txBody>
+          <a:bodyPr/>
+          <a:lstStyle/>
+          <a:p>
+            <a:r>
+              <a:rPr lang="es-ES" dirty="0" err="1"/>
+              <a:t>Download</a:t>
+            </a:r>
+            <a:r>
+              <a:rPr lang="es-ES" dirty="0"/>
+              <a:t> </a:t>
+            </a:r>
+            <a:r>
+              <a:rPr lang="es-ES" dirty="0" err="1"/>
+              <a:t>the</a:t>
+            </a:r>
+            <a:r>
+              <a:rPr lang="es-ES" dirty="0"/>
+              <a:t> data</a:t>
+            </a:r>
+          </a:p>
+          <a:p>
+            <a:r>
+              <a:rPr lang="es-ES" dirty="0"/>
+              <a:t>Explore, dive and </a:t>
+            </a:r>
+            <a:r>
+              <a:rPr lang="es-ES" dirty="0" err="1"/>
+              <a:t>end</a:t>
+            </a:r>
+            <a:r>
+              <a:rPr lang="es-ES" dirty="0"/>
+              <a:t> up </a:t>
+            </a:r>
+            <a:r>
+              <a:rPr lang="es-ES" dirty="0" err="1"/>
+              <a:t>soaked</a:t>
+            </a:r>
+            <a:r>
+              <a:rPr lang="es-ES" dirty="0"/>
+              <a:t>  in </a:t>
+            </a:r>
+            <a:r>
+              <a:rPr lang="es-ES" dirty="0" err="1"/>
+              <a:t>my</a:t>
+            </a:r>
+            <a:r>
+              <a:rPr lang="es-ES" dirty="0"/>
+              <a:t> data</a:t>
+            </a:r>
+          </a:p>
+          <a:p>
+            <a:r>
+              <a:rPr lang="es-ES" dirty="0" err="1"/>
+              <a:t>Clean</a:t>
+            </a:r>
+            <a:r>
+              <a:rPr lang="es-ES" dirty="0"/>
+              <a:t>, </a:t>
+            </a:r>
+            <a:r>
+              <a:rPr lang="es-ES" dirty="0" err="1"/>
+              <a:t>clean</a:t>
+            </a:r>
+            <a:r>
+              <a:rPr lang="es-ES" dirty="0"/>
+              <a:t>, </a:t>
+            </a:r>
+            <a:r>
+              <a:rPr lang="es-ES" dirty="0" err="1"/>
+              <a:t>clean</a:t>
+            </a:r>
+            <a:endParaRPr lang="es-ES" dirty="0"/>
+          </a:p>
+          <a:p>
+            <a:r>
+              <a:rPr lang="es-ES" dirty="0" err="1"/>
+              <a:t>Plot</a:t>
+            </a:r>
+            <a:r>
+              <a:rPr lang="es-ES" dirty="0"/>
+              <a:t>, </a:t>
+            </a:r>
+            <a:r>
+              <a:rPr lang="es-ES" dirty="0" err="1"/>
+              <a:t>plot</a:t>
+            </a:r>
+            <a:r>
+              <a:rPr lang="es-ES" dirty="0"/>
+              <a:t> </a:t>
+            </a:r>
+            <a:r>
+              <a:rPr lang="es-ES" dirty="0" err="1"/>
+              <a:t>plot</a:t>
+            </a:r>
+            <a:endParaRPr lang="es-ES" dirty="0"/>
+          </a:p>
+          <a:p>
+            <a:endParaRPr lang="es-ES" dirty="0"/>
+          </a:p>
+          <a:p>
+            <a:endParaRPr lang="es-ES" dirty="0"/>
+          </a:p>
+          <a:p>
+            <a:endParaRPr lang="es-ES" dirty="0"/>
+          </a:p>
+        </p:txBody>
+      </p:sp>
+    </p:spTree>
+    <p:extLst>
+      <p:ext uri="{BB962C8B-B14F-4D97-AF65-F5344CB8AC3E}">
+        <p14:creationId xmlns:p14="http://schemas.microsoft.com/office/powerpoint/2010/main" val="3342787115"/>
+      </p:ext>
+    </p:extLst>
+  </p:cSld>
+  <p:clrMapOvr>
+    <a:masterClrMapping/>
+  </p:clrMapOvr>
+</p:sld>
+</file>
+
+<file path=ppt/slides/slide16.xml><?xml version="1.0" encoding="utf-8"?>
+<p:sld xmlns:a="http://schemas.openxmlformats.org/drawingml/2006/main" xmlns:r="http://schemas.openxmlformats.org/officeDocument/2006/relationships" xmlns:p="http://schemas.openxmlformats.org/presentationml/2006/main">
+  <p:cSld>
+    <p:spTree>
+      <p:nvGrpSpPr>
+        <p:cNvPr id="1" name=""/>
+        <p:cNvGrpSpPr/>
+        <p:nvPr/>
+      </p:nvGrpSpPr>
+      <p:grpSpPr>
+        <a:xfrm>
+          <a:off x="0" y="0"/>
+          <a:ext cx="0" cy="0"/>
+          <a:chOff x="0" y="0"/>
+          <a:chExt cx="0" cy="0"/>
+        </a:xfrm>
+      </p:grpSpPr>
+      <p:sp>
+        <p:nvSpPr>
+          <p:cNvPr id="2" name="Title 1">
+            <a:extLst>
+              <a:ext uri="{FF2B5EF4-FFF2-40B4-BE49-F238E27FC236}">
+                <a16:creationId xmlns:a16="http://schemas.microsoft.com/office/drawing/2014/main" id="{CB3E64FA-2A0F-4EBF-9968-4A33C84C0285}"/>
+              </a:ext>
+            </a:extLst>
+          </p:cNvPr>
+          <p:cNvSpPr>
+            <a:spLocks noGrp="1"/>
+          </p:cNvSpPr>
+          <p:nvPr>
+            <p:ph type="title"/>
+          </p:nvPr>
+        </p:nvSpPr>
+        <p:spPr/>
+        <p:txBody>
+          <a:bodyPr/>
+          <a:lstStyle/>
+          <a:p>
+            <a:r>
+              <a:rPr lang="es-ES" dirty="0" err="1"/>
+              <a:t>Steps</a:t>
+            </a:r>
+            <a:r>
+              <a:rPr lang="es-ES" dirty="0"/>
+              <a:t> </a:t>
+            </a:r>
+            <a:r>
+              <a:rPr lang="es-ES" dirty="0" err="1"/>
+              <a:t>for</a:t>
+            </a:r>
+            <a:r>
+              <a:rPr lang="es-ES" dirty="0"/>
+              <a:t> </a:t>
+            </a:r>
+            <a:r>
+              <a:rPr lang="es-ES" dirty="0" err="1"/>
+              <a:t>achieving</a:t>
+            </a:r>
+            <a:r>
+              <a:rPr lang="es-ES" dirty="0"/>
+              <a:t> </a:t>
+            </a:r>
+            <a:r>
+              <a:rPr lang="es-ES" dirty="0" err="1"/>
+              <a:t>my</a:t>
+            </a:r>
+            <a:r>
+              <a:rPr lang="es-ES" dirty="0"/>
+              <a:t> </a:t>
+            </a:r>
+            <a:r>
+              <a:rPr lang="es-ES" dirty="0" err="1"/>
+              <a:t>goal</a:t>
+            </a:r>
+            <a:endParaRPr lang="es-ES" dirty="0"/>
+          </a:p>
+        </p:txBody>
+      </p:sp>
+      <p:sp>
+        <p:nvSpPr>
+          <p:cNvPr id="3" name="Content Placeholder 2">
+            <a:extLst>
+              <a:ext uri="{FF2B5EF4-FFF2-40B4-BE49-F238E27FC236}">
+                <a16:creationId xmlns:a16="http://schemas.microsoft.com/office/drawing/2014/main" id="{149B0E33-EA47-45BA-A930-324CBAA5C7D3}"/>
+              </a:ext>
+            </a:extLst>
+          </p:cNvPr>
+          <p:cNvSpPr>
+            <a:spLocks noGrp="1"/>
+          </p:cNvSpPr>
+          <p:nvPr>
+            <p:ph idx="1"/>
+          </p:nvPr>
+        </p:nvSpPr>
+        <p:spPr/>
+        <p:txBody>
+          <a:bodyPr/>
+          <a:lstStyle/>
+          <a:p>
+            <a:r>
+              <a:rPr lang="es-ES" dirty="0" err="1"/>
+              <a:t>Download</a:t>
+            </a:r>
+            <a:r>
+              <a:rPr lang="es-ES" dirty="0"/>
+              <a:t> </a:t>
+            </a:r>
+            <a:r>
+              <a:rPr lang="es-ES" dirty="0" err="1"/>
+              <a:t>the</a:t>
+            </a:r>
+            <a:r>
+              <a:rPr lang="es-ES" dirty="0"/>
+              <a:t> data</a:t>
+            </a:r>
+          </a:p>
+          <a:p>
+            <a:r>
+              <a:rPr lang="es-ES" dirty="0"/>
+              <a:t>Explore, dive and </a:t>
+            </a:r>
+            <a:r>
+              <a:rPr lang="es-ES" dirty="0" err="1"/>
+              <a:t>end</a:t>
+            </a:r>
+            <a:r>
+              <a:rPr lang="es-ES" dirty="0"/>
+              <a:t> up </a:t>
+            </a:r>
+            <a:r>
+              <a:rPr lang="es-ES" dirty="0" err="1"/>
+              <a:t>soaked</a:t>
+            </a:r>
+            <a:r>
+              <a:rPr lang="es-ES" dirty="0"/>
+              <a:t>  in </a:t>
+            </a:r>
+            <a:r>
+              <a:rPr lang="es-ES" dirty="0" err="1"/>
+              <a:t>my</a:t>
+            </a:r>
+            <a:r>
+              <a:rPr lang="es-ES" dirty="0"/>
+              <a:t> data</a:t>
+            </a:r>
+          </a:p>
+          <a:p>
+            <a:r>
+              <a:rPr lang="es-ES" dirty="0" err="1"/>
+              <a:t>Clean</a:t>
+            </a:r>
+            <a:r>
+              <a:rPr lang="es-ES" dirty="0"/>
+              <a:t>, </a:t>
+            </a:r>
+            <a:r>
+              <a:rPr lang="es-ES" dirty="0" err="1"/>
+              <a:t>clean</a:t>
+            </a:r>
+            <a:r>
+              <a:rPr lang="es-ES" dirty="0"/>
+              <a:t>, </a:t>
+            </a:r>
+            <a:r>
+              <a:rPr lang="es-ES" dirty="0" err="1"/>
+              <a:t>clean</a:t>
+            </a:r>
+            <a:endParaRPr lang="es-ES" dirty="0"/>
+          </a:p>
+          <a:p>
+            <a:r>
+              <a:rPr lang="es-ES" dirty="0" err="1"/>
+              <a:t>Plot</a:t>
+            </a:r>
+            <a:r>
+              <a:rPr lang="es-ES" dirty="0"/>
+              <a:t>, </a:t>
+            </a:r>
+            <a:r>
+              <a:rPr lang="es-ES" dirty="0" err="1"/>
+              <a:t>plot</a:t>
+            </a:r>
+            <a:r>
+              <a:rPr lang="es-ES" dirty="0"/>
+              <a:t> </a:t>
+            </a:r>
+            <a:r>
+              <a:rPr lang="es-ES" dirty="0" err="1"/>
+              <a:t>plot</a:t>
+            </a:r>
+            <a:endParaRPr lang="es-ES" dirty="0"/>
+          </a:p>
+          <a:p>
+            <a:r>
+              <a:rPr lang="es-ES" dirty="0" err="1"/>
+              <a:t>Predicting</a:t>
+            </a:r>
+            <a:r>
+              <a:rPr lang="es-ES" dirty="0"/>
+              <a:t> </a:t>
+            </a:r>
+            <a:r>
+              <a:rPr lang="es-ES" dirty="0" err="1"/>
+              <a:t>the</a:t>
+            </a:r>
+            <a:r>
+              <a:rPr lang="es-ES" dirty="0"/>
+              <a:t> </a:t>
+            </a:r>
+            <a:r>
+              <a:rPr lang="es-ES" dirty="0" err="1"/>
+              <a:t>next</a:t>
+            </a:r>
+            <a:r>
+              <a:rPr lang="es-ES" dirty="0"/>
+              <a:t> 10 </a:t>
+            </a:r>
+            <a:r>
+              <a:rPr lang="es-ES" dirty="0" err="1"/>
+              <a:t>years</a:t>
+            </a:r>
+            <a:r>
+              <a:rPr lang="es-ES" dirty="0"/>
+              <a:t> </a:t>
+            </a:r>
+            <a:r>
+              <a:rPr lang="es-ES" dirty="0" err="1"/>
+              <a:t>by</a:t>
+            </a:r>
+            <a:r>
+              <a:rPr lang="es-ES" dirty="0"/>
+              <a:t> a </a:t>
+            </a:r>
+            <a:r>
+              <a:rPr lang="es-ES" dirty="0" err="1"/>
+              <a:t>polynomic</a:t>
+            </a:r>
+            <a:r>
+              <a:rPr lang="es-ES" dirty="0"/>
+              <a:t> </a:t>
+            </a:r>
+            <a:r>
+              <a:rPr lang="es-ES" dirty="0" err="1"/>
+              <a:t>regression</a:t>
+            </a:r>
+            <a:endParaRPr lang="es-ES" dirty="0"/>
+          </a:p>
+          <a:p>
+            <a:endParaRPr lang="es-ES" dirty="0"/>
+          </a:p>
+          <a:p>
+            <a:endParaRPr lang="es-ES" dirty="0"/>
+          </a:p>
+          <a:p>
+            <a:endParaRPr lang="es-ES" dirty="0"/>
+          </a:p>
+        </p:txBody>
+      </p:sp>
+    </p:spTree>
+    <p:extLst>
+      <p:ext uri="{BB962C8B-B14F-4D97-AF65-F5344CB8AC3E}">
+        <p14:creationId xmlns:p14="http://schemas.microsoft.com/office/powerpoint/2010/main" val="3636859598"/>
+      </p:ext>
+    </p:extLst>
+  </p:cSld>
+  <p:clrMapOvr>
+    <a:masterClrMapping/>
+  </p:clrMapOvr>
+</p:sld>
+</file>
+
+<file path=ppt/slides/slide17.xml><?xml version="1.0" encoding="utf-8"?>
+<p:sld xmlns:a="http://schemas.openxmlformats.org/drawingml/2006/main" xmlns:r="http://schemas.openxmlformats.org/officeDocument/2006/relationships" xmlns:p="http://schemas.openxmlformats.org/presentationml/2006/main">
+  <p:cSld>
+    <p:spTree>
+      <p:nvGrpSpPr>
+        <p:cNvPr id="1" name=""/>
+        <p:cNvGrpSpPr/>
+        <p:nvPr/>
+      </p:nvGrpSpPr>
+      <p:grpSpPr>
+        <a:xfrm>
+          <a:off x="0" y="0"/>
+          <a:ext cx="0" cy="0"/>
+          <a:chOff x="0" y="0"/>
+          <a:chExt cx="0" cy="0"/>
+        </a:xfrm>
+      </p:grpSpPr>
+      <p:sp>
+        <p:nvSpPr>
+          <p:cNvPr id="2" name="Title 1">
+            <a:extLst>
+              <a:ext uri="{FF2B5EF4-FFF2-40B4-BE49-F238E27FC236}">
+                <a16:creationId xmlns:a16="http://schemas.microsoft.com/office/drawing/2014/main" id="{CB3E64FA-2A0F-4EBF-9968-4A33C84C0285}"/>
+              </a:ext>
+            </a:extLst>
+          </p:cNvPr>
+          <p:cNvSpPr>
+            <a:spLocks noGrp="1"/>
+          </p:cNvSpPr>
+          <p:nvPr>
+            <p:ph type="title"/>
+          </p:nvPr>
+        </p:nvSpPr>
+        <p:spPr/>
+        <p:txBody>
+          <a:bodyPr/>
+          <a:lstStyle/>
+          <a:p>
+            <a:r>
+              <a:rPr lang="es-ES" dirty="0" err="1"/>
+              <a:t>Steps</a:t>
+            </a:r>
+            <a:r>
+              <a:rPr lang="es-ES" dirty="0"/>
+              <a:t> </a:t>
+            </a:r>
+            <a:r>
+              <a:rPr lang="es-ES" dirty="0" err="1"/>
+              <a:t>for</a:t>
+            </a:r>
+            <a:r>
+              <a:rPr lang="es-ES" dirty="0"/>
+              <a:t> </a:t>
+            </a:r>
+            <a:r>
+              <a:rPr lang="es-ES" dirty="0" err="1"/>
+              <a:t>achieving</a:t>
+            </a:r>
+            <a:r>
+              <a:rPr lang="es-ES" dirty="0"/>
+              <a:t> </a:t>
+            </a:r>
+            <a:r>
+              <a:rPr lang="es-ES" dirty="0" err="1"/>
+              <a:t>my</a:t>
+            </a:r>
+            <a:r>
+              <a:rPr lang="es-ES" dirty="0"/>
+              <a:t> </a:t>
+            </a:r>
+            <a:r>
+              <a:rPr lang="es-ES" dirty="0" err="1"/>
+              <a:t>goal</a:t>
+            </a:r>
+            <a:endParaRPr lang="es-ES" dirty="0"/>
+          </a:p>
+        </p:txBody>
+      </p:sp>
+      <p:sp>
+        <p:nvSpPr>
+          <p:cNvPr id="3" name="Content Placeholder 2">
+            <a:extLst>
+              <a:ext uri="{FF2B5EF4-FFF2-40B4-BE49-F238E27FC236}">
+                <a16:creationId xmlns:a16="http://schemas.microsoft.com/office/drawing/2014/main" id="{149B0E33-EA47-45BA-A930-324CBAA5C7D3}"/>
+              </a:ext>
+            </a:extLst>
+          </p:cNvPr>
+          <p:cNvSpPr>
+            <a:spLocks noGrp="1"/>
+          </p:cNvSpPr>
+          <p:nvPr>
+            <p:ph idx="1"/>
+          </p:nvPr>
+        </p:nvSpPr>
+        <p:spPr/>
+        <p:txBody>
+          <a:bodyPr/>
+          <a:lstStyle/>
+          <a:p>
+            <a:r>
+              <a:rPr lang="es-ES" dirty="0" err="1"/>
+              <a:t>Download</a:t>
+            </a:r>
+            <a:r>
+              <a:rPr lang="es-ES" dirty="0"/>
+              <a:t> </a:t>
+            </a:r>
+            <a:r>
+              <a:rPr lang="es-ES" dirty="0" err="1"/>
+              <a:t>the</a:t>
+            </a:r>
+            <a:r>
+              <a:rPr lang="es-ES" dirty="0"/>
+              <a:t> data</a:t>
+            </a:r>
+          </a:p>
+          <a:p>
+            <a:r>
+              <a:rPr lang="es-ES" dirty="0"/>
+              <a:t>Explore, dive and </a:t>
+            </a:r>
+            <a:r>
+              <a:rPr lang="es-ES" dirty="0" err="1"/>
+              <a:t>end</a:t>
+            </a:r>
+            <a:r>
+              <a:rPr lang="es-ES" dirty="0"/>
+              <a:t> up </a:t>
+            </a:r>
+            <a:r>
+              <a:rPr lang="es-ES" dirty="0" err="1"/>
+              <a:t>soaked</a:t>
+            </a:r>
+            <a:r>
+              <a:rPr lang="es-ES" dirty="0"/>
+              <a:t>  in </a:t>
+            </a:r>
+            <a:r>
+              <a:rPr lang="es-ES" dirty="0" err="1"/>
+              <a:t>my</a:t>
+            </a:r>
+            <a:r>
+              <a:rPr lang="es-ES" dirty="0"/>
+              <a:t> data</a:t>
+            </a:r>
+          </a:p>
+          <a:p>
+            <a:r>
+              <a:rPr lang="es-ES" dirty="0" err="1"/>
+              <a:t>Clean</a:t>
+            </a:r>
+            <a:r>
+              <a:rPr lang="es-ES" dirty="0"/>
+              <a:t>, </a:t>
+            </a:r>
+            <a:r>
+              <a:rPr lang="es-ES" dirty="0" err="1"/>
+              <a:t>clean</a:t>
+            </a:r>
+            <a:r>
+              <a:rPr lang="es-ES" dirty="0"/>
+              <a:t>, </a:t>
+            </a:r>
+            <a:r>
+              <a:rPr lang="es-ES" dirty="0" err="1"/>
+              <a:t>clean</a:t>
+            </a:r>
+            <a:endParaRPr lang="es-ES" dirty="0"/>
+          </a:p>
+          <a:p>
+            <a:r>
+              <a:rPr lang="es-ES" dirty="0" err="1"/>
+              <a:t>Plot</a:t>
+            </a:r>
+            <a:r>
+              <a:rPr lang="es-ES" dirty="0"/>
+              <a:t>, </a:t>
+            </a:r>
+            <a:r>
+              <a:rPr lang="es-ES" dirty="0" err="1"/>
+              <a:t>plot</a:t>
+            </a:r>
+            <a:r>
+              <a:rPr lang="es-ES" dirty="0"/>
+              <a:t> </a:t>
+            </a:r>
+            <a:r>
+              <a:rPr lang="es-ES" dirty="0" err="1"/>
+              <a:t>plot</a:t>
+            </a:r>
+            <a:endParaRPr lang="es-ES" dirty="0"/>
+          </a:p>
+          <a:p>
+            <a:r>
+              <a:rPr lang="es-ES" dirty="0" err="1"/>
+              <a:t>Predicting</a:t>
+            </a:r>
+            <a:r>
+              <a:rPr lang="es-ES" dirty="0"/>
+              <a:t> </a:t>
+            </a:r>
+            <a:r>
+              <a:rPr lang="es-ES" dirty="0" err="1"/>
+              <a:t>the</a:t>
+            </a:r>
+            <a:r>
+              <a:rPr lang="es-ES" dirty="0"/>
+              <a:t> </a:t>
+            </a:r>
+            <a:r>
+              <a:rPr lang="es-ES" dirty="0" err="1"/>
+              <a:t>next</a:t>
+            </a:r>
+            <a:r>
+              <a:rPr lang="es-ES" dirty="0"/>
+              <a:t> 10 </a:t>
+            </a:r>
+            <a:r>
+              <a:rPr lang="es-ES" dirty="0" err="1"/>
+              <a:t>years</a:t>
+            </a:r>
+            <a:r>
+              <a:rPr lang="es-ES" dirty="0"/>
+              <a:t> </a:t>
+            </a:r>
+            <a:r>
+              <a:rPr lang="es-ES" dirty="0" err="1"/>
+              <a:t>by</a:t>
+            </a:r>
+            <a:r>
+              <a:rPr lang="es-ES" dirty="0"/>
+              <a:t> a </a:t>
+            </a:r>
+            <a:r>
+              <a:rPr lang="es-ES" dirty="0" err="1"/>
+              <a:t>polynomic</a:t>
+            </a:r>
+            <a:r>
+              <a:rPr lang="es-ES" dirty="0"/>
+              <a:t> </a:t>
+            </a:r>
+            <a:r>
+              <a:rPr lang="es-ES" dirty="0" err="1"/>
+              <a:t>regression</a:t>
+            </a:r>
+            <a:endParaRPr lang="es-ES" dirty="0"/>
+          </a:p>
+          <a:p>
+            <a:r>
+              <a:rPr lang="es-ES" dirty="0" err="1"/>
+              <a:t>Clusterizing</a:t>
+            </a:r>
+            <a:r>
+              <a:rPr lang="es-ES" dirty="0"/>
+              <a:t> </a:t>
+            </a:r>
+            <a:r>
+              <a:rPr lang="es-ES" dirty="0" err="1"/>
+              <a:t>all</a:t>
+            </a:r>
+            <a:r>
+              <a:rPr lang="es-ES" dirty="0"/>
+              <a:t> </a:t>
+            </a:r>
+            <a:r>
+              <a:rPr lang="es-ES" dirty="0" err="1"/>
+              <a:t>my</a:t>
+            </a:r>
+            <a:r>
+              <a:rPr lang="es-ES" dirty="0"/>
+              <a:t> </a:t>
+            </a:r>
+            <a:r>
+              <a:rPr lang="es-ES" dirty="0" err="1"/>
+              <a:t>sports</a:t>
+            </a:r>
+            <a:r>
+              <a:rPr lang="es-ES" dirty="0"/>
+              <a:t> </a:t>
+            </a:r>
+            <a:r>
+              <a:rPr lang="es-ES" dirty="0" err="1"/>
+              <a:t>with</a:t>
+            </a:r>
+            <a:r>
+              <a:rPr lang="es-ES" dirty="0"/>
+              <a:t> K-</a:t>
+            </a:r>
+            <a:r>
+              <a:rPr lang="es-ES" dirty="0" err="1"/>
+              <a:t>Means</a:t>
+            </a:r>
+            <a:endParaRPr lang="es-ES" dirty="0"/>
+          </a:p>
+          <a:p>
+            <a:endParaRPr lang="es-ES" dirty="0"/>
+          </a:p>
+          <a:p>
+            <a:endParaRPr lang="es-ES" dirty="0"/>
+          </a:p>
+          <a:p>
+            <a:endParaRPr lang="es-ES" dirty="0"/>
+          </a:p>
+        </p:txBody>
+      </p:sp>
+    </p:spTree>
+    <p:extLst>
+      <p:ext uri="{BB962C8B-B14F-4D97-AF65-F5344CB8AC3E}">
+        <p14:creationId xmlns:p14="http://schemas.microsoft.com/office/powerpoint/2010/main" val="3659448085"/>
+      </p:ext>
+    </p:extLst>
+  </p:cSld>
+  <p:clrMapOvr>
+    <a:masterClrMapping/>
+  </p:clrMapOvr>
+</p:sld>
+</file>
+
+<file path=ppt/slides/slide18.xml><?xml version="1.0" encoding="utf-8"?>
+<p:sld xmlns:a="http://schemas.openxmlformats.org/drawingml/2006/main" xmlns:r="http://schemas.openxmlformats.org/officeDocument/2006/relationships" xmlns:p="http://schemas.openxmlformats.org/presentationml/2006/main">
+  <p:cSld>
+    <p:spTree>
+      <p:nvGrpSpPr>
+        <p:cNvPr id="1" name=""/>
+        <p:cNvGrpSpPr/>
+        <p:nvPr/>
+      </p:nvGrpSpPr>
+      <p:grpSpPr>
+        <a:xfrm>
+          <a:off x="0" y="0"/>
+          <a:ext cx="0" cy="0"/>
+          <a:chOff x="0" y="0"/>
+          <a:chExt cx="0" cy="0"/>
+        </a:xfrm>
+      </p:grpSpPr>
+      <p:sp>
+        <p:nvSpPr>
+          <p:cNvPr id="2" name="Title 1">
+            <a:extLst>
+              <a:ext uri="{FF2B5EF4-FFF2-40B4-BE49-F238E27FC236}">
+                <a16:creationId xmlns:a16="http://schemas.microsoft.com/office/drawing/2014/main" id="{CB3E64FA-2A0F-4EBF-9968-4A33C84C0285}"/>
+              </a:ext>
+            </a:extLst>
+          </p:cNvPr>
+          <p:cNvSpPr>
+            <a:spLocks noGrp="1"/>
+          </p:cNvSpPr>
+          <p:nvPr>
+            <p:ph type="title"/>
+          </p:nvPr>
+        </p:nvSpPr>
+        <p:spPr/>
+        <p:txBody>
+          <a:bodyPr/>
+          <a:lstStyle/>
+          <a:p>
+            <a:r>
+              <a:rPr lang="es-ES" dirty="0" err="1"/>
+              <a:t>Steps</a:t>
+            </a:r>
+            <a:r>
+              <a:rPr lang="es-ES" dirty="0"/>
+              <a:t> </a:t>
+            </a:r>
+            <a:r>
+              <a:rPr lang="es-ES" dirty="0" err="1"/>
+              <a:t>for</a:t>
+            </a:r>
+            <a:r>
+              <a:rPr lang="es-ES" dirty="0"/>
+              <a:t> </a:t>
+            </a:r>
+            <a:r>
+              <a:rPr lang="es-ES" dirty="0" err="1"/>
+              <a:t>achieving</a:t>
+            </a:r>
+            <a:r>
+              <a:rPr lang="es-ES" dirty="0"/>
+              <a:t> </a:t>
+            </a:r>
+            <a:r>
+              <a:rPr lang="es-ES" dirty="0" err="1"/>
+              <a:t>my</a:t>
+            </a:r>
+            <a:r>
+              <a:rPr lang="es-ES" dirty="0"/>
+              <a:t> </a:t>
+            </a:r>
+            <a:r>
+              <a:rPr lang="es-ES" dirty="0" err="1"/>
+              <a:t>goal</a:t>
+            </a:r>
+            <a:endParaRPr lang="es-ES" dirty="0"/>
+          </a:p>
+        </p:txBody>
+      </p:sp>
+      <p:sp>
+        <p:nvSpPr>
+          <p:cNvPr id="3" name="Content Placeholder 2">
+            <a:extLst>
+              <a:ext uri="{FF2B5EF4-FFF2-40B4-BE49-F238E27FC236}">
+                <a16:creationId xmlns:a16="http://schemas.microsoft.com/office/drawing/2014/main" id="{149B0E33-EA47-45BA-A930-324CBAA5C7D3}"/>
+              </a:ext>
+            </a:extLst>
+          </p:cNvPr>
+          <p:cNvSpPr>
+            <a:spLocks noGrp="1"/>
+          </p:cNvSpPr>
+          <p:nvPr>
+            <p:ph idx="1"/>
+          </p:nvPr>
+        </p:nvSpPr>
+        <p:spPr/>
+        <p:txBody>
+          <a:bodyPr/>
+          <a:lstStyle/>
+          <a:p>
+            <a:r>
+              <a:rPr lang="es-ES" dirty="0" err="1"/>
+              <a:t>Download</a:t>
+            </a:r>
+            <a:r>
+              <a:rPr lang="es-ES" dirty="0"/>
+              <a:t> </a:t>
+            </a:r>
+            <a:r>
+              <a:rPr lang="es-ES" dirty="0" err="1"/>
+              <a:t>the</a:t>
+            </a:r>
+            <a:r>
+              <a:rPr lang="es-ES" dirty="0"/>
+              <a:t> data</a:t>
+            </a:r>
+          </a:p>
+          <a:p>
+            <a:r>
+              <a:rPr lang="es-ES" dirty="0"/>
+              <a:t>Explore, dive and </a:t>
+            </a:r>
+            <a:r>
+              <a:rPr lang="es-ES" dirty="0" err="1"/>
+              <a:t>end</a:t>
+            </a:r>
+            <a:r>
+              <a:rPr lang="es-ES" dirty="0"/>
+              <a:t> up </a:t>
+            </a:r>
+            <a:r>
+              <a:rPr lang="es-ES" dirty="0" err="1"/>
+              <a:t>soaked</a:t>
+            </a:r>
+            <a:r>
+              <a:rPr lang="es-ES" dirty="0"/>
+              <a:t>  in </a:t>
+            </a:r>
+            <a:r>
+              <a:rPr lang="es-ES" dirty="0" err="1"/>
+              <a:t>my</a:t>
+            </a:r>
+            <a:r>
+              <a:rPr lang="es-ES" dirty="0"/>
+              <a:t> data</a:t>
+            </a:r>
+          </a:p>
+          <a:p>
+            <a:r>
+              <a:rPr lang="es-ES" dirty="0" err="1"/>
+              <a:t>Clean</a:t>
+            </a:r>
+            <a:r>
+              <a:rPr lang="es-ES" dirty="0"/>
+              <a:t>, </a:t>
+            </a:r>
+            <a:r>
+              <a:rPr lang="es-ES" dirty="0" err="1"/>
+              <a:t>clean</a:t>
+            </a:r>
+            <a:r>
+              <a:rPr lang="es-ES" dirty="0"/>
+              <a:t>, </a:t>
+            </a:r>
+            <a:r>
+              <a:rPr lang="es-ES" dirty="0" err="1"/>
+              <a:t>clean</a:t>
+            </a:r>
+            <a:endParaRPr lang="es-ES" dirty="0"/>
+          </a:p>
+          <a:p>
             <a:r>
               <a:rPr lang="es-ES" dirty="0" err="1"/>
               <a:t>Plot</a:t>
@@ -5668,7 +6940,7 @@
 </p:sld>
 </file>
 
-<file path=ppt/slides/slide15.xml><?xml version="1.0" encoding="utf-8"?>
+<file path=ppt/slides/slide19.xml><?xml version="1.0" encoding="utf-8"?>
 <p:sld xmlns:a="http://schemas.openxmlformats.org/drawingml/2006/main" xmlns:r="http://schemas.openxmlformats.org/officeDocument/2006/relationships" xmlns:p="http://schemas.openxmlformats.org/presentationml/2006/main">
   <p:cSld>
     <p:spTree>
@@ -5807,7 +7079,186 @@
 </p:sld>
 </file>
 
-<file path=ppt/slides/slide16.xml><?xml version="1.0" encoding="utf-8"?>
+<file path=ppt/slides/slide2.xml><?xml version="1.0" encoding="utf-8"?>
+<p:sld xmlns:a="http://schemas.openxmlformats.org/drawingml/2006/main" xmlns:r="http://schemas.openxmlformats.org/officeDocument/2006/relationships" xmlns:p="http://schemas.openxmlformats.org/presentationml/2006/main">
+  <p:cSld>
+    <p:spTree>
+      <p:nvGrpSpPr>
+        <p:cNvPr id="1" name=""/>
+        <p:cNvGrpSpPr/>
+        <p:nvPr/>
+      </p:nvGrpSpPr>
+      <p:grpSpPr>
+        <a:xfrm>
+          <a:off x="0" y="0"/>
+          <a:ext cx="0" cy="0"/>
+          <a:chOff x="0" y="0"/>
+          <a:chExt cx="0" cy="0"/>
+        </a:xfrm>
+      </p:grpSpPr>
+      <p:sp>
+        <p:nvSpPr>
+          <p:cNvPr id="2" name="Title 1">
+            <a:extLst>
+              <a:ext uri="{FF2B5EF4-FFF2-40B4-BE49-F238E27FC236}">
+                <a16:creationId xmlns:a16="http://schemas.microsoft.com/office/drawing/2014/main" id="{3C9DA63C-EA46-465A-948E-FE114B4F4B29}"/>
+              </a:ext>
+            </a:extLst>
+          </p:cNvPr>
+          <p:cNvSpPr>
+            <a:spLocks noGrp="1"/>
+          </p:cNvSpPr>
+          <p:nvPr>
+            <p:ph type="title"/>
+          </p:nvPr>
+        </p:nvSpPr>
+        <p:spPr/>
+        <p:txBody>
+          <a:bodyPr/>
+          <a:lstStyle/>
+          <a:p>
+            <a:r>
+              <a:rPr lang="es-ES" dirty="0" err="1"/>
+              <a:t>What</a:t>
+            </a:r>
+            <a:r>
+              <a:rPr lang="es-ES" dirty="0"/>
+              <a:t> </a:t>
+            </a:r>
+            <a:r>
+              <a:rPr lang="es-ES" dirty="0" err="1"/>
+              <a:t>have</a:t>
+            </a:r>
+            <a:r>
+              <a:rPr lang="es-ES" dirty="0"/>
+              <a:t> I done…?</a:t>
+            </a:r>
+          </a:p>
+        </p:txBody>
+      </p:sp>
+      <p:sp>
+        <p:nvSpPr>
+          <p:cNvPr id="11" name="Content Placeholder 10">
+            <a:extLst>
+              <a:ext uri="{FF2B5EF4-FFF2-40B4-BE49-F238E27FC236}">
+                <a16:creationId xmlns:a16="http://schemas.microsoft.com/office/drawing/2014/main" id="{D432F3BB-6C30-4DC8-B076-45D49DF5E3D0}"/>
+              </a:ext>
+            </a:extLst>
+          </p:cNvPr>
+          <p:cNvSpPr>
+            <a:spLocks noGrp="1"/>
+          </p:cNvSpPr>
+          <p:nvPr>
+            <p:ph idx="1"/>
+          </p:nvPr>
+        </p:nvSpPr>
+        <p:spPr/>
+        <p:txBody>
+          <a:bodyPr/>
+          <a:lstStyle/>
+          <a:p>
+            <a:r>
+              <a:rPr lang="es-ES" dirty="0" err="1"/>
+              <a:t>Historical</a:t>
+            </a:r>
+            <a:r>
+              <a:rPr lang="es-ES" dirty="0"/>
+              <a:t> </a:t>
+            </a:r>
+            <a:r>
+              <a:rPr lang="es-ES" dirty="0" err="1"/>
+              <a:t>study</a:t>
+            </a:r>
+            <a:r>
+              <a:rPr lang="es-ES" dirty="0"/>
+              <a:t> </a:t>
+            </a:r>
+            <a:r>
+              <a:rPr lang="es-ES" dirty="0" err="1"/>
+              <a:t>of</a:t>
+            </a:r>
+            <a:r>
+              <a:rPr lang="es-ES" dirty="0"/>
+              <a:t> </a:t>
+            </a:r>
+            <a:r>
+              <a:rPr lang="es-ES" dirty="0" err="1"/>
+              <a:t>the</a:t>
+            </a:r>
+            <a:r>
+              <a:rPr lang="es-ES" dirty="0"/>
+              <a:t> las 30 </a:t>
+            </a:r>
+            <a:r>
+              <a:rPr lang="es-ES" dirty="0" err="1"/>
+              <a:t>years</a:t>
+            </a:r>
+            <a:r>
+              <a:rPr lang="es-ES" dirty="0"/>
+              <a:t> </a:t>
+            </a:r>
+            <a:r>
+              <a:rPr lang="es-ES" dirty="0" err="1"/>
+              <a:t>of</a:t>
+            </a:r>
+            <a:r>
+              <a:rPr lang="es-ES" dirty="0"/>
+              <a:t> </a:t>
+            </a:r>
+            <a:r>
+              <a:rPr lang="es-ES" dirty="0" err="1"/>
+              <a:t>the</a:t>
+            </a:r>
+            <a:r>
+              <a:rPr lang="es-ES" dirty="0"/>
+              <a:t> </a:t>
+            </a:r>
+            <a:r>
+              <a:rPr lang="es-ES" dirty="0" err="1"/>
+              <a:t>earnings</a:t>
+            </a:r>
+            <a:r>
+              <a:rPr lang="es-ES" dirty="0"/>
+              <a:t> </a:t>
+            </a:r>
+            <a:r>
+              <a:rPr lang="es-ES" dirty="0" err="1"/>
+              <a:t>of</a:t>
+            </a:r>
+            <a:r>
+              <a:rPr lang="es-ES" dirty="0"/>
+              <a:t> </a:t>
+            </a:r>
+            <a:r>
+              <a:rPr lang="es-ES" dirty="0" err="1"/>
+              <a:t>the</a:t>
+            </a:r>
+            <a:r>
+              <a:rPr lang="es-ES" dirty="0"/>
+              <a:t> top </a:t>
+            </a:r>
+            <a:r>
+              <a:rPr lang="es-ES" dirty="0" err="1"/>
+              <a:t>sports</a:t>
+            </a:r>
+            <a:endParaRPr lang="es-ES" dirty="0"/>
+          </a:p>
+        </p:txBody>
+      </p:sp>
+    </p:spTree>
+    <p:extLst>
+      <p:ext uri="{BB962C8B-B14F-4D97-AF65-F5344CB8AC3E}">
+        <p14:creationId xmlns:p14="http://schemas.microsoft.com/office/powerpoint/2010/main" val="1658024814"/>
+      </p:ext>
+    </p:extLst>
+  </p:cSld>
+  <p:clrMapOvr>
+    <a:masterClrMapping/>
+  </p:clrMapOvr>
+</p:sld>
+</file>
+
+<file path=ppt/slides/slide20.xml><?xml version="1.0" encoding="utf-8"?>
 <p:sld xmlns:a="http://schemas.openxmlformats.org/drawingml/2006/main" xmlns:r="http://schemas.openxmlformats.org/officeDocument/2006/relationships" xmlns:p="http://schemas.openxmlformats.org/presentationml/2006/main">
   <p:cSld>
     <p:spTree>
@@ -5976,7 +7427,7 @@
 </p:sld>
 </file>
 
-<file path=ppt/slides/slide17.xml><?xml version="1.0" encoding="utf-8"?>
+<file path=ppt/slides/slide21.xml><?xml version="1.0" encoding="utf-8"?>
 <p:sld xmlns:a="http://schemas.openxmlformats.org/drawingml/2006/main" xmlns:r="http://schemas.openxmlformats.org/officeDocument/2006/relationships" xmlns:p="http://schemas.openxmlformats.org/presentationml/2006/main">
   <p:cSld>
     <p:spTree>
@@ -6175,7 +7626,7 @@
 </p:sld>
 </file>
 
-<file path=ppt/slides/slide18.xml><?xml version="1.0" encoding="utf-8"?>
+<file path=ppt/slides/slide22.xml><?xml version="1.0" encoding="utf-8"?>
 <p:sld xmlns:a="http://schemas.openxmlformats.org/drawingml/2006/main" xmlns:r="http://schemas.openxmlformats.org/officeDocument/2006/relationships" xmlns:p="http://schemas.openxmlformats.org/presentationml/2006/main">
   <p:cSld>
     <p:spTree>
@@ -6290,7 +7741,7 @@
 </p:sld>
 </file>
 
-<file path=ppt/slides/slide19.xml><?xml version="1.0" encoding="utf-8"?>
+<file path=ppt/slides/slide23.xml><?xml version="1.0" encoding="utf-8"?>
 <p:sld xmlns:a="http://schemas.openxmlformats.org/drawingml/2006/main" xmlns:r="http://schemas.openxmlformats.org/officeDocument/2006/relationships" xmlns:p="http://schemas.openxmlformats.org/presentationml/2006/main">
   <p:cSld>
     <p:spTree>
@@ -6469,7 +7920,7 @@
 </p:sld>
 </file>
 
-<file path=ppt/slides/slide2.xml><?xml version="1.0" encoding="utf-8"?>
+<file path=ppt/slides/slide24.xml><?xml version="1.0" encoding="utf-8"?>
 <p:sld xmlns:a="http://schemas.openxmlformats.org/drawingml/2006/main" xmlns:r="http://schemas.openxmlformats.org/officeDocument/2006/relationships" xmlns:p="http://schemas.openxmlformats.org/presentationml/2006/main">
   <p:cSld>
     <p:spTree>
@@ -6491,548 +7942,6 @@
           <p:cNvPr id="2" name="Title 1">
             <a:extLst>
               <a:ext uri="{FF2B5EF4-FFF2-40B4-BE49-F238E27FC236}">
-                <a16:creationId xmlns:a16="http://schemas.microsoft.com/office/drawing/2014/main" id="{3C9DA63C-EA46-465A-948E-FE114B4F4B29}"/>
-              </a:ext>
-            </a:extLst>
-          </p:cNvPr>
-          <p:cNvSpPr>
-            <a:spLocks noGrp="1"/>
-          </p:cNvSpPr>
-          <p:nvPr>
-            <p:ph type="title"/>
-          </p:nvPr>
-        </p:nvSpPr>
-        <p:spPr/>
-        <p:txBody>
-          <a:bodyPr/>
-          <a:lstStyle/>
-          <a:p>
-            <a:r>
-              <a:rPr lang="es-ES" dirty="0" err="1"/>
-              <a:t>What</a:t>
-            </a:r>
-            <a:r>
-              <a:rPr lang="es-ES" dirty="0"/>
-              <a:t> </a:t>
-            </a:r>
-            <a:r>
-              <a:rPr lang="es-ES" dirty="0" err="1"/>
-              <a:t>have</a:t>
-            </a:r>
-            <a:r>
-              <a:rPr lang="es-ES" dirty="0"/>
-              <a:t> I done…?</a:t>
-            </a:r>
-          </a:p>
-        </p:txBody>
-      </p:sp>
-      <p:sp>
-        <p:nvSpPr>
-          <p:cNvPr id="11" name="Content Placeholder 10">
-            <a:extLst>
-              <a:ext uri="{FF2B5EF4-FFF2-40B4-BE49-F238E27FC236}">
-                <a16:creationId xmlns:a16="http://schemas.microsoft.com/office/drawing/2014/main" id="{D432F3BB-6C30-4DC8-B076-45D49DF5E3D0}"/>
-              </a:ext>
-            </a:extLst>
-          </p:cNvPr>
-          <p:cNvSpPr>
-            <a:spLocks noGrp="1"/>
-          </p:cNvSpPr>
-          <p:nvPr>
-            <p:ph idx="1"/>
-          </p:nvPr>
-        </p:nvSpPr>
-        <p:spPr/>
-        <p:txBody>
-          <a:bodyPr/>
-          <a:lstStyle/>
-          <a:p>
-            <a:r>
-              <a:rPr lang="es-ES" dirty="0" err="1"/>
-              <a:t>Historical</a:t>
-            </a:r>
-            <a:r>
-              <a:rPr lang="es-ES" dirty="0"/>
-              <a:t> </a:t>
-            </a:r>
-            <a:r>
-              <a:rPr lang="es-ES" dirty="0" err="1"/>
-              <a:t>study</a:t>
-            </a:r>
-            <a:r>
-              <a:rPr lang="es-ES" dirty="0"/>
-              <a:t> </a:t>
-            </a:r>
-            <a:r>
-              <a:rPr lang="es-ES" dirty="0" err="1"/>
-              <a:t>of</a:t>
-            </a:r>
-            <a:r>
-              <a:rPr lang="es-ES" dirty="0"/>
-              <a:t> </a:t>
-            </a:r>
-            <a:r>
-              <a:rPr lang="es-ES" dirty="0" err="1"/>
-              <a:t>the</a:t>
-            </a:r>
-            <a:r>
-              <a:rPr lang="es-ES" dirty="0"/>
-              <a:t> las 30 </a:t>
-            </a:r>
-            <a:r>
-              <a:rPr lang="es-ES" dirty="0" err="1"/>
-              <a:t>years</a:t>
-            </a:r>
-            <a:r>
-              <a:rPr lang="es-ES" dirty="0"/>
-              <a:t> </a:t>
-            </a:r>
-            <a:r>
-              <a:rPr lang="es-ES" dirty="0" err="1"/>
-              <a:t>of</a:t>
-            </a:r>
-            <a:r>
-              <a:rPr lang="es-ES" dirty="0"/>
-              <a:t> </a:t>
-            </a:r>
-            <a:r>
-              <a:rPr lang="es-ES" dirty="0" err="1"/>
-              <a:t>the</a:t>
-            </a:r>
-            <a:r>
-              <a:rPr lang="es-ES" dirty="0"/>
-              <a:t> </a:t>
-            </a:r>
-            <a:r>
-              <a:rPr lang="es-ES" dirty="0" err="1"/>
-              <a:t>earnings</a:t>
-            </a:r>
-            <a:r>
-              <a:rPr lang="es-ES" dirty="0"/>
-              <a:t> </a:t>
-            </a:r>
-            <a:r>
-              <a:rPr lang="es-ES" dirty="0" err="1"/>
-              <a:t>of</a:t>
-            </a:r>
-            <a:r>
-              <a:rPr lang="es-ES" dirty="0"/>
-              <a:t> </a:t>
-            </a:r>
-            <a:r>
-              <a:rPr lang="es-ES" dirty="0" err="1"/>
-              <a:t>the</a:t>
-            </a:r>
-            <a:r>
-              <a:rPr lang="es-ES" dirty="0"/>
-              <a:t> top </a:t>
-            </a:r>
-            <a:r>
-              <a:rPr lang="es-ES" dirty="0" err="1"/>
-              <a:t>sports</a:t>
-            </a:r>
-            <a:endParaRPr lang="es-ES" dirty="0"/>
-          </a:p>
-          <a:p>
-            <a:r>
-              <a:rPr lang="es-ES" dirty="0" err="1"/>
-              <a:t>Prediction</a:t>
-            </a:r>
-            <a:r>
-              <a:rPr lang="es-ES" dirty="0"/>
-              <a:t> </a:t>
-            </a:r>
-            <a:r>
-              <a:rPr lang="es-ES" dirty="0" err="1"/>
-              <a:t>of</a:t>
-            </a:r>
-            <a:r>
-              <a:rPr lang="es-ES" dirty="0"/>
-              <a:t> </a:t>
-            </a:r>
-            <a:r>
-              <a:rPr lang="es-ES" dirty="0" err="1"/>
-              <a:t>the</a:t>
-            </a:r>
-            <a:r>
-              <a:rPr lang="es-ES" dirty="0"/>
-              <a:t> </a:t>
-            </a:r>
-            <a:r>
-              <a:rPr lang="es-ES" dirty="0" err="1"/>
-              <a:t>earnings</a:t>
-            </a:r>
-            <a:r>
-              <a:rPr lang="es-ES" dirty="0"/>
-              <a:t> in </a:t>
-            </a:r>
-            <a:r>
-              <a:rPr lang="es-ES" dirty="0" err="1"/>
-              <a:t>the</a:t>
-            </a:r>
-            <a:r>
-              <a:rPr lang="es-ES" dirty="0"/>
-              <a:t> </a:t>
-            </a:r>
-            <a:r>
-              <a:rPr lang="es-ES" dirty="0" err="1"/>
-              <a:t>next</a:t>
-            </a:r>
-            <a:r>
-              <a:rPr lang="es-ES" dirty="0"/>
-              <a:t> 10 </a:t>
-            </a:r>
-            <a:r>
-              <a:rPr lang="es-ES" dirty="0" err="1"/>
-              <a:t>years</a:t>
-            </a:r>
-            <a:r>
-              <a:rPr lang="es-ES" dirty="0"/>
-              <a:t> </a:t>
-            </a:r>
-            <a:r>
-              <a:rPr lang="es-ES" dirty="0" err="1"/>
-              <a:t>of</a:t>
-            </a:r>
-            <a:r>
-              <a:rPr lang="es-ES" dirty="0"/>
-              <a:t> </a:t>
-            </a:r>
-            <a:r>
-              <a:rPr lang="es-ES" dirty="0" err="1"/>
-              <a:t>the</a:t>
-            </a:r>
-            <a:r>
-              <a:rPr lang="es-ES" dirty="0"/>
-              <a:t> top </a:t>
-            </a:r>
-            <a:r>
-              <a:rPr lang="es-ES" dirty="0" err="1"/>
-              <a:t>sports</a:t>
-            </a:r>
-            <a:endParaRPr lang="es-ES" dirty="0"/>
-          </a:p>
-          <a:p>
-            <a:r>
-              <a:rPr lang="es-ES" dirty="0" err="1"/>
-              <a:t>Research</a:t>
-            </a:r>
-            <a:r>
-              <a:rPr lang="es-ES" dirty="0"/>
-              <a:t> </a:t>
-            </a:r>
-            <a:r>
-              <a:rPr lang="es-ES" dirty="0" err="1"/>
-              <a:t>on</a:t>
-            </a:r>
-            <a:r>
-              <a:rPr lang="es-ES" dirty="0"/>
-              <a:t> </a:t>
-            </a:r>
-            <a:r>
-              <a:rPr lang="es-ES" dirty="0" err="1"/>
-              <a:t>the</a:t>
-            </a:r>
-            <a:r>
-              <a:rPr lang="es-ES" dirty="0"/>
-              <a:t> </a:t>
-            </a:r>
-            <a:r>
-              <a:rPr lang="es-ES" dirty="0" err="1"/>
-              <a:t>abilities</a:t>
-            </a:r>
-            <a:r>
-              <a:rPr lang="es-ES" dirty="0"/>
-              <a:t> </a:t>
-            </a:r>
-            <a:r>
-              <a:rPr lang="es-ES" dirty="0" err="1"/>
-              <a:t>of</a:t>
-            </a:r>
-            <a:r>
-              <a:rPr lang="es-ES" dirty="0"/>
-              <a:t> </a:t>
-            </a:r>
-            <a:r>
-              <a:rPr lang="es-ES" dirty="0" err="1"/>
-              <a:t>those</a:t>
-            </a:r>
-            <a:r>
-              <a:rPr lang="es-ES" dirty="0"/>
-              <a:t> top </a:t>
-            </a:r>
-            <a:r>
-              <a:rPr lang="es-ES" dirty="0" err="1"/>
-              <a:t>sports</a:t>
-            </a:r>
-            <a:endParaRPr lang="es-ES" dirty="0"/>
-          </a:p>
-          <a:p>
-            <a:r>
-              <a:rPr lang="es-ES" dirty="0" err="1"/>
-              <a:t>Clustering</a:t>
-            </a:r>
-            <a:r>
-              <a:rPr lang="es-ES" dirty="0"/>
-              <a:t> </a:t>
-            </a:r>
-            <a:r>
-              <a:rPr lang="es-ES" dirty="0" err="1"/>
-              <a:t>the</a:t>
-            </a:r>
-            <a:r>
-              <a:rPr lang="es-ES" dirty="0"/>
-              <a:t> </a:t>
-            </a:r>
-            <a:r>
-              <a:rPr lang="es-ES" dirty="0" err="1"/>
-              <a:t>sports</a:t>
-            </a:r>
-            <a:r>
-              <a:rPr lang="es-ES" dirty="0"/>
-              <a:t> </a:t>
-            </a:r>
-            <a:r>
-              <a:rPr lang="es-ES" dirty="0" err="1"/>
-              <a:t>based</a:t>
-            </a:r>
-            <a:r>
-              <a:rPr lang="es-ES" dirty="0"/>
-              <a:t> </a:t>
-            </a:r>
-            <a:r>
-              <a:rPr lang="es-ES" dirty="0" err="1"/>
-              <a:t>on</a:t>
-            </a:r>
-            <a:r>
-              <a:rPr lang="es-ES" dirty="0"/>
-              <a:t> </a:t>
-            </a:r>
-            <a:r>
-              <a:rPr lang="es-ES" dirty="0" err="1"/>
-              <a:t>the</a:t>
-            </a:r>
-            <a:r>
-              <a:rPr lang="es-ES" dirty="0"/>
-              <a:t> </a:t>
-            </a:r>
-            <a:r>
-              <a:rPr lang="es-ES" dirty="0" err="1"/>
-              <a:t>requirements</a:t>
-            </a:r>
-            <a:r>
-              <a:rPr lang="es-ES" dirty="0"/>
-              <a:t> </a:t>
-            </a:r>
-            <a:r>
-              <a:rPr lang="es-ES" dirty="0" err="1"/>
-              <a:t>for</a:t>
-            </a:r>
-            <a:r>
-              <a:rPr lang="es-ES" dirty="0"/>
-              <a:t> </a:t>
-            </a:r>
-            <a:r>
-              <a:rPr lang="es-ES" dirty="0" err="1"/>
-              <a:t>each</a:t>
-            </a:r>
-            <a:r>
-              <a:rPr lang="es-ES" dirty="0"/>
-              <a:t> </a:t>
-            </a:r>
-            <a:r>
-              <a:rPr lang="es-ES" dirty="0" err="1"/>
-              <a:t>ability</a:t>
-            </a:r>
-            <a:endParaRPr lang="es-ES" dirty="0"/>
-          </a:p>
-          <a:p>
-            <a:r>
-              <a:rPr lang="es-ES" dirty="0" err="1"/>
-              <a:t>Give</a:t>
-            </a:r>
-            <a:r>
-              <a:rPr lang="es-ES" dirty="0"/>
-              <a:t> back a </a:t>
-            </a:r>
-            <a:r>
-              <a:rPr lang="es-ES" dirty="0" err="1"/>
-              <a:t>main</a:t>
-            </a:r>
-            <a:r>
-              <a:rPr lang="es-ES" dirty="0"/>
-              <a:t> sport and </a:t>
-            </a:r>
-            <a:r>
-              <a:rPr lang="es-ES" dirty="0" err="1"/>
-              <a:t>some</a:t>
-            </a:r>
-            <a:r>
-              <a:rPr lang="es-ES" dirty="0"/>
-              <a:t> </a:t>
-            </a:r>
-            <a:r>
-              <a:rPr lang="es-ES" dirty="0" err="1"/>
-              <a:t>other</a:t>
-            </a:r>
-            <a:r>
-              <a:rPr lang="es-ES" dirty="0"/>
-              <a:t> </a:t>
-            </a:r>
-            <a:r>
-              <a:rPr lang="es-ES" dirty="0" err="1"/>
-              <a:t>to</a:t>
-            </a:r>
-            <a:r>
-              <a:rPr lang="es-ES" dirty="0"/>
-              <a:t> try </a:t>
-            </a:r>
-            <a:r>
-              <a:rPr lang="es-ES" dirty="0" err="1"/>
-              <a:t>to</a:t>
-            </a:r>
-            <a:r>
-              <a:rPr lang="es-ES" dirty="0"/>
-              <a:t> </a:t>
-            </a:r>
-            <a:r>
-              <a:rPr lang="es-ES" dirty="0" err="1"/>
-              <a:t>the</a:t>
-            </a:r>
-            <a:r>
-              <a:rPr lang="es-ES" dirty="0"/>
-              <a:t> </a:t>
-            </a:r>
-            <a:r>
-              <a:rPr lang="es-ES" dirty="0" err="1"/>
-              <a:t>user</a:t>
-            </a:r>
-            <a:r>
-              <a:rPr lang="es-ES" dirty="0"/>
-              <a:t>, </a:t>
-            </a:r>
-            <a:r>
-              <a:rPr lang="es-ES" dirty="0" err="1"/>
-              <a:t>based</a:t>
-            </a:r>
-            <a:r>
-              <a:rPr lang="es-ES" dirty="0"/>
-              <a:t> </a:t>
-            </a:r>
-            <a:r>
-              <a:rPr lang="es-ES" dirty="0" err="1"/>
-              <a:t>on</a:t>
-            </a:r>
-            <a:r>
-              <a:rPr lang="es-ES" dirty="0"/>
-              <a:t> </a:t>
-            </a:r>
-            <a:r>
-              <a:rPr lang="es-ES" dirty="0" err="1"/>
-              <a:t>the</a:t>
-            </a:r>
-            <a:r>
-              <a:rPr lang="es-ES" dirty="0"/>
-              <a:t> input </a:t>
-            </a:r>
-            <a:r>
-              <a:rPr lang="es-ES" dirty="0" err="1"/>
-              <a:t>of</a:t>
-            </a:r>
-            <a:r>
-              <a:rPr lang="es-ES" dirty="0"/>
-              <a:t> </a:t>
-            </a:r>
-            <a:r>
-              <a:rPr lang="es-ES" dirty="0" err="1"/>
-              <a:t>his</a:t>
-            </a:r>
-            <a:r>
-              <a:rPr lang="es-ES" dirty="0"/>
-              <a:t>/</a:t>
-            </a:r>
-            <a:r>
-              <a:rPr lang="es-ES" dirty="0" err="1"/>
-              <a:t>hers</a:t>
-            </a:r>
-            <a:r>
-              <a:rPr lang="es-ES" dirty="0"/>
-              <a:t> </a:t>
-            </a:r>
-            <a:r>
-              <a:rPr lang="es-ES" dirty="0" err="1"/>
-              <a:t>abilities</a:t>
-            </a:r>
-            <a:endParaRPr lang="es-ES" dirty="0"/>
-          </a:p>
-          <a:p>
-            <a:r>
-              <a:rPr lang="es-ES" dirty="0" err="1"/>
-              <a:t>Tons</a:t>
-            </a:r>
-            <a:r>
-              <a:rPr lang="es-ES" dirty="0"/>
-              <a:t> and </a:t>
-            </a:r>
-            <a:r>
-              <a:rPr lang="es-ES" dirty="0" err="1"/>
-              <a:t>tons</a:t>
-            </a:r>
-            <a:r>
-              <a:rPr lang="es-ES" dirty="0"/>
-              <a:t> </a:t>
-            </a:r>
-            <a:r>
-              <a:rPr lang="es-ES" dirty="0" err="1"/>
-              <a:t>of</a:t>
-            </a:r>
-            <a:r>
-              <a:rPr lang="es-ES" dirty="0"/>
-              <a:t> </a:t>
-            </a:r>
-            <a:r>
-              <a:rPr lang="es-ES" dirty="0" err="1"/>
-              <a:t>graph</a:t>
-            </a:r>
-            <a:endParaRPr lang="es-ES" dirty="0"/>
-          </a:p>
-        </p:txBody>
-      </p:sp>
-    </p:spTree>
-    <p:extLst>
-      <p:ext uri="{BB962C8B-B14F-4D97-AF65-F5344CB8AC3E}">
-        <p14:creationId xmlns:p14="http://schemas.microsoft.com/office/powerpoint/2010/main" val="1658024814"/>
-      </p:ext>
-    </p:extLst>
-  </p:cSld>
-  <p:clrMapOvr>
-    <a:masterClrMapping/>
-  </p:clrMapOvr>
-</p:sld>
-</file>
-
-<file path=ppt/slides/slide20.xml><?xml version="1.0" encoding="utf-8"?>
-<p:sld xmlns:a="http://schemas.openxmlformats.org/drawingml/2006/main" xmlns:r="http://schemas.openxmlformats.org/officeDocument/2006/relationships" xmlns:p="http://schemas.openxmlformats.org/presentationml/2006/main">
-  <p:cSld>
-    <p:spTree>
-      <p:nvGrpSpPr>
-        <p:cNvPr id="1" name=""/>
-        <p:cNvGrpSpPr/>
-        <p:nvPr/>
-      </p:nvGrpSpPr>
-      <p:grpSpPr>
-        <a:xfrm>
-          <a:off x="0" y="0"/>
-          <a:ext cx="0" cy="0"/>
-          <a:chOff x="0" y="0"/>
-          <a:chExt cx="0" cy="0"/>
-        </a:xfrm>
-      </p:grpSpPr>
-      <p:sp>
-        <p:nvSpPr>
-          <p:cNvPr id="2" name="Title 1">
-            <a:extLst>
-              <a:ext uri="{FF2B5EF4-FFF2-40B4-BE49-F238E27FC236}">
                 <a16:creationId xmlns:a16="http://schemas.microsoft.com/office/drawing/2014/main" id="{9FDA0DD8-D889-43C8-9F23-1052D786B236}"/>
               </a:ext>
             </a:extLst>
@@ -7323,7 +8232,7 @@
 </p:sld>
 </file>
 
-<file path=ppt/slides/slide21.xml><?xml version="1.0" encoding="utf-8"?>
+<file path=ppt/slides/slide25.xml><?xml version="1.0" encoding="utf-8"?>
 <p:sld xmlns:a="http://schemas.openxmlformats.org/drawingml/2006/main" xmlns:r="http://schemas.openxmlformats.org/officeDocument/2006/relationships" xmlns:p="http://schemas.openxmlformats.org/presentationml/2006/main">
   <p:cSld>
     <p:spTree>
@@ -7434,7 +8343,7 @@
 </p:sld>
 </file>
 
-<file path=ppt/slides/slide22.xml><?xml version="1.0" encoding="utf-8"?>
+<file path=ppt/slides/slide26.xml><?xml version="1.0" encoding="utf-8"?>
 <p:sld xmlns:a="http://schemas.openxmlformats.org/drawingml/2006/main" xmlns:r="http://schemas.openxmlformats.org/officeDocument/2006/relationships" xmlns:p="http://schemas.openxmlformats.org/presentationml/2006/main">
   <p:cSld>
     <p:spTree>
@@ -7697,6 +8606,759 @@
 </file>
 
 <file path=ppt/slides/slide3.xml><?xml version="1.0" encoding="utf-8"?>
+<p:sld xmlns:a="http://schemas.openxmlformats.org/drawingml/2006/main" xmlns:r="http://schemas.openxmlformats.org/officeDocument/2006/relationships" xmlns:p="http://schemas.openxmlformats.org/presentationml/2006/main">
+  <p:cSld>
+    <p:spTree>
+      <p:nvGrpSpPr>
+        <p:cNvPr id="1" name=""/>
+        <p:cNvGrpSpPr/>
+        <p:nvPr/>
+      </p:nvGrpSpPr>
+      <p:grpSpPr>
+        <a:xfrm>
+          <a:off x="0" y="0"/>
+          <a:ext cx="0" cy="0"/>
+          <a:chOff x="0" y="0"/>
+          <a:chExt cx="0" cy="0"/>
+        </a:xfrm>
+      </p:grpSpPr>
+      <p:sp>
+        <p:nvSpPr>
+          <p:cNvPr id="2" name="Title 1">
+            <a:extLst>
+              <a:ext uri="{FF2B5EF4-FFF2-40B4-BE49-F238E27FC236}">
+                <a16:creationId xmlns:a16="http://schemas.microsoft.com/office/drawing/2014/main" id="{3C9DA63C-EA46-465A-948E-FE114B4F4B29}"/>
+              </a:ext>
+            </a:extLst>
+          </p:cNvPr>
+          <p:cNvSpPr>
+            <a:spLocks noGrp="1"/>
+          </p:cNvSpPr>
+          <p:nvPr>
+            <p:ph type="title"/>
+          </p:nvPr>
+        </p:nvSpPr>
+        <p:spPr/>
+        <p:txBody>
+          <a:bodyPr/>
+          <a:lstStyle/>
+          <a:p>
+            <a:r>
+              <a:rPr lang="es-ES" dirty="0" err="1"/>
+              <a:t>What</a:t>
+            </a:r>
+            <a:r>
+              <a:rPr lang="es-ES" dirty="0"/>
+              <a:t> </a:t>
+            </a:r>
+            <a:r>
+              <a:rPr lang="es-ES" dirty="0" err="1"/>
+              <a:t>have</a:t>
+            </a:r>
+            <a:r>
+              <a:rPr lang="es-ES" dirty="0"/>
+              <a:t> I done…?</a:t>
+            </a:r>
+          </a:p>
+        </p:txBody>
+      </p:sp>
+      <p:sp>
+        <p:nvSpPr>
+          <p:cNvPr id="11" name="Content Placeholder 10">
+            <a:extLst>
+              <a:ext uri="{FF2B5EF4-FFF2-40B4-BE49-F238E27FC236}">
+                <a16:creationId xmlns:a16="http://schemas.microsoft.com/office/drawing/2014/main" id="{D432F3BB-6C30-4DC8-B076-45D49DF5E3D0}"/>
+              </a:ext>
+            </a:extLst>
+          </p:cNvPr>
+          <p:cNvSpPr>
+            <a:spLocks noGrp="1"/>
+          </p:cNvSpPr>
+          <p:nvPr>
+            <p:ph idx="1"/>
+          </p:nvPr>
+        </p:nvSpPr>
+        <p:spPr/>
+        <p:txBody>
+          <a:bodyPr/>
+          <a:lstStyle/>
+          <a:p>
+            <a:r>
+              <a:rPr lang="es-ES" dirty="0" err="1"/>
+              <a:t>Historical</a:t>
+            </a:r>
+            <a:r>
+              <a:rPr lang="es-ES" dirty="0"/>
+              <a:t> </a:t>
+            </a:r>
+            <a:r>
+              <a:rPr lang="es-ES" dirty="0" err="1"/>
+              <a:t>study</a:t>
+            </a:r>
+            <a:r>
+              <a:rPr lang="es-ES" dirty="0"/>
+              <a:t> </a:t>
+            </a:r>
+            <a:r>
+              <a:rPr lang="es-ES" dirty="0" err="1"/>
+              <a:t>of</a:t>
+            </a:r>
+            <a:r>
+              <a:rPr lang="es-ES" dirty="0"/>
+              <a:t> </a:t>
+            </a:r>
+            <a:r>
+              <a:rPr lang="es-ES" dirty="0" err="1"/>
+              <a:t>the</a:t>
+            </a:r>
+            <a:r>
+              <a:rPr lang="es-ES" dirty="0"/>
+              <a:t> las 30 </a:t>
+            </a:r>
+            <a:r>
+              <a:rPr lang="es-ES" dirty="0" err="1"/>
+              <a:t>years</a:t>
+            </a:r>
+            <a:r>
+              <a:rPr lang="es-ES" dirty="0"/>
+              <a:t> </a:t>
+            </a:r>
+            <a:r>
+              <a:rPr lang="es-ES" dirty="0" err="1"/>
+              <a:t>of</a:t>
+            </a:r>
+            <a:r>
+              <a:rPr lang="es-ES" dirty="0"/>
+              <a:t> </a:t>
+            </a:r>
+            <a:r>
+              <a:rPr lang="es-ES" dirty="0" err="1"/>
+              <a:t>the</a:t>
+            </a:r>
+            <a:r>
+              <a:rPr lang="es-ES" dirty="0"/>
+              <a:t> </a:t>
+            </a:r>
+            <a:r>
+              <a:rPr lang="es-ES" dirty="0" err="1"/>
+              <a:t>earnings</a:t>
+            </a:r>
+            <a:r>
+              <a:rPr lang="es-ES" dirty="0"/>
+              <a:t> </a:t>
+            </a:r>
+            <a:r>
+              <a:rPr lang="es-ES" dirty="0" err="1"/>
+              <a:t>of</a:t>
+            </a:r>
+            <a:r>
+              <a:rPr lang="es-ES" dirty="0"/>
+              <a:t> </a:t>
+            </a:r>
+            <a:r>
+              <a:rPr lang="es-ES" dirty="0" err="1"/>
+              <a:t>the</a:t>
+            </a:r>
+            <a:r>
+              <a:rPr lang="es-ES" dirty="0"/>
+              <a:t> top </a:t>
+            </a:r>
+            <a:r>
+              <a:rPr lang="es-ES" dirty="0" err="1"/>
+              <a:t>sports</a:t>
+            </a:r>
+            <a:endParaRPr lang="es-ES" dirty="0"/>
+          </a:p>
+          <a:p>
+            <a:r>
+              <a:rPr lang="es-ES" dirty="0" err="1"/>
+              <a:t>Predictions</a:t>
+            </a:r>
+            <a:r>
+              <a:rPr lang="es-ES" dirty="0"/>
+              <a:t> </a:t>
+            </a:r>
+            <a:r>
+              <a:rPr lang="es-ES" dirty="0" err="1"/>
+              <a:t>for</a:t>
+            </a:r>
+            <a:r>
+              <a:rPr lang="es-ES" dirty="0"/>
+              <a:t> </a:t>
+            </a:r>
+            <a:r>
+              <a:rPr lang="es-ES" dirty="0" err="1"/>
+              <a:t>the</a:t>
+            </a:r>
+            <a:r>
+              <a:rPr lang="es-ES" dirty="0"/>
+              <a:t> </a:t>
+            </a:r>
+            <a:r>
+              <a:rPr lang="es-ES" dirty="0" err="1"/>
+              <a:t>next</a:t>
+            </a:r>
+            <a:r>
+              <a:rPr lang="es-ES" dirty="0"/>
+              <a:t> 10 </a:t>
+            </a:r>
+            <a:r>
+              <a:rPr lang="es-ES" dirty="0" err="1"/>
+              <a:t>years</a:t>
+            </a:r>
+            <a:endParaRPr lang="es-ES" dirty="0"/>
+          </a:p>
+        </p:txBody>
+      </p:sp>
+    </p:spTree>
+    <p:extLst>
+      <p:ext uri="{BB962C8B-B14F-4D97-AF65-F5344CB8AC3E}">
+        <p14:creationId xmlns:p14="http://schemas.microsoft.com/office/powerpoint/2010/main" val="1215403928"/>
+      </p:ext>
+    </p:extLst>
+  </p:cSld>
+  <p:clrMapOvr>
+    <a:masterClrMapping/>
+  </p:clrMapOvr>
+</p:sld>
+</file>
+
+<file path=ppt/slides/slide4.xml><?xml version="1.0" encoding="utf-8"?>
+<p:sld xmlns:a="http://schemas.openxmlformats.org/drawingml/2006/main" xmlns:r="http://schemas.openxmlformats.org/officeDocument/2006/relationships" xmlns:p="http://schemas.openxmlformats.org/presentationml/2006/main">
+  <p:cSld>
+    <p:spTree>
+      <p:nvGrpSpPr>
+        <p:cNvPr id="1" name=""/>
+        <p:cNvGrpSpPr/>
+        <p:nvPr/>
+      </p:nvGrpSpPr>
+      <p:grpSpPr>
+        <a:xfrm>
+          <a:off x="0" y="0"/>
+          <a:ext cx="0" cy="0"/>
+          <a:chOff x="0" y="0"/>
+          <a:chExt cx="0" cy="0"/>
+        </a:xfrm>
+      </p:grpSpPr>
+      <p:sp>
+        <p:nvSpPr>
+          <p:cNvPr id="2" name="Title 1">
+            <a:extLst>
+              <a:ext uri="{FF2B5EF4-FFF2-40B4-BE49-F238E27FC236}">
+                <a16:creationId xmlns:a16="http://schemas.microsoft.com/office/drawing/2014/main" id="{3C9DA63C-EA46-465A-948E-FE114B4F4B29}"/>
+              </a:ext>
+            </a:extLst>
+          </p:cNvPr>
+          <p:cNvSpPr>
+            <a:spLocks noGrp="1"/>
+          </p:cNvSpPr>
+          <p:nvPr>
+            <p:ph type="title"/>
+          </p:nvPr>
+        </p:nvSpPr>
+        <p:spPr/>
+        <p:txBody>
+          <a:bodyPr/>
+          <a:lstStyle/>
+          <a:p>
+            <a:r>
+              <a:rPr lang="es-ES" dirty="0" err="1"/>
+              <a:t>What</a:t>
+            </a:r>
+            <a:r>
+              <a:rPr lang="es-ES" dirty="0"/>
+              <a:t> </a:t>
+            </a:r>
+            <a:r>
+              <a:rPr lang="es-ES" dirty="0" err="1"/>
+              <a:t>have</a:t>
+            </a:r>
+            <a:r>
+              <a:rPr lang="es-ES" dirty="0"/>
+              <a:t> I done…?</a:t>
+            </a:r>
+          </a:p>
+        </p:txBody>
+      </p:sp>
+      <p:sp>
+        <p:nvSpPr>
+          <p:cNvPr id="11" name="Content Placeholder 10">
+            <a:extLst>
+              <a:ext uri="{FF2B5EF4-FFF2-40B4-BE49-F238E27FC236}">
+                <a16:creationId xmlns:a16="http://schemas.microsoft.com/office/drawing/2014/main" id="{D432F3BB-6C30-4DC8-B076-45D49DF5E3D0}"/>
+              </a:ext>
+            </a:extLst>
+          </p:cNvPr>
+          <p:cNvSpPr>
+            <a:spLocks noGrp="1"/>
+          </p:cNvSpPr>
+          <p:nvPr>
+            <p:ph idx="1"/>
+          </p:nvPr>
+        </p:nvSpPr>
+        <p:spPr/>
+        <p:txBody>
+          <a:bodyPr/>
+          <a:lstStyle/>
+          <a:p>
+            <a:r>
+              <a:rPr lang="es-ES" dirty="0" err="1"/>
+              <a:t>Historical</a:t>
+            </a:r>
+            <a:r>
+              <a:rPr lang="es-ES" dirty="0"/>
+              <a:t> </a:t>
+            </a:r>
+            <a:r>
+              <a:rPr lang="es-ES" dirty="0" err="1"/>
+              <a:t>study</a:t>
+            </a:r>
+            <a:r>
+              <a:rPr lang="es-ES" dirty="0"/>
+              <a:t> </a:t>
+            </a:r>
+            <a:r>
+              <a:rPr lang="es-ES" dirty="0" err="1"/>
+              <a:t>of</a:t>
+            </a:r>
+            <a:r>
+              <a:rPr lang="es-ES" dirty="0"/>
+              <a:t> </a:t>
+            </a:r>
+            <a:r>
+              <a:rPr lang="es-ES" dirty="0" err="1"/>
+              <a:t>the</a:t>
+            </a:r>
+            <a:r>
+              <a:rPr lang="es-ES" dirty="0"/>
+              <a:t> las 30 </a:t>
+            </a:r>
+            <a:r>
+              <a:rPr lang="es-ES" dirty="0" err="1"/>
+              <a:t>years</a:t>
+            </a:r>
+            <a:r>
+              <a:rPr lang="es-ES" dirty="0"/>
+              <a:t> </a:t>
+            </a:r>
+            <a:r>
+              <a:rPr lang="es-ES" dirty="0" err="1"/>
+              <a:t>of</a:t>
+            </a:r>
+            <a:r>
+              <a:rPr lang="es-ES" dirty="0"/>
+              <a:t> </a:t>
+            </a:r>
+            <a:r>
+              <a:rPr lang="es-ES" dirty="0" err="1"/>
+              <a:t>the</a:t>
+            </a:r>
+            <a:r>
+              <a:rPr lang="es-ES" dirty="0"/>
+              <a:t> </a:t>
+            </a:r>
+            <a:r>
+              <a:rPr lang="es-ES" dirty="0" err="1"/>
+              <a:t>earnings</a:t>
+            </a:r>
+            <a:r>
+              <a:rPr lang="es-ES" dirty="0"/>
+              <a:t> </a:t>
+            </a:r>
+            <a:r>
+              <a:rPr lang="es-ES" dirty="0" err="1"/>
+              <a:t>of</a:t>
+            </a:r>
+            <a:r>
+              <a:rPr lang="es-ES" dirty="0"/>
+              <a:t> </a:t>
+            </a:r>
+            <a:r>
+              <a:rPr lang="es-ES" dirty="0" err="1"/>
+              <a:t>the</a:t>
+            </a:r>
+            <a:r>
+              <a:rPr lang="es-ES" dirty="0"/>
+              <a:t> top </a:t>
+            </a:r>
+            <a:r>
+              <a:rPr lang="es-ES" dirty="0" err="1"/>
+              <a:t>sports</a:t>
+            </a:r>
+            <a:endParaRPr lang="es-ES" dirty="0"/>
+          </a:p>
+          <a:p>
+            <a:r>
+              <a:rPr lang="es-ES" dirty="0" err="1"/>
+              <a:t>Predictions</a:t>
+            </a:r>
+            <a:r>
+              <a:rPr lang="es-ES" dirty="0"/>
+              <a:t> </a:t>
+            </a:r>
+            <a:r>
+              <a:rPr lang="es-ES" dirty="0" err="1"/>
+              <a:t>for</a:t>
+            </a:r>
+            <a:r>
+              <a:rPr lang="es-ES" dirty="0"/>
+              <a:t> </a:t>
+            </a:r>
+            <a:r>
+              <a:rPr lang="es-ES" dirty="0" err="1"/>
+              <a:t>the</a:t>
+            </a:r>
+            <a:r>
+              <a:rPr lang="es-ES" dirty="0"/>
+              <a:t> </a:t>
+            </a:r>
+            <a:r>
+              <a:rPr lang="es-ES" dirty="0" err="1"/>
+              <a:t>next</a:t>
+            </a:r>
+            <a:r>
+              <a:rPr lang="es-ES" dirty="0"/>
+              <a:t> 10 </a:t>
+            </a:r>
+            <a:r>
+              <a:rPr lang="es-ES" dirty="0" err="1"/>
+              <a:t>years</a:t>
+            </a:r>
+            <a:endParaRPr lang="es-ES" dirty="0"/>
+          </a:p>
+          <a:p>
+            <a:r>
+              <a:rPr lang="es-ES" dirty="0" err="1"/>
+              <a:t>Abilities</a:t>
+            </a:r>
+            <a:r>
+              <a:rPr lang="es-ES" dirty="0"/>
+              <a:t> </a:t>
+            </a:r>
+            <a:r>
+              <a:rPr lang="es-ES" dirty="0" err="1"/>
+              <a:t>exploration</a:t>
+            </a:r>
+            <a:r>
+              <a:rPr lang="es-ES" dirty="0"/>
+              <a:t> </a:t>
+            </a:r>
+          </a:p>
+        </p:txBody>
+      </p:sp>
+    </p:spTree>
+    <p:extLst>
+      <p:ext uri="{BB962C8B-B14F-4D97-AF65-F5344CB8AC3E}">
+        <p14:creationId xmlns:p14="http://schemas.microsoft.com/office/powerpoint/2010/main" val="87566174"/>
+      </p:ext>
+    </p:extLst>
+  </p:cSld>
+  <p:clrMapOvr>
+    <a:masterClrMapping/>
+  </p:clrMapOvr>
+</p:sld>
+</file>
+
+<file path=ppt/slides/slide5.xml><?xml version="1.0" encoding="utf-8"?>
+<p:sld xmlns:a="http://schemas.openxmlformats.org/drawingml/2006/main" xmlns:r="http://schemas.openxmlformats.org/officeDocument/2006/relationships" xmlns:p="http://schemas.openxmlformats.org/presentationml/2006/main">
+  <p:cSld>
+    <p:spTree>
+      <p:nvGrpSpPr>
+        <p:cNvPr id="1" name=""/>
+        <p:cNvGrpSpPr/>
+        <p:nvPr/>
+      </p:nvGrpSpPr>
+      <p:grpSpPr>
+        <a:xfrm>
+          <a:off x="0" y="0"/>
+          <a:ext cx="0" cy="0"/>
+          <a:chOff x="0" y="0"/>
+          <a:chExt cx="0" cy="0"/>
+        </a:xfrm>
+      </p:grpSpPr>
+      <p:sp>
+        <p:nvSpPr>
+          <p:cNvPr id="2" name="Title 1">
+            <a:extLst>
+              <a:ext uri="{FF2B5EF4-FFF2-40B4-BE49-F238E27FC236}">
+                <a16:creationId xmlns:a16="http://schemas.microsoft.com/office/drawing/2014/main" id="{3C9DA63C-EA46-465A-948E-FE114B4F4B29}"/>
+              </a:ext>
+            </a:extLst>
+          </p:cNvPr>
+          <p:cNvSpPr>
+            <a:spLocks noGrp="1"/>
+          </p:cNvSpPr>
+          <p:nvPr>
+            <p:ph type="title"/>
+          </p:nvPr>
+        </p:nvSpPr>
+        <p:spPr/>
+        <p:txBody>
+          <a:bodyPr/>
+          <a:lstStyle/>
+          <a:p>
+            <a:r>
+              <a:rPr lang="es-ES" dirty="0" err="1"/>
+              <a:t>What</a:t>
+            </a:r>
+            <a:r>
+              <a:rPr lang="es-ES" dirty="0"/>
+              <a:t> </a:t>
+            </a:r>
+            <a:r>
+              <a:rPr lang="es-ES" dirty="0" err="1"/>
+              <a:t>have</a:t>
+            </a:r>
+            <a:r>
+              <a:rPr lang="es-ES" dirty="0"/>
+              <a:t> I done…?</a:t>
+            </a:r>
+          </a:p>
+        </p:txBody>
+      </p:sp>
+      <p:sp>
+        <p:nvSpPr>
+          <p:cNvPr id="11" name="Content Placeholder 10">
+            <a:extLst>
+              <a:ext uri="{FF2B5EF4-FFF2-40B4-BE49-F238E27FC236}">
+                <a16:creationId xmlns:a16="http://schemas.microsoft.com/office/drawing/2014/main" id="{D432F3BB-6C30-4DC8-B076-45D49DF5E3D0}"/>
+              </a:ext>
+            </a:extLst>
+          </p:cNvPr>
+          <p:cNvSpPr>
+            <a:spLocks noGrp="1"/>
+          </p:cNvSpPr>
+          <p:nvPr>
+            <p:ph idx="1"/>
+          </p:nvPr>
+        </p:nvSpPr>
+        <p:spPr/>
+        <p:txBody>
+          <a:bodyPr/>
+          <a:lstStyle/>
+          <a:p>
+            <a:r>
+              <a:rPr lang="es-ES" dirty="0" err="1"/>
+              <a:t>Historical</a:t>
+            </a:r>
+            <a:r>
+              <a:rPr lang="es-ES" dirty="0"/>
+              <a:t> </a:t>
+            </a:r>
+            <a:r>
+              <a:rPr lang="es-ES" dirty="0" err="1"/>
+              <a:t>study</a:t>
+            </a:r>
+            <a:r>
+              <a:rPr lang="es-ES" dirty="0"/>
+              <a:t> </a:t>
+            </a:r>
+            <a:r>
+              <a:rPr lang="es-ES" dirty="0" err="1"/>
+              <a:t>of</a:t>
+            </a:r>
+            <a:r>
+              <a:rPr lang="es-ES" dirty="0"/>
+              <a:t> </a:t>
+            </a:r>
+            <a:r>
+              <a:rPr lang="es-ES" dirty="0" err="1"/>
+              <a:t>the</a:t>
+            </a:r>
+            <a:r>
+              <a:rPr lang="es-ES" dirty="0"/>
+              <a:t> las 30 </a:t>
+            </a:r>
+            <a:r>
+              <a:rPr lang="es-ES" dirty="0" err="1"/>
+              <a:t>years</a:t>
+            </a:r>
+            <a:r>
+              <a:rPr lang="es-ES" dirty="0"/>
+              <a:t> </a:t>
+            </a:r>
+            <a:r>
+              <a:rPr lang="es-ES" dirty="0" err="1"/>
+              <a:t>of</a:t>
+            </a:r>
+            <a:r>
+              <a:rPr lang="es-ES" dirty="0"/>
+              <a:t> </a:t>
+            </a:r>
+            <a:r>
+              <a:rPr lang="es-ES" dirty="0" err="1"/>
+              <a:t>the</a:t>
+            </a:r>
+            <a:r>
+              <a:rPr lang="es-ES" dirty="0"/>
+              <a:t> </a:t>
+            </a:r>
+            <a:r>
+              <a:rPr lang="es-ES" dirty="0" err="1"/>
+              <a:t>earnings</a:t>
+            </a:r>
+            <a:r>
+              <a:rPr lang="es-ES" dirty="0"/>
+              <a:t> </a:t>
+            </a:r>
+            <a:r>
+              <a:rPr lang="es-ES" dirty="0" err="1"/>
+              <a:t>of</a:t>
+            </a:r>
+            <a:r>
+              <a:rPr lang="es-ES" dirty="0"/>
+              <a:t> </a:t>
+            </a:r>
+            <a:r>
+              <a:rPr lang="es-ES" dirty="0" err="1"/>
+              <a:t>the</a:t>
+            </a:r>
+            <a:r>
+              <a:rPr lang="es-ES" dirty="0"/>
+              <a:t> top </a:t>
+            </a:r>
+            <a:r>
+              <a:rPr lang="es-ES" dirty="0" err="1"/>
+              <a:t>sports</a:t>
+            </a:r>
+            <a:endParaRPr lang="es-ES" dirty="0"/>
+          </a:p>
+          <a:p>
+            <a:r>
+              <a:rPr lang="es-ES" dirty="0" err="1"/>
+              <a:t>Predictions</a:t>
+            </a:r>
+            <a:r>
+              <a:rPr lang="es-ES" dirty="0"/>
+              <a:t> </a:t>
+            </a:r>
+            <a:r>
+              <a:rPr lang="es-ES" dirty="0" err="1"/>
+              <a:t>for</a:t>
+            </a:r>
+            <a:r>
+              <a:rPr lang="es-ES" dirty="0"/>
+              <a:t> </a:t>
+            </a:r>
+            <a:r>
+              <a:rPr lang="es-ES" dirty="0" err="1"/>
+              <a:t>the</a:t>
+            </a:r>
+            <a:r>
+              <a:rPr lang="es-ES" dirty="0"/>
+              <a:t> </a:t>
+            </a:r>
+            <a:r>
+              <a:rPr lang="es-ES" dirty="0" err="1"/>
+              <a:t>next</a:t>
+            </a:r>
+            <a:r>
+              <a:rPr lang="es-ES" dirty="0"/>
+              <a:t> 10 </a:t>
+            </a:r>
+            <a:r>
+              <a:rPr lang="es-ES" dirty="0" err="1"/>
+              <a:t>years</a:t>
+            </a:r>
+            <a:endParaRPr lang="es-ES" dirty="0"/>
+          </a:p>
+          <a:p>
+            <a:r>
+              <a:rPr lang="es-ES" dirty="0" err="1"/>
+              <a:t>Abilities</a:t>
+            </a:r>
+            <a:r>
+              <a:rPr lang="es-ES" dirty="0"/>
+              <a:t> </a:t>
+            </a:r>
+            <a:r>
+              <a:rPr lang="es-ES" dirty="0" err="1"/>
+              <a:t>exploration</a:t>
+            </a:r>
+            <a:r>
+              <a:rPr lang="es-ES" dirty="0"/>
+              <a:t> </a:t>
+            </a:r>
+          </a:p>
+          <a:p>
+            <a:r>
+              <a:rPr lang="es-ES" dirty="0" err="1"/>
+              <a:t>Feedback</a:t>
+            </a:r>
+            <a:r>
+              <a:rPr lang="es-ES" dirty="0"/>
+              <a:t> </a:t>
+            </a:r>
+            <a:r>
+              <a:rPr lang="es-ES" dirty="0" err="1"/>
+              <a:t>for</a:t>
+            </a:r>
+            <a:r>
+              <a:rPr lang="es-ES" dirty="0"/>
+              <a:t> </a:t>
+            </a:r>
+            <a:r>
+              <a:rPr lang="es-ES" dirty="0" err="1"/>
+              <a:t>the</a:t>
+            </a:r>
+            <a:r>
+              <a:rPr lang="es-ES" dirty="0"/>
+              <a:t> </a:t>
+            </a:r>
+            <a:r>
+              <a:rPr lang="es-ES" dirty="0" err="1"/>
+              <a:t>best</a:t>
+            </a:r>
+            <a:r>
+              <a:rPr lang="es-ES" dirty="0"/>
+              <a:t> </a:t>
+            </a:r>
+            <a:r>
+              <a:rPr lang="es-ES" dirty="0" err="1"/>
+              <a:t>suitable</a:t>
+            </a:r>
+            <a:r>
+              <a:rPr lang="es-ES" dirty="0"/>
+              <a:t> sport </a:t>
+            </a:r>
+            <a:r>
+              <a:rPr lang="es-ES" dirty="0" err="1"/>
+              <a:t>for</a:t>
+            </a:r>
+            <a:r>
+              <a:rPr lang="es-ES" dirty="0"/>
+              <a:t> </a:t>
+            </a:r>
+            <a:r>
+              <a:rPr lang="es-ES" dirty="0" err="1"/>
+              <a:t>the</a:t>
+            </a:r>
+            <a:r>
+              <a:rPr lang="es-ES" dirty="0"/>
+              <a:t> </a:t>
+            </a:r>
+            <a:r>
+              <a:rPr lang="es-ES"/>
+              <a:t>userr</a:t>
+            </a:r>
+            <a:endParaRPr lang="es-ES" dirty="0"/>
+          </a:p>
+        </p:txBody>
+      </p:sp>
+    </p:spTree>
+    <p:extLst>
+      <p:ext uri="{BB962C8B-B14F-4D97-AF65-F5344CB8AC3E}">
+        <p14:creationId xmlns:p14="http://schemas.microsoft.com/office/powerpoint/2010/main" val="833817183"/>
+      </p:ext>
+    </p:extLst>
+  </p:cSld>
+  <p:clrMapOvr>
+    <a:masterClrMapping/>
+  </p:clrMapOvr>
+</p:sld>
+</file>
+
+<file path=ppt/slides/slide6.xml><?xml version="1.0" encoding="utf-8"?>
 <p:sld xmlns:a="http://schemas.openxmlformats.org/drawingml/2006/main" xmlns:r="http://schemas.openxmlformats.org/officeDocument/2006/relationships" xmlns:p="http://schemas.openxmlformats.org/presentationml/2006/main">
   <p:cSld>
     <p:spTree>
@@ -7917,773 +9579,6 @@
 </p:sld>
 </file>
 
-<file path=ppt/slides/slide4.xml><?xml version="1.0" encoding="utf-8"?>
-<p:sld xmlns:a="http://schemas.openxmlformats.org/drawingml/2006/main" xmlns:r="http://schemas.openxmlformats.org/officeDocument/2006/relationships" xmlns:p="http://schemas.openxmlformats.org/presentationml/2006/main">
-  <p:cSld>
-    <p:spTree>
-      <p:nvGrpSpPr>
-        <p:cNvPr id="1" name=""/>
-        <p:cNvGrpSpPr/>
-        <p:nvPr/>
-      </p:nvGrpSpPr>
-      <p:grpSpPr>
-        <a:xfrm>
-          <a:off x="0" y="0"/>
-          <a:ext cx="0" cy="0"/>
-          <a:chOff x="0" y="0"/>
-          <a:chExt cx="0" cy="0"/>
-        </a:xfrm>
-      </p:grpSpPr>
-      <p:sp>
-        <p:nvSpPr>
-          <p:cNvPr id="2" name="Title 1">
-            <a:extLst>
-              <a:ext uri="{FF2B5EF4-FFF2-40B4-BE49-F238E27FC236}">
-                <a16:creationId xmlns:a16="http://schemas.microsoft.com/office/drawing/2014/main" id="{253AC341-0AA0-43A2-9BB8-2C7B97DD068D}"/>
-              </a:ext>
-            </a:extLst>
-          </p:cNvPr>
-          <p:cNvSpPr>
-            <a:spLocks noGrp="1"/>
-          </p:cNvSpPr>
-          <p:nvPr>
-            <p:ph type="title"/>
-          </p:nvPr>
-        </p:nvSpPr>
-        <p:spPr/>
-        <p:txBody>
-          <a:bodyPr/>
-          <a:lstStyle/>
-          <a:p>
-            <a:r>
-              <a:rPr lang="es-ES" dirty="0" err="1"/>
-              <a:t>What</a:t>
-            </a:r>
-            <a:r>
-              <a:rPr lang="es-ES" dirty="0"/>
-              <a:t> </a:t>
-            </a:r>
-            <a:r>
-              <a:rPr lang="es-ES" dirty="0" err="1"/>
-              <a:t>have</a:t>
-            </a:r>
-            <a:r>
-              <a:rPr lang="es-ES" dirty="0"/>
-              <a:t> I </a:t>
-            </a:r>
-            <a:r>
-              <a:rPr lang="es-ES" dirty="0" err="1"/>
-              <a:t>used</a:t>
-            </a:r>
-            <a:r>
-              <a:rPr lang="es-ES" dirty="0"/>
-              <a:t>?</a:t>
-            </a:r>
-          </a:p>
-        </p:txBody>
-      </p:sp>
-      <p:sp>
-        <p:nvSpPr>
-          <p:cNvPr id="3" name="Content Placeholder 2">
-            <a:extLst>
-              <a:ext uri="{FF2B5EF4-FFF2-40B4-BE49-F238E27FC236}">
-                <a16:creationId xmlns:a16="http://schemas.microsoft.com/office/drawing/2014/main" id="{A51F60C0-F4BE-4246-A4C7-84E41162A02C}"/>
-              </a:ext>
-            </a:extLst>
-          </p:cNvPr>
-          <p:cNvSpPr>
-            <a:spLocks noGrp="1"/>
-          </p:cNvSpPr>
-          <p:nvPr>
-            <p:ph idx="1"/>
-          </p:nvPr>
-        </p:nvSpPr>
-        <p:spPr/>
-        <p:txBody>
-          <a:bodyPr/>
-          <a:lstStyle/>
-          <a:p>
-            <a:r>
-              <a:rPr lang="es-ES" dirty="0" err="1"/>
-              <a:t>For</a:t>
-            </a:r>
-            <a:r>
-              <a:rPr lang="es-ES" dirty="0"/>
-              <a:t> </a:t>
-            </a:r>
-            <a:r>
-              <a:rPr lang="es-ES" dirty="0" err="1"/>
-              <a:t>obtaining</a:t>
-            </a:r>
-            <a:r>
-              <a:rPr lang="es-ES" dirty="0"/>
-              <a:t> </a:t>
-            </a:r>
-            <a:r>
-              <a:rPr lang="es-ES" dirty="0" err="1"/>
-              <a:t>the</a:t>
-            </a:r>
-            <a:r>
-              <a:rPr lang="es-ES" dirty="0"/>
-              <a:t> data I </a:t>
-            </a:r>
-            <a:r>
-              <a:rPr lang="es-ES" dirty="0" err="1"/>
-              <a:t>picked</a:t>
-            </a:r>
-            <a:r>
-              <a:rPr lang="es-ES" dirty="0"/>
-              <a:t> </a:t>
-            </a:r>
-            <a:r>
-              <a:rPr lang="es-ES" dirty="0" err="1"/>
-              <a:t>two</a:t>
-            </a:r>
-            <a:r>
-              <a:rPr lang="es-ES" dirty="0"/>
-              <a:t> </a:t>
-            </a:r>
-            <a:r>
-              <a:rPr lang="es-ES" dirty="0" err="1"/>
-              <a:t>different</a:t>
-            </a:r>
-            <a:r>
-              <a:rPr lang="es-ES" dirty="0"/>
-              <a:t> </a:t>
-            </a:r>
-            <a:r>
-              <a:rPr lang="es-ES" dirty="0" err="1"/>
-              <a:t>datasets</a:t>
-            </a:r>
-            <a:r>
-              <a:rPr lang="es-ES" dirty="0"/>
-              <a:t> in </a:t>
-            </a:r>
-            <a:r>
-              <a:rPr lang="es-ES" dirty="0" err="1"/>
-              <a:t>Kaggle</a:t>
-            </a:r>
-            <a:endParaRPr lang="es-ES" dirty="0"/>
-          </a:p>
-          <a:p>
-            <a:endParaRPr lang="es-ES" dirty="0"/>
-          </a:p>
-          <a:p>
-            <a:pPr marL="0" indent="0">
-              <a:buNone/>
-            </a:pPr>
-            <a:endParaRPr lang="es-ES" dirty="0"/>
-          </a:p>
-        </p:txBody>
-      </p:sp>
-    </p:spTree>
-    <p:extLst>
-      <p:ext uri="{BB962C8B-B14F-4D97-AF65-F5344CB8AC3E}">
-        <p14:creationId xmlns:p14="http://schemas.microsoft.com/office/powerpoint/2010/main" val="4205052726"/>
-      </p:ext>
-    </p:extLst>
-  </p:cSld>
-  <p:clrMapOvr>
-    <a:masterClrMapping/>
-  </p:clrMapOvr>
-</p:sld>
-</file>
-
-<file path=ppt/slides/slide5.xml><?xml version="1.0" encoding="utf-8"?>
-<p:sld xmlns:a="http://schemas.openxmlformats.org/drawingml/2006/main" xmlns:r="http://schemas.openxmlformats.org/officeDocument/2006/relationships" xmlns:p="http://schemas.openxmlformats.org/presentationml/2006/main">
-  <p:cSld>
-    <p:spTree>
-      <p:nvGrpSpPr>
-        <p:cNvPr id="1" name=""/>
-        <p:cNvGrpSpPr/>
-        <p:nvPr/>
-      </p:nvGrpSpPr>
-      <p:grpSpPr>
-        <a:xfrm>
-          <a:off x="0" y="0"/>
-          <a:ext cx="0" cy="0"/>
-          <a:chOff x="0" y="0"/>
-          <a:chExt cx="0" cy="0"/>
-        </a:xfrm>
-      </p:grpSpPr>
-      <p:sp>
-        <p:nvSpPr>
-          <p:cNvPr id="2" name="Title 1">
-            <a:extLst>
-              <a:ext uri="{FF2B5EF4-FFF2-40B4-BE49-F238E27FC236}">
-                <a16:creationId xmlns:a16="http://schemas.microsoft.com/office/drawing/2014/main" id="{253AC341-0AA0-43A2-9BB8-2C7B97DD068D}"/>
-              </a:ext>
-            </a:extLst>
-          </p:cNvPr>
-          <p:cNvSpPr>
-            <a:spLocks noGrp="1"/>
-          </p:cNvSpPr>
-          <p:nvPr>
-            <p:ph type="title"/>
-          </p:nvPr>
-        </p:nvSpPr>
-        <p:spPr/>
-        <p:txBody>
-          <a:bodyPr/>
-          <a:lstStyle/>
-          <a:p>
-            <a:r>
-              <a:rPr lang="es-ES" dirty="0" err="1"/>
-              <a:t>What</a:t>
-            </a:r>
-            <a:r>
-              <a:rPr lang="es-ES" dirty="0"/>
-              <a:t> </a:t>
-            </a:r>
-            <a:r>
-              <a:rPr lang="es-ES" dirty="0" err="1"/>
-              <a:t>have</a:t>
-            </a:r>
-            <a:r>
-              <a:rPr lang="es-ES" dirty="0"/>
-              <a:t> I </a:t>
-            </a:r>
-            <a:r>
-              <a:rPr lang="es-ES" dirty="0" err="1"/>
-              <a:t>used</a:t>
-            </a:r>
-            <a:r>
-              <a:rPr lang="es-ES" dirty="0"/>
-              <a:t>?</a:t>
-            </a:r>
-          </a:p>
-        </p:txBody>
-      </p:sp>
-      <p:sp>
-        <p:nvSpPr>
-          <p:cNvPr id="3" name="Content Placeholder 2">
-            <a:extLst>
-              <a:ext uri="{FF2B5EF4-FFF2-40B4-BE49-F238E27FC236}">
-                <a16:creationId xmlns:a16="http://schemas.microsoft.com/office/drawing/2014/main" id="{A51F60C0-F4BE-4246-A4C7-84E41162A02C}"/>
-              </a:ext>
-            </a:extLst>
-          </p:cNvPr>
-          <p:cNvSpPr>
-            <a:spLocks noGrp="1"/>
-          </p:cNvSpPr>
-          <p:nvPr>
-            <p:ph idx="1"/>
-          </p:nvPr>
-        </p:nvSpPr>
-        <p:spPr/>
-        <p:txBody>
-          <a:bodyPr/>
-          <a:lstStyle/>
-          <a:p>
-            <a:r>
-              <a:rPr lang="es-ES" dirty="0" err="1"/>
-              <a:t>For</a:t>
-            </a:r>
-            <a:r>
-              <a:rPr lang="es-ES" dirty="0"/>
-              <a:t> </a:t>
-            </a:r>
-            <a:r>
-              <a:rPr lang="es-ES" dirty="0" err="1"/>
-              <a:t>obtaining</a:t>
-            </a:r>
-            <a:r>
-              <a:rPr lang="es-ES" dirty="0"/>
-              <a:t> </a:t>
-            </a:r>
-            <a:r>
-              <a:rPr lang="es-ES" dirty="0" err="1"/>
-              <a:t>the</a:t>
-            </a:r>
-            <a:r>
-              <a:rPr lang="es-ES" dirty="0"/>
-              <a:t> data I </a:t>
-            </a:r>
-            <a:r>
-              <a:rPr lang="es-ES" dirty="0" err="1"/>
-              <a:t>picked</a:t>
-            </a:r>
-            <a:r>
-              <a:rPr lang="es-ES" dirty="0"/>
-              <a:t> </a:t>
-            </a:r>
-            <a:r>
-              <a:rPr lang="es-ES" dirty="0" err="1"/>
-              <a:t>two</a:t>
-            </a:r>
-            <a:r>
-              <a:rPr lang="es-ES" dirty="0"/>
-              <a:t> </a:t>
-            </a:r>
-            <a:r>
-              <a:rPr lang="es-ES" dirty="0" err="1"/>
-              <a:t>different</a:t>
-            </a:r>
-            <a:r>
-              <a:rPr lang="es-ES" dirty="0"/>
-              <a:t> </a:t>
-            </a:r>
-            <a:r>
-              <a:rPr lang="es-ES" dirty="0" err="1"/>
-              <a:t>datasets</a:t>
-            </a:r>
-            <a:r>
-              <a:rPr lang="es-ES" dirty="0"/>
-              <a:t> in </a:t>
-            </a:r>
-            <a:r>
-              <a:rPr lang="es-ES" dirty="0" err="1"/>
-              <a:t>Kaggle</a:t>
-            </a:r>
-            <a:endParaRPr lang="es-ES" dirty="0"/>
-          </a:p>
-          <a:p>
-            <a:r>
-              <a:rPr lang="es-ES" dirty="0" err="1"/>
-              <a:t>For</a:t>
-            </a:r>
-            <a:r>
-              <a:rPr lang="es-ES" dirty="0"/>
-              <a:t> </a:t>
-            </a:r>
-            <a:r>
-              <a:rPr lang="es-ES" dirty="0" err="1"/>
-              <a:t>all</a:t>
-            </a:r>
-            <a:r>
-              <a:rPr lang="es-ES" dirty="0"/>
-              <a:t> </a:t>
-            </a:r>
-            <a:r>
-              <a:rPr lang="es-ES" dirty="0" err="1"/>
-              <a:t>my</a:t>
-            </a:r>
-            <a:r>
-              <a:rPr lang="es-ES" dirty="0"/>
-              <a:t> </a:t>
-            </a:r>
-            <a:r>
-              <a:rPr lang="es-ES" dirty="0" err="1"/>
-              <a:t>graphs</a:t>
-            </a:r>
-            <a:r>
-              <a:rPr lang="es-ES" dirty="0"/>
-              <a:t> I </a:t>
-            </a:r>
-            <a:r>
-              <a:rPr lang="es-ES" dirty="0" err="1"/>
-              <a:t>used</a:t>
-            </a:r>
-            <a:r>
-              <a:rPr lang="es-ES" dirty="0"/>
-              <a:t> </a:t>
-            </a:r>
-            <a:r>
-              <a:rPr lang="es-ES" dirty="0" err="1"/>
-              <a:t>visualization</a:t>
-            </a:r>
-            <a:r>
-              <a:rPr lang="es-ES" dirty="0"/>
-              <a:t> </a:t>
-            </a:r>
-            <a:r>
-              <a:rPr lang="es-ES" dirty="0" err="1"/>
-              <a:t>tools</a:t>
-            </a:r>
-            <a:r>
-              <a:rPr lang="es-ES" dirty="0"/>
-              <a:t> </a:t>
-            </a:r>
-            <a:r>
-              <a:rPr lang="es-ES" dirty="0" err="1"/>
-              <a:t>available</a:t>
-            </a:r>
-            <a:r>
-              <a:rPr lang="es-ES" dirty="0"/>
-              <a:t> in Python </a:t>
-            </a:r>
-            <a:r>
-              <a:rPr lang="es-ES" dirty="0" err="1"/>
-              <a:t>such</a:t>
-            </a:r>
-            <a:r>
-              <a:rPr lang="es-ES" dirty="0"/>
-              <a:t> as </a:t>
-            </a:r>
-            <a:r>
-              <a:rPr lang="es-ES" dirty="0" err="1"/>
-              <a:t>Seaborn</a:t>
-            </a:r>
-            <a:r>
-              <a:rPr lang="es-ES" dirty="0"/>
-              <a:t> and </a:t>
-            </a:r>
-            <a:r>
-              <a:rPr lang="es-ES" dirty="0" err="1"/>
-              <a:t>Plotly</a:t>
-            </a:r>
-            <a:r>
-              <a:rPr lang="es-ES" dirty="0"/>
-              <a:t> </a:t>
-            </a:r>
-          </a:p>
-          <a:p>
-            <a:endParaRPr lang="es-ES" dirty="0"/>
-          </a:p>
-          <a:p>
-            <a:pPr marL="0" indent="0">
-              <a:buNone/>
-            </a:pPr>
-            <a:endParaRPr lang="es-ES" dirty="0"/>
-          </a:p>
-        </p:txBody>
-      </p:sp>
-    </p:spTree>
-    <p:extLst>
-      <p:ext uri="{BB962C8B-B14F-4D97-AF65-F5344CB8AC3E}">
-        <p14:creationId xmlns:p14="http://schemas.microsoft.com/office/powerpoint/2010/main" val="1943414630"/>
-      </p:ext>
-    </p:extLst>
-  </p:cSld>
-  <p:clrMapOvr>
-    <a:masterClrMapping/>
-  </p:clrMapOvr>
-</p:sld>
-</file>
-
-<file path=ppt/slides/slide6.xml><?xml version="1.0" encoding="utf-8"?>
-<p:sld xmlns:a="http://schemas.openxmlformats.org/drawingml/2006/main" xmlns:r="http://schemas.openxmlformats.org/officeDocument/2006/relationships" xmlns:p="http://schemas.openxmlformats.org/presentationml/2006/main">
-  <p:cSld>
-    <p:spTree>
-      <p:nvGrpSpPr>
-        <p:cNvPr id="1" name=""/>
-        <p:cNvGrpSpPr/>
-        <p:nvPr/>
-      </p:nvGrpSpPr>
-      <p:grpSpPr>
-        <a:xfrm>
-          <a:off x="0" y="0"/>
-          <a:ext cx="0" cy="0"/>
-          <a:chOff x="0" y="0"/>
-          <a:chExt cx="0" cy="0"/>
-        </a:xfrm>
-      </p:grpSpPr>
-      <p:sp>
-        <p:nvSpPr>
-          <p:cNvPr id="2" name="Title 1">
-            <a:extLst>
-              <a:ext uri="{FF2B5EF4-FFF2-40B4-BE49-F238E27FC236}">
-                <a16:creationId xmlns:a16="http://schemas.microsoft.com/office/drawing/2014/main" id="{253AC341-0AA0-43A2-9BB8-2C7B97DD068D}"/>
-              </a:ext>
-            </a:extLst>
-          </p:cNvPr>
-          <p:cNvSpPr>
-            <a:spLocks noGrp="1"/>
-          </p:cNvSpPr>
-          <p:nvPr>
-            <p:ph type="title"/>
-          </p:nvPr>
-        </p:nvSpPr>
-        <p:spPr/>
-        <p:txBody>
-          <a:bodyPr/>
-          <a:lstStyle/>
-          <a:p>
-            <a:r>
-              <a:rPr lang="es-ES" dirty="0" err="1"/>
-              <a:t>What</a:t>
-            </a:r>
-            <a:r>
-              <a:rPr lang="es-ES" dirty="0"/>
-              <a:t> </a:t>
-            </a:r>
-            <a:r>
-              <a:rPr lang="es-ES" dirty="0" err="1"/>
-              <a:t>have</a:t>
-            </a:r>
-            <a:r>
-              <a:rPr lang="es-ES" dirty="0"/>
-              <a:t> I </a:t>
-            </a:r>
-            <a:r>
-              <a:rPr lang="es-ES" dirty="0" err="1"/>
-              <a:t>used</a:t>
-            </a:r>
-            <a:r>
-              <a:rPr lang="es-ES" dirty="0"/>
-              <a:t>?</a:t>
-            </a:r>
-          </a:p>
-        </p:txBody>
-      </p:sp>
-      <p:sp>
-        <p:nvSpPr>
-          <p:cNvPr id="3" name="Content Placeholder 2">
-            <a:extLst>
-              <a:ext uri="{FF2B5EF4-FFF2-40B4-BE49-F238E27FC236}">
-                <a16:creationId xmlns:a16="http://schemas.microsoft.com/office/drawing/2014/main" id="{A51F60C0-F4BE-4246-A4C7-84E41162A02C}"/>
-              </a:ext>
-            </a:extLst>
-          </p:cNvPr>
-          <p:cNvSpPr>
-            <a:spLocks noGrp="1"/>
-          </p:cNvSpPr>
-          <p:nvPr>
-            <p:ph idx="1"/>
-          </p:nvPr>
-        </p:nvSpPr>
-        <p:spPr/>
-        <p:txBody>
-          <a:bodyPr/>
-          <a:lstStyle/>
-          <a:p>
-            <a:r>
-              <a:rPr lang="es-ES" dirty="0" err="1"/>
-              <a:t>For</a:t>
-            </a:r>
-            <a:r>
-              <a:rPr lang="es-ES" dirty="0"/>
-              <a:t> </a:t>
-            </a:r>
-            <a:r>
-              <a:rPr lang="es-ES" dirty="0" err="1"/>
-              <a:t>obtaining</a:t>
-            </a:r>
-            <a:r>
-              <a:rPr lang="es-ES" dirty="0"/>
-              <a:t> </a:t>
-            </a:r>
-            <a:r>
-              <a:rPr lang="es-ES" dirty="0" err="1"/>
-              <a:t>the</a:t>
-            </a:r>
-            <a:r>
-              <a:rPr lang="es-ES" dirty="0"/>
-              <a:t> data I </a:t>
-            </a:r>
-            <a:r>
-              <a:rPr lang="es-ES" dirty="0" err="1"/>
-              <a:t>picked</a:t>
-            </a:r>
-            <a:r>
-              <a:rPr lang="es-ES" dirty="0"/>
-              <a:t> </a:t>
-            </a:r>
-            <a:r>
-              <a:rPr lang="es-ES" dirty="0" err="1"/>
-              <a:t>two</a:t>
-            </a:r>
-            <a:r>
-              <a:rPr lang="es-ES" dirty="0"/>
-              <a:t> </a:t>
-            </a:r>
-            <a:r>
-              <a:rPr lang="es-ES" dirty="0" err="1"/>
-              <a:t>different</a:t>
-            </a:r>
-            <a:r>
-              <a:rPr lang="es-ES" dirty="0"/>
-              <a:t> </a:t>
-            </a:r>
-            <a:r>
-              <a:rPr lang="es-ES" dirty="0" err="1"/>
-              <a:t>datasets</a:t>
-            </a:r>
-            <a:r>
-              <a:rPr lang="es-ES" dirty="0"/>
-              <a:t> in </a:t>
-            </a:r>
-            <a:r>
-              <a:rPr lang="es-ES" dirty="0" err="1"/>
-              <a:t>Kaggle</a:t>
-            </a:r>
-            <a:endParaRPr lang="es-ES" dirty="0"/>
-          </a:p>
-          <a:p>
-            <a:r>
-              <a:rPr lang="es-ES" dirty="0" err="1"/>
-              <a:t>For</a:t>
-            </a:r>
-            <a:r>
-              <a:rPr lang="es-ES" dirty="0"/>
-              <a:t> </a:t>
-            </a:r>
-            <a:r>
-              <a:rPr lang="es-ES" dirty="0" err="1"/>
-              <a:t>all</a:t>
-            </a:r>
-            <a:r>
-              <a:rPr lang="es-ES" dirty="0"/>
-              <a:t> </a:t>
-            </a:r>
-            <a:r>
-              <a:rPr lang="es-ES" dirty="0" err="1"/>
-              <a:t>my</a:t>
-            </a:r>
-            <a:r>
-              <a:rPr lang="es-ES" dirty="0"/>
-              <a:t> </a:t>
-            </a:r>
-            <a:r>
-              <a:rPr lang="es-ES" dirty="0" err="1"/>
-              <a:t>graphs</a:t>
-            </a:r>
-            <a:r>
-              <a:rPr lang="es-ES" dirty="0"/>
-              <a:t> I </a:t>
-            </a:r>
-            <a:r>
-              <a:rPr lang="es-ES" dirty="0" err="1"/>
-              <a:t>used</a:t>
-            </a:r>
-            <a:r>
-              <a:rPr lang="es-ES" dirty="0"/>
-              <a:t> </a:t>
-            </a:r>
-            <a:r>
-              <a:rPr lang="es-ES" dirty="0" err="1"/>
-              <a:t>visualization</a:t>
-            </a:r>
-            <a:r>
-              <a:rPr lang="es-ES" dirty="0"/>
-              <a:t> </a:t>
-            </a:r>
-            <a:r>
-              <a:rPr lang="es-ES" dirty="0" err="1"/>
-              <a:t>tools</a:t>
-            </a:r>
-            <a:r>
-              <a:rPr lang="es-ES" dirty="0"/>
-              <a:t> </a:t>
-            </a:r>
-            <a:r>
-              <a:rPr lang="es-ES" dirty="0" err="1"/>
-              <a:t>available</a:t>
-            </a:r>
-            <a:r>
-              <a:rPr lang="es-ES" dirty="0"/>
-              <a:t> in Python </a:t>
-            </a:r>
-            <a:r>
-              <a:rPr lang="es-ES" dirty="0" err="1"/>
-              <a:t>such</a:t>
-            </a:r>
-            <a:r>
-              <a:rPr lang="es-ES" dirty="0"/>
-              <a:t> as </a:t>
-            </a:r>
-            <a:r>
-              <a:rPr lang="es-ES" dirty="0" err="1"/>
-              <a:t>Seaborn</a:t>
-            </a:r>
-            <a:r>
-              <a:rPr lang="es-ES" dirty="0"/>
-              <a:t> and </a:t>
-            </a:r>
-            <a:r>
-              <a:rPr lang="es-ES" dirty="0" err="1"/>
-              <a:t>Plotly</a:t>
-            </a:r>
-            <a:r>
-              <a:rPr lang="es-ES" dirty="0"/>
-              <a:t> </a:t>
-            </a:r>
-          </a:p>
-          <a:p>
-            <a:r>
-              <a:rPr lang="es-ES" dirty="0" err="1"/>
-              <a:t>For</a:t>
-            </a:r>
-            <a:r>
-              <a:rPr lang="es-ES" dirty="0"/>
-              <a:t> </a:t>
-            </a:r>
-            <a:r>
-              <a:rPr lang="es-ES" dirty="0" err="1"/>
-              <a:t>the</a:t>
-            </a:r>
-            <a:r>
-              <a:rPr lang="es-ES" dirty="0"/>
-              <a:t> </a:t>
-            </a:r>
-            <a:r>
-              <a:rPr lang="es-ES" dirty="0" err="1"/>
-              <a:t>clusters</a:t>
-            </a:r>
-            <a:r>
-              <a:rPr lang="es-ES" dirty="0"/>
-              <a:t> in </a:t>
-            </a:r>
-            <a:r>
-              <a:rPr lang="es-ES" dirty="0" err="1"/>
-              <a:t>sports</a:t>
-            </a:r>
-            <a:r>
-              <a:rPr lang="es-ES" dirty="0"/>
-              <a:t> I </a:t>
-            </a:r>
-            <a:r>
-              <a:rPr lang="es-ES" dirty="0" err="1"/>
-              <a:t>used</a:t>
-            </a:r>
-            <a:r>
-              <a:rPr lang="es-ES" dirty="0"/>
-              <a:t> a K-</a:t>
-            </a:r>
-            <a:r>
-              <a:rPr lang="es-ES" dirty="0" err="1"/>
-              <a:t>Means</a:t>
-            </a:r>
-            <a:r>
-              <a:rPr lang="es-ES" dirty="0"/>
-              <a:t> </a:t>
-            </a:r>
-            <a:r>
-              <a:rPr lang="es-ES" dirty="0" err="1"/>
-              <a:t>model</a:t>
-            </a:r>
-            <a:r>
-              <a:rPr lang="es-ES" dirty="0"/>
-              <a:t> </a:t>
-            </a:r>
-            <a:r>
-              <a:rPr lang="es-ES" dirty="0" err="1"/>
-              <a:t>from</a:t>
-            </a:r>
-            <a:r>
-              <a:rPr lang="es-ES" dirty="0"/>
-              <a:t> </a:t>
-            </a:r>
-            <a:r>
-              <a:rPr lang="es-ES" dirty="0" err="1"/>
-              <a:t>sckit-learn</a:t>
-            </a:r>
-            <a:endParaRPr lang="es-ES" dirty="0"/>
-          </a:p>
-          <a:p>
-            <a:endParaRPr lang="es-ES" dirty="0"/>
-          </a:p>
-          <a:p>
-            <a:pPr marL="0" indent="0">
-              <a:buNone/>
-            </a:pPr>
-            <a:endParaRPr lang="es-ES" dirty="0"/>
-          </a:p>
-        </p:txBody>
-      </p:sp>
-    </p:spTree>
-    <p:extLst>
-      <p:ext uri="{BB962C8B-B14F-4D97-AF65-F5344CB8AC3E}">
-        <p14:creationId xmlns:p14="http://schemas.microsoft.com/office/powerpoint/2010/main" val="3623800943"/>
-      </p:ext>
-    </p:extLst>
-  </p:cSld>
-  <p:clrMapOvr>
-    <a:masterClrMapping/>
-  </p:clrMapOvr>
-</p:sld>
-</file>
-
 <file path=ppt/slides/slide7.xml><?xml version="1.0" encoding="utf-8"?>
 <p:sld xmlns:a="http://schemas.openxmlformats.org/drawingml/2006/main" xmlns:r="http://schemas.openxmlformats.org/officeDocument/2006/relationships" xmlns:p="http://schemas.openxmlformats.org/presentationml/2006/main">
   <p:cSld>
@@ -8833,297 +9728,6 @@
             <a:endParaRPr lang="es-ES" dirty="0"/>
           </a:p>
           <a:p>
-            <a:r>
-              <a:rPr lang="es-ES" dirty="0" err="1"/>
-              <a:t>For</a:t>
-            </a:r>
-            <a:r>
-              <a:rPr lang="es-ES" dirty="0"/>
-              <a:t> </a:t>
-            </a:r>
-            <a:r>
-              <a:rPr lang="es-ES" dirty="0" err="1"/>
-              <a:t>all</a:t>
-            </a:r>
-            <a:r>
-              <a:rPr lang="es-ES" dirty="0"/>
-              <a:t> </a:t>
-            </a:r>
-            <a:r>
-              <a:rPr lang="es-ES" dirty="0" err="1"/>
-              <a:t>my</a:t>
-            </a:r>
-            <a:r>
-              <a:rPr lang="es-ES" dirty="0"/>
-              <a:t> </a:t>
-            </a:r>
-            <a:r>
-              <a:rPr lang="es-ES" dirty="0" err="1"/>
-              <a:t>graphs</a:t>
-            </a:r>
-            <a:r>
-              <a:rPr lang="es-ES" dirty="0"/>
-              <a:t> I </a:t>
-            </a:r>
-            <a:r>
-              <a:rPr lang="es-ES" dirty="0" err="1"/>
-              <a:t>used</a:t>
-            </a:r>
-            <a:r>
-              <a:rPr lang="es-ES" dirty="0"/>
-              <a:t> </a:t>
-            </a:r>
-            <a:r>
-              <a:rPr lang="es-ES" dirty="0" err="1"/>
-              <a:t>visualization</a:t>
-            </a:r>
-            <a:r>
-              <a:rPr lang="es-ES" dirty="0"/>
-              <a:t> </a:t>
-            </a:r>
-            <a:r>
-              <a:rPr lang="es-ES" dirty="0" err="1"/>
-              <a:t>tools</a:t>
-            </a:r>
-            <a:r>
-              <a:rPr lang="es-ES" dirty="0"/>
-              <a:t> </a:t>
-            </a:r>
-            <a:r>
-              <a:rPr lang="es-ES" dirty="0" err="1"/>
-              <a:t>available</a:t>
-            </a:r>
-            <a:r>
-              <a:rPr lang="es-ES" dirty="0"/>
-              <a:t> in Python </a:t>
-            </a:r>
-            <a:r>
-              <a:rPr lang="es-ES" dirty="0" err="1"/>
-              <a:t>such</a:t>
-            </a:r>
-            <a:r>
-              <a:rPr lang="es-ES" dirty="0"/>
-              <a:t> as </a:t>
-            </a:r>
-            <a:r>
-              <a:rPr lang="es-ES" dirty="0" err="1"/>
-              <a:t>Seaborn</a:t>
-            </a:r>
-            <a:r>
-              <a:rPr lang="es-ES" dirty="0"/>
-              <a:t> and </a:t>
-            </a:r>
-            <a:r>
-              <a:rPr lang="es-ES" dirty="0" err="1"/>
-              <a:t>Plotly</a:t>
-            </a:r>
-            <a:r>
-              <a:rPr lang="es-ES" dirty="0"/>
-              <a:t> </a:t>
-            </a:r>
-          </a:p>
-          <a:p>
-            <a:r>
-              <a:rPr lang="es-ES" dirty="0" err="1"/>
-              <a:t>For</a:t>
-            </a:r>
-            <a:r>
-              <a:rPr lang="es-ES" dirty="0"/>
-              <a:t> </a:t>
-            </a:r>
-            <a:r>
-              <a:rPr lang="es-ES" dirty="0" err="1"/>
-              <a:t>the</a:t>
-            </a:r>
-            <a:r>
-              <a:rPr lang="es-ES" dirty="0"/>
-              <a:t> </a:t>
-            </a:r>
-            <a:r>
-              <a:rPr lang="es-ES" dirty="0" err="1"/>
-              <a:t>clusters</a:t>
-            </a:r>
-            <a:r>
-              <a:rPr lang="es-ES" dirty="0"/>
-              <a:t> in </a:t>
-            </a:r>
-            <a:r>
-              <a:rPr lang="es-ES" dirty="0" err="1"/>
-              <a:t>sports</a:t>
-            </a:r>
-            <a:r>
-              <a:rPr lang="es-ES" dirty="0"/>
-              <a:t> I </a:t>
-            </a:r>
-            <a:r>
-              <a:rPr lang="es-ES" dirty="0" err="1"/>
-              <a:t>used</a:t>
-            </a:r>
-            <a:r>
-              <a:rPr lang="es-ES" dirty="0"/>
-              <a:t> a K-</a:t>
-            </a:r>
-            <a:r>
-              <a:rPr lang="es-ES" dirty="0" err="1"/>
-              <a:t>Means</a:t>
-            </a:r>
-            <a:r>
-              <a:rPr lang="es-ES" dirty="0"/>
-              <a:t> </a:t>
-            </a:r>
-            <a:r>
-              <a:rPr lang="es-ES" dirty="0" err="1"/>
-              <a:t>model</a:t>
-            </a:r>
-            <a:r>
-              <a:rPr lang="es-ES" dirty="0"/>
-              <a:t> </a:t>
-            </a:r>
-            <a:r>
-              <a:rPr lang="es-ES" dirty="0" err="1"/>
-              <a:t>from</a:t>
-            </a:r>
-            <a:r>
-              <a:rPr lang="es-ES" dirty="0"/>
-              <a:t> </a:t>
-            </a:r>
-            <a:r>
-              <a:rPr lang="es-ES" dirty="0" err="1"/>
-              <a:t>sckit-learn</a:t>
-            </a:r>
-            <a:endParaRPr lang="es-ES" dirty="0"/>
-          </a:p>
-          <a:p>
-            <a:r>
-              <a:rPr lang="es-ES" dirty="0" err="1"/>
-              <a:t>For</a:t>
-            </a:r>
-            <a:r>
-              <a:rPr lang="es-ES" dirty="0"/>
-              <a:t> </a:t>
-            </a:r>
-            <a:r>
-              <a:rPr lang="es-ES" dirty="0" err="1"/>
-              <a:t>giving</a:t>
-            </a:r>
-            <a:r>
-              <a:rPr lang="es-ES" dirty="0"/>
-              <a:t> back </a:t>
-            </a:r>
-            <a:r>
-              <a:rPr lang="es-ES" dirty="0" err="1"/>
-              <a:t>the</a:t>
-            </a:r>
-            <a:r>
-              <a:rPr lang="es-ES" dirty="0"/>
-              <a:t> </a:t>
-            </a:r>
-            <a:r>
-              <a:rPr lang="es-ES" dirty="0" err="1"/>
-              <a:t>best</a:t>
-            </a:r>
-            <a:r>
-              <a:rPr lang="es-ES" dirty="0"/>
-              <a:t> </a:t>
-            </a:r>
-            <a:r>
-              <a:rPr lang="es-ES" dirty="0" err="1"/>
-              <a:t>suitable</a:t>
-            </a:r>
-            <a:r>
-              <a:rPr lang="es-ES" dirty="0"/>
-              <a:t> sport </a:t>
-            </a:r>
-            <a:r>
-              <a:rPr lang="es-ES" dirty="0" err="1"/>
-              <a:t>of</a:t>
-            </a:r>
-            <a:r>
-              <a:rPr lang="es-ES" dirty="0"/>
-              <a:t> a </a:t>
-            </a:r>
-            <a:r>
-              <a:rPr lang="es-ES" dirty="0" err="1"/>
-              <a:t>user</a:t>
-            </a:r>
-            <a:r>
-              <a:rPr lang="es-ES" dirty="0"/>
-              <a:t> I </a:t>
-            </a:r>
-            <a:r>
-              <a:rPr lang="es-ES" dirty="0" err="1"/>
-              <a:t>used</a:t>
-            </a:r>
-            <a:r>
-              <a:rPr lang="es-ES" dirty="0"/>
-              <a:t> </a:t>
-            </a:r>
-            <a:r>
-              <a:rPr lang="es-ES" dirty="0" err="1"/>
-              <a:t>an</a:t>
-            </a:r>
-            <a:r>
-              <a:rPr lang="es-ES" dirty="0"/>
-              <a:t> </a:t>
-            </a:r>
-            <a:r>
-              <a:rPr lang="es-ES" dirty="0" err="1"/>
-              <a:t>approximation</a:t>
-            </a:r>
-            <a:r>
-              <a:rPr lang="es-ES" dirty="0"/>
-              <a:t> </a:t>
-            </a:r>
-            <a:r>
-              <a:rPr lang="es-ES" dirty="0" err="1"/>
-              <a:t>approach</a:t>
-            </a:r>
-            <a:r>
-              <a:rPr lang="es-ES" dirty="0"/>
-              <a:t> (I </a:t>
-            </a:r>
-            <a:r>
-              <a:rPr lang="es-ES" dirty="0" err="1"/>
-              <a:t>will</a:t>
-            </a:r>
-            <a:r>
-              <a:rPr lang="es-ES" dirty="0"/>
-              <a:t> dive </a:t>
-            </a:r>
-            <a:r>
-              <a:rPr lang="es-ES" dirty="0" err="1"/>
-              <a:t>into</a:t>
-            </a:r>
-            <a:r>
-              <a:rPr lang="es-ES" dirty="0"/>
-              <a:t> </a:t>
-            </a:r>
-            <a:r>
-              <a:rPr lang="es-ES" dirty="0" err="1"/>
-              <a:t>that</a:t>
-            </a:r>
-            <a:r>
-              <a:rPr lang="es-ES" dirty="0"/>
-              <a:t> </a:t>
-            </a:r>
-            <a:r>
-              <a:rPr lang="es-ES" dirty="0" err="1"/>
-              <a:t>later</a:t>
-            </a:r>
-            <a:r>
-              <a:rPr lang="es-ES" dirty="0"/>
-              <a:t> </a:t>
-            </a:r>
-            <a:r>
-              <a:rPr lang="es-ES" dirty="0" err="1"/>
-              <a:t>on</a:t>
-            </a:r>
-            <a:r>
-              <a:rPr lang="es-ES" dirty="0"/>
-              <a:t>)</a:t>
-            </a:r>
-          </a:p>
-          <a:p>
             <a:endParaRPr lang="es-ES" dirty="0"/>
           </a:p>
           <a:p>
@@ -9137,7 +9741,7 @@
     </p:spTree>
     <p:extLst>
       <p:ext uri="{BB962C8B-B14F-4D97-AF65-F5344CB8AC3E}">
-        <p14:creationId xmlns:p14="http://schemas.microsoft.com/office/powerpoint/2010/main" val="528894480"/>
+        <p14:creationId xmlns:p14="http://schemas.microsoft.com/office/powerpoint/2010/main" val="4205052726"/>
       </p:ext>
     </p:extLst>
   </p:cSld>
@@ -9169,7 +9773,7 @@
           <p:cNvPr id="2" name="Title 1">
             <a:extLst>
               <a:ext uri="{FF2B5EF4-FFF2-40B4-BE49-F238E27FC236}">
-                <a16:creationId xmlns:a16="http://schemas.microsoft.com/office/drawing/2014/main" id="{CB3E64FA-2A0F-4EBF-9968-4A33C84C0285}"/>
+                <a16:creationId xmlns:a16="http://schemas.microsoft.com/office/drawing/2014/main" id="{253AC341-0AA0-43A2-9BB8-2C7B97DD068D}"/>
               </a:ext>
             </a:extLst>
           </p:cNvPr>
@@ -9187,41 +9791,28 @@
           <a:p>
             <a:r>
               <a:rPr lang="es-ES" dirty="0" err="1"/>
-              <a:t>Steps</a:t>
-            </a:r>
-            <a:r>
-              <a:rPr lang="es-ES" dirty="0"/>
-              <a:t> </a:t>
-            </a:r>
-            <a:r>
-              <a:rPr lang="es-ES" dirty="0" err="1"/>
-              <a:t>for</a:t>
-            </a:r>
-            <a:r>
-              <a:rPr lang="es-ES" dirty="0"/>
-              <a:t> </a:t>
-            </a:r>
-            <a:r>
-              <a:rPr lang="es-ES" dirty="0" err="1"/>
-              <a:t>achieving</a:t>
-            </a:r>
-            <a:r>
-              <a:rPr lang="es-ES" dirty="0"/>
-              <a:t> </a:t>
-            </a:r>
-            <a:r>
-              <a:rPr lang="es-ES" dirty="0" err="1"/>
-              <a:t>my</a:t>
-            </a:r>
-            <a:r>
-              <a:rPr lang="es-ES" dirty="0"/>
-              <a:t> </a:t>
-            </a:r>
-            <a:r>
-              <a:rPr lang="es-ES" dirty="0" err="1"/>
-              <a:t>goal</a:t>
-            </a:r>
-            <a:endParaRPr lang="es-ES" dirty="0"/>
+              <a:t>What</a:t>
+            </a:r>
+            <a:r>
+              <a:rPr lang="es-ES" dirty="0"/>
+              <a:t> </a:t>
+            </a:r>
+            <a:r>
+              <a:rPr lang="es-ES" dirty="0" err="1"/>
+              <a:t>have</a:t>
+            </a:r>
+            <a:r>
+              <a:rPr lang="es-ES" dirty="0"/>
+              <a:t> I </a:t>
+            </a:r>
+            <a:r>
+              <a:rPr lang="es-ES" dirty="0" err="1"/>
+              <a:t>used</a:t>
+            </a:r>
+            <a:r>
+              <a:rPr lang="es-ES" dirty="0"/>
+              <a:t>?</a:t>
+            </a:r>
           </a:p>
         </p:txBody>
       </p:sp>
@@ -9230,7 +9821,7 @@
           <p:cNvPr id="3" name="Content Placeholder 2">
             <a:extLst>
               <a:ext uri="{FF2B5EF4-FFF2-40B4-BE49-F238E27FC236}">
-                <a16:creationId xmlns:a16="http://schemas.microsoft.com/office/drawing/2014/main" id="{149B0E33-EA47-45BA-A930-324CBAA5C7D3}"/>
+                <a16:creationId xmlns:a16="http://schemas.microsoft.com/office/drawing/2014/main" id="{A51F60C0-F4BE-4246-A4C7-84E41162A02C}"/>
               </a:ext>
             </a:extLst>
           </p:cNvPr>
@@ -9248,7 +9839,15 @@
           <a:p>
             <a:r>
               <a:rPr lang="es-ES" dirty="0" err="1"/>
-              <a:t>Download</a:t>
+              <a:t>For</a:t>
+            </a:r>
+            <a:r>
+              <a:rPr lang="es-ES" dirty="0"/>
+              <a:t> </a:t>
+            </a:r>
+            <a:r>
+              <a:rPr lang="es-ES" dirty="0" err="1"/>
+              <a:t>obtaining</a:t>
             </a:r>
             <a:r>
               <a:rPr lang="es-ES" dirty="0"/>
@@ -9260,15 +9859,151 @@
             </a:r>
             <a:r>
               <a:rPr lang="es-ES" dirty="0"/>
-              <a:t> data</a:t>
-            </a:r>
+              <a:t> data I </a:t>
+            </a:r>
+            <a:r>
+              <a:rPr lang="es-ES" dirty="0" err="1"/>
+              <a:t>picked</a:t>
+            </a:r>
+            <a:r>
+              <a:rPr lang="es-ES" dirty="0"/>
+              <a:t> </a:t>
+            </a:r>
+            <a:r>
+              <a:rPr lang="es-ES" dirty="0" err="1"/>
+              <a:t>two</a:t>
+            </a:r>
+            <a:r>
+              <a:rPr lang="es-ES" dirty="0"/>
+              <a:t> </a:t>
+            </a:r>
+            <a:r>
+              <a:rPr lang="es-ES" dirty="0" err="1"/>
+              <a:t>different</a:t>
+            </a:r>
+            <a:r>
+              <a:rPr lang="es-ES" dirty="0"/>
+              <a:t> </a:t>
+            </a:r>
+            <a:r>
+              <a:rPr lang="es-ES" dirty="0" err="1"/>
+              <a:t>datasets</a:t>
+            </a:r>
+            <a:r>
+              <a:rPr lang="es-ES" dirty="0"/>
+              <a:t> in </a:t>
+            </a:r>
+            <a:r>
+              <a:rPr lang="es-ES" dirty="0" err="1"/>
+              <a:t>Kaggle</a:t>
+            </a:r>
+            <a:endParaRPr lang="es-ES" dirty="0"/>
+          </a:p>
+          <a:p>
+            <a:r>
+              <a:rPr lang="es-ES" dirty="0" err="1"/>
+              <a:t>For</a:t>
+            </a:r>
+            <a:r>
+              <a:rPr lang="es-ES" dirty="0"/>
+              <a:t> </a:t>
+            </a:r>
+            <a:r>
+              <a:rPr lang="es-ES" dirty="0" err="1"/>
+              <a:t>all</a:t>
+            </a:r>
+            <a:r>
+              <a:rPr lang="es-ES" dirty="0"/>
+              <a:t> </a:t>
+            </a:r>
+            <a:r>
+              <a:rPr lang="es-ES" dirty="0" err="1"/>
+              <a:t>my</a:t>
+            </a:r>
+            <a:r>
+              <a:rPr lang="es-ES" dirty="0"/>
+              <a:t> </a:t>
+            </a:r>
+            <a:r>
+              <a:rPr lang="es-ES" dirty="0" err="1"/>
+              <a:t>graphs</a:t>
+            </a:r>
+            <a:r>
+              <a:rPr lang="es-ES" dirty="0"/>
+              <a:t> I </a:t>
+            </a:r>
+            <a:r>
+              <a:rPr lang="es-ES" dirty="0" err="1"/>
+              <a:t>used</a:t>
+            </a:r>
+            <a:r>
+              <a:rPr lang="es-ES" dirty="0"/>
+              <a:t> </a:t>
+            </a:r>
+            <a:r>
+              <a:rPr lang="es-ES" dirty="0" err="1"/>
+              <a:t>visualization</a:t>
+            </a:r>
+            <a:r>
+              <a:rPr lang="es-ES" dirty="0"/>
+              <a:t> </a:t>
+            </a:r>
+            <a:r>
+              <a:rPr lang="es-ES" dirty="0" err="1"/>
+              <a:t>tools</a:t>
+            </a:r>
+            <a:r>
+              <a:rPr lang="es-ES" dirty="0"/>
+              <a:t> </a:t>
+            </a:r>
+            <a:r>
+              <a:rPr lang="es-ES" dirty="0" err="1"/>
+              <a:t>available</a:t>
+            </a:r>
+            <a:r>
+              <a:rPr lang="es-ES" dirty="0"/>
+              <a:t> in Python </a:t>
+            </a:r>
+            <a:r>
+              <a:rPr lang="es-ES" dirty="0" err="1"/>
+              <a:t>such</a:t>
+            </a:r>
+            <a:r>
+              <a:rPr lang="es-ES" dirty="0"/>
+              <a:t> as </a:t>
+            </a:r>
+            <a:r>
+              <a:rPr lang="es-ES" dirty="0" err="1"/>
+              <a:t>Seaborn</a:t>
+            </a:r>
+            <a:r>
+              <a:rPr lang="es-ES" dirty="0"/>
+              <a:t> and </a:t>
+            </a:r>
+            <a:r>
+              <a:rPr lang="es-ES" dirty="0" err="1"/>
+              <a:t>Plotly</a:t>
+            </a:r>
+            <a:r>
+              <a:rPr lang="es-ES" dirty="0"/>
+              <a:t> </a:t>
+            </a:r>
+          </a:p>
+          <a:p>
+            <a:endParaRPr lang="es-ES" dirty="0"/>
+          </a:p>
+          <a:p>
+            <a:pPr marL="0" indent="0">
+              <a:buNone/>
+            </a:pPr>
+            <a:endParaRPr lang="es-ES" dirty="0"/>
           </a:p>
         </p:txBody>
       </p:sp>
     </p:spTree>
     <p:extLst>
       <p:ext uri="{BB962C8B-B14F-4D97-AF65-F5344CB8AC3E}">
-        <p14:creationId xmlns:p14="http://schemas.microsoft.com/office/powerpoint/2010/main" val="1632148943"/>
+        <p14:creationId xmlns:p14="http://schemas.microsoft.com/office/powerpoint/2010/main" val="1943414630"/>
       </p:ext>
     </p:extLst>
   </p:cSld>
@@ -9300,7 +10035,7 @@
           <p:cNvPr id="2" name="Title 1">
             <a:extLst>
               <a:ext uri="{FF2B5EF4-FFF2-40B4-BE49-F238E27FC236}">
-                <a16:creationId xmlns:a16="http://schemas.microsoft.com/office/drawing/2014/main" id="{CB3E64FA-2A0F-4EBF-9968-4A33C84C0285}"/>
+                <a16:creationId xmlns:a16="http://schemas.microsoft.com/office/drawing/2014/main" id="{253AC341-0AA0-43A2-9BB8-2C7B97DD068D}"/>
               </a:ext>
             </a:extLst>
           </p:cNvPr>
@@ -9318,41 +10053,28 @@
           <a:p>
             <a:r>
               <a:rPr lang="es-ES" dirty="0" err="1"/>
-              <a:t>Steps</a:t>
-            </a:r>
-            <a:r>
-              <a:rPr lang="es-ES" dirty="0"/>
-              <a:t> </a:t>
-            </a:r>
-            <a:r>
-              <a:rPr lang="es-ES" dirty="0" err="1"/>
-              <a:t>for</a:t>
-            </a:r>
-            <a:r>
-              <a:rPr lang="es-ES" dirty="0"/>
-              <a:t> </a:t>
-            </a:r>
-            <a:r>
-              <a:rPr lang="es-ES" dirty="0" err="1"/>
-              <a:t>achieving</a:t>
-            </a:r>
-            <a:r>
-              <a:rPr lang="es-ES" dirty="0"/>
-              <a:t> </a:t>
-            </a:r>
-            <a:r>
-              <a:rPr lang="es-ES" dirty="0" err="1"/>
-              <a:t>my</a:t>
-            </a:r>
-            <a:r>
-              <a:rPr lang="es-ES" dirty="0"/>
-              <a:t> </a:t>
-            </a:r>
-            <a:r>
-              <a:rPr lang="es-ES" dirty="0" err="1"/>
-              <a:t>goal</a:t>
-            </a:r>
-            <a:endParaRPr lang="es-ES" dirty="0"/>
+              <a:t>What</a:t>
+            </a:r>
+            <a:r>
+              <a:rPr lang="es-ES" dirty="0"/>
+              <a:t> </a:t>
+            </a:r>
+            <a:r>
+              <a:rPr lang="es-ES" dirty="0" err="1"/>
+              <a:t>have</a:t>
+            </a:r>
+            <a:r>
+              <a:rPr lang="es-ES" dirty="0"/>
+              <a:t> I </a:t>
+            </a:r>
+            <a:r>
+              <a:rPr lang="es-ES" dirty="0" err="1"/>
+              <a:t>used</a:t>
+            </a:r>
+            <a:r>
+              <a:rPr lang="es-ES" dirty="0"/>
+              <a:t>?</a:t>
+            </a:r>
           </a:p>
         </p:txBody>
       </p:sp>
@@ -9361,7 +10083,7 @@
           <p:cNvPr id="3" name="Content Placeholder 2">
             <a:extLst>
               <a:ext uri="{FF2B5EF4-FFF2-40B4-BE49-F238E27FC236}">
-                <a16:creationId xmlns:a16="http://schemas.microsoft.com/office/drawing/2014/main" id="{149B0E33-EA47-45BA-A930-324CBAA5C7D3}"/>
+                <a16:creationId xmlns:a16="http://schemas.microsoft.com/office/drawing/2014/main" id="{A51F60C0-F4BE-4246-A4C7-84E41162A02C}"/>
               </a:ext>
             </a:extLst>
           </p:cNvPr>
@@ -9379,7 +10101,15 @@
           <a:p>
             <a:r>
               <a:rPr lang="es-ES" dirty="0" err="1"/>
-              <a:t>Download</a:t>
+              <a:t>For</a:t>
+            </a:r>
+            <a:r>
+              <a:rPr lang="es-ES" dirty="0"/>
+              <a:t> </a:t>
+            </a:r>
+            <a:r>
+              <a:rPr lang="es-ES" dirty="0" err="1"/>
+              <a:t>obtaining</a:t>
             </a:r>
             <a:r>
               <a:rPr lang="es-ES" dirty="0"/>
@@ -9391,29 +10121,62 @@
             </a:r>
             <a:r>
               <a:rPr lang="es-ES" dirty="0"/>
-              <a:t> data</a:t>
-            </a:r>
-          </a:p>
-          <a:p>
-            <a:r>
-              <a:rPr lang="es-ES" dirty="0"/>
-              <a:t>Explore, dive and </a:t>
-            </a:r>
-            <a:r>
-              <a:rPr lang="es-ES" dirty="0" err="1"/>
-              <a:t>end</a:t>
-            </a:r>
-            <a:r>
-              <a:rPr lang="es-ES" dirty="0"/>
-              <a:t> up </a:t>
-            </a:r>
-            <a:r>
-              <a:rPr lang="es-ES" dirty="0" err="1"/>
-              <a:t>soaked</a:t>
-            </a:r>
-            <a:r>
-              <a:rPr lang="es-ES" dirty="0"/>
-              <a:t>  in </a:t>
+              <a:t> data I </a:t>
+            </a:r>
+            <a:r>
+              <a:rPr lang="es-ES" dirty="0" err="1"/>
+              <a:t>picked</a:t>
+            </a:r>
+            <a:r>
+              <a:rPr lang="es-ES" dirty="0"/>
+              <a:t> </a:t>
+            </a:r>
+            <a:r>
+              <a:rPr lang="es-ES" dirty="0" err="1"/>
+              <a:t>two</a:t>
+            </a:r>
+            <a:r>
+              <a:rPr lang="es-ES" dirty="0"/>
+              <a:t> </a:t>
+            </a:r>
+            <a:r>
+              <a:rPr lang="es-ES" dirty="0" err="1"/>
+              <a:t>different</a:t>
+            </a:r>
+            <a:r>
+              <a:rPr lang="es-ES" dirty="0"/>
+              <a:t> </a:t>
+            </a:r>
+            <a:r>
+              <a:rPr lang="es-ES" dirty="0" err="1"/>
+              <a:t>datasets</a:t>
+            </a:r>
+            <a:r>
+              <a:rPr lang="es-ES" dirty="0"/>
+              <a:t> in </a:t>
+            </a:r>
+            <a:r>
+              <a:rPr lang="es-ES" dirty="0" err="1"/>
+              <a:t>Kaggle</a:t>
+            </a:r>
+            <a:endParaRPr lang="es-ES" dirty="0"/>
+          </a:p>
+          <a:p>
+            <a:r>
+              <a:rPr lang="es-ES" dirty="0" err="1"/>
+              <a:t>For</a:t>
+            </a:r>
+            <a:r>
+              <a:rPr lang="es-ES" dirty="0"/>
+              <a:t> </a:t>
+            </a:r>
+            <a:r>
+              <a:rPr lang="es-ES" dirty="0" err="1"/>
+              <a:t>all</a:t>
+            </a:r>
+            <a:r>
+              <a:rPr lang="es-ES" dirty="0"/>
+              <a:t> </a:t>
             </a:r>
             <a:r>
               <a:rPr lang="es-ES" dirty="0" err="1"/>
@@ -9421,10 +10184,151 @@
             </a:r>
             <a:r>
               <a:rPr lang="es-ES" dirty="0"/>
-              <a:t> data</a:t>
-            </a:r>
-          </a:p>
-          <a:p>
+              <a:t> </a:t>
+            </a:r>
+            <a:r>
+              <a:rPr lang="es-ES" dirty="0" err="1"/>
+              <a:t>graphs</a:t>
+            </a:r>
+            <a:r>
+              <a:rPr lang="es-ES" dirty="0"/>
+              <a:t> I </a:t>
+            </a:r>
+            <a:r>
+              <a:rPr lang="es-ES" dirty="0" err="1"/>
+              <a:t>used</a:t>
+            </a:r>
+            <a:r>
+              <a:rPr lang="es-ES" dirty="0"/>
+              <a:t> </a:t>
+            </a:r>
+            <a:r>
+              <a:rPr lang="es-ES" dirty="0" err="1"/>
+              <a:t>visualization</a:t>
+            </a:r>
+            <a:r>
+              <a:rPr lang="es-ES" dirty="0"/>
+              <a:t> </a:t>
+            </a:r>
+            <a:r>
+              <a:rPr lang="es-ES" dirty="0" err="1"/>
+              <a:t>tools</a:t>
+            </a:r>
+            <a:r>
+              <a:rPr lang="es-ES" dirty="0"/>
+              <a:t> </a:t>
+            </a:r>
+            <a:r>
+              <a:rPr lang="es-ES" dirty="0" err="1"/>
+              <a:t>available</a:t>
+            </a:r>
+            <a:r>
+              <a:rPr lang="es-ES" dirty="0"/>
+              <a:t> in Python </a:t>
+            </a:r>
+            <a:r>
+              <a:rPr lang="es-ES" dirty="0" err="1"/>
+              <a:t>such</a:t>
+            </a:r>
+            <a:r>
+              <a:rPr lang="es-ES" dirty="0"/>
+              <a:t> as </a:t>
+            </a:r>
+            <a:r>
+              <a:rPr lang="es-ES" dirty="0" err="1"/>
+              <a:t>Seaborn</a:t>
+            </a:r>
+            <a:r>
+              <a:rPr lang="es-ES" dirty="0"/>
+              <a:t> and </a:t>
+            </a:r>
+            <a:r>
+              <a:rPr lang="es-ES" dirty="0" err="1"/>
+              <a:t>Plotly</a:t>
+            </a:r>
+            <a:r>
+              <a:rPr lang="es-ES" dirty="0"/>
+              <a:t> </a:t>
+            </a:r>
+          </a:p>
+          <a:p>
+            <a:r>
+              <a:rPr lang="es-ES" dirty="0" err="1"/>
+              <a:t>For</a:t>
+            </a:r>
+            <a:r>
+              <a:rPr lang="es-ES" dirty="0"/>
+              <a:t> </a:t>
+            </a:r>
+            <a:r>
+              <a:rPr lang="es-ES" dirty="0" err="1"/>
+              <a:t>the</a:t>
+            </a:r>
+            <a:r>
+              <a:rPr lang="es-ES" dirty="0"/>
+              <a:t> </a:t>
+            </a:r>
+            <a:r>
+              <a:rPr lang="es-ES" dirty="0" err="1"/>
+              <a:t>clusters</a:t>
+            </a:r>
+            <a:r>
+              <a:rPr lang="es-ES" dirty="0"/>
+              <a:t> in </a:t>
+            </a:r>
+            <a:r>
+              <a:rPr lang="es-ES" dirty="0" err="1"/>
+              <a:t>sports</a:t>
+            </a:r>
+            <a:r>
+              <a:rPr lang="es-ES" dirty="0"/>
+              <a:t> I </a:t>
+            </a:r>
+            <a:r>
+              <a:rPr lang="es-ES" dirty="0" err="1"/>
+              <a:t>used</a:t>
+            </a:r>
+            <a:r>
+              <a:rPr lang="es-ES" dirty="0"/>
+              <a:t> a K-</a:t>
+            </a:r>
+            <a:r>
+              <a:rPr lang="es-ES" dirty="0" err="1"/>
+              <a:t>Means</a:t>
+            </a:r>
+            <a:r>
+              <a:rPr lang="es-ES" dirty="0"/>
+              <a:t> </a:t>
+            </a:r>
+            <a:r>
+              <a:rPr lang="es-ES" dirty="0" err="1"/>
+              <a:t>model</a:t>
+            </a:r>
+            <a:r>
+              <a:rPr lang="es-ES" dirty="0"/>
+              <a:t> </a:t>
+            </a:r>
+            <a:r>
+              <a:rPr lang="es-ES" dirty="0" err="1"/>
+              <a:t>from</a:t>
+            </a:r>
+            <a:r>
+              <a:rPr lang="es-ES" dirty="0"/>
+              <a:t> </a:t>
+            </a:r>
+            <a:r>
+              <a:rPr lang="es-ES" dirty="0" err="1"/>
+              <a:t>sckit-learn</a:t>
+            </a:r>
+            <a:endParaRPr lang="es-ES" dirty="0"/>
+          </a:p>
+          <a:p>
+            <a:endParaRPr lang="es-ES" dirty="0"/>
+          </a:p>
+          <a:p>
+            <a:pPr marL="0" indent="0">
+              <a:buNone/>
+            </a:pPr>
             <a:endParaRPr lang="es-ES" dirty="0"/>
           </a:p>
         </p:txBody>
@@ -9432,7 +10336,7 @@
     </p:spTree>
     <p:extLst>
       <p:ext uri="{BB962C8B-B14F-4D97-AF65-F5344CB8AC3E}">
-        <p14:creationId xmlns:p14="http://schemas.microsoft.com/office/powerpoint/2010/main" val="1184615736"/>
+        <p14:creationId xmlns:p14="http://schemas.microsoft.com/office/powerpoint/2010/main" val="3623800943"/>
       </p:ext>
     </p:extLst>
   </p:cSld>
